--- a/docs/images/listing_images.pptx
+++ b/docs/images/listing_images.pptx
@@ -8,6 +8,7 @@
     <p:sldId id="258" r:id="rId2"/>
     <p:sldId id="260" r:id="rId3"/>
     <p:sldId id="259" r:id="rId4"/>
+    <p:sldId id="261" r:id="rId5"/>
   </p:sldIdLst>
   <p:sldSz cx="12192000" cy="6858000"/>
   <p:notesSz cx="6858000" cy="9144000"/>
@@ -263,7 +264,7 @@
           <a:p>
             <a:fld id="{D66A3454-FE8B-43FF-A5CF-11748C0C9FCF}" type="datetimeFigureOut">
               <a:rPr lang="en-AU" smtClean="0"/>
-              <a:t>16/04/2025</a:t>
+              <a:t>18/04/2025</a:t>
             </a:fld>
             <a:endParaRPr lang="en-AU"/>
           </a:p>
@@ -463,7 +464,7 @@
           <a:p>
             <a:fld id="{D66A3454-FE8B-43FF-A5CF-11748C0C9FCF}" type="datetimeFigureOut">
               <a:rPr lang="en-AU" smtClean="0"/>
-              <a:t>16/04/2025</a:t>
+              <a:t>18/04/2025</a:t>
             </a:fld>
             <a:endParaRPr lang="en-AU"/>
           </a:p>
@@ -673,7 +674,7 @@
           <a:p>
             <a:fld id="{D66A3454-FE8B-43FF-A5CF-11748C0C9FCF}" type="datetimeFigureOut">
               <a:rPr lang="en-AU" smtClean="0"/>
-              <a:t>16/04/2025</a:t>
+              <a:t>18/04/2025</a:t>
             </a:fld>
             <a:endParaRPr lang="en-AU"/>
           </a:p>
@@ -873,7 +874,7 @@
           <a:p>
             <a:fld id="{D66A3454-FE8B-43FF-A5CF-11748C0C9FCF}" type="datetimeFigureOut">
               <a:rPr lang="en-AU" smtClean="0"/>
-              <a:t>16/04/2025</a:t>
+              <a:t>18/04/2025</a:t>
             </a:fld>
             <a:endParaRPr lang="en-AU"/>
           </a:p>
@@ -1149,7 +1150,7 @@
           <a:p>
             <a:fld id="{D66A3454-FE8B-43FF-A5CF-11748C0C9FCF}" type="datetimeFigureOut">
               <a:rPr lang="en-AU" smtClean="0"/>
-              <a:t>16/04/2025</a:t>
+              <a:t>18/04/2025</a:t>
             </a:fld>
             <a:endParaRPr lang="en-AU"/>
           </a:p>
@@ -1417,7 +1418,7 @@
           <a:p>
             <a:fld id="{D66A3454-FE8B-43FF-A5CF-11748C0C9FCF}" type="datetimeFigureOut">
               <a:rPr lang="en-AU" smtClean="0"/>
-              <a:t>16/04/2025</a:t>
+              <a:t>18/04/2025</a:t>
             </a:fld>
             <a:endParaRPr lang="en-AU"/>
           </a:p>
@@ -1832,7 +1833,7 @@
           <a:p>
             <a:fld id="{D66A3454-FE8B-43FF-A5CF-11748C0C9FCF}" type="datetimeFigureOut">
               <a:rPr lang="en-AU" smtClean="0"/>
-              <a:t>16/04/2025</a:t>
+              <a:t>18/04/2025</a:t>
             </a:fld>
             <a:endParaRPr lang="en-AU"/>
           </a:p>
@@ -1974,7 +1975,7 @@
           <a:p>
             <a:fld id="{D66A3454-FE8B-43FF-A5CF-11748C0C9FCF}" type="datetimeFigureOut">
               <a:rPr lang="en-AU" smtClean="0"/>
-              <a:t>16/04/2025</a:t>
+              <a:t>18/04/2025</a:t>
             </a:fld>
             <a:endParaRPr lang="en-AU"/>
           </a:p>
@@ -2087,7 +2088,7 @@
           <a:p>
             <a:fld id="{D66A3454-FE8B-43FF-A5CF-11748C0C9FCF}" type="datetimeFigureOut">
               <a:rPr lang="en-AU" smtClean="0"/>
-              <a:t>16/04/2025</a:t>
+              <a:t>18/04/2025</a:t>
             </a:fld>
             <a:endParaRPr lang="en-AU"/>
           </a:p>
@@ -2400,7 +2401,7 @@
           <a:p>
             <a:fld id="{D66A3454-FE8B-43FF-A5CF-11748C0C9FCF}" type="datetimeFigureOut">
               <a:rPr lang="en-AU" smtClean="0"/>
-              <a:t>16/04/2025</a:t>
+              <a:t>18/04/2025</a:t>
             </a:fld>
             <a:endParaRPr lang="en-AU"/>
           </a:p>
@@ -2689,7 +2690,7 @@
           <a:p>
             <a:fld id="{D66A3454-FE8B-43FF-A5CF-11748C0C9FCF}" type="datetimeFigureOut">
               <a:rPr lang="en-AU" smtClean="0"/>
-              <a:t>16/04/2025</a:t>
+              <a:t>18/04/2025</a:t>
             </a:fld>
             <a:endParaRPr lang="en-AU"/>
           </a:p>
@@ -2932,7 +2933,7 @@
           <a:p>
             <a:fld id="{D66A3454-FE8B-43FF-A5CF-11748C0C9FCF}" type="datetimeFigureOut">
               <a:rPr lang="en-AU" smtClean="0"/>
-              <a:t>16/04/2025</a:t>
+              <a:t>18/04/2025</a:t>
             </a:fld>
             <a:endParaRPr lang="en-AU"/>
           </a:p>
@@ -3793,6 +3794,573 @@
 </p:sld>
 </file>
 
+<file path=ppt/slides/slide4.xml><?xml version="1.0" encoding="utf-8"?>
+<p:sld xmlns:a="http://schemas.openxmlformats.org/drawingml/2006/main" xmlns:r="http://schemas.openxmlformats.org/officeDocument/2006/relationships" xmlns:p="http://schemas.openxmlformats.org/presentationml/2006/main">
+  <p:cSld>
+    <p:spTree>
+      <p:nvGrpSpPr>
+        <p:cNvPr id="1" name="">
+          <a:extLst>
+            <a:ext uri="{FF2B5EF4-FFF2-40B4-BE49-F238E27FC236}">
+              <a16:creationId xmlns:a16="http://schemas.microsoft.com/office/drawing/2014/main" id="{F6DC8F74-0C92-7108-7817-F30AFACA32F8}"/>
+            </a:ext>
+          </a:extLst>
+        </p:cNvPr>
+        <p:cNvGrpSpPr/>
+        <p:nvPr/>
+      </p:nvGrpSpPr>
+      <p:grpSpPr>
+        <a:xfrm>
+          <a:off x="0" y="0"/>
+          <a:ext cx="0" cy="0"/>
+          <a:chOff x="0" y="0"/>
+          <a:chExt cx="0" cy="0"/>
+        </a:xfrm>
+      </p:grpSpPr>
+      <p:sp>
+        <p:nvSpPr>
+          <p:cNvPr id="16" name="Rectangle 15">
+            <a:extLst>
+              <a:ext uri="{FF2B5EF4-FFF2-40B4-BE49-F238E27FC236}">
+                <a16:creationId xmlns:a16="http://schemas.microsoft.com/office/drawing/2014/main" id="{D9470EF1-4BC6-74F2-C11A-1B93A8285104}"/>
+              </a:ext>
+            </a:extLst>
+          </p:cNvPr>
+          <p:cNvSpPr/>
+          <p:nvPr/>
+        </p:nvSpPr>
+        <p:spPr>
+          <a:xfrm>
+            <a:off x="3326450" y="4396721"/>
+            <a:ext cx="5475600" cy="1800000"/>
+          </a:xfrm>
+          <a:prstGeom prst="rect">
+            <a:avLst/>
+          </a:prstGeom>
+          <a:solidFill>
+            <a:srgbClr val="00252A"/>
+          </a:solidFill>
+        </p:spPr>
+        <p:style>
+          <a:lnRef idx="2">
+            <a:schemeClr val="accent1">
+              <a:shade val="15000"/>
+            </a:schemeClr>
+          </a:lnRef>
+          <a:fillRef idx="1">
+            <a:schemeClr val="accent1"/>
+          </a:fillRef>
+          <a:effectRef idx="0">
+            <a:schemeClr val="accent1"/>
+          </a:effectRef>
+          <a:fontRef idx="minor">
+            <a:schemeClr val="lt1"/>
+          </a:fontRef>
+        </p:style>
+        <p:txBody>
+          <a:bodyPr rtlCol="0" anchor="ctr"/>
+          <a:lstStyle/>
+          <a:p>
+            <a:pPr algn="ctr"/>
+            <a:r>
+              <a:rPr lang="en-AU" sz="1400" dirty="0"/>
+              <a:t>5cmx15.21cm Placeholder Image</a:t>
+            </a:r>
+          </a:p>
+        </p:txBody>
+      </p:sp>
+      <p:grpSp>
+        <p:nvGrpSpPr>
+          <p:cNvPr id="24" name="Group 23">
+            <a:extLst>
+              <a:ext uri="{FF2B5EF4-FFF2-40B4-BE49-F238E27FC236}">
+                <a16:creationId xmlns:a16="http://schemas.microsoft.com/office/drawing/2014/main" id="{B037A4C1-C2E9-1D75-FB89-84B11A399404}"/>
+              </a:ext>
+            </a:extLst>
+          </p:cNvPr>
+          <p:cNvGrpSpPr/>
+          <p:nvPr/>
+        </p:nvGrpSpPr>
+        <p:grpSpPr>
+          <a:xfrm>
+            <a:off x="3877468" y="1073237"/>
+            <a:ext cx="4100747" cy="1531578"/>
+            <a:chOff x="3826668" y="1028787"/>
+            <a:chExt cx="4100747" cy="1531578"/>
+          </a:xfrm>
+        </p:grpSpPr>
+        <p:sp>
+          <p:nvSpPr>
+            <p:cNvPr id="2" name="TextBox 1">
+              <a:extLst>
+                <a:ext uri="{FF2B5EF4-FFF2-40B4-BE49-F238E27FC236}">
+                  <a16:creationId xmlns:a16="http://schemas.microsoft.com/office/drawing/2014/main" id="{9A8B242A-69C4-ECE6-3361-44435CE84098}"/>
+                </a:ext>
+              </a:extLst>
+            </p:cNvPr>
+            <p:cNvSpPr txBox="1"/>
+            <p:nvPr/>
+          </p:nvSpPr>
+          <p:spPr>
+            <a:xfrm>
+              <a:off x="3995271" y="1532966"/>
+              <a:ext cx="3932144" cy="523220"/>
+            </a:xfrm>
+            <a:prstGeom prst="rect">
+              <a:avLst/>
+            </a:prstGeom>
+            <a:noFill/>
+          </p:spPr>
+          <p:txBody>
+            <a:bodyPr wrap="square" rtlCol="0">
+              <a:spAutoFit/>
+            </a:bodyPr>
+            <a:lstStyle/>
+            <a:p>
+              <a:r>
+                <a:rPr lang="en-AU" sz="2800" dirty="0"/>
+                <a:t>for (i in 1:10){function}</a:t>
+              </a:r>
+            </a:p>
+          </p:txBody>
+        </p:sp>
+        <p:sp>
+          <p:nvSpPr>
+            <p:cNvPr id="3" name="Rectangle 2">
+              <a:extLst>
+                <a:ext uri="{FF2B5EF4-FFF2-40B4-BE49-F238E27FC236}">
+                  <a16:creationId xmlns:a16="http://schemas.microsoft.com/office/drawing/2014/main" id="{9379C5F0-968D-67D3-EE3D-D447DA568AAF}"/>
+                </a:ext>
+              </a:extLst>
+            </p:cNvPr>
+            <p:cNvSpPr/>
+            <p:nvPr/>
+          </p:nvSpPr>
+          <p:spPr>
+            <a:xfrm>
+              <a:off x="4673600" y="1584512"/>
+              <a:ext cx="161925" cy="423582"/>
+            </a:xfrm>
+            <a:prstGeom prst="rect">
+              <a:avLst/>
+            </a:prstGeom>
+            <a:solidFill>
+              <a:schemeClr val="accent1">
+                <a:alpha val="50196"/>
+              </a:schemeClr>
+            </a:solidFill>
+            <a:ln>
+              <a:solidFill>
+                <a:schemeClr val="accent1"/>
+              </a:solidFill>
+            </a:ln>
+          </p:spPr>
+          <p:style>
+            <a:lnRef idx="2">
+              <a:schemeClr val="accent1">
+                <a:shade val="15000"/>
+              </a:schemeClr>
+            </a:lnRef>
+            <a:fillRef idx="1">
+              <a:schemeClr val="accent1"/>
+            </a:fillRef>
+            <a:effectRef idx="0">
+              <a:schemeClr val="accent1"/>
+            </a:effectRef>
+            <a:fontRef idx="minor">
+              <a:schemeClr val="lt1"/>
+            </a:fontRef>
+          </p:style>
+          <p:txBody>
+            <a:bodyPr rtlCol="0" anchor="ctr"/>
+            <a:lstStyle/>
+            <a:p>
+              <a:pPr algn="ctr"/>
+              <a:endParaRPr lang="en-AU"/>
+            </a:p>
+          </p:txBody>
+        </p:sp>
+        <p:sp>
+          <p:nvSpPr>
+            <p:cNvPr id="4" name="Rectangle 3">
+              <a:extLst>
+                <a:ext uri="{FF2B5EF4-FFF2-40B4-BE49-F238E27FC236}">
+                  <a16:creationId xmlns:a16="http://schemas.microsoft.com/office/drawing/2014/main" id="{5AFB3544-3A60-B8A3-87EA-A06710672E78}"/>
+                </a:ext>
+              </a:extLst>
+            </p:cNvPr>
+            <p:cNvSpPr/>
+            <p:nvPr/>
+          </p:nvSpPr>
+          <p:spPr>
+            <a:xfrm>
+              <a:off x="5191124" y="1584512"/>
+              <a:ext cx="666751" cy="423582"/>
+            </a:xfrm>
+            <a:prstGeom prst="rect">
+              <a:avLst/>
+            </a:prstGeom>
+            <a:solidFill>
+              <a:schemeClr val="accent6">
+                <a:alpha val="50196"/>
+              </a:schemeClr>
+            </a:solidFill>
+            <a:ln>
+              <a:solidFill>
+                <a:schemeClr val="accent6"/>
+              </a:solidFill>
+            </a:ln>
+          </p:spPr>
+          <p:style>
+            <a:lnRef idx="2">
+              <a:schemeClr val="accent1">
+                <a:shade val="15000"/>
+              </a:schemeClr>
+            </a:lnRef>
+            <a:fillRef idx="1">
+              <a:schemeClr val="accent1"/>
+            </a:fillRef>
+            <a:effectRef idx="0">
+              <a:schemeClr val="accent1"/>
+            </a:effectRef>
+            <a:fontRef idx="minor">
+              <a:schemeClr val="lt1"/>
+            </a:fontRef>
+          </p:style>
+          <p:txBody>
+            <a:bodyPr rtlCol="0" anchor="ctr"/>
+            <a:lstStyle/>
+            <a:p>
+              <a:pPr algn="ctr"/>
+              <a:endParaRPr lang="en-AU"/>
+            </a:p>
+          </p:txBody>
+        </p:sp>
+        <p:sp>
+          <p:nvSpPr>
+            <p:cNvPr id="5" name="Rectangle 4">
+              <a:extLst>
+                <a:ext uri="{FF2B5EF4-FFF2-40B4-BE49-F238E27FC236}">
+                  <a16:creationId xmlns:a16="http://schemas.microsoft.com/office/drawing/2014/main" id="{0F88FEFE-065E-4BD9-5086-613EA16DD0F2}"/>
+                </a:ext>
+              </a:extLst>
+            </p:cNvPr>
+            <p:cNvSpPr/>
+            <p:nvPr/>
+          </p:nvSpPr>
+          <p:spPr>
+            <a:xfrm>
+              <a:off x="6064250" y="1582785"/>
+              <a:ext cx="1195911" cy="423582"/>
+            </a:xfrm>
+            <a:prstGeom prst="rect">
+              <a:avLst/>
+            </a:prstGeom>
+            <a:solidFill>
+              <a:schemeClr val="accent2">
+                <a:alpha val="50196"/>
+              </a:schemeClr>
+            </a:solidFill>
+            <a:ln>
+              <a:solidFill>
+                <a:schemeClr val="accent2"/>
+              </a:solidFill>
+            </a:ln>
+          </p:spPr>
+          <p:style>
+            <a:lnRef idx="2">
+              <a:schemeClr val="accent1">
+                <a:shade val="15000"/>
+              </a:schemeClr>
+            </a:lnRef>
+            <a:fillRef idx="1">
+              <a:schemeClr val="accent1"/>
+            </a:fillRef>
+            <a:effectRef idx="0">
+              <a:schemeClr val="accent1"/>
+            </a:effectRef>
+            <a:fontRef idx="minor">
+              <a:schemeClr val="lt1"/>
+            </a:fontRef>
+          </p:style>
+          <p:txBody>
+            <a:bodyPr rtlCol="0" anchor="ctr"/>
+            <a:lstStyle/>
+            <a:p>
+              <a:pPr algn="ctr"/>
+              <a:endParaRPr lang="en-AU"/>
+            </a:p>
+          </p:txBody>
+        </p:sp>
+        <p:sp>
+          <p:nvSpPr>
+            <p:cNvPr id="6" name="TextBox 5">
+              <a:extLst>
+                <a:ext uri="{FF2B5EF4-FFF2-40B4-BE49-F238E27FC236}">
+                  <a16:creationId xmlns:a16="http://schemas.microsoft.com/office/drawing/2014/main" id="{6E2A8547-AFCA-B4AD-0238-C5F8D274ECA9}"/>
+                </a:ext>
+              </a:extLst>
+            </p:cNvPr>
+            <p:cNvSpPr txBox="1"/>
+            <p:nvPr/>
+          </p:nvSpPr>
+          <p:spPr>
+            <a:xfrm>
+              <a:off x="4343400" y="1028787"/>
+              <a:ext cx="2362200" cy="369332"/>
+            </a:xfrm>
+            <a:prstGeom prst="rect">
+              <a:avLst/>
+            </a:prstGeom>
+            <a:noFill/>
+          </p:spPr>
+          <p:txBody>
+            <a:bodyPr wrap="square" rtlCol="0">
+              <a:spAutoFit/>
+            </a:bodyPr>
+            <a:lstStyle/>
+            <a:p>
+              <a:r>
+                <a:rPr lang="en-AU" dirty="0">
+                  <a:solidFill>
+                    <a:schemeClr val="accent6"/>
+                  </a:solidFill>
+                </a:rPr>
+                <a:t>The range to loop over.</a:t>
+              </a:r>
+            </a:p>
+          </p:txBody>
+        </p:sp>
+        <p:sp>
+          <p:nvSpPr>
+            <p:cNvPr id="7" name="TextBox 6">
+              <a:extLst>
+                <a:ext uri="{FF2B5EF4-FFF2-40B4-BE49-F238E27FC236}">
+                  <a16:creationId xmlns:a16="http://schemas.microsoft.com/office/drawing/2014/main" id="{EA5B5184-CB58-24B6-1A60-57E398BA0DCC}"/>
+                </a:ext>
+              </a:extLst>
+            </p:cNvPr>
+            <p:cNvSpPr txBox="1"/>
+            <p:nvPr/>
+          </p:nvSpPr>
+          <p:spPr>
+            <a:xfrm>
+              <a:off x="5596339" y="2191033"/>
+              <a:ext cx="2131733" cy="369332"/>
+            </a:xfrm>
+            <a:prstGeom prst="rect">
+              <a:avLst/>
+            </a:prstGeom>
+            <a:noFill/>
+          </p:spPr>
+          <p:txBody>
+            <a:bodyPr wrap="square" rtlCol="0">
+              <a:spAutoFit/>
+            </a:bodyPr>
+            <a:lstStyle/>
+            <a:p>
+              <a:r>
+                <a:rPr lang="en-AU" dirty="0">
+                  <a:solidFill>
+                    <a:schemeClr val="accent2"/>
+                  </a:solidFill>
+                </a:rPr>
+                <a:t>The thing to repeat.</a:t>
+              </a:r>
+            </a:p>
+          </p:txBody>
+        </p:sp>
+        <p:sp>
+          <p:nvSpPr>
+            <p:cNvPr id="8" name="TextBox 7">
+              <a:extLst>
+                <a:ext uri="{FF2B5EF4-FFF2-40B4-BE49-F238E27FC236}">
+                  <a16:creationId xmlns:a16="http://schemas.microsoft.com/office/drawing/2014/main" id="{CDCD0F40-C260-D176-BF4A-C503468091CC}"/>
+                </a:ext>
+              </a:extLst>
+            </p:cNvPr>
+            <p:cNvSpPr txBox="1"/>
+            <p:nvPr/>
+          </p:nvSpPr>
+          <p:spPr>
+            <a:xfrm>
+              <a:off x="3826668" y="2191033"/>
+              <a:ext cx="1855788" cy="369332"/>
+            </a:xfrm>
+            <a:prstGeom prst="rect">
+              <a:avLst/>
+            </a:prstGeom>
+            <a:noFill/>
+          </p:spPr>
+          <p:txBody>
+            <a:bodyPr wrap="square" rtlCol="0">
+              <a:spAutoFit/>
+            </a:bodyPr>
+            <a:lstStyle/>
+            <a:p>
+              <a:r>
+                <a:rPr lang="en-AU" dirty="0">
+                  <a:solidFill>
+                    <a:schemeClr val="accent1"/>
+                  </a:solidFill>
+                </a:rPr>
+                <a:t>The current loop.</a:t>
+              </a:r>
+            </a:p>
+          </p:txBody>
+        </p:sp>
+        <p:cxnSp>
+          <p:nvCxnSpPr>
+            <p:cNvPr id="10" name="Straight Arrow Connector 9">
+              <a:extLst>
+                <a:ext uri="{FF2B5EF4-FFF2-40B4-BE49-F238E27FC236}">
+                  <a16:creationId xmlns:a16="http://schemas.microsoft.com/office/drawing/2014/main" id="{A54A53A5-7D07-E2DB-7B32-88A7F7BD0E62}"/>
+                </a:ext>
+              </a:extLst>
+            </p:cNvPr>
+            <p:cNvCxnSpPr>
+              <a:cxnSpLocks/>
+              <a:stCxn id="8" idx="0"/>
+              <a:endCxn id="3" idx="2"/>
+            </p:cNvCxnSpPr>
+            <p:nvPr/>
+          </p:nvCxnSpPr>
+          <p:spPr>
+            <a:xfrm flipV="1">
+              <a:off x="4754562" y="2008094"/>
+              <a:ext cx="1" cy="230281"/>
+            </a:xfrm>
+            <a:prstGeom prst="straightConnector1">
+              <a:avLst/>
+            </a:prstGeom>
+            <a:ln w="38100">
+              <a:solidFill>
+                <a:schemeClr val="accent1"/>
+              </a:solidFill>
+              <a:tailEnd type="triangle"/>
+            </a:ln>
+          </p:spPr>
+          <p:style>
+            <a:lnRef idx="1">
+              <a:schemeClr val="accent1"/>
+            </a:lnRef>
+            <a:fillRef idx="0">
+              <a:schemeClr val="accent1"/>
+            </a:fillRef>
+            <a:effectRef idx="0">
+              <a:schemeClr val="accent1"/>
+            </a:effectRef>
+            <a:fontRef idx="minor">
+              <a:schemeClr val="tx1"/>
+            </a:fontRef>
+          </p:style>
+        </p:cxnSp>
+        <p:cxnSp>
+          <p:nvCxnSpPr>
+            <p:cNvPr id="11" name="Straight Arrow Connector 10">
+              <a:extLst>
+                <a:ext uri="{FF2B5EF4-FFF2-40B4-BE49-F238E27FC236}">
+                  <a16:creationId xmlns:a16="http://schemas.microsoft.com/office/drawing/2014/main" id="{C2C5402B-C90C-ECF3-6464-D24228999892}"/>
+                </a:ext>
+              </a:extLst>
+            </p:cNvPr>
+            <p:cNvCxnSpPr>
+              <a:cxnSpLocks/>
+              <a:stCxn id="7" idx="0"/>
+              <a:endCxn id="5" idx="2"/>
+            </p:cNvCxnSpPr>
+            <p:nvPr/>
+          </p:nvCxnSpPr>
+          <p:spPr>
+            <a:xfrm flipV="1">
+              <a:off x="6662206" y="2006367"/>
+              <a:ext cx="0" cy="260582"/>
+            </a:xfrm>
+            <a:prstGeom prst="straightConnector1">
+              <a:avLst/>
+            </a:prstGeom>
+            <a:ln w="38100">
+              <a:solidFill>
+                <a:schemeClr val="accent2"/>
+              </a:solidFill>
+              <a:tailEnd type="triangle"/>
+            </a:ln>
+          </p:spPr>
+          <p:style>
+            <a:lnRef idx="1">
+              <a:schemeClr val="accent1"/>
+            </a:lnRef>
+            <a:fillRef idx="0">
+              <a:schemeClr val="accent1"/>
+            </a:fillRef>
+            <a:effectRef idx="0">
+              <a:schemeClr val="accent1"/>
+            </a:effectRef>
+            <a:fontRef idx="minor">
+              <a:schemeClr val="tx1"/>
+            </a:fontRef>
+          </p:style>
+        </p:cxnSp>
+        <p:cxnSp>
+          <p:nvCxnSpPr>
+            <p:cNvPr id="12" name="Straight Arrow Connector 11">
+              <a:extLst>
+                <a:ext uri="{FF2B5EF4-FFF2-40B4-BE49-F238E27FC236}">
+                  <a16:creationId xmlns:a16="http://schemas.microsoft.com/office/drawing/2014/main" id="{A6E99A9E-2695-29E9-AE9C-D8808F403EF8}"/>
+                </a:ext>
+              </a:extLst>
+            </p:cNvPr>
+            <p:cNvCxnSpPr>
+              <a:cxnSpLocks/>
+              <a:stCxn id="6" idx="2"/>
+              <a:endCxn id="4" idx="0"/>
+            </p:cNvCxnSpPr>
+            <p:nvPr/>
+          </p:nvCxnSpPr>
+          <p:spPr>
+            <a:xfrm>
+              <a:off x="5524500" y="1346200"/>
+              <a:ext cx="0" cy="238312"/>
+            </a:xfrm>
+            <a:prstGeom prst="straightConnector1">
+              <a:avLst/>
+            </a:prstGeom>
+            <a:ln w="38100">
+              <a:solidFill>
+                <a:schemeClr val="accent6"/>
+              </a:solidFill>
+              <a:tailEnd type="triangle"/>
+            </a:ln>
+          </p:spPr>
+          <p:style>
+            <a:lnRef idx="1">
+              <a:schemeClr val="accent1"/>
+            </a:lnRef>
+            <a:fillRef idx="0">
+              <a:schemeClr val="accent1"/>
+            </a:fillRef>
+            <a:effectRef idx="0">
+              <a:schemeClr val="accent1"/>
+            </a:effectRef>
+            <a:fontRef idx="minor">
+              <a:schemeClr val="tx1"/>
+            </a:fontRef>
+          </p:style>
+        </p:cxnSp>
+      </p:grpSp>
+    </p:spTree>
+    <p:extLst>
+      <p:ext uri="{BB962C8B-B14F-4D97-AF65-F5344CB8AC3E}">
+        <p14:creationId xmlns:p14="http://schemas.microsoft.com/office/powerpoint/2010/main" val="1594896056"/>
+      </p:ext>
+    </p:extLst>
+  </p:cSld>
+  <p:clrMapOvr>
+    <a:masterClrMapping/>
+  </p:clrMapOvr>
+</p:sld>
+</file>
+
 <file path=ppt/theme/theme1.xml><?xml version="1.0" encoding="utf-8"?>
 <a:theme xmlns:a="http://schemas.openxmlformats.org/drawingml/2006/main" name="Office Theme">
   <a:themeElements>

--- a/docs/images/listing_images.pptx
+++ b/docs/images/listing_images.pptx
@@ -9,6 +9,7 @@
     <p:sldId id="260" r:id="rId3"/>
     <p:sldId id="259" r:id="rId4"/>
     <p:sldId id="261" r:id="rId5"/>
+    <p:sldId id="262" r:id="rId6"/>
   </p:sldIdLst>
   <p:sldSz cx="12192000" cy="6858000"/>
   <p:notesSz cx="6858000" cy="9144000"/>
@@ -264,7 +265,7 @@
           <a:p>
             <a:fld id="{D66A3454-FE8B-43FF-A5CF-11748C0C9FCF}" type="datetimeFigureOut">
               <a:rPr lang="en-AU" smtClean="0"/>
-              <a:t>18/04/2025</a:t>
+              <a:t>21/04/2025</a:t>
             </a:fld>
             <a:endParaRPr lang="en-AU"/>
           </a:p>
@@ -464,7 +465,7 @@
           <a:p>
             <a:fld id="{D66A3454-FE8B-43FF-A5CF-11748C0C9FCF}" type="datetimeFigureOut">
               <a:rPr lang="en-AU" smtClean="0"/>
-              <a:t>18/04/2025</a:t>
+              <a:t>21/04/2025</a:t>
             </a:fld>
             <a:endParaRPr lang="en-AU"/>
           </a:p>
@@ -674,7 +675,7 @@
           <a:p>
             <a:fld id="{D66A3454-FE8B-43FF-A5CF-11748C0C9FCF}" type="datetimeFigureOut">
               <a:rPr lang="en-AU" smtClean="0"/>
-              <a:t>18/04/2025</a:t>
+              <a:t>21/04/2025</a:t>
             </a:fld>
             <a:endParaRPr lang="en-AU"/>
           </a:p>
@@ -874,7 +875,7 @@
           <a:p>
             <a:fld id="{D66A3454-FE8B-43FF-A5CF-11748C0C9FCF}" type="datetimeFigureOut">
               <a:rPr lang="en-AU" smtClean="0"/>
-              <a:t>18/04/2025</a:t>
+              <a:t>21/04/2025</a:t>
             </a:fld>
             <a:endParaRPr lang="en-AU"/>
           </a:p>
@@ -1150,7 +1151,7 @@
           <a:p>
             <a:fld id="{D66A3454-FE8B-43FF-A5CF-11748C0C9FCF}" type="datetimeFigureOut">
               <a:rPr lang="en-AU" smtClean="0"/>
-              <a:t>18/04/2025</a:t>
+              <a:t>21/04/2025</a:t>
             </a:fld>
             <a:endParaRPr lang="en-AU"/>
           </a:p>
@@ -1418,7 +1419,7 @@
           <a:p>
             <a:fld id="{D66A3454-FE8B-43FF-A5CF-11748C0C9FCF}" type="datetimeFigureOut">
               <a:rPr lang="en-AU" smtClean="0"/>
-              <a:t>18/04/2025</a:t>
+              <a:t>21/04/2025</a:t>
             </a:fld>
             <a:endParaRPr lang="en-AU"/>
           </a:p>
@@ -1833,7 +1834,7 @@
           <a:p>
             <a:fld id="{D66A3454-FE8B-43FF-A5CF-11748C0C9FCF}" type="datetimeFigureOut">
               <a:rPr lang="en-AU" smtClean="0"/>
-              <a:t>18/04/2025</a:t>
+              <a:t>21/04/2025</a:t>
             </a:fld>
             <a:endParaRPr lang="en-AU"/>
           </a:p>
@@ -1975,7 +1976,7 @@
           <a:p>
             <a:fld id="{D66A3454-FE8B-43FF-A5CF-11748C0C9FCF}" type="datetimeFigureOut">
               <a:rPr lang="en-AU" smtClean="0"/>
-              <a:t>18/04/2025</a:t>
+              <a:t>21/04/2025</a:t>
             </a:fld>
             <a:endParaRPr lang="en-AU"/>
           </a:p>
@@ -2088,7 +2089,7 @@
           <a:p>
             <a:fld id="{D66A3454-FE8B-43FF-A5CF-11748C0C9FCF}" type="datetimeFigureOut">
               <a:rPr lang="en-AU" smtClean="0"/>
-              <a:t>18/04/2025</a:t>
+              <a:t>21/04/2025</a:t>
             </a:fld>
             <a:endParaRPr lang="en-AU"/>
           </a:p>
@@ -2401,7 +2402,7 @@
           <a:p>
             <a:fld id="{D66A3454-FE8B-43FF-A5CF-11748C0C9FCF}" type="datetimeFigureOut">
               <a:rPr lang="en-AU" smtClean="0"/>
-              <a:t>18/04/2025</a:t>
+              <a:t>21/04/2025</a:t>
             </a:fld>
             <a:endParaRPr lang="en-AU"/>
           </a:p>
@@ -2690,7 +2691,7 @@
           <a:p>
             <a:fld id="{D66A3454-FE8B-43FF-A5CF-11748C0C9FCF}" type="datetimeFigureOut">
               <a:rPr lang="en-AU" smtClean="0"/>
-              <a:t>18/04/2025</a:t>
+              <a:t>21/04/2025</a:t>
             </a:fld>
             <a:endParaRPr lang="en-AU"/>
           </a:p>
@@ -2933,7 +2934,7 @@
           <a:p>
             <a:fld id="{D66A3454-FE8B-43FF-A5CF-11748C0C9FCF}" type="datetimeFigureOut">
               <a:rPr lang="en-AU" smtClean="0"/>
-              <a:t>18/04/2025</a:t>
+              <a:t>21/04/2025</a:t>
             </a:fld>
             <a:endParaRPr lang="en-AU"/>
           </a:p>
@@ -3679,10 +3680,10 @@
               <a:blip r:embed="rId2">
                 <a:duotone>
                   <a:prstClr val="black"/>
-                  <a:schemeClr val="accent2">
+                  <a:srgbClr val="8E3B46">
                     <a:tint val="45000"/>
                     <a:satMod val="400000"/>
-                  </a:schemeClr>
+                  </a:srgbClr>
                 </a:duotone>
               </a:blip>
               <a:stretch>
@@ -3717,10 +3718,10 @@
               <a:blip r:embed="rId2">
                 <a:duotone>
                   <a:prstClr val="black"/>
-                  <a:schemeClr val="accent6">
+                  <a:srgbClr val="E6AA04">
                     <a:tint val="45000"/>
                     <a:satMod val="400000"/>
-                  </a:schemeClr>
+                  </a:srgbClr>
                 </a:duotone>
               </a:blip>
               <a:stretch>
@@ -3760,7 +3761,7 @@
             </a:prstGeom>
             <a:ln w="63500">
               <a:solidFill>
-                <a:schemeClr val="tx1"/>
+                <a:srgbClr val="00252A"/>
               </a:solidFill>
               <a:tailEnd type="triangle"/>
             </a:ln>
@@ -3945,13 +3946,13 @@
               <a:avLst/>
             </a:prstGeom>
             <a:solidFill>
-              <a:schemeClr val="accent1">
+              <a:srgbClr val="8E3B46">
                 <a:alpha val="50196"/>
-              </a:schemeClr>
+              </a:srgbClr>
             </a:solidFill>
             <a:ln>
               <a:solidFill>
-                <a:schemeClr val="accent1"/>
+                <a:srgbClr val="8E3B46"/>
               </a:solidFill>
             </a:ln>
           </p:spPr>
@@ -3976,7 +3977,11 @@
             <a:lstStyle/>
             <a:p>
               <a:pPr algn="ctr"/>
-              <a:endParaRPr lang="en-AU"/>
+              <a:endParaRPr lang="en-AU">
+                <a:solidFill>
+                  <a:srgbClr val="8E3B46"/>
+                </a:solidFill>
+              </a:endParaRPr>
             </a:p>
           </p:txBody>
         </p:sp>
@@ -4001,13 +4006,13 @@
               <a:avLst/>
             </a:prstGeom>
             <a:solidFill>
-              <a:schemeClr val="accent6">
+              <a:srgbClr val="E6AA04">
                 <a:alpha val="50196"/>
-              </a:schemeClr>
+              </a:srgbClr>
             </a:solidFill>
             <a:ln>
               <a:solidFill>
-                <a:schemeClr val="accent6"/>
+                <a:srgbClr val="E6AA04"/>
               </a:solidFill>
             </a:ln>
           </p:spPr>
@@ -4057,13 +4062,13 @@
               <a:avLst/>
             </a:prstGeom>
             <a:solidFill>
-              <a:schemeClr val="accent2">
+              <a:srgbClr val="00252A">
                 <a:alpha val="50196"/>
-              </a:schemeClr>
+              </a:srgbClr>
             </a:solidFill>
             <a:ln>
               <a:solidFill>
-                <a:schemeClr val="accent2"/>
+                <a:srgbClr val="00252A"/>
               </a:solidFill>
             </a:ln>
           </p:spPr>
@@ -4123,7 +4128,7 @@
               <a:r>
                 <a:rPr lang="en-AU" dirty="0">
                   <a:solidFill>
-                    <a:schemeClr val="accent6"/>
+                    <a:srgbClr val="E6AA04"/>
                   </a:solidFill>
                 </a:rPr>
                 <a:t>The range to loop over.</a:t>
@@ -4162,7 +4167,7 @@
               <a:r>
                 <a:rPr lang="en-AU" dirty="0">
                   <a:solidFill>
-                    <a:schemeClr val="accent2"/>
+                    <a:srgbClr val="00252A"/>
                   </a:solidFill>
                 </a:rPr>
                 <a:t>The thing to repeat.</a:t>
@@ -4201,7 +4206,7 @@
               <a:r>
                 <a:rPr lang="en-AU" dirty="0">
                   <a:solidFill>
-                    <a:schemeClr val="accent1"/>
+                    <a:srgbClr val="8E3B46"/>
                   </a:solidFill>
                 </a:rPr>
                 <a:t>The current loop.</a:t>
@@ -4235,7 +4240,7 @@
             </a:prstGeom>
             <a:ln w="38100">
               <a:solidFill>
-                <a:schemeClr val="accent1"/>
+                <a:srgbClr val="8E3B46"/>
               </a:solidFill>
               <a:tailEnd type="triangle"/>
             </a:ln>
@@ -4281,7 +4286,7 @@
             </a:prstGeom>
             <a:ln w="38100">
               <a:solidFill>
-                <a:schemeClr val="accent2"/>
+                <a:srgbClr val="00252A"/>
               </a:solidFill>
               <a:tailEnd type="triangle"/>
             </a:ln>
@@ -4327,7 +4332,7 @@
             </a:prstGeom>
             <a:ln w="38100">
               <a:solidFill>
-                <a:schemeClr val="accent6"/>
+                <a:srgbClr val="E6AA04"/>
               </a:solidFill>
               <a:tailEnd type="triangle"/>
             </a:ln>
@@ -4352,6 +4357,313 @@
     <p:extLst>
       <p:ext uri="{BB962C8B-B14F-4D97-AF65-F5344CB8AC3E}">
         <p14:creationId xmlns:p14="http://schemas.microsoft.com/office/powerpoint/2010/main" val="1594896056"/>
+      </p:ext>
+    </p:extLst>
+  </p:cSld>
+  <p:clrMapOvr>
+    <a:masterClrMapping/>
+  </p:clrMapOvr>
+</p:sld>
+</file>
+
+<file path=ppt/slides/slide5.xml><?xml version="1.0" encoding="utf-8"?>
+<p:sld xmlns:a="http://schemas.openxmlformats.org/drawingml/2006/main" xmlns:r="http://schemas.openxmlformats.org/officeDocument/2006/relationships" xmlns:p="http://schemas.openxmlformats.org/presentationml/2006/main">
+  <p:cSld>
+    <p:spTree>
+      <p:nvGrpSpPr>
+        <p:cNvPr id="1" name="">
+          <a:extLst>
+            <a:ext uri="{FF2B5EF4-FFF2-40B4-BE49-F238E27FC236}">
+              <a16:creationId xmlns:a16="http://schemas.microsoft.com/office/drawing/2014/main" id="{5A01DD78-65E1-680C-5428-3F300E589BB6}"/>
+            </a:ext>
+          </a:extLst>
+        </p:cNvPr>
+        <p:cNvGrpSpPr/>
+        <p:nvPr/>
+      </p:nvGrpSpPr>
+      <p:grpSpPr>
+        <a:xfrm>
+          <a:off x="0" y="0"/>
+          <a:ext cx="0" cy="0"/>
+          <a:chOff x="0" y="0"/>
+          <a:chExt cx="0" cy="0"/>
+        </a:xfrm>
+      </p:grpSpPr>
+      <p:sp>
+        <p:nvSpPr>
+          <p:cNvPr id="16" name="Rectangle 15">
+            <a:extLst>
+              <a:ext uri="{FF2B5EF4-FFF2-40B4-BE49-F238E27FC236}">
+                <a16:creationId xmlns:a16="http://schemas.microsoft.com/office/drawing/2014/main" id="{C6D60E23-D399-4CCA-BD06-E10243DF36AE}"/>
+              </a:ext>
+            </a:extLst>
+          </p:cNvPr>
+          <p:cNvSpPr/>
+          <p:nvPr/>
+        </p:nvSpPr>
+        <p:spPr>
+          <a:xfrm>
+            <a:off x="3326450" y="4396721"/>
+            <a:ext cx="5475600" cy="1800000"/>
+          </a:xfrm>
+          <a:prstGeom prst="rect">
+            <a:avLst/>
+          </a:prstGeom>
+          <a:solidFill>
+            <a:srgbClr val="00252A"/>
+          </a:solidFill>
+        </p:spPr>
+        <p:style>
+          <a:lnRef idx="2">
+            <a:schemeClr val="accent1">
+              <a:shade val="15000"/>
+            </a:schemeClr>
+          </a:lnRef>
+          <a:fillRef idx="1">
+            <a:schemeClr val="accent1"/>
+          </a:fillRef>
+          <a:effectRef idx="0">
+            <a:schemeClr val="accent1"/>
+          </a:effectRef>
+          <a:fontRef idx="minor">
+            <a:schemeClr val="lt1"/>
+          </a:fontRef>
+        </p:style>
+        <p:txBody>
+          <a:bodyPr rtlCol="0" anchor="ctr"/>
+          <a:lstStyle/>
+          <a:p>
+            <a:pPr algn="ctr"/>
+            <a:r>
+              <a:rPr lang="en-AU" sz="1400" dirty="0"/>
+              <a:t>5cmx15.21cm Placeholder Image</a:t>
+            </a:r>
+          </a:p>
+        </p:txBody>
+      </p:sp>
+      <p:grpSp>
+        <p:nvGrpSpPr>
+          <p:cNvPr id="18" name="Group 17">
+            <a:extLst>
+              <a:ext uri="{FF2B5EF4-FFF2-40B4-BE49-F238E27FC236}">
+                <a16:creationId xmlns:a16="http://schemas.microsoft.com/office/drawing/2014/main" id="{EA5602C3-1AAC-F37E-B282-9A2BD866A379}"/>
+              </a:ext>
+            </a:extLst>
+          </p:cNvPr>
+          <p:cNvGrpSpPr/>
+          <p:nvPr/>
+        </p:nvGrpSpPr>
+        <p:grpSpPr>
+          <a:xfrm>
+            <a:off x="3326450" y="1410056"/>
+            <a:ext cx="5475600" cy="1915278"/>
+            <a:chOff x="3326450" y="1410056"/>
+            <a:chExt cx="5475600" cy="1915278"/>
+          </a:xfrm>
+        </p:grpSpPr>
+        <p:pic>
+          <p:nvPicPr>
+            <p:cNvPr id="13" name="Picture 12">
+              <a:extLst>
+                <a:ext uri="{FF2B5EF4-FFF2-40B4-BE49-F238E27FC236}">
+                  <a16:creationId xmlns:a16="http://schemas.microsoft.com/office/drawing/2014/main" id="{C1F1C450-F3A0-AE8A-32A0-FEF4B7326C15}"/>
+                </a:ext>
+              </a:extLst>
+            </p:cNvPr>
+            <p:cNvPicPr>
+              <a:picLocks noChangeAspect="1"/>
+            </p:cNvPicPr>
+            <p:nvPr/>
+          </p:nvPicPr>
+          <p:blipFill>
+            <a:blip r:embed="rId2"/>
+            <a:stretch>
+              <a:fillRect/>
+            </a:stretch>
+          </p:blipFill>
+          <p:spPr>
+            <a:xfrm>
+              <a:off x="3326450" y="1444780"/>
+              <a:ext cx="5475600" cy="1880554"/>
+            </a:xfrm>
+            <a:prstGeom prst="rect">
+              <a:avLst/>
+            </a:prstGeom>
+          </p:spPr>
+        </p:pic>
+        <p:sp>
+          <p:nvSpPr>
+            <p:cNvPr id="14" name="Rectangle 13">
+              <a:extLst>
+                <a:ext uri="{FF2B5EF4-FFF2-40B4-BE49-F238E27FC236}">
+                  <a16:creationId xmlns:a16="http://schemas.microsoft.com/office/drawing/2014/main" id="{71127191-72D6-6975-196D-E1F01456AD47}"/>
+                </a:ext>
+              </a:extLst>
+            </p:cNvPr>
+            <p:cNvSpPr/>
+            <p:nvPr/>
+          </p:nvSpPr>
+          <p:spPr>
+            <a:xfrm>
+              <a:off x="3352088" y="1410056"/>
+              <a:ext cx="2561602" cy="205099"/>
+            </a:xfrm>
+            <a:prstGeom prst="rect">
+              <a:avLst/>
+            </a:prstGeom>
+            <a:solidFill>
+              <a:srgbClr val="00252A">
+                <a:alpha val="40000"/>
+              </a:srgbClr>
+            </a:solidFill>
+            <a:ln>
+              <a:solidFill>
+                <a:srgbClr val="00252A"/>
+              </a:solidFill>
+            </a:ln>
+          </p:spPr>
+          <p:style>
+            <a:lnRef idx="2">
+              <a:schemeClr val="accent1">
+                <a:shade val="15000"/>
+              </a:schemeClr>
+            </a:lnRef>
+            <a:fillRef idx="1">
+              <a:schemeClr val="accent1"/>
+            </a:fillRef>
+            <a:effectRef idx="0">
+              <a:schemeClr val="accent1"/>
+            </a:effectRef>
+            <a:fontRef idx="minor">
+              <a:schemeClr val="lt1"/>
+            </a:fontRef>
+          </p:style>
+          <p:txBody>
+            <a:bodyPr rtlCol="0" anchor="ctr"/>
+            <a:lstStyle/>
+            <a:p>
+              <a:pPr algn="ctr"/>
+              <a:endParaRPr lang="en-AU" dirty="0"/>
+            </a:p>
+          </p:txBody>
+        </p:sp>
+        <p:sp>
+          <p:nvSpPr>
+            <p:cNvPr id="15" name="Rectangle 14">
+              <a:extLst>
+                <a:ext uri="{FF2B5EF4-FFF2-40B4-BE49-F238E27FC236}">
+                  <a16:creationId xmlns:a16="http://schemas.microsoft.com/office/drawing/2014/main" id="{D0FFC1C4-553A-7CA3-5765-F7BDE94F603A}"/>
+                </a:ext>
+              </a:extLst>
+            </p:cNvPr>
+            <p:cNvSpPr/>
+            <p:nvPr/>
+          </p:nvSpPr>
+          <p:spPr>
+            <a:xfrm>
+              <a:off x="3606325" y="1760434"/>
+              <a:ext cx="3743058" cy="1051132"/>
+            </a:xfrm>
+            <a:prstGeom prst="rect">
+              <a:avLst/>
+            </a:prstGeom>
+            <a:solidFill>
+              <a:srgbClr val="E6AA04">
+                <a:alpha val="40000"/>
+              </a:srgbClr>
+            </a:solidFill>
+            <a:ln>
+              <a:solidFill>
+                <a:srgbClr val="E6AA04"/>
+              </a:solidFill>
+            </a:ln>
+          </p:spPr>
+          <p:style>
+            <a:lnRef idx="2">
+              <a:schemeClr val="accent1">
+                <a:shade val="15000"/>
+              </a:schemeClr>
+            </a:lnRef>
+            <a:fillRef idx="1">
+              <a:schemeClr val="accent1"/>
+            </a:fillRef>
+            <a:effectRef idx="0">
+              <a:schemeClr val="accent1"/>
+            </a:effectRef>
+            <a:fontRef idx="minor">
+              <a:schemeClr val="lt1"/>
+            </a:fontRef>
+          </p:style>
+          <p:txBody>
+            <a:bodyPr rtlCol="0" anchor="ctr"/>
+            <a:lstStyle/>
+            <a:p>
+              <a:pPr algn="ctr"/>
+              <a:endParaRPr lang="en-AU"/>
+            </a:p>
+          </p:txBody>
+        </p:sp>
+        <p:sp>
+          <p:nvSpPr>
+            <p:cNvPr id="17" name="Rectangle 16">
+              <a:extLst>
+                <a:ext uri="{FF2B5EF4-FFF2-40B4-BE49-F238E27FC236}">
+                  <a16:creationId xmlns:a16="http://schemas.microsoft.com/office/drawing/2014/main" id="{EB3C8FAD-A5DB-7406-E6F0-C6CC42DBC612}"/>
+                </a:ext>
+              </a:extLst>
+            </p:cNvPr>
+            <p:cNvSpPr/>
+            <p:nvPr/>
+          </p:nvSpPr>
+          <p:spPr>
+            <a:xfrm>
+              <a:off x="3352088" y="2956845"/>
+              <a:ext cx="2006125" cy="307648"/>
+            </a:xfrm>
+            <a:prstGeom prst="rect">
+              <a:avLst/>
+            </a:prstGeom>
+            <a:solidFill>
+              <a:srgbClr val="8E3B46">
+                <a:alpha val="40000"/>
+              </a:srgbClr>
+            </a:solidFill>
+            <a:ln>
+              <a:solidFill>
+                <a:srgbClr val="8E3B46"/>
+              </a:solidFill>
+            </a:ln>
+          </p:spPr>
+          <p:style>
+            <a:lnRef idx="2">
+              <a:schemeClr val="accent1">
+                <a:shade val="15000"/>
+              </a:schemeClr>
+            </a:lnRef>
+            <a:fillRef idx="1">
+              <a:schemeClr val="accent1"/>
+            </a:fillRef>
+            <a:effectRef idx="0">
+              <a:schemeClr val="accent1"/>
+            </a:effectRef>
+            <a:fontRef idx="minor">
+              <a:schemeClr val="lt1"/>
+            </a:fontRef>
+          </p:style>
+          <p:txBody>
+            <a:bodyPr rtlCol="0" anchor="ctr"/>
+            <a:lstStyle/>
+            <a:p>
+              <a:pPr algn="ctr"/>
+              <a:endParaRPr lang="en-AU"/>
+            </a:p>
+          </p:txBody>
+        </p:sp>
+      </p:grpSp>
+    </p:spTree>
+    <p:extLst>
+      <p:ext uri="{BB962C8B-B14F-4D97-AF65-F5344CB8AC3E}">
+        <p14:creationId xmlns:p14="http://schemas.microsoft.com/office/powerpoint/2010/main" val="2111585584"/>
       </p:ext>
     </p:extLst>
   </p:cSld>

--- a/docs/images/listing_images.pptx
+++ b/docs/images/listing_images.pptx
@@ -4443,10 +4443,10 @@
       </p:sp>
       <p:grpSp>
         <p:nvGrpSpPr>
-          <p:cNvPr id="18" name="Group 17">
-            <a:extLst>
-              <a:ext uri="{FF2B5EF4-FFF2-40B4-BE49-F238E27FC236}">
-                <a16:creationId xmlns:a16="http://schemas.microsoft.com/office/drawing/2014/main" id="{EA5602C3-1AAC-F37E-B282-9A2BD866A379}"/>
+          <p:cNvPr id="38" name="Group 37">
+            <a:extLst>
+              <a:ext uri="{FF2B5EF4-FFF2-40B4-BE49-F238E27FC236}">
+                <a16:creationId xmlns:a16="http://schemas.microsoft.com/office/drawing/2014/main" id="{57FB9B8D-E282-AEA2-07F6-C27E289C1B06}"/>
               </a:ext>
             </a:extLst>
           </p:cNvPr>
@@ -4455,18 +4455,18 @@
         </p:nvGrpSpPr>
         <p:grpSpPr>
           <a:xfrm>
-            <a:off x="3326450" y="1410056"/>
-            <a:ext cx="5475600" cy="1915278"/>
-            <a:chOff x="3326450" y="1410056"/>
-            <a:chExt cx="5475600" cy="1915278"/>
+            <a:off x="3692792" y="1247871"/>
+            <a:ext cx="4742916" cy="2181129"/>
+            <a:chOff x="767001" y="1075566"/>
+            <a:chExt cx="3869117" cy="1766748"/>
           </a:xfrm>
         </p:grpSpPr>
         <p:pic>
           <p:nvPicPr>
-            <p:cNvPr id="13" name="Picture 12">
+            <p:cNvPr id="29" name="Graphic 28" descr="Single gear outline">
               <a:extLst>
                 <a:ext uri="{FF2B5EF4-FFF2-40B4-BE49-F238E27FC236}">
-                  <a16:creationId xmlns:a16="http://schemas.microsoft.com/office/drawing/2014/main" id="{C1F1C450-F3A0-AE8A-32A0-FEF4B7326C15}"/>
+                  <a16:creationId xmlns:a16="http://schemas.microsoft.com/office/drawing/2014/main" id="{CDF21E71-4BAD-3CEB-D597-5B232EC897E3}"/>
                 </a:ext>
               </a:extLst>
             </p:cNvPr>
@@ -4476,189 +4476,207 @@
             <p:nvPr/>
           </p:nvPicPr>
           <p:blipFill>
-            <a:blip r:embed="rId2"/>
+            <a:blip r:embed="rId2">
+              <a:extLst>
+                <a:ext uri="{96DAC541-7B7A-43D3-8B79-37D633B846F1}">
+                  <asvg:svgBlip xmlns:asvg="http://schemas.microsoft.com/office/drawing/2016/SVG/main" r:embed="rId3"/>
+                </a:ext>
+              </a:extLst>
+            </a:blip>
             <a:stretch>
               <a:fillRect/>
             </a:stretch>
           </p:blipFill>
           <p:spPr>
             <a:xfrm>
-              <a:off x="3326450" y="1444780"/>
-              <a:ext cx="5475600" cy="1880554"/>
+              <a:off x="1987098" y="1763880"/>
+              <a:ext cx="914400" cy="914400"/>
             </a:xfrm>
             <a:prstGeom prst="rect">
               <a:avLst/>
             </a:prstGeom>
           </p:spPr>
         </p:pic>
-        <p:sp>
-          <p:nvSpPr>
-            <p:cNvPr id="14" name="Rectangle 13">
+        <p:pic>
+          <p:nvPicPr>
+            <p:cNvPr id="30" name="Graphic 29" descr="Single gear outline">
               <a:extLst>
                 <a:ext uri="{FF2B5EF4-FFF2-40B4-BE49-F238E27FC236}">
-                  <a16:creationId xmlns:a16="http://schemas.microsoft.com/office/drawing/2014/main" id="{71127191-72D6-6975-196D-E1F01456AD47}"/>
+                  <a16:creationId xmlns:a16="http://schemas.microsoft.com/office/drawing/2014/main" id="{C772B83F-2CA4-B6F3-1896-A84DE3832B2E}"/>
                 </a:ext>
               </a:extLst>
             </p:cNvPr>
-            <p:cNvSpPr/>
+            <p:cNvPicPr>
+              <a:picLocks noChangeAspect="1"/>
+            </p:cNvPicPr>
             <p:nvPr/>
-          </p:nvSpPr>
+          </p:nvPicPr>
+          <p:blipFill>
+            <a:blip r:embed="rId2">
+              <a:extLst>
+                <a:ext uri="{96DAC541-7B7A-43D3-8B79-37D633B846F1}">
+                  <asvg:svgBlip xmlns:asvg="http://schemas.microsoft.com/office/drawing/2016/SVG/main" r:embed="rId3"/>
+                </a:ext>
+              </a:extLst>
+            </a:blip>
+            <a:stretch>
+              <a:fillRect/>
+            </a:stretch>
+          </p:blipFill>
           <p:spPr>
             <a:xfrm>
-              <a:off x="3352088" y="1410056"/>
-              <a:ext cx="2561602" cy="205099"/>
+              <a:off x="2501888" y="1408639"/>
+              <a:ext cx="914400" cy="914400"/>
             </a:xfrm>
             <a:prstGeom prst="rect">
               <a:avLst/>
             </a:prstGeom>
-            <a:solidFill>
-              <a:srgbClr val="00252A">
-                <a:alpha val="40000"/>
-              </a:srgbClr>
-            </a:solidFill>
-            <a:ln>
-              <a:solidFill>
-                <a:srgbClr val="00252A"/>
-              </a:solidFill>
-            </a:ln>
           </p:spPr>
-          <p:style>
-            <a:lnRef idx="2">
-              <a:schemeClr val="accent1">
-                <a:shade val="15000"/>
-              </a:schemeClr>
-            </a:lnRef>
-            <a:fillRef idx="1">
-              <a:schemeClr val="accent1"/>
-            </a:fillRef>
-            <a:effectRef idx="0">
-              <a:schemeClr val="accent1"/>
-            </a:effectRef>
-            <a:fontRef idx="minor">
-              <a:schemeClr val="lt1"/>
-            </a:fontRef>
-          </p:style>
-          <p:txBody>
-            <a:bodyPr rtlCol="0" anchor="ctr"/>
-            <a:lstStyle/>
-            <a:p>
-              <a:pPr algn="ctr"/>
-              <a:endParaRPr lang="en-AU" dirty="0"/>
-            </a:p>
-          </p:txBody>
-        </p:sp>
-        <p:sp>
-          <p:nvSpPr>
-            <p:cNvPr id="15" name="Rectangle 14">
+        </p:pic>
+        <p:pic>
+          <p:nvPicPr>
+            <p:cNvPr id="32" name="Graphic 31" descr="Settings outline">
               <a:extLst>
                 <a:ext uri="{FF2B5EF4-FFF2-40B4-BE49-F238E27FC236}">
-                  <a16:creationId xmlns:a16="http://schemas.microsoft.com/office/drawing/2014/main" id="{D0FFC1C4-553A-7CA3-5765-F7BDE94F603A}"/>
+                  <a16:creationId xmlns:a16="http://schemas.microsoft.com/office/drawing/2014/main" id="{84738571-57BD-5CE6-CF09-150AE66F5A50}"/>
                 </a:ext>
               </a:extLst>
             </p:cNvPr>
-            <p:cNvSpPr/>
+            <p:cNvPicPr>
+              <a:picLocks noChangeAspect="1"/>
+            </p:cNvPicPr>
             <p:nvPr/>
-          </p:nvSpPr>
+          </p:nvPicPr>
+          <p:blipFill>
+            <a:blip r:embed="rId4">
+              <a:extLst>
+                <a:ext uri="{96DAC541-7B7A-43D3-8B79-37D633B846F1}">
+                  <asvg:svgBlip xmlns:asvg="http://schemas.microsoft.com/office/drawing/2016/SVG/main" r:embed="rId5"/>
+                </a:ext>
+              </a:extLst>
+            </a:blip>
+            <a:stretch>
+              <a:fillRect/>
+            </a:stretch>
+          </p:blipFill>
           <p:spPr>
             <a:xfrm>
-              <a:off x="3606325" y="1760434"/>
-              <a:ext cx="3743058" cy="1051132"/>
+              <a:off x="767001" y="1164283"/>
+              <a:ext cx="914400" cy="914400"/>
             </a:xfrm>
             <a:prstGeom prst="rect">
               <a:avLst/>
             </a:prstGeom>
-            <a:solidFill>
-              <a:srgbClr val="E6AA04">
-                <a:alpha val="40000"/>
-              </a:srgbClr>
-            </a:solidFill>
-            <a:ln>
-              <a:solidFill>
-                <a:srgbClr val="E6AA04"/>
-              </a:solidFill>
-            </a:ln>
           </p:spPr>
-          <p:style>
-            <a:lnRef idx="2">
-              <a:schemeClr val="accent1">
-                <a:shade val="15000"/>
-              </a:schemeClr>
-            </a:lnRef>
-            <a:fillRef idx="1">
-              <a:schemeClr val="accent1"/>
-            </a:fillRef>
-            <a:effectRef idx="0">
-              <a:schemeClr val="accent1"/>
-            </a:effectRef>
-            <a:fontRef idx="minor">
-              <a:schemeClr val="lt1"/>
-            </a:fontRef>
-          </p:style>
-          <p:txBody>
-            <a:bodyPr rtlCol="0" anchor="ctr"/>
-            <a:lstStyle/>
-            <a:p>
-              <a:pPr algn="ctr"/>
-              <a:endParaRPr lang="en-AU"/>
-            </a:p>
-          </p:txBody>
-        </p:sp>
-        <p:sp>
-          <p:nvSpPr>
-            <p:cNvPr id="17" name="Rectangle 16">
+        </p:pic>
+        <p:pic>
+          <p:nvPicPr>
+            <p:cNvPr id="34" name="Graphic 33" descr="Checklist outline">
               <a:extLst>
                 <a:ext uri="{FF2B5EF4-FFF2-40B4-BE49-F238E27FC236}">
-                  <a16:creationId xmlns:a16="http://schemas.microsoft.com/office/drawing/2014/main" id="{EB3C8FAD-A5DB-7406-E6F0-C6CC42DBC612}"/>
+                  <a16:creationId xmlns:a16="http://schemas.microsoft.com/office/drawing/2014/main" id="{88582093-6FDD-7057-5E00-7E06FB76D6EA}"/>
                 </a:ext>
               </a:extLst>
             </p:cNvPr>
-            <p:cNvSpPr/>
+            <p:cNvPicPr>
+              <a:picLocks noChangeAspect="1"/>
+            </p:cNvPicPr>
             <p:nvPr/>
-          </p:nvSpPr>
+          </p:nvPicPr>
+          <p:blipFill>
+            <a:blip r:embed="rId6">
+              <a:extLst>
+                <a:ext uri="{96DAC541-7B7A-43D3-8B79-37D633B846F1}">
+                  <asvg:svgBlip xmlns:asvg="http://schemas.microsoft.com/office/drawing/2016/SVG/main" r:embed="rId7"/>
+                </a:ext>
+              </a:extLst>
+            </a:blip>
+            <a:stretch>
+              <a:fillRect/>
+            </a:stretch>
+          </p:blipFill>
           <p:spPr>
             <a:xfrm>
-              <a:off x="3352088" y="2956845"/>
-              <a:ext cx="2006125" cy="307648"/>
+              <a:off x="3721718" y="1465024"/>
+              <a:ext cx="914400" cy="914400"/>
             </a:xfrm>
             <a:prstGeom prst="rect">
               <a:avLst/>
             </a:prstGeom>
-            <a:solidFill>
-              <a:srgbClr val="8E3B46">
-                <a:alpha val="40000"/>
-              </a:srgbClr>
-            </a:solidFill>
-            <a:ln>
-              <a:solidFill>
-                <a:srgbClr val="8E3B46"/>
-              </a:solidFill>
-            </a:ln>
           </p:spPr>
-          <p:style>
-            <a:lnRef idx="2">
-              <a:schemeClr val="accent1">
-                <a:shade val="15000"/>
-              </a:schemeClr>
-            </a:lnRef>
-            <a:fillRef idx="1">
-              <a:schemeClr val="accent1"/>
-            </a:fillRef>
-            <a:effectRef idx="0">
-              <a:schemeClr val="accent1"/>
-            </a:effectRef>
-            <a:fontRef idx="minor">
-              <a:schemeClr val="lt1"/>
-            </a:fontRef>
-          </p:style>
-          <p:txBody>
-            <a:bodyPr rtlCol="0" anchor="ctr"/>
-            <a:lstStyle/>
-            <a:p>
-              <a:pPr algn="ctr"/>
-              <a:endParaRPr lang="en-AU"/>
-            </a:p>
-          </p:txBody>
-        </p:sp>
+        </p:pic>
+        <p:pic>
+          <p:nvPicPr>
+            <p:cNvPr id="36" name="Graphic 35" descr="Line arrow: Clockwise curve outline">
+              <a:extLst>
+                <a:ext uri="{FF2B5EF4-FFF2-40B4-BE49-F238E27FC236}">
+                  <a16:creationId xmlns:a16="http://schemas.microsoft.com/office/drawing/2014/main" id="{7C44F5B6-2306-08AA-A5B2-03EFD57F3CE6}"/>
+                </a:ext>
+              </a:extLst>
+            </p:cNvPr>
+            <p:cNvPicPr>
+              <a:picLocks noChangeAspect="1"/>
+            </p:cNvPicPr>
+            <p:nvPr/>
+          </p:nvPicPr>
+          <p:blipFill>
+            <a:blip r:embed="rId8">
+              <a:extLst>
+                <a:ext uri="{96DAC541-7B7A-43D3-8B79-37D633B846F1}">
+                  <asvg:svgBlip xmlns:asvg="http://schemas.microsoft.com/office/drawing/2016/SVG/main" r:embed="rId9"/>
+                </a:ext>
+              </a:extLst>
+            </a:blip>
+            <a:stretch>
+              <a:fillRect/>
+            </a:stretch>
+          </p:blipFill>
+          <p:spPr>
+            <a:xfrm rot="8659543">
+              <a:off x="1729217" y="1075566"/>
+              <a:ext cx="914400" cy="914400"/>
+            </a:xfrm>
+            <a:prstGeom prst="rect">
+              <a:avLst/>
+            </a:prstGeom>
+          </p:spPr>
+        </p:pic>
+        <p:pic>
+          <p:nvPicPr>
+            <p:cNvPr id="37" name="Graphic 36" descr="Line arrow: Clockwise curve outline">
+              <a:extLst>
+                <a:ext uri="{FF2B5EF4-FFF2-40B4-BE49-F238E27FC236}">
+                  <a16:creationId xmlns:a16="http://schemas.microsoft.com/office/drawing/2014/main" id="{676E45E6-FADE-476A-CBC2-EC863E1F968B}"/>
+                </a:ext>
+              </a:extLst>
+            </p:cNvPr>
+            <p:cNvPicPr>
+              <a:picLocks noChangeAspect="1"/>
+            </p:cNvPicPr>
+            <p:nvPr/>
+          </p:nvPicPr>
+          <p:blipFill>
+            <a:blip r:embed="rId10">
+              <a:extLst>
+                <a:ext uri="{96DAC541-7B7A-43D3-8B79-37D633B846F1}">
+                  <asvg:svgBlip xmlns:asvg="http://schemas.microsoft.com/office/drawing/2016/SVG/main" r:embed="rId11"/>
+                </a:ext>
+              </a:extLst>
+            </a:blip>
+            <a:stretch>
+              <a:fillRect/>
+            </a:stretch>
+          </p:blipFill>
+          <p:spPr>
+            <a:xfrm rot="14211086" flipV="1">
+              <a:off x="2926854" y="1927914"/>
+              <a:ext cx="914400" cy="914400"/>
+            </a:xfrm>
+            <a:prstGeom prst="rect">
+              <a:avLst/>
+            </a:prstGeom>
+          </p:spPr>
+        </p:pic>
       </p:grpSp>
     </p:spTree>
     <p:extLst>

--- a/docs/images/listing_images.pptx
+++ b/docs/images/listing_images.pptx
@@ -10,6 +10,8 @@
     <p:sldId id="259" r:id="rId4"/>
     <p:sldId id="261" r:id="rId5"/>
     <p:sldId id="262" r:id="rId6"/>
+    <p:sldId id="264" r:id="rId7"/>
+    <p:sldId id="263" r:id="rId8"/>
   </p:sldIdLst>
   <p:sldSz cx="12192000" cy="6858000"/>
   <p:notesSz cx="6858000" cy="9144000"/>
@@ -265,7 +267,7 @@
           <a:p>
             <a:fld id="{D66A3454-FE8B-43FF-A5CF-11748C0C9FCF}" type="datetimeFigureOut">
               <a:rPr lang="en-AU" smtClean="0"/>
-              <a:t>21/04/2025</a:t>
+              <a:t>3/05/2025</a:t>
             </a:fld>
             <a:endParaRPr lang="en-AU"/>
           </a:p>
@@ -465,7 +467,7 @@
           <a:p>
             <a:fld id="{D66A3454-FE8B-43FF-A5CF-11748C0C9FCF}" type="datetimeFigureOut">
               <a:rPr lang="en-AU" smtClean="0"/>
-              <a:t>21/04/2025</a:t>
+              <a:t>3/05/2025</a:t>
             </a:fld>
             <a:endParaRPr lang="en-AU"/>
           </a:p>
@@ -675,7 +677,7 @@
           <a:p>
             <a:fld id="{D66A3454-FE8B-43FF-A5CF-11748C0C9FCF}" type="datetimeFigureOut">
               <a:rPr lang="en-AU" smtClean="0"/>
-              <a:t>21/04/2025</a:t>
+              <a:t>3/05/2025</a:t>
             </a:fld>
             <a:endParaRPr lang="en-AU"/>
           </a:p>
@@ -875,7 +877,7 @@
           <a:p>
             <a:fld id="{D66A3454-FE8B-43FF-A5CF-11748C0C9FCF}" type="datetimeFigureOut">
               <a:rPr lang="en-AU" smtClean="0"/>
-              <a:t>21/04/2025</a:t>
+              <a:t>3/05/2025</a:t>
             </a:fld>
             <a:endParaRPr lang="en-AU"/>
           </a:p>
@@ -1151,7 +1153,7 @@
           <a:p>
             <a:fld id="{D66A3454-FE8B-43FF-A5CF-11748C0C9FCF}" type="datetimeFigureOut">
               <a:rPr lang="en-AU" smtClean="0"/>
-              <a:t>21/04/2025</a:t>
+              <a:t>3/05/2025</a:t>
             </a:fld>
             <a:endParaRPr lang="en-AU"/>
           </a:p>
@@ -1419,7 +1421,7 @@
           <a:p>
             <a:fld id="{D66A3454-FE8B-43FF-A5CF-11748C0C9FCF}" type="datetimeFigureOut">
               <a:rPr lang="en-AU" smtClean="0"/>
-              <a:t>21/04/2025</a:t>
+              <a:t>3/05/2025</a:t>
             </a:fld>
             <a:endParaRPr lang="en-AU"/>
           </a:p>
@@ -1834,7 +1836,7 @@
           <a:p>
             <a:fld id="{D66A3454-FE8B-43FF-A5CF-11748C0C9FCF}" type="datetimeFigureOut">
               <a:rPr lang="en-AU" smtClean="0"/>
-              <a:t>21/04/2025</a:t>
+              <a:t>3/05/2025</a:t>
             </a:fld>
             <a:endParaRPr lang="en-AU"/>
           </a:p>
@@ -1976,7 +1978,7 @@
           <a:p>
             <a:fld id="{D66A3454-FE8B-43FF-A5CF-11748C0C9FCF}" type="datetimeFigureOut">
               <a:rPr lang="en-AU" smtClean="0"/>
-              <a:t>21/04/2025</a:t>
+              <a:t>3/05/2025</a:t>
             </a:fld>
             <a:endParaRPr lang="en-AU"/>
           </a:p>
@@ -2089,7 +2091,7 @@
           <a:p>
             <a:fld id="{D66A3454-FE8B-43FF-A5CF-11748C0C9FCF}" type="datetimeFigureOut">
               <a:rPr lang="en-AU" smtClean="0"/>
-              <a:t>21/04/2025</a:t>
+              <a:t>3/05/2025</a:t>
             </a:fld>
             <a:endParaRPr lang="en-AU"/>
           </a:p>
@@ -2402,7 +2404,7 @@
           <a:p>
             <a:fld id="{D66A3454-FE8B-43FF-A5CF-11748C0C9FCF}" type="datetimeFigureOut">
               <a:rPr lang="en-AU" smtClean="0"/>
-              <a:t>21/04/2025</a:t>
+              <a:t>3/05/2025</a:t>
             </a:fld>
             <a:endParaRPr lang="en-AU"/>
           </a:p>
@@ -2691,7 +2693,7 @@
           <a:p>
             <a:fld id="{D66A3454-FE8B-43FF-A5CF-11748C0C9FCF}" type="datetimeFigureOut">
               <a:rPr lang="en-AU" smtClean="0"/>
-              <a:t>21/04/2025</a:t>
+              <a:t>3/05/2025</a:t>
             </a:fld>
             <a:endParaRPr lang="en-AU"/>
           </a:p>
@@ -2934,7 +2936,7 @@
           <a:p>
             <a:fld id="{D66A3454-FE8B-43FF-A5CF-11748C0C9FCF}" type="datetimeFigureOut">
               <a:rPr lang="en-AU" smtClean="0"/>
-              <a:t>21/04/2025</a:t>
+              <a:t>3/05/2025</a:t>
             </a:fld>
             <a:endParaRPr lang="en-AU"/>
           </a:p>
@@ -4691,6 +4693,7654 @@
 </p:sld>
 </file>
 
+<file path=ppt/slides/slide6.xml><?xml version="1.0" encoding="utf-8"?>
+<p:sld xmlns:a="http://schemas.openxmlformats.org/drawingml/2006/main" xmlns:r="http://schemas.openxmlformats.org/officeDocument/2006/relationships" xmlns:p="http://schemas.openxmlformats.org/presentationml/2006/main">
+  <p:cSld>
+    <p:spTree>
+      <p:nvGrpSpPr>
+        <p:cNvPr id="1" name="">
+          <a:extLst>
+            <a:ext uri="{FF2B5EF4-FFF2-40B4-BE49-F238E27FC236}">
+              <a16:creationId xmlns:a16="http://schemas.microsoft.com/office/drawing/2014/main" id="{EFDD0937-838E-725A-B9C6-0957F7DFE6E7}"/>
+            </a:ext>
+          </a:extLst>
+        </p:cNvPr>
+        <p:cNvGrpSpPr/>
+        <p:nvPr/>
+      </p:nvGrpSpPr>
+      <p:grpSpPr>
+        <a:xfrm>
+          <a:off x="0" y="0"/>
+          <a:ext cx="0" cy="0"/>
+          <a:chOff x="0" y="0"/>
+          <a:chExt cx="0" cy="0"/>
+        </a:xfrm>
+      </p:grpSpPr>
+      <p:sp>
+        <p:nvSpPr>
+          <p:cNvPr id="16" name="Rectangle 15">
+            <a:extLst>
+              <a:ext uri="{FF2B5EF4-FFF2-40B4-BE49-F238E27FC236}">
+                <a16:creationId xmlns:a16="http://schemas.microsoft.com/office/drawing/2014/main" id="{7E6C5705-C954-0B83-7902-B60FE03F8790}"/>
+              </a:ext>
+            </a:extLst>
+          </p:cNvPr>
+          <p:cNvSpPr/>
+          <p:nvPr/>
+        </p:nvSpPr>
+        <p:spPr>
+          <a:xfrm>
+            <a:off x="3326450" y="4396721"/>
+            <a:ext cx="5475600" cy="1800000"/>
+          </a:xfrm>
+          <a:prstGeom prst="rect">
+            <a:avLst/>
+          </a:prstGeom>
+          <a:solidFill>
+            <a:srgbClr val="00252A"/>
+          </a:solidFill>
+        </p:spPr>
+        <p:style>
+          <a:lnRef idx="2">
+            <a:schemeClr val="accent1">
+              <a:shade val="15000"/>
+            </a:schemeClr>
+          </a:lnRef>
+          <a:fillRef idx="1">
+            <a:schemeClr val="accent1"/>
+          </a:fillRef>
+          <a:effectRef idx="0">
+            <a:schemeClr val="accent1"/>
+          </a:effectRef>
+          <a:fontRef idx="minor">
+            <a:schemeClr val="lt1"/>
+          </a:fontRef>
+        </p:style>
+        <p:txBody>
+          <a:bodyPr rtlCol="0" anchor="ctr"/>
+          <a:lstStyle/>
+          <a:p>
+            <a:pPr algn="ctr"/>
+            <a:r>
+              <a:rPr lang="en-AU" sz="1400" dirty="0"/>
+              <a:t>5cmx15.21cm Placeholder Image</a:t>
+            </a:r>
+          </a:p>
+        </p:txBody>
+      </p:sp>
+      <p:grpSp>
+        <p:nvGrpSpPr>
+          <p:cNvPr id="55" name="Group 54">
+            <a:extLst>
+              <a:ext uri="{FF2B5EF4-FFF2-40B4-BE49-F238E27FC236}">
+                <a16:creationId xmlns:a16="http://schemas.microsoft.com/office/drawing/2014/main" id="{4295297E-EEE1-B45A-3BB9-0C4895961764}"/>
+              </a:ext>
+            </a:extLst>
+          </p:cNvPr>
+          <p:cNvGrpSpPr/>
+          <p:nvPr/>
+        </p:nvGrpSpPr>
+        <p:grpSpPr>
+          <a:xfrm>
+            <a:off x="3228513" y="1539347"/>
+            <a:ext cx="5406622" cy="1827713"/>
+            <a:chOff x="3228513" y="1539347"/>
+            <a:chExt cx="5406622" cy="1827713"/>
+          </a:xfrm>
+        </p:grpSpPr>
+        <p:sp>
+          <p:nvSpPr>
+            <p:cNvPr id="2" name="TextBox 1">
+              <a:extLst>
+                <a:ext uri="{FF2B5EF4-FFF2-40B4-BE49-F238E27FC236}">
+                  <a16:creationId xmlns:a16="http://schemas.microsoft.com/office/drawing/2014/main" id="{91D2468D-BD31-7B0D-9679-5480D84E30FA}"/>
+                </a:ext>
+              </a:extLst>
+            </p:cNvPr>
+            <p:cNvSpPr txBox="1"/>
+            <p:nvPr/>
+          </p:nvSpPr>
+          <p:spPr>
+            <a:xfrm rot="19892737">
+              <a:off x="3552935" y="2130161"/>
+              <a:ext cx="461473" cy="369332"/>
+            </a:xfrm>
+            <a:prstGeom prst="rect">
+              <a:avLst/>
+            </a:prstGeom>
+            <a:noFill/>
+          </p:spPr>
+          <p:txBody>
+            <a:bodyPr wrap="square" rtlCol="0">
+              <a:spAutoFit/>
+            </a:bodyPr>
+            <a:lstStyle/>
+            <a:p>
+              <a:r>
+                <a:rPr lang="en-AU" b="1" dirty="0">
+                  <a:solidFill>
+                    <a:srgbClr val="00252A"/>
+                  </a:solidFill>
+                </a:rPr>
+                <a:t>V3</a:t>
+              </a:r>
+            </a:p>
+          </p:txBody>
+        </p:sp>
+        <p:sp>
+          <p:nvSpPr>
+            <p:cNvPr id="3" name="TextBox 2">
+              <a:extLst>
+                <a:ext uri="{FF2B5EF4-FFF2-40B4-BE49-F238E27FC236}">
+                  <a16:creationId xmlns:a16="http://schemas.microsoft.com/office/drawing/2014/main" id="{9A4FD4F4-CC23-1A4D-8DD2-19E5C3B7E67D}"/>
+                </a:ext>
+              </a:extLst>
+            </p:cNvPr>
+            <p:cNvSpPr txBox="1"/>
+            <p:nvPr/>
+          </p:nvSpPr>
+          <p:spPr>
+            <a:xfrm rot="862503">
+              <a:off x="4657142" y="1746100"/>
+              <a:ext cx="461473" cy="369332"/>
+            </a:xfrm>
+            <a:prstGeom prst="rect">
+              <a:avLst/>
+            </a:prstGeom>
+            <a:noFill/>
+          </p:spPr>
+          <p:txBody>
+            <a:bodyPr wrap="square" rtlCol="0">
+              <a:spAutoFit/>
+            </a:bodyPr>
+            <a:lstStyle/>
+            <a:p>
+              <a:r>
+                <a:rPr lang="en-AU" b="1" dirty="0">
+                  <a:solidFill>
+                    <a:srgbClr val="00252A"/>
+                  </a:solidFill>
+                </a:rPr>
+                <a:t>V4</a:t>
+              </a:r>
+            </a:p>
+          </p:txBody>
+        </p:sp>
+        <p:pic>
+          <p:nvPicPr>
+            <p:cNvPr id="7" name="Graphic 6" descr="Lights On outline">
+              <a:extLst>
+                <a:ext uri="{FF2B5EF4-FFF2-40B4-BE49-F238E27FC236}">
+                  <a16:creationId xmlns:a16="http://schemas.microsoft.com/office/drawing/2014/main" id="{F1D699A1-8555-6F85-EE38-E724390900BD}"/>
+                </a:ext>
+              </a:extLst>
+            </p:cNvPr>
+            <p:cNvPicPr>
+              <a:picLocks noChangeAspect="1"/>
+            </p:cNvPicPr>
+            <p:nvPr/>
+          </p:nvPicPr>
+          <p:blipFill>
+            <a:blip r:embed="rId2">
+              <a:extLst>
+                <a:ext uri="{96DAC541-7B7A-43D3-8B79-37D633B846F1}">
+                  <asvg:svgBlip xmlns:asvg="http://schemas.microsoft.com/office/drawing/2016/SVG/main" r:embed="rId3"/>
+                </a:ext>
+              </a:extLst>
+            </a:blip>
+            <a:stretch>
+              <a:fillRect/>
+            </a:stretch>
+          </p:blipFill>
+          <p:spPr>
+            <a:xfrm>
+              <a:off x="6287376" y="1991855"/>
+              <a:ext cx="764204" cy="764204"/>
+            </a:xfrm>
+            <a:prstGeom prst="rect">
+              <a:avLst/>
+            </a:prstGeom>
+          </p:spPr>
+        </p:pic>
+        <p:sp>
+          <p:nvSpPr>
+            <p:cNvPr id="20" name="Freeform: Shape 19">
+              <a:extLst>
+                <a:ext uri="{FF2B5EF4-FFF2-40B4-BE49-F238E27FC236}">
+                  <a16:creationId xmlns:a16="http://schemas.microsoft.com/office/drawing/2014/main" id="{045CE7EB-46C0-3E74-B395-997CE2838F8A}"/>
+                </a:ext>
+              </a:extLst>
+            </p:cNvPr>
+            <p:cNvSpPr/>
+            <p:nvPr/>
+          </p:nvSpPr>
+          <p:spPr>
+            <a:xfrm flipH="1">
+              <a:off x="6460274" y="2792624"/>
+              <a:ext cx="479505" cy="570674"/>
+            </a:xfrm>
+            <a:custGeom>
+              <a:avLst/>
+              <a:gdLst>
+                <a:gd name="connsiteX0" fmla="*/ 267642 w 479505"/>
+                <a:gd name="connsiteY0" fmla="*/ 32369 h 570674"/>
+                <a:gd name="connsiteX1" fmla="*/ 446952 w 479505"/>
+                <a:gd name="connsiteY1" fmla="*/ 203923 h 570674"/>
+                <a:gd name="connsiteX2" fmla="*/ 446952 w 479505"/>
+                <a:gd name="connsiteY2" fmla="*/ 220235 h 570674"/>
+                <a:gd name="connsiteX3" fmla="*/ 446915 w 479505"/>
+                <a:gd name="connsiteY3" fmla="*/ 221045 h 570674"/>
+                <a:gd name="connsiteX4" fmla="*/ 446915 w 479505"/>
+                <a:gd name="connsiteY4" fmla="*/ 221854 h 570674"/>
+                <a:gd name="connsiteX5" fmla="*/ 376340 w 479505"/>
+                <a:gd name="connsiteY5" fmla="*/ 366764 h 570674"/>
+                <a:gd name="connsiteX6" fmla="*/ 363819 w 479505"/>
+                <a:gd name="connsiteY6" fmla="*/ 376475 h 570674"/>
+                <a:gd name="connsiteX7" fmla="*/ 363819 w 479505"/>
+                <a:gd name="connsiteY7" fmla="*/ 538311 h 570674"/>
+                <a:gd name="connsiteX8" fmla="*/ 205827 w 479505"/>
+                <a:gd name="connsiteY8" fmla="*/ 538311 h 570674"/>
+                <a:gd name="connsiteX9" fmla="*/ 205827 w 479505"/>
+                <a:gd name="connsiteY9" fmla="*/ 453716 h 570674"/>
+                <a:gd name="connsiteX10" fmla="*/ 140805 w 479505"/>
+                <a:gd name="connsiteY10" fmla="*/ 453716 h 570674"/>
+                <a:gd name="connsiteX11" fmla="*/ 110330 w 479505"/>
+                <a:gd name="connsiteY11" fmla="*/ 444952 h 570674"/>
+                <a:gd name="connsiteX12" fmla="*/ 88110 w 479505"/>
+                <a:gd name="connsiteY12" fmla="*/ 402888 h 570674"/>
+                <a:gd name="connsiteX13" fmla="*/ 88110 w 479505"/>
+                <a:gd name="connsiteY13" fmla="*/ 402015 h 570674"/>
+                <a:gd name="connsiteX14" fmla="*/ 88110 w 479505"/>
+                <a:gd name="connsiteY14" fmla="*/ 359180 h 570674"/>
+                <a:gd name="connsiteX15" fmla="*/ 88110 w 479505"/>
+                <a:gd name="connsiteY15" fmla="*/ 326811 h 570674"/>
+                <a:gd name="connsiteX16" fmla="*/ 34945 w 479505"/>
+                <a:gd name="connsiteY16" fmla="*/ 326811 h 570674"/>
+                <a:gd name="connsiteX17" fmla="*/ 34805 w 479505"/>
+                <a:gd name="connsiteY17" fmla="*/ 326569 h 570674"/>
+                <a:gd name="connsiteX18" fmla="*/ 83734 w 479505"/>
+                <a:gd name="connsiteY18" fmla="*/ 241329 h 570674"/>
+                <a:gd name="connsiteX19" fmla="*/ 88029 w 479505"/>
+                <a:gd name="connsiteY19" fmla="*/ 233845 h 570674"/>
+                <a:gd name="connsiteX20" fmla="*/ 88029 w 479505"/>
+                <a:gd name="connsiteY20" fmla="*/ 220969 h 570674"/>
+                <a:gd name="connsiteX21" fmla="*/ 88005 w 479505"/>
+                <a:gd name="connsiteY21" fmla="*/ 220235 h 570674"/>
+                <a:gd name="connsiteX22" fmla="*/ 259325 w 479505"/>
+                <a:gd name="connsiteY22" fmla="*/ 32558 h 570674"/>
+                <a:gd name="connsiteX23" fmla="*/ 267642 w 479505"/>
+                <a:gd name="connsiteY23" fmla="*/ 32369 h 570674"/>
+                <a:gd name="connsiteX24" fmla="*/ 257855 w 479505"/>
+                <a:gd name="connsiteY24" fmla="*/ 222 h 570674"/>
+                <a:gd name="connsiteX25" fmla="*/ 55672 w 479505"/>
+                <a:gd name="connsiteY25" fmla="*/ 221703 h 570674"/>
+                <a:gd name="connsiteX26" fmla="*/ 55672 w 479505"/>
+                <a:gd name="connsiteY26" fmla="*/ 225217 h 570674"/>
+                <a:gd name="connsiteX27" fmla="*/ 7119 w 479505"/>
+                <a:gd name="connsiteY27" fmla="*/ 309819 h 570674"/>
+                <a:gd name="connsiteX28" fmla="*/ 24744 w 479505"/>
+                <a:gd name="connsiteY28" fmla="*/ 359182 h 570674"/>
+                <a:gd name="connsiteX29" fmla="*/ 55754 w 479505"/>
+                <a:gd name="connsiteY29" fmla="*/ 359182 h 570674"/>
+                <a:gd name="connsiteX30" fmla="*/ 55754 w 479505"/>
+                <a:gd name="connsiteY30" fmla="*/ 401548 h 570674"/>
+                <a:gd name="connsiteX31" fmla="*/ 55743 w 479505"/>
+                <a:gd name="connsiteY31" fmla="*/ 402886 h 570674"/>
+                <a:gd name="connsiteX32" fmla="*/ 138915 w 479505"/>
+                <a:gd name="connsiteY32" fmla="*/ 486087 h 570674"/>
+                <a:gd name="connsiteX33" fmla="*/ 173459 w 479505"/>
+                <a:gd name="connsiteY33" fmla="*/ 486087 h 570674"/>
+                <a:gd name="connsiteX34" fmla="*/ 173459 w 479505"/>
+                <a:gd name="connsiteY34" fmla="*/ 570674 h 570674"/>
+                <a:gd name="connsiteX35" fmla="*/ 396192 w 479505"/>
+                <a:gd name="connsiteY35" fmla="*/ 570674 h 570674"/>
+                <a:gd name="connsiteX36" fmla="*/ 396192 w 479505"/>
+                <a:gd name="connsiteY36" fmla="*/ 392322 h 570674"/>
+                <a:gd name="connsiteX37" fmla="*/ 479287 w 479505"/>
+                <a:gd name="connsiteY37" fmla="*/ 221708 h 570674"/>
+                <a:gd name="connsiteX38" fmla="*/ 479287 w 479505"/>
+                <a:gd name="connsiteY38" fmla="*/ 202459 h 570674"/>
+                <a:gd name="connsiteX39" fmla="*/ 267642 w 479505"/>
+                <a:gd name="connsiteY39" fmla="*/ 0 h 570674"/>
+                <a:gd name="connsiteX40" fmla="*/ 257855 w 479505"/>
+                <a:gd name="connsiteY40" fmla="*/ 222 h 570674"/>
+              </a:gdLst>
+              <a:ahLst/>
+              <a:cxnLst>
+                <a:cxn ang="0">
+                  <a:pos x="connsiteX0" y="connsiteY0"/>
+                </a:cxn>
+                <a:cxn ang="0">
+                  <a:pos x="connsiteX1" y="connsiteY1"/>
+                </a:cxn>
+                <a:cxn ang="0">
+                  <a:pos x="connsiteX2" y="connsiteY2"/>
+                </a:cxn>
+                <a:cxn ang="0">
+                  <a:pos x="connsiteX3" y="connsiteY3"/>
+                </a:cxn>
+                <a:cxn ang="0">
+                  <a:pos x="connsiteX4" y="connsiteY4"/>
+                </a:cxn>
+                <a:cxn ang="0">
+                  <a:pos x="connsiteX5" y="connsiteY5"/>
+                </a:cxn>
+                <a:cxn ang="0">
+                  <a:pos x="connsiteX6" y="connsiteY6"/>
+                </a:cxn>
+                <a:cxn ang="0">
+                  <a:pos x="connsiteX7" y="connsiteY7"/>
+                </a:cxn>
+                <a:cxn ang="0">
+                  <a:pos x="connsiteX8" y="connsiteY8"/>
+                </a:cxn>
+                <a:cxn ang="0">
+                  <a:pos x="connsiteX9" y="connsiteY9"/>
+                </a:cxn>
+                <a:cxn ang="0">
+                  <a:pos x="connsiteX10" y="connsiteY10"/>
+                </a:cxn>
+                <a:cxn ang="0">
+                  <a:pos x="connsiteX11" y="connsiteY11"/>
+                </a:cxn>
+                <a:cxn ang="0">
+                  <a:pos x="connsiteX12" y="connsiteY12"/>
+                </a:cxn>
+                <a:cxn ang="0">
+                  <a:pos x="connsiteX13" y="connsiteY13"/>
+                </a:cxn>
+                <a:cxn ang="0">
+                  <a:pos x="connsiteX14" y="connsiteY14"/>
+                </a:cxn>
+                <a:cxn ang="0">
+                  <a:pos x="connsiteX15" y="connsiteY15"/>
+                </a:cxn>
+                <a:cxn ang="0">
+                  <a:pos x="connsiteX16" y="connsiteY16"/>
+                </a:cxn>
+                <a:cxn ang="0">
+                  <a:pos x="connsiteX17" y="connsiteY17"/>
+                </a:cxn>
+                <a:cxn ang="0">
+                  <a:pos x="connsiteX18" y="connsiteY18"/>
+                </a:cxn>
+                <a:cxn ang="0">
+                  <a:pos x="connsiteX19" y="connsiteY19"/>
+                </a:cxn>
+                <a:cxn ang="0">
+                  <a:pos x="connsiteX20" y="connsiteY20"/>
+                </a:cxn>
+                <a:cxn ang="0">
+                  <a:pos x="connsiteX21" y="connsiteY21"/>
+                </a:cxn>
+                <a:cxn ang="0">
+                  <a:pos x="connsiteX22" y="connsiteY22"/>
+                </a:cxn>
+                <a:cxn ang="0">
+                  <a:pos x="connsiteX23" y="connsiteY23"/>
+                </a:cxn>
+                <a:cxn ang="0">
+                  <a:pos x="connsiteX24" y="connsiteY24"/>
+                </a:cxn>
+                <a:cxn ang="0">
+                  <a:pos x="connsiteX25" y="connsiteY25"/>
+                </a:cxn>
+                <a:cxn ang="0">
+                  <a:pos x="connsiteX26" y="connsiteY26"/>
+                </a:cxn>
+                <a:cxn ang="0">
+                  <a:pos x="connsiteX27" y="connsiteY27"/>
+                </a:cxn>
+                <a:cxn ang="0">
+                  <a:pos x="connsiteX28" y="connsiteY28"/>
+                </a:cxn>
+                <a:cxn ang="0">
+                  <a:pos x="connsiteX29" y="connsiteY29"/>
+                </a:cxn>
+                <a:cxn ang="0">
+                  <a:pos x="connsiteX30" y="connsiteY30"/>
+                </a:cxn>
+                <a:cxn ang="0">
+                  <a:pos x="connsiteX31" y="connsiteY31"/>
+                </a:cxn>
+                <a:cxn ang="0">
+                  <a:pos x="connsiteX32" y="connsiteY32"/>
+                </a:cxn>
+                <a:cxn ang="0">
+                  <a:pos x="connsiteX33" y="connsiteY33"/>
+                </a:cxn>
+                <a:cxn ang="0">
+                  <a:pos x="connsiteX34" y="connsiteY34"/>
+                </a:cxn>
+                <a:cxn ang="0">
+                  <a:pos x="connsiteX35" y="connsiteY35"/>
+                </a:cxn>
+                <a:cxn ang="0">
+                  <a:pos x="connsiteX36" y="connsiteY36"/>
+                </a:cxn>
+                <a:cxn ang="0">
+                  <a:pos x="connsiteX37" y="connsiteY37"/>
+                </a:cxn>
+                <a:cxn ang="0">
+                  <a:pos x="connsiteX38" y="connsiteY38"/>
+                </a:cxn>
+                <a:cxn ang="0">
+                  <a:pos x="connsiteX39" y="connsiteY39"/>
+                </a:cxn>
+                <a:cxn ang="0">
+                  <a:pos x="connsiteX40" y="connsiteY40"/>
+                </a:cxn>
+              </a:cxnLst>
+              <a:rect l="l" t="t" r="r" b="b"/>
+              <a:pathLst>
+                <a:path w="479505" h="570674">
+                  <a:moveTo>
+                    <a:pt x="267642" y="32369"/>
+                  </a:moveTo>
+                  <a:cubicBezTo>
+                    <a:pt x="363722" y="32275"/>
+                    <a:pt x="442799" y="107932"/>
+                    <a:pt x="446952" y="203923"/>
+                  </a:cubicBezTo>
+                  <a:cubicBezTo>
+                    <a:pt x="447198" y="209334"/>
+                    <a:pt x="447198" y="214822"/>
+                    <a:pt x="446952" y="220235"/>
+                  </a:cubicBezTo>
+                  <a:lnTo>
+                    <a:pt x="446915" y="221045"/>
+                  </a:lnTo>
+                  <a:lnTo>
+                    <a:pt x="446915" y="221854"/>
+                  </a:lnTo>
+                  <a:cubicBezTo>
+                    <a:pt x="443981" y="277721"/>
+                    <a:pt x="418515" y="330009"/>
+                    <a:pt x="376340" y="366764"/>
+                  </a:cubicBezTo>
+                  <a:lnTo>
+                    <a:pt x="363819" y="376475"/>
+                  </a:lnTo>
+                  <a:lnTo>
+                    <a:pt x="363819" y="538311"/>
+                  </a:lnTo>
+                  <a:lnTo>
+                    <a:pt x="205827" y="538311"/>
+                  </a:lnTo>
+                  <a:lnTo>
+                    <a:pt x="205827" y="453716"/>
+                  </a:lnTo>
+                  <a:lnTo>
+                    <a:pt x="140805" y="453716"/>
+                  </a:lnTo>
+                  <a:cubicBezTo>
+                    <a:pt x="129992" y="453954"/>
+                    <a:pt x="119364" y="450897"/>
+                    <a:pt x="110330" y="444952"/>
+                  </a:cubicBezTo>
+                  <a:cubicBezTo>
+                    <a:pt x="96410" y="435480"/>
+                    <a:pt x="88089" y="419724"/>
+                    <a:pt x="88110" y="402888"/>
+                  </a:cubicBezTo>
+                  <a:lnTo>
+                    <a:pt x="88110" y="402015"/>
+                  </a:lnTo>
+                  <a:lnTo>
+                    <a:pt x="88110" y="359180"/>
+                  </a:lnTo>
+                  <a:lnTo>
+                    <a:pt x="88110" y="326811"/>
+                  </a:lnTo>
+                  <a:lnTo>
+                    <a:pt x="34945" y="326811"/>
+                  </a:lnTo>
+                  <a:cubicBezTo>
+                    <a:pt x="34783" y="326811"/>
+                    <a:pt x="34728" y="326703"/>
+                    <a:pt x="34805" y="326569"/>
+                  </a:cubicBezTo>
+                  <a:lnTo>
+                    <a:pt x="83734" y="241329"/>
+                  </a:lnTo>
+                  <a:lnTo>
+                    <a:pt x="88029" y="233845"/>
+                  </a:lnTo>
+                  <a:lnTo>
+                    <a:pt x="88029" y="220969"/>
+                  </a:lnTo>
+                  <a:lnTo>
+                    <a:pt x="88005" y="220235"/>
+                  </a:lnTo>
+                  <a:cubicBezTo>
+                    <a:pt x="83601" y="121142"/>
+                    <a:pt x="160243" y="37185"/>
+                    <a:pt x="259325" y="32558"/>
+                  </a:cubicBezTo>
+                  <a:cubicBezTo>
+                    <a:pt x="262104" y="32432"/>
+                    <a:pt x="264887" y="32369"/>
+                    <a:pt x="267642" y="32369"/>
+                  </a:cubicBezTo>
+                  <a:close/>
+                  <a:moveTo>
+                    <a:pt x="257855" y="222"/>
+                  </a:moveTo>
+                  <a:cubicBezTo>
+                    <a:pt x="140865" y="5553"/>
+                    <a:pt x="50346" y="104713"/>
+                    <a:pt x="55672" y="221703"/>
+                  </a:cubicBezTo>
+                  <a:lnTo>
+                    <a:pt x="55672" y="225217"/>
+                  </a:lnTo>
+                  <a:lnTo>
+                    <a:pt x="7119" y="309819"/>
+                  </a:lnTo>
+                  <a:cubicBezTo>
+                    <a:pt x="-9795" y="335917"/>
+                    <a:pt x="6407" y="357060"/>
+                    <a:pt x="24744" y="359182"/>
+                  </a:cubicBezTo>
+                  <a:lnTo>
+                    <a:pt x="55754" y="359182"/>
+                  </a:lnTo>
+                  <a:lnTo>
+                    <a:pt x="55754" y="401548"/>
+                  </a:lnTo>
+                  <a:lnTo>
+                    <a:pt x="55743" y="402886"/>
+                  </a:lnTo>
+                  <a:cubicBezTo>
+                    <a:pt x="55737" y="448829"/>
+                    <a:pt x="92972" y="486079"/>
+                    <a:pt x="138915" y="486087"/>
+                  </a:cubicBezTo>
+                  <a:lnTo>
+                    <a:pt x="173459" y="486087"/>
+                  </a:lnTo>
+                  <a:lnTo>
+                    <a:pt x="173459" y="570674"/>
+                  </a:lnTo>
+                  <a:lnTo>
+                    <a:pt x="396192" y="570674"/>
+                  </a:lnTo>
+                  <a:lnTo>
+                    <a:pt x="396192" y="392322"/>
+                  </a:lnTo>
+                  <a:cubicBezTo>
+                    <a:pt x="448870" y="351431"/>
+                    <a:pt x="479572" y="288394"/>
+                    <a:pt x="479287" y="221708"/>
+                  </a:cubicBezTo>
+                  <a:cubicBezTo>
+                    <a:pt x="479578" y="215294"/>
+                    <a:pt x="479578" y="208879"/>
+                    <a:pt x="479287" y="202459"/>
+                  </a:cubicBezTo>
+                  <a:cubicBezTo>
+                    <a:pt x="474165" y="89263"/>
+                    <a:pt x="380952" y="97"/>
+                    <a:pt x="267642" y="0"/>
+                  </a:cubicBezTo>
+                  <a:cubicBezTo>
+                    <a:pt x="267642" y="0"/>
+                    <a:pt x="261126" y="74"/>
+                    <a:pt x="257855" y="222"/>
+                  </a:cubicBezTo>
+                  <a:close/>
+                </a:path>
+              </a:pathLst>
+            </a:custGeom>
+            <a:solidFill>
+              <a:srgbClr val="00252A"/>
+            </a:solidFill>
+            <a:ln w="3175" cap="flat">
+              <a:solidFill>
+                <a:srgbClr val="00252A"/>
+              </a:solidFill>
+              <a:prstDash val="solid"/>
+              <a:miter/>
+            </a:ln>
+          </p:spPr>
+          <p:txBody>
+            <a:bodyPr rtlCol="0" anchor="ctr"/>
+            <a:lstStyle/>
+            <a:p>
+              <a:endParaRPr lang="en-AU"/>
+            </a:p>
+          </p:txBody>
+        </p:sp>
+        <p:grpSp>
+          <p:nvGrpSpPr>
+            <p:cNvPr id="50" name="Graphic 10" descr="Playbook outline">
+              <a:extLst>
+                <a:ext uri="{FF2B5EF4-FFF2-40B4-BE49-F238E27FC236}">
+                  <a16:creationId xmlns:a16="http://schemas.microsoft.com/office/drawing/2014/main" id="{40B07A11-4B02-FAB4-5AC8-2DF7B993F8E9}"/>
+                </a:ext>
+              </a:extLst>
+            </p:cNvPr>
+            <p:cNvGrpSpPr/>
+            <p:nvPr/>
+          </p:nvGrpSpPr>
+          <p:grpSpPr>
+            <a:xfrm>
+              <a:off x="5255649" y="2311753"/>
+              <a:ext cx="670153" cy="691428"/>
+              <a:chOff x="5255649" y="2311753"/>
+              <a:chExt cx="670153" cy="691428"/>
+            </a:xfrm>
+            <a:solidFill>
+              <a:srgbClr val="8E3B46"/>
+            </a:solidFill>
+          </p:grpSpPr>
+          <p:sp>
+            <p:nvSpPr>
+              <p:cNvPr id="51" name="Freeform: Shape 50">
+                <a:extLst>
+                  <a:ext uri="{FF2B5EF4-FFF2-40B4-BE49-F238E27FC236}">
+                    <a16:creationId xmlns:a16="http://schemas.microsoft.com/office/drawing/2014/main" id="{FD348638-F9FB-7300-28AA-201F1FBD1E8C}"/>
+                  </a:ext>
+                </a:extLst>
+              </p:cNvPr>
+              <p:cNvSpPr/>
+              <p:nvPr/>
+            </p:nvSpPr>
+            <p:spPr>
+              <a:xfrm>
+                <a:off x="5420530" y="2428895"/>
+                <a:ext cx="159427" cy="159427"/>
+              </a:xfrm>
+              <a:custGeom>
+                <a:avLst/>
+                <a:gdLst>
+                  <a:gd name="connsiteX0" fmla="*/ 3115 w 159427"/>
+                  <a:gd name="connsiteY0" fmla="*/ 156313 h 159427"/>
+                  <a:gd name="connsiteX1" fmla="*/ 18156 w 159427"/>
+                  <a:gd name="connsiteY1" fmla="*/ 156313 h 159427"/>
+                  <a:gd name="connsiteX2" fmla="*/ 79778 w 159427"/>
+                  <a:gd name="connsiteY2" fmla="*/ 94691 h 159427"/>
+                  <a:gd name="connsiteX3" fmla="*/ 141400 w 159427"/>
+                  <a:gd name="connsiteY3" fmla="*/ 156313 h 159427"/>
+                  <a:gd name="connsiteX4" fmla="*/ 156441 w 159427"/>
+                  <a:gd name="connsiteY4" fmla="*/ 156051 h 159427"/>
+                  <a:gd name="connsiteX5" fmla="*/ 156441 w 159427"/>
+                  <a:gd name="connsiteY5" fmla="*/ 141272 h 159427"/>
+                  <a:gd name="connsiteX6" fmla="*/ 94819 w 159427"/>
+                  <a:gd name="connsiteY6" fmla="*/ 79650 h 159427"/>
+                  <a:gd name="connsiteX7" fmla="*/ 156441 w 159427"/>
+                  <a:gd name="connsiteY7" fmla="*/ 18027 h 159427"/>
+                  <a:gd name="connsiteX8" fmla="*/ 156180 w 159427"/>
+                  <a:gd name="connsiteY8" fmla="*/ 2986 h 159427"/>
+                  <a:gd name="connsiteX9" fmla="*/ 141400 w 159427"/>
+                  <a:gd name="connsiteY9" fmla="*/ 2986 h 159427"/>
+                  <a:gd name="connsiteX10" fmla="*/ 79778 w 159427"/>
+                  <a:gd name="connsiteY10" fmla="*/ 64608 h 159427"/>
+                  <a:gd name="connsiteX11" fmla="*/ 18156 w 159427"/>
+                  <a:gd name="connsiteY11" fmla="*/ 2986 h 159427"/>
+                  <a:gd name="connsiteX12" fmla="*/ 3115 w 159427"/>
+                  <a:gd name="connsiteY12" fmla="*/ 3248 h 159427"/>
+                  <a:gd name="connsiteX13" fmla="*/ 3115 w 159427"/>
+                  <a:gd name="connsiteY13" fmla="*/ 18027 h 159427"/>
+                  <a:gd name="connsiteX14" fmla="*/ 64737 w 159427"/>
+                  <a:gd name="connsiteY14" fmla="*/ 79650 h 159427"/>
+                  <a:gd name="connsiteX15" fmla="*/ 3115 w 159427"/>
+                  <a:gd name="connsiteY15" fmla="*/ 141272 h 159427"/>
+                  <a:gd name="connsiteX16" fmla="*/ 3115 w 159427"/>
+                  <a:gd name="connsiteY16" fmla="*/ 156313 h 159427"/>
+                </a:gdLst>
+                <a:ahLst/>
+                <a:cxnLst>
+                  <a:cxn ang="0">
+                    <a:pos x="connsiteX0" y="connsiteY0"/>
+                  </a:cxn>
+                  <a:cxn ang="0">
+                    <a:pos x="connsiteX1" y="connsiteY1"/>
+                  </a:cxn>
+                  <a:cxn ang="0">
+                    <a:pos x="connsiteX2" y="connsiteY2"/>
+                  </a:cxn>
+                  <a:cxn ang="0">
+                    <a:pos x="connsiteX3" y="connsiteY3"/>
+                  </a:cxn>
+                  <a:cxn ang="0">
+                    <a:pos x="connsiteX4" y="connsiteY4"/>
+                  </a:cxn>
+                  <a:cxn ang="0">
+                    <a:pos x="connsiteX5" y="connsiteY5"/>
+                  </a:cxn>
+                  <a:cxn ang="0">
+                    <a:pos x="connsiteX6" y="connsiteY6"/>
+                  </a:cxn>
+                  <a:cxn ang="0">
+                    <a:pos x="connsiteX7" y="connsiteY7"/>
+                  </a:cxn>
+                  <a:cxn ang="0">
+                    <a:pos x="connsiteX8" y="connsiteY8"/>
+                  </a:cxn>
+                  <a:cxn ang="0">
+                    <a:pos x="connsiteX9" y="connsiteY9"/>
+                  </a:cxn>
+                  <a:cxn ang="0">
+                    <a:pos x="connsiteX10" y="connsiteY10"/>
+                  </a:cxn>
+                  <a:cxn ang="0">
+                    <a:pos x="connsiteX11" y="connsiteY11"/>
+                  </a:cxn>
+                  <a:cxn ang="0">
+                    <a:pos x="connsiteX12" y="connsiteY12"/>
+                  </a:cxn>
+                  <a:cxn ang="0">
+                    <a:pos x="connsiteX13" y="connsiteY13"/>
+                  </a:cxn>
+                  <a:cxn ang="0">
+                    <a:pos x="connsiteX14" y="connsiteY14"/>
+                  </a:cxn>
+                  <a:cxn ang="0">
+                    <a:pos x="connsiteX15" y="connsiteY15"/>
+                  </a:cxn>
+                  <a:cxn ang="0">
+                    <a:pos x="connsiteX16" y="connsiteY16"/>
+                  </a:cxn>
+                </a:cxnLst>
+                <a:rect l="l" t="t" r="r" b="b"/>
+                <a:pathLst>
+                  <a:path w="159427" h="159427">
+                    <a:moveTo>
+                      <a:pt x="3115" y="156313"/>
+                    </a:moveTo>
+                    <a:cubicBezTo>
+                      <a:pt x="7268" y="160466"/>
+                      <a:pt x="14002" y="160466"/>
+                      <a:pt x="18156" y="156313"/>
+                    </a:cubicBezTo>
+                    <a:lnTo>
+                      <a:pt x="79778" y="94691"/>
+                    </a:lnTo>
+                    <a:lnTo>
+                      <a:pt x="141400" y="156313"/>
+                    </a:lnTo>
+                    <a:cubicBezTo>
+                      <a:pt x="145626" y="160395"/>
+                      <a:pt x="152360" y="160278"/>
+                      <a:pt x="156441" y="156051"/>
+                    </a:cubicBezTo>
+                    <a:cubicBezTo>
+                      <a:pt x="160423" y="151929"/>
+                      <a:pt x="160423" y="145394"/>
+                      <a:pt x="156441" y="141272"/>
+                    </a:cubicBezTo>
+                    <a:lnTo>
+                      <a:pt x="94819" y="79650"/>
+                    </a:lnTo>
+                    <a:lnTo>
+                      <a:pt x="156441" y="18027"/>
+                    </a:lnTo>
+                    <a:cubicBezTo>
+                      <a:pt x="160523" y="13801"/>
+                      <a:pt x="160406" y="7068"/>
+                      <a:pt x="156180" y="2986"/>
+                    </a:cubicBezTo>
+                    <a:cubicBezTo>
+                      <a:pt x="152058" y="-995"/>
+                      <a:pt x="145522" y="-995"/>
+                      <a:pt x="141400" y="2986"/>
+                    </a:cubicBezTo>
+                    <a:lnTo>
+                      <a:pt x="79778" y="64608"/>
+                    </a:lnTo>
+                    <a:lnTo>
+                      <a:pt x="18156" y="2986"/>
+                    </a:lnTo>
+                    <a:cubicBezTo>
+                      <a:pt x="13930" y="-1095"/>
+                      <a:pt x="7196" y="-978"/>
+                      <a:pt x="3115" y="3248"/>
+                    </a:cubicBezTo>
+                    <a:cubicBezTo>
+                      <a:pt x="-867" y="7370"/>
+                      <a:pt x="-867" y="13905"/>
+                      <a:pt x="3115" y="18027"/>
+                    </a:cubicBezTo>
+                    <a:lnTo>
+                      <a:pt x="64737" y="79650"/>
+                    </a:lnTo>
+                    <a:lnTo>
+                      <a:pt x="3115" y="141272"/>
+                    </a:lnTo>
+                    <a:cubicBezTo>
+                      <a:pt x="-1038" y="145426"/>
+                      <a:pt x="-1038" y="152159"/>
+                      <a:pt x="3115" y="156313"/>
+                    </a:cubicBezTo>
+                    <a:close/>
+                  </a:path>
+                </a:pathLst>
+              </a:custGeom>
+              <a:solidFill>
+                <a:srgbClr val="8E3B46"/>
+              </a:solidFill>
+              <a:ln w="12700" cap="flat">
+                <a:solidFill>
+                  <a:srgbClr val="8E3B46"/>
+                </a:solidFill>
+                <a:prstDash val="solid"/>
+                <a:miter/>
+              </a:ln>
+            </p:spPr>
+            <p:txBody>
+              <a:bodyPr rtlCol="0" anchor="ctr"/>
+              <a:lstStyle/>
+              <a:p>
+                <a:endParaRPr lang="en-AU"/>
+              </a:p>
+            </p:txBody>
+          </p:sp>
+          <p:sp>
+            <p:nvSpPr>
+              <p:cNvPr id="52" name="Freeform: Shape 51">
+                <a:extLst>
+                  <a:ext uri="{FF2B5EF4-FFF2-40B4-BE49-F238E27FC236}">
+                    <a16:creationId xmlns:a16="http://schemas.microsoft.com/office/drawing/2014/main" id="{D360B9B8-49F0-6DAC-9883-76B56F1BF667}"/>
+                  </a:ext>
+                </a:extLst>
+              </p:cNvPr>
+              <p:cNvSpPr/>
+              <p:nvPr/>
+            </p:nvSpPr>
+            <p:spPr>
+              <a:xfrm>
+                <a:off x="5654418" y="2726612"/>
+                <a:ext cx="159689" cy="159689"/>
+              </a:xfrm>
+              <a:custGeom>
+                <a:avLst/>
+                <a:gdLst>
+                  <a:gd name="connsiteX0" fmla="*/ 156575 w 159689"/>
+                  <a:gd name="connsiteY0" fmla="*/ 3115 h 159689"/>
+                  <a:gd name="connsiteX1" fmla="*/ 141533 w 159689"/>
+                  <a:gd name="connsiteY1" fmla="*/ 3115 h 159689"/>
+                  <a:gd name="connsiteX2" fmla="*/ 79911 w 159689"/>
+                  <a:gd name="connsiteY2" fmla="*/ 64737 h 159689"/>
+                  <a:gd name="connsiteX3" fmla="*/ 18289 w 159689"/>
+                  <a:gd name="connsiteY3" fmla="*/ 3115 h 159689"/>
+                  <a:gd name="connsiteX4" fmla="*/ 3248 w 159689"/>
+                  <a:gd name="connsiteY4" fmla="*/ 3376 h 159689"/>
+                  <a:gd name="connsiteX5" fmla="*/ 3248 w 159689"/>
+                  <a:gd name="connsiteY5" fmla="*/ 18156 h 159689"/>
+                  <a:gd name="connsiteX6" fmla="*/ 64870 w 159689"/>
+                  <a:gd name="connsiteY6" fmla="*/ 79778 h 159689"/>
+                  <a:gd name="connsiteX7" fmla="*/ 3248 w 159689"/>
+                  <a:gd name="connsiteY7" fmla="*/ 141400 h 159689"/>
+                  <a:gd name="connsiteX8" fmla="*/ 2986 w 159689"/>
+                  <a:gd name="connsiteY8" fmla="*/ 156441 h 159689"/>
+                  <a:gd name="connsiteX9" fmla="*/ 18027 w 159689"/>
+                  <a:gd name="connsiteY9" fmla="*/ 156703 h 159689"/>
+                  <a:gd name="connsiteX10" fmla="*/ 18289 w 159689"/>
+                  <a:gd name="connsiteY10" fmla="*/ 156441 h 159689"/>
+                  <a:gd name="connsiteX11" fmla="*/ 79911 w 159689"/>
+                  <a:gd name="connsiteY11" fmla="*/ 94819 h 159689"/>
+                  <a:gd name="connsiteX12" fmla="*/ 141533 w 159689"/>
+                  <a:gd name="connsiteY12" fmla="*/ 156441 h 159689"/>
+                  <a:gd name="connsiteX13" fmla="*/ 156575 w 159689"/>
+                  <a:gd name="connsiteY13" fmla="*/ 156180 h 159689"/>
+                  <a:gd name="connsiteX14" fmla="*/ 156575 w 159689"/>
+                  <a:gd name="connsiteY14" fmla="*/ 141400 h 159689"/>
+                  <a:gd name="connsiteX15" fmla="*/ 94953 w 159689"/>
+                  <a:gd name="connsiteY15" fmla="*/ 79778 h 159689"/>
+                  <a:gd name="connsiteX16" fmla="*/ 156575 w 159689"/>
+                  <a:gd name="connsiteY16" fmla="*/ 18156 h 159689"/>
+                  <a:gd name="connsiteX17" fmla="*/ 156575 w 159689"/>
+                  <a:gd name="connsiteY17" fmla="*/ 3115 h 159689"/>
+                </a:gdLst>
+                <a:ahLst/>
+                <a:cxnLst>
+                  <a:cxn ang="0">
+                    <a:pos x="connsiteX0" y="connsiteY0"/>
+                  </a:cxn>
+                  <a:cxn ang="0">
+                    <a:pos x="connsiteX1" y="connsiteY1"/>
+                  </a:cxn>
+                  <a:cxn ang="0">
+                    <a:pos x="connsiteX2" y="connsiteY2"/>
+                  </a:cxn>
+                  <a:cxn ang="0">
+                    <a:pos x="connsiteX3" y="connsiteY3"/>
+                  </a:cxn>
+                  <a:cxn ang="0">
+                    <a:pos x="connsiteX4" y="connsiteY4"/>
+                  </a:cxn>
+                  <a:cxn ang="0">
+                    <a:pos x="connsiteX5" y="connsiteY5"/>
+                  </a:cxn>
+                  <a:cxn ang="0">
+                    <a:pos x="connsiteX6" y="connsiteY6"/>
+                  </a:cxn>
+                  <a:cxn ang="0">
+                    <a:pos x="connsiteX7" y="connsiteY7"/>
+                  </a:cxn>
+                  <a:cxn ang="0">
+                    <a:pos x="connsiteX8" y="connsiteY8"/>
+                  </a:cxn>
+                  <a:cxn ang="0">
+                    <a:pos x="connsiteX9" y="connsiteY9"/>
+                  </a:cxn>
+                  <a:cxn ang="0">
+                    <a:pos x="connsiteX10" y="connsiteY10"/>
+                  </a:cxn>
+                  <a:cxn ang="0">
+                    <a:pos x="connsiteX11" y="connsiteY11"/>
+                  </a:cxn>
+                  <a:cxn ang="0">
+                    <a:pos x="connsiteX12" y="connsiteY12"/>
+                  </a:cxn>
+                  <a:cxn ang="0">
+                    <a:pos x="connsiteX13" y="connsiteY13"/>
+                  </a:cxn>
+                  <a:cxn ang="0">
+                    <a:pos x="connsiteX14" y="connsiteY14"/>
+                  </a:cxn>
+                  <a:cxn ang="0">
+                    <a:pos x="connsiteX15" y="connsiteY15"/>
+                  </a:cxn>
+                  <a:cxn ang="0">
+                    <a:pos x="connsiteX16" y="connsiteY16"/>
+                  </a:cxn>
+                  <a:cxn ang="0">
+                    <a:pos x="connsiteX17" y="connsiteY17"/>
+                  </a:cxn>
+                </a:cxnLst>
+                <a:rect l="l" t="t" r="r" b="b"/>
+                <a:pathLst>
+                  <a:path w="159689" h="159689">
+                    <a:moveTo>
+                      <a:pt x="156575" y="3115"/>
+                    </a:moveTo>
+                    <a:cubicBezTo>
+                      <a:pt x="152421" y="-1038"/>
+                      <a:pt x="145687" y="-1038"/>
+                      <a:pt x="141533" y="3115"/>
+                    </a:cubicBezTo>
+                    <a:lnTo>
+                      <a:pt x="79911" y="64737"/>
+                    </a:lnTo>
+                    <a:lnTo>
+                      <a:pt x="18289" y="3115"/>
+                    </a:lnTo>
+                    <a:cubicBezTo>
+                      <a:pt x="14063" y="-967"/>
+                      <a:pt x="7329" y="-850"/>
+                      <a:pt x="3248" y="3376"/>
+                    </a:cubicBezTo>
+                    <a:cubicBezTo>
+                      <a:pt x="-734" y="7498"/>
+                      <a:pt x="-734" y="14034"/>
+                      <a:pt x="3248" y="18156"/>
+                    </a:cubicBezTo>
+                    <a:lnTo>
+                      <a:pt x="64870" y="79778"/>
+                    </a:lnTo>
+                    <a:lnTo>
+                      <a:pt x="3248" y="141400"/>
+                    </a:lnTo>
+                    <a:cubicBezTo>
+                      <a:pt x="-978" y="145482"/>
+                      <a:pt x="-1095" y="152215"/>
+                      <a:pt x="2986" y="156441"/>
+                    </a:cubicBezTo>
+                    <a:cubicBezTo>
+                      <a:pt x="7068" y="160668"/>
+                      <a:pt x="13802" y="160785"/>
+                      <a:pt x="18027" y="156703"/>
+                    </a:cubicBezTo>
+                    <a:cubicBezTo>
+                      <a:pt x="18117" y="156617"/>
+                      <a:pt x="18204" y="156530"/>
+                      <a:pt x="18289" y="156441"/>
+                    </a:cubicBezTo>
+                    <a:lnTo>
+                      <a:pt x="79911" y="94819"/>
+                    </a:lnTo>
+                    <a:lnTo>
+                      <a:pt x="141533" y="156441"/>
+                    </a:lnTo>
+                    <a:cubicBezTo>
+                      <a:pt x="145760" y="160523"/>
+                      <a:pt x="152493" y="160406"/>
+                      <a:pt x="156575" y="156180"/>
+                    </a:cubicBezTo>
+                    <a:cubicBezTo>
+                      <a:pt x="160556" y="152058"/>
+                      <a:pt x="160556" y="145522"/>
+                      <a:pt x="156575" y="141400"/>
+                    </a:cubicBezTo>
+                    <a:lnTo>
+                      <a:pt x="94953" y="79778"/>
+                    </a:lnTo>
+                    <a:lnTo>
+                      <a:pt x="156575" y="18156"/>
+                    </a:lnTo>
+                    <a:cubicBezTo>
+                      <a:pt x="160727" y="14002"/>
+                      <a:pt x="160727" y="7268"/>
+                      <a:pt x="156575" y="3115"/>
+                    </a:cubicBezTo>
+                    <a:close/>
+                  </a:path>
+                </a:pathLst>
+              </a:custGeom>
+              <a:solidFill>
+                <a:srgbClr val="E6AA04"/>
+              </a:solidFill>
+              <a:ln w="12700" cap="flat">
+                <a:solidFill>
+                  <a:srgbClr val="E6AA04"/>
+                </a:solidFill>
+                <a:prstDash val="solid"/>
+                <a:miter/>
+              </a:ln>
+            </p:spPr>
+            <p:txBody>
+              <a:bodyPr rtlCol="0" anchor="ctr"/>
+              <a:lstStyle/>
+              <a:p>
+                <a:endParaRPr lang="en-AU" dirty="0"/>
+              </a:p>
+            </p:txBody>
+          </p:sp>
+          <p:sp>
+            <p:nvSpPr>
+              <p:cNvPr id="53" name="Freeform: Shape 52">
+                <a:extLst>
+                  <a:ext uri="{FF2B5EF4-FFF2-40B4-BE49-F238E27FC236}">
+                    <a16:creationId xmlns:a16="http://schemas.microsoft.com/office/drawing/2014/main" id="{CA5FE56D-4F13-897C-E9C5-0E77BE607094}"/>
+                  </a:ext>
+                </a:extLst>
+              </p:cNvPr>
+              <p:cNvSpPr/>
+              <p:nvPr/>
+            </p:nvSpPr>
+            <p:spPr>
+              <a:xfrm>
+                <a:off x="5415507" y="2428807"/>
+                <a:ext cx="403790" cy="457391"/>
+              </a:xfrm>
+              <a:custGeom>
+                <a:avLst/>
+                <a:gdLst>
+                  <a:gd name="connsiteX0" fmla="*/ 87258 w 403790"/>
+                  <a:gd name="connsiteY0" fmla="*/ 457364 h 457391"/>
+                  <a:gd name="connsiteX1" fmla="*/ 169772 w 403790"/>
+                  <a:gd name="connsiteY1" fmla="*/ 376924 h 457391"/>
+                  <a:gd name="connsiteX2" fmla="*/ 95438 w 403790"/>
+                  <a:gd name="connsiteY2" fmla="*/ 287900 h 457391"/>
+                  <a:gd name="connsiteX3" fmla="*/ 95438 w 403790"/>
+                  <a:gd name="connsiteY3" fmla="*/ 265891 h 457391"/>
+                  <a:gd name="connsiteX4" fmla="*/ 127350 w 403790"/>
+                  <a:gd name="connsiteY4" fmla="*/ 233979 h 457391"/>
+                  <a:gd name="connsiteX5" fmla="*/ 276273 w 403790"/>
+                  <a:gd name="connsiteY5" fmla="*/ 233979 h 457391"/>
+                  <a:gd name="connsiteX6" fmla="*/ 329460 w 403790"/>
+                  <a:gd name="connsiteY6" fmla="*/ 180792 h 457391"/>
+                  <a:gd name="connsiteX7" fmla="*/ 329460 w 403790"/>
+                  <a:gd name="connsiteY7" fmla="*/ 36529 h 457391"/>
+                  <a:gd name="connsiteX8" fmla="*/ 329567 w 403790"/>
+                  <a:gd name="connsiteY8" fmla="*/ 36423 h 457391"/>
+                  <a:gd name="connsiteX9" fmla="*/ 329640 w 403790"/>
+                  <a:gd name="connsiteY9" fmla="*/ 36454 h 457391"/>
+                  <a:gd name="connsiteX10" fmla="*/ 385763 w 403790"/>
+                  <a:gd name="connsiteY10" fmla="*/ 92577 h 457391"/>
+                  <a:gd name="connsiteX11" fmla="*/ 400804 w 403790"/>
+                  <a:gd name="connsiteY11" fmla="*/ 92315 h 457391"/>
+                  <a:gd name="connsiteX12" fmla="*/ 400804 w 403790"/>
+                  <a:gd name="connsiteY12" fmla="*/ 77536 h 457391"/>
+                  <a:gd name="connsiteX13" fmla="*/ 326343 w 403790"/>
+                  <a:gd name="connsiteY13" fmla="*/ 3074 h 457391"/>
+                  <a:gd name="connsiteX14" fmla="*/ 326013 w 403790"/>
+                  <a:gd name="connsiteY14" fmla="*/ 2851 h 457391"/>
+                  <a:gd name="connsiteX15" fmla="*/ 322896 w 403790"/>
+                  <a:gd name="connsiteY15" fmla="*/ 723 h 457391"/>
+                  <a:gd name="connsiteX16" fmla="*/ 322896 w 403790"/>
+                  <a:gd name="connsiteY16" fmla="*/ 723 h 457391"/>
+                  <a:gd name="connsiteX17" fmla="*/ 322609 w 403790"/>
+                  <a:gd name="connsiteY17" fmla="*/ 660 h 457391"/>
+                  <a:gd name="connsiteX18" fmla="*/ 319269 w 403790"/>
+                  <a:gd name="connsiteY18" fmla="*/ 0 h 457391"/>
+                  <a:gd name="connsiteX19" fmla="*/ 318205 w 403790"/>
+                  <a:gd name="connsiteY19" fmla="*/ 64 h 457391"/>
+                  <a:gd name="connsiteX20" fmla="*/ 315578 w 403790"/>
+                  <a:gd name="connsiteY20" fmla="*/ 574 h 457391"/>
+                  <a:gd name="connsiteX21" fmla="*/ 314514 w 403790"/>
+                  <a:gd name="connsiteY21" fmla="*/ 947 h 457391"/>
+                  <a:gd name="connsiteX22" fmla="*/ 311323 w 403790"/>
+                  <a:gd name="connsiteY22" fmla="*/ 3074 h 457391"/>
+                  <a:gd name="connsiteX23" fmla="*/ 236861 w 403790"/>
+                  <a:gd name="connsiteY23" fmla="*/ 77536 h 457391"/>
+                  <a:gd name="connsiteX24" fmla="*/ 237123 w 403790"/>
+                  <a:gd name="connsiteY24" fmla="*/ 92577 h 457391"/>
+                  <a:gd name="connsiteX25" fmla="*/ 251903 w 403790"/>
+                  <a:gd name="connsiteY25" fmla="*/ 92577 h 457391"/>
+                  <a:gd name="connsiteX26" fmla="*/ 308025 w 403790"/>
+                  <a:gd name="connsiteY26" fmla="*/ 36454 h 457391"/>
+                  <a:gd name="connsiteX27" fmla="*/ 308175 w 403790"/>
+                  <a:gd name="connsiteY27" fmla="*/ 36455 h 457391"/>
+                  <a:gd name="connsiteX28" fmla="*/ 308206 w 403790"/>
+                  <a:gd name="connsiteY28" fmla="*/ 36529 h 457391"/>
+                  <a:gd name="connsiteX29" fmla="*/ 308206 w 403790"/>
+                  <a:gd name="connsiteY29" fmla="*/ 180792 h 457391"/>
+                  <a:gd name="connsiteX30" fmla="*/ 276294 w 403790"/>
+                  <a:gd name="connsiteY30" fmla="*/ 212705 h 457391"/>
+                  <a:gd name="connsiteX31" fmla="*/ 127350 w 403790"/>
+                  <a:gd name="connsiteY31" fmla="*/ 212705 h 457391"/>
+                  <a:gd name="connsiteX32" fmla="*/ 74163 w 403790"/>
+                  <a:gd name="connsiteY32" fmla="*/ 265891 h 457391"/>
+                  <a:gd name="connsiteX33" fmla="*/ 74163 w 403790"/>
+                  <a:gd name="connsiteY33" fmla="*/ 287900 h 457391"/>
+                  <a:gd name="connsiteX34" fmla="*/ 716 w 403790"/>
+                  <a:gd name="connsiteY34" fmla="*/ 383237 h 457391"/>
+                  <a:gd name="connsiteX35" fmla="*/ 87258 w 403790"/>
+                  <a:gd name="connsiteY35" fmla="*/ 457364 h 457391"/>
+                  <a:gd name="connsiteX36" fmla="*/ 84800 w 403790"/>
+                  <a:gd name="connsiteY36" fmla="*/ 308441 h 457391"/>
+                  <a:gd name="connsiteX37" fmla="*/ 148624 w 403790"/>
+                  <a:gd name="connsiteY37" fmla="*/ 372265 h 457391"/>
+                  <a:gd name="connsiteX38" fmla="*/ 84800 w 403790"/>
+                  <a:gd name="connsiteY38" fmla="*/ 436089 h 457391"/>
+                  <a:gd name="connsiteX39" fmla="*/ 20976 w 403790"/>
+                  <a:gd name="connsiteY39" fmla="*/ 372265 h 457391"/>
+                  <a:gd name="connsiteX40" fmla="*/ 84800 w 403790"/>
+                  <a:gd name="connsiteY40" fmla="*/ 308441 h 457391"/>
+                </a:gdLst>
+                <a:ahLst/>
+                <a:cxnLst>
+                  <a:cxn ang="0">
+                    <a:pos x="connsiteX0" y="connsiteY0"/>
+                  </a:cxn>
+                  <a:cxn ang="0">
+                    <a:pos x="connsiteX1" y="connsiteY1"/>
+                  </a:cxn>
+                  <a:cxn ang="0">
+                    <a:pos x="connsiteX2" y="connsiteY2"/>
+                  </a:cxn>
+                  <a:cxn ang="0">
+                    <a:pos x="connsiteX3" y="connsiteY3"/>
+                  </a:cxn>
+                  <a:cxn ang="0">
+                    <a:pos x="connsiteX4" y="connsiteY4"/>
+                  </a:cxn>
+                  <a:cxn ang="0">
+                    <a:pos x="connsiteX5" y="connsiteY5"/>
+                  </a:cxn>
+                  <a:cxn ang="0">
+                    <a:pos x="connsiteX6" y="connsiteY6"/>
+                  </a:cxn>
+                  <a:cxn ang="0">
+                    <a:pos x="connsiteX7" y="connsiteY7"/>
+                  </a:cxn>
+                  <a:cxn ang="0">
+                    <a:pos x="connsiteX8" y="connsiteY8"/>
+                  </a:cxn>
+                  <a:cxn ang="0">
+                    <a:pos x="connsiteX9" y="connsiteY9"/>
+                  </a:cxn>
+                  <a:cxn ang="0">
+                    <a:pos x="connsiteX10" y="connsiteY10"/>
+                  </a:cxn>
+                  <a:cxn ang="0">
+                    <a:pos x="connsiteX11" y="connsiteY11"/>
+                  </a:cxn>
+                  <a:cxn ang="0">
+                    <a:pos x="connsiteX12" y="connsiteY12"/>
+                  </a:cxn>
+                  <a:cxn ang="0">
+                    <a:pos x="connsiteX13" y="connsiteY13"/>
+                  </a:cxn>
+                  <a:cxn ang="0">
+                    <a:pos x="connsiteX14" y="connsiteY14"/>
+                  </a:cxn>
+                  <a:cxn ang="0">
+                    <a:pos x="connsiteX15" y="connsiteY15"/>
+                  </a:cxn>
+                  <a:cxn ang="0">
+                    <a:pos x="connsiteX16" y="connsiteY16"/>
+                  </a:cxn>
+                  <a:cxn ang="0">
+                    <a:pos x="connsiteX17" y="connsiteY17"/>
+                  </a:cxn>
+                  <a:cxn ang="0">
+                    <a:pos x="connsiteX18" y="connsiteY18"/>
+                  </a:cxn>
+                  <a:cxn ang="0">
+                    <a:pos x="connsiteX19" y="connsiteY19"/>
+                  </a:cxn>
+                  <a:cxn ang="0">
+                    <a:pos x="connsiteX20" y="connsiteY20"/>
+                  </a:cxn>
+                  <a:cxn ang="0">
+                    <a:pos x="connsiteX21" y="connsiteY21"/>
+                  </a:cxn>
+                  <a:cxn ang="0">
+                    <a:pos x="connsiteX22" y="connsiteY22"/>
+                  </a:cxn>
+                  <a:cxn ang="0">
+                    <a:pos x="connsiteX23" y="connsiteY23"/>
+                  </a:cxn>
+                  <a:cxn ang="0">
+                    <a:pos x="connsiteX24" y="connsiteY24"/>
+                  </a:cxn>
+                  <a:cxn ang="0">
+                    <a:pos x="connsiteX25" y="connsiteY25"/>
+                  </a:cxn>
+                  <a:cxn ang="0">
+                    <a:pos x="connsiteX26" y="connsiteY26"/>
+                  </a:cxn>
+                  <a:cxn ang="0">
+                    <a:pos x="connsiteX27" y="connsiteY27"/>
+                  </a:cxn>
+                  <a:cxn ang="0">
+                    <a:pos x="connsiteX28" y="connsiteY28"/>
+                  </a:cxn>
+                  <a:cxn ang="0">
+                    <a:pos x="connsiteX29" y="connsiteY29"/>
+                  </a:cxn>
+                  <a:cxn ang="0">
+                    <a:pos x="connsiteX30" y="connsiteY30"/>
+                  </a:cxn>
+                  <a:cxn ang="0">
+                    <a:pos x="connsiteX31" y="connsiteY31"/>
+                  </a:cxn>
+                  <a:cxn ang="0">
+                    <a:pos x="connsiteX32" y="connsiteY32"/>
+                  </a:cxn>
+                  <a:cxn ang="0">
+                    <a:pos x="connsiteX33" y="connsiteY33"/>
+                  </a:cxn>
+                  <a:cxn ang="0">
+                    <a:pos x="connsiteX34" y="connsiteY34"/>
+                  </a:cxn>
+                  <a:cxn ang="0">
+                    <a:pos x="connsiteX35" y="connsiteY35"/>
+                  </a:cxn>
+                  <a:cxn ang="0">
+                    <a:pos x="connsiteX36" y="connsiteY36"/>
+                  </a:cxn>
+                  <a:cxn ang="0">
+                    <a:pos x="connsiteX37" y="connsiteY37"/>
+                  </a:cxn>
+                  <a:cxn ang="0">
+                    <a:pos x="connsiteX38" y="connsiteY38"/>
+                  </a:cxn>
+                  <a:cxn ang="0">
+                    <a:pos x="connsiteX39" y="connsiteY39"/>
+                  </a:cxn>
+                  <a:cxn ang="0">
+                    <a:pos x="connsiteX40" y="connsiteY40"/>
+                  </a:cxn>
+                </a:cxnLst>
+                <a:rect l="l" t="t" r="r" b="b"/>
+                <a:pathLst>
+                  <a:path w="403790" h="457391">
+                    <a:moveTo>
+                      <a:pt x="87258" y="457364"/>
+                    </a:moveTo>
+                    <a:cubicBezTo>
+                      <a:pt x="131315" y="455665"/>
+                      <a:pt x="166953" y="420924"/>
+                      <a:pt x="169772" y="376924"/>
+                    </a:cubicBezTo>
+                    <a:cubicBezTo>
+                      <a:pt x="172181" y="332345"/>
+                      <a:pt x="139732" y="293482"/>
+                      <a:pt x="95438" y="287900"/>
+                    </a:cubicBezTo>
+                    <a:lnTo>
+                      <a:pt x="95438" y="265891"/>
+                    </a:lnTo>
+                    <a:cubicBezTo>
+                      <a:pt x="95438" y="248266"/>
+                      <a:pt x="109725" y="233979"/>
+                      <a:pt x="127350" y="233979"/>
+                    </a:cubicBezTo>
+                    <a:lnTo>
+                      <a:pt x="276273" y="233979"/>
+                    </a:lnTo>
+                    <a:cubicBezTo>
+                      <a:pt x="305647" y="233979"/>
+                      <a:pt x="329460" y="210166"/>
+                      <a:pt x="329460" y="180792"/>
+                    </a:cubicBezTo>
+                    <a:lnTo>
+                      <a:pt x="329460" y="36529"/>
+                    </a:lnTo>
+                    <a:cubicBezTo>
+                      <a:pt x="329461" y="36470"/>
+                      <a:pt x="329508" y="36423"/>
+                      <a:pt x="329567" y="36423"/>
+                    </a:cubicBezTo>
+                    <a:cubicBezTo>
+                      <a:pt x="329595" y="36424"/>
+                      <a:pt x="329621" y="36435"/>
+                      <a:pt x="329640" y="36454"/>
+                    </a:cubicBezTo>
+                    <a:lnTo>
+                      <a:pt x="385763" y="92577"/>
+                    </a:lnTo>
+                    <a:cubicBezTo>
+                      <a:pt x="389989" y="96658"/>
+                      <a:pt x="396723" y="96541"/>
+                      <a:pt x="400804" y="92315"/>
+                    </a:cubicBezTo>
+                    <a:cubicBezTo>
+                      <a:pt x="404786" y="88193"/>
+                      <a:pt x="404786" y="81658"/>
+                      <a:pt x="400804" y="77536"/>
+                    </a:cubicBezTo>
+                    <a:lnTo>
+                      <a:pt x="326343" y="3074"/>
+                    </a:lnTo>
+                    <a:cubicBezTo>
+                      <a:pt x="326247" y="2978"/>
+                      <a:pt x="326109" y="2947"/>
+                      <a:pt x="326013" y="2851"/>
+                    </a:cubicBezTo>
+                    <a:cubicBezTo>
+                      <a:pt x="325107" y="1965"/>
+                      <a:pt x="324051" y="1245"/>
+                      <a:pt x="322896" y="723"/>
+                    </a:cubicBezTo>
+                    <a:lnTo>
+                      <a:pt x="322896" y="723"/>
+                    </a:lnTo>
+                    <a:cubicBezTo>
+                      <a:pt x="322811" y="723"/>
+                      <a:pt x="322705" y="723"/>
+                      <a:pt x="322609" y="660"/>
+                    </a:cubicBezTo>
+                    <a:cubicBezTo>
+                      <a:pt x="321539" y="258"/>
+                      <a:pt x="320410" y="36"/>
+                      <a:pt x="319269" y="0"/>
+                    </a:cubicBezTo>
+                    <a:cubicBezTo>
+                      <a:pt x="318914" y="1"/>
+                      <a:pt x="318558" y="22"/>
+                      <a:pt x="318205" y="64"/>
+                    </a:cubicBezTo>
+                    <a:cubicBezTo>
+                      <a:pt x="317311" y="117"/>
+                      <a:pt x="316427" y="288"/>
+                      <a:pt x="315578" y="574"/>
+                    </a:cubicBezTo>
+                    <a:cubicBezTo>
+                      <a:pt x="315215" y="675"/>
+                      <a:pt x="314860" y="800"/>
+                      <a:pt x="314514" y="947"/>
+                    </a:cubicBezTo>
+                    <a:cubicBezTo>
+                      <a:pt x="313327" y="1450"/>
+                      <a:pt x="312244" y="2171"/>
+                      <a:pt x="311323" y="3074"/>
+                    </a:cubicBezTo>
+                    <a:lnTo>
+                      <a:pt x="236861" y="77536"/>
+                    </a:lnTo>
+                    <a:cubicBezTo>
+                      <a:pt x="232780" y="81762"/>
+                      <a:pt x="232897" y="88495"/>
+                      <a:pt x="237123" y="92577"/>
+                    </a:cubicBezTo>
+                    <a:cubicBezTo>
+                      <a:pt x="241245" y="96558"/>
+                      <a:pt x="247781" y="96558"/>
+                      <a:pt x="251903" y="92577"/>
+                    </a:cubicBezTo>
+                    <a:lnTo>
+                      <a:pt x="308025" y="36454"/>
+                    </a:lnTo>
+                    <a:cubicBezTo>
+                      <a:pt x="308067" y="36413"/>
+                      <a:pt x="308135" y="36414"/>
+                      <a:pt x="308175" y="36455"/>
+                    </a:cubicBezTo>
+                    <a:cubicBezTo>
+                      <a:pt x="308194" y="36475"/>
+                      <a:pt x="308206" y="36501"/>
+                      <a:pt x="308206" y="36529"/>
+                    </a:cubicBezTo>
+                    <a:lnTo>
+                      <a:pt x="308206" y="180792"/>
+                    </a:lnTo>
+                    <a:cubicBezTo>
+                      <a:pt x="308206" y="198417"/>
+                      <a:pt x="293919" y="212705"/>
+                      <a:pt x="276294" y="212705"/>
+                    </a:cubicBezTo>
+                    <a:lnTo>
+                      <a:pt x="127350" y="212705"/>
+                    </a:lnTo>
+                    <a:cubicBezTo>
+                      <a:pt x="97976" y="212705"/>
+                      <a:pt x="74163" y="236517"/>
+                      <a:pt x="74163" y="265891"/>
+                    </a:cubicBezTo>
+                    <a:lnTo>
+                      <a:pt x="74163" y="287900"/>
+                    </a:lnTo>
+                    <a:cubicBezTo>
+                      <a:pt x="27554" y="293945"/>
+                      <a:pt x="-5329" y="336629"/>
+                      <a:pt x="716" y="383237"/>
+                    </a:cubicBezTo>
+                    <a:cubicBezTo>
+                      <a:pt x="6322" y="426463"/>
+                      <a:pt x="43684" y="458465"/>
+                      <a:pt x="87258" y="457364"/>
+                    </a:cubicBezTo>
+                    <a:close/>
+                    <a:moveTo>
+                      <a:pt x="84800" y="308441"/>
+                    </a:moveTo>
+                    <a:cubicBezTo>
+                      <a:pt x="120049" y="308441"/>
+                      <a:pt x="148624" y="337016"/>
+                      <a:pt x="148624" y="372265"/>
+                    </a:cubicBezTo>
+                    <a:cubicBezTo>
+                      <a:pt x="148624" y="407514"/>
+                      <a:pt x="120049" y="436089"/>
+                      <a:pt x="84800" y="436089"/>
+                    </a:cubicBezTo>
+                    <a:cubicBezTo>
+                      <a:pt x="49551" y="436089"/>
+                      <a:pt x="20976" y="407514"/>
+                      <a:pt x="20976" y="372265"/>
+                    </a:cubicBezTo>
+                    <a:cubicBezTo>
+                      <a:pt x="21018" y="337033"/>
+                      <a:pt x="49568" y="308482"/>
+                      <a:pt x="84800" y="308441"/>
+                    </a:cubicBezTo>
+                    <a:close/>
+                  </a:path>
+                </a:pathLst>
+              </a:custGeom>
+              <a:solidFill>
+                <a:srgbClr val="00252A"/>
+              </a:solidFill>
+              <a:ln w="12700" cap="flat">
+                <a:solidFill>
+                  <a:srgbClr val="00252A"/>
+                </a:solidFill>
+                <a:prstDash val="solid"/>
+                <a:miter/>
+              </a:ln>
+            </p:spPr>
+            <p:txBody>
+              <a:bodyPr rtlCol="0" anchor="ctr"/>
+              <a:lstStyle/>
+              <a:p>
+                <a:endParaRPr lang="en-AU"/>
+              </a:p>
+            </p:txBody>
+          </p:sp>
+          <p:sp>
+            <p:nvSpPr>
+              <p:cNvPr id="54" name="Freeform: Shape 53">
+                <a:extLst>
+                  <a:ext uri="{FF2B5EF4-FFF2-40B4-BE49-F238E27FC236}">
+                    <a16:creationId xmlns:a16="http://schemas.microsoft.com/office/drawing/2014/main" id="{149ED336-D491-95DE-4D1F-33C3D4F2DA23}"/>
+                  </a:ext>
+                </a:extLst>
+              </p:cNvPr>
+              <p:cNvSpPr/>
+              <p:nvPr/>
+            </p:nvSpPr>
+            <p:spPr>
+              <a:xfrm>
+                <a:off x="5255649" y="2311753"/>
+                <a:ext cx="670153" cy="691428"/>
+              </a:xfrm>
+              <a:custGeom>
+                <a:avLst/>
+                <a:gdLst>
+                  <a:gd name="connsiteX0" fmla="*/ 26083 w 670153"/>
+                  <a:gd name="connsiteY0" fmla="*/ 510593 h 691428"/>
+                  <a:gd name="connsiteX1" fmla="*/ 53187 w 670153"/>
+                  <a:gd name="connsiteY1" fmla="*/ 510593 h 691428"/>
+                  <a:gd name="connsiteX2" fmla="*/ 53187 w 670153"/>
+                  <a:gd name="connsiteY2" fmla="*/ 595692 h 691428"/>
+                  <a:gd name="connsiteX3" fmla="*/ 26083 w 670153"/>
+                  <a:gd name="connsiteY3" fmla="*/ 595692 h 691428"/>
+                  <a:gd name="connsiteX4" fmla="*/ 0 w 670153"/>
+                  <a:gd name="connsiteY4" fmla="*/ 621775 h 691428"/>
+                  <a:gd name="connsiteX5" fmla="*/ 0 w 670153"/>
+                  <a:gd name="connsiteY5" fmla="*/ 623998 h 691428"/>
+                  <a:gd name="connsiteX6" fmla="*/ 24881 w 670153"/>
+                  <a:gd name="connsiteY6" fmla="*/ 648879 h 691428"/>
+                  <a:gd name="connsiteX7" fmla="*/ 31912 w 670153"/>
+                  <a:gd name="connsiteY7" fmla="*/ 648879 h 691428"/>
+                  <a:gd name="connsiteX8" fmla="*/ 42549 w 670153"/>
+                  <a:gd name="connsiteY8" fmla="*/ 638241 h 691428"/>
+                  <a:gd name="connsiteX9" fmla="*/ 31912 w 670153"/>
+                  <a:gd name="connsiteY9" fmla="*/ 627604 h 691428"/>
+                  <a:gd name="connsiteX10" fmla="*/ 24881 w 670153"/>
+                  <a:gd name="connsiteY10" fmla="*/ 627604 h 691428"/>
+                  <a:gd name="connsiteX11" fmla="*/ 21275 w 670153"/>
+                  <a:gd name="connsiteY11" fmla="*/ 623998 h 691428"/>
+                  <a:gd name="connsiteX12" fmla="*/ 21275 w 670153"/>
+                  <a:gd name="connsiteY12" fmla="*/ 621775 h 691428"/>
+                  <a:gd name="connsiteX13" fmla="*/ 26083 w 670153"/>
+                  <a:gd name="connsiteY13" fmla="*/ 616967 h 691428"/>
+                  <a:gd name="connsiteX14" fmla="*/ 53187 w 670153"/>
+                  <a:gd name="connsiteY14" fmla="*/ 616967 h 691428"/>
+                  <a:gd name="connsiteX15" fmla="*/ 53187 w 670153"/>
+                  <a:gd name="connsiteY15" fmla="*/ 680791 h 691428"/>
+                  <a:gd name="connsiteX16" fmla="*/ 63824 w 670153"/>
+                  <a:gd name="connsiteY16" fmla="*/ 691428 h 691428"/>
+                  <a:gd name="connsiteX17" fmla="*/ 659516 w 670153"/>
+                  <a:gd name="connsiteY17" fmla="*/ 691428 h 691428"/>
+                  <a:gd name="connsiteX18" fmla="*/ 670153 w 670153"/>
+                  <a:gd name="connsiteY18" fmla="*/ 680791 h 691428"/>
+                  <a:gd name="connsiteX19" fmla="*/ 670153 w 670153"/>
+                  <a:gd name="connsiteY19" fmla="*/ 10637 h 691428"/>
+                  <a:gd name="connsiteX20" fmla="*/ 659516 w 670153"/>
+                  <a:gd name="connsiteY20" fmla="*/ 0 h 691428"/>
+                  <a:gd name="connsiteX21" fmla="*/ 63824 w 670153"/>
+                  <a:gd name="connsiteY21" fmla="*/ 0 h 691428"/>
+                  <a:gd name="connsiteX22" fmla="*/ 53187 w 670153"/>
+                  <a:gd name="connsiteY22" fmla="*/ 10637 h 691428"/>
+                  <a:gd name="connsiteX23" fmla="*/ 53187 w 670153"/>
+                  <a:gd name="connsiteY23" fmla="*/ 63824 h 691428"/>
+                  <a:gd name="connsiteX24" fmla="*/ 26083 w 670153"/>
+                  <a:gd name="connsiteY24" fmla="*/ 63824 h 691428"/>
+                  <a:gd name="connsiteX25" fmla="*/ 0 w 670153"/>
+                  <a:gd name="connsiteY25" fmla="*/ 89907 h 691428"/>
+                  <a:gd name="connsiteX26" fmla="*/ 0 w 670153"/>
+                  <a:gd name="connsiteY26" fmla="*/ 92130 h 691428"/>
+                  <a:gd name="connsiteX27" fmla="*/ 24881 w 670153"/>
+                  <a:gd name="connsiteY27" fmla="*/ 117011 h 691428"/>
+                  <a:gd name="connsiteX28" fmla="*/ 31912 w 670153"/>
+                  <a:gd name="connsiteY28" fmla="*/ 117011 h 691428"/>
+                  <a:gd name="connsiteX29" fmla="*/ 42549 w 670153"/>
+                  <a:gd name="connsiteY29" fmla="*/ 106374 h 691428"/>
+                  <a:gd name="connsiteX30" fmla="*/ 31912 w 670153"/>
+                  <a:gd name="connsiteY30" fmla="*/ 95736 h 691428"/>
+                  <a:gd name="connsiteX31" fmla="*/ 24881 w 670153"/>
+                  <a:gd name="connsiteY31" fmla="*/ 95736 h 691428"/>
+                  <a:gd name="connsiteX32" fmla="*/ 21275 w 670153"/>
+                  <a:gd name="connsiteY32" fmla="*/ 92130 h 691428"/>
+                  <a:gd name="connsiteX33" fmla="*/ 21275 w 670153"/>
+                  <a:gd name="connsiteY33" fmla="*/ 89907 h 691428"/>
+                  <a:gd name="connsiteX34" fmla="*/ 26083 w 670153"/>
+                  <a:gd name="connsiteY34" fmla="*/ 85099 h 691428"/>
+                  <a:gd name="connsiteX35" fmla="*/ 53187 w 670153"/>
+                  <a:gd name="connsiteY35" fmla="*/ 85099 h 691428"/>
+                  <a:gd name="connsiteX36" fmla="*/ 53187 w 670153"/>
+                  <a:gd name="connsiteY36" fmla="*/ 170198 h 691428"/>
+                  <a:gd name="connsiteX37" fmla="*/ 26083 w 670153"/>
+                  <a:gd name="connsiteY37" fmla="*/ 170198 h 691428"/>
+                  <a:gd name="connsiteX38" fmla="*/ 0 w 670153"/>
+                  <a:gd name="connsiteY38" fmla="*/ 196280 h 691428"/>
+                  <a:gd name="connsiteX39" fmla="*/ 0 w 670153"/>
+                  <a:gd name="connsiteY39" fmla="*/ 198504 h 691428"/>
+                  <a:gd name="connsiteX40" fmla="*/ 24881 w 670153"/>
+                  <a:gd name="connsiteY40" fmla="*/ 223384 h 691428"/>
+                  <a:gd name="connsiteX41" fmla="*/ 31912 w 670153"/>
+                  <a:gd name="connsiteY41" fmla="*/ 223384 h 691428"/>
+                  <a:gd name="connsiteX42" fmla="*/ 42549 w 670153"/>
+                  <a:gd name="connsiteY42" fmla="*/ 212747 h 691428"/>
+                  <a:gd name="connsiteX43" fmla="*/ 31912 w 670153"/>
+                  <a:gd name="connsiteY43" fmla="*/ 202110 h 691428"/>
+                  <a:gd name="connsiteX44" fmla="*/ 24881 w 670153"/>
+                  <a:gd name="connsiteY44" fmla="*/ 202110 h 691428"/>
+                  <a:gd name="connsiteX45" fmla="*/ 21275 w 670153"/>
+                  <a:gd name="connsiteY45" fmla="*/ 198504 h 691428"/>
+                  <a:gd name="connsiteX46" fmla="*/ 21275 w 670153"/>
+                  <a:gd name="connsiteY46" fmla="*/ 196280 h 691428"/>
+                  <a:gd name="connsiteX47" fmla="*/ 26083 w 670153"/>
+                  <a:gd name="connsiteY47" fmla="*/ 191472 h 691428"/>
+                  <a:gd name="connsiteX48" fmla="*/ 53187 w 670153"/>
+                  <a:gd name="connsiteY48" fmla="*/ 191472 h 691428"/>
+                  <a:gd name="connsiteX49" fmla="*/ 53187 w 670153"/>
+                  <a:gd name="connsiteY49" fmla="*/ 276571 h 691428"/>
+                  <a:gd name="connsiteX50" fmla="*/ 26083 w 670153"/>
+                  <a:gd name="connsiteY50" fmla="*/ 276571 h 691428"/>
+                  <a:gd name="connsiteX51" fmla="*/ 0 w 670153"/>
+                  <a:gd name="connsiteY51" fmla="*/ 302654 h 691428"/>
+                  <a:gd name="connsiteX52" fmla="*/ 0 w 670153"/>
+                  <a:gd name="connsiteY52" fmla="*/ 304877 h 691428"/>
+                  <a:gd name="connsiteX53" fmla="*/ 24881 w 670153"/>
+                  <a:gd name="connsiteY53" fmla="*/ 329758 h 691428"/>
+                  <a:gd name="connsiteX54" fmla="*/ 31912 w 670153"/>
+                  <a:gd name="connsiteY54" fmla="*/ 329758 h 691428"/>
+                  <a:gd name="connsiteX55" fmla="*/ 42549 w 670153"/>
+                  <a:gd name="connsiteY55" fmla="*/ 319121 h 691428"/>
+                  <a:gd name="connsiteX56" fmla="*/ 31912 w 670153"/>
+                  <a:gd name="connsiteY56" fmla="*/ 308483 h 691428"/>
+                  <a:gd name="connsiteX57" fmla="*/ 24881 w 670153"/>
+                  <a:gd name="connsiteY57" fmla="*/ 308483 h 691428"/>
+                  <a:gd name="connsiteX58" fmla="*/ 21275 w 670153"/>
+                  <a:gd name="connsiteY58" fmla="*/ 304877 h 691428"/>
+                  <a:gd name="connsiteX59" fmla="*/ 21275 w 670153"/>
+                  <a:gd name="connsiteY59" fmla="*/ 302654 h 691428"/>
+                  <a:gd name="connsiteX60" fmla="*/ 26083 w 670153"/>
+                  <a:gd name="connsiteY60" fmla="*/ 297846 h 691428"/>
+                  <a:gd name="connsiteX61" fmla="*/ 53187 w 670153"/>
+                  <a:gd name="connsiteY61" fmla="*/ 297846 h 691428"/>
+                  <a:gd name="connsiteX62" fmla="*/ 53187 w 670153"/>
+                  <a:gd name="connsiteY62" fmla="*/ 382945 h 691428"/>
+                  <a:gd name="connsiteX63" fmla="*/ 26083 w 670153"/>
+                  <a:gd name="connsiteY63" fmla="*/ 382945 h 691428"/>
+                  <a:gd name="connsiteX64" fmla="*/ 0 w 670153"/>
+                  <a:gd name="connsiteY64" fmla="*/ 409028 h 691428"/>
+                  <a:gd name="connsiteX65" fmla="*/ 0 w 670153"/>
+                  <a:gd name="connsiteY65" fmla="*/ 411251 h 691428"/>
+                  <a:gd name="connsiteX66" fmla="*/ 24881 w 670153"/>
+                  <a:gd name="connsiteY66" fmla="*/ 436132 h 691428"/>
+                  <a:gd name="connsiteX67" fmla="*/ 31912 w 670153"/>
+                  <a:gd name="connsiteY67" fmla="*/ 436132 h 691428"/>
+                  <a:gd name="connsiteX68" fmla="*/ 42549 w 670153"/>
+                  <a:gd name="connsiteY68" fmla="*/ 425494 h 691428"/>
+                  <a:gd name="connsiteX69" fmla="*/ 31912 w 670153"/>
+                  <a:gd name="connsiteY69" fmla="*/ 414857 h 691428"/>
+                  <a:gd name="connsiteX70" fmla="*/ 24881 w 670153"/>
+                  <a:gd name="connsiteY70" fmla="*/ 414857 h 691428"/>
+                  <a:gd name="connsiteX71" fmla="*/ 21275 w 670153"/>
+                  <a:gd name="connsiteY71" fmla="*/ 411251 h 691428"/>
+                  <a:gd name="connsiteX72" fmla="*/ 21275 w 670153"/>
+                  <a:gd name="connsiteY72" fmla="*/ 409028 h 691428"/>
+                  <a:gd name="connsiteX73" fmla="*/ 26083 w 670153"/>
+                  <a:gd name="connsiteY73" fmla="*/ 404219 h 691428"/>
+                  <a:gd name="connsiteX74" fmla="*/ 53187 w 670153"/>
+                  <a:gd name="connsiteY74" fmla="*/ 404219 h 691428"/>
+                  <a:gd name="connsiteX75" fmla="*/ 53187 w 670153"/>
+                  <a:gd name="connsiteY75" fmla="*/ 489318 h 691428"/>
+                  <a:gd name="connsiteX76" fmla="*/ 26083 w 670153"/>
+                  <a:gd name="connsiteY76" fmla="*/ 489318 h 691428"/>
+                  <a:gd name="connsiteX77" fmla="*/ 0 w 670153"/>
+                  <a:gd name="connsiteY77" fmla="*/ 515401 h 691428"/>
+                  <a:gd name="connsiteX78" fmla="*/ 0 w 670153"/>
+                  <a:gd name="connsiteY78" fmla="*/ 517624 h 691428"/>
+                  <a:gd name="connsiteX79" fmla="*/ 24881 w 670153"/>
+                  <a:gd name="connsiteY79" fmla="*/ 542505 h 691428"/>
+                  <a:gd name="connsiteX80" fmla="*/ 31912 w 670153"/>
+                  <a:gd name="connsiteY80" fmla="*/ 542505 h 691428"/>
+                  <a:gd name="connsiteX81" fmla="*/ 42549 w 670153"/>
+                  <a:gd name="connsiteY81" fmla="*/ 531868 h 691428"/>
+                  <a:gd name="connsiteX82" fmla="*/ 31912 w 670153"/>
+                  <a:gd name="connsiteY82" fmla="*/ 521230 h 691428"/>
+                  <a:gd name="connsiteX83" fmla="*/ 24881 w 670153"/>
+                  <a:gd name="connsiteY83" fmla="*/ 521230 h 691428"/>
+                  <a:gd name="connsiteX84" fmla="*/ 21275 w 670153"/>
+                  <a:gd name="connsiteY84" fmla="*/ 517624 h 691428"/>
+                  <a:gd name="connsiteX85" fmla="*/ 21275 w 670153"/>
+                  <a:gd name="connsiteY85" fmla="*/ 515401 h 691428"/>
+                  <a:gd name="connsiteX86" fmla="*/ 26083 w 670153"/>
+                  <a:gd name="connsiteY86" fmla="*/ 510593 h 691428"/>
+                  <a:gd name="connsiteX87" fmla="*/ 74461 w 670153"/>
+                  <a:gd name="connsiteY87" fmla="*/ 21275 h 691428"/>
+                  <a:gd name="connsiteX88" fmla="*/ 648879 w 670153"/>
+                  <a:gd name="connsiteY88" fmla="*/ 21275 h 691428"/>
+                  <a:gd name="connsiteX89" fmla="*/ 648879 w 670153"/>
+                  <a:gd name="connsiteY89" fmla="*/ 670153 h 691428"/>
+                  <a:gd name="connsiteX90" fmla="*/ 74461 w 670153"/>
+                  <a:gd name="connsiteY90" fmla="*/ 670153 h 691428"/>
+                </a:gdLst>
+                <a:ahLst/>
+                <a:cxnLst>
+                  <a:cxn ang="0">
+                    <a:pos x="connsiteX0" y="connsiteY0"/>
+                  </a:cxn>
+                  <a:cxn ang="0">
+                    <a:pos x="connsiteX1" y="connsiteY1"/>
+                  </a:cxn>
+                  <a:cxn ang="0">
+                    <a:pos x="connsiteX2" y="connsiteY2"/>
+                  </a:cxn>
+                  <a:cxn ang="0">
+                    <a:pos x="connsiteX3" y="connsiteY3"/>
+                  </a:cxn>
+                  <a:cxn ang="0">
+                    <a:pos x="connsiteX4" y="connsiteY4"/>
+                  </a:cxn>
+                  <a:cxn ang="0">
+                    <a:pos x="connsiteX5" y="connsiteY5"/>
+                  </a:cxn>
+                  <a:cxn ang="0">
+                    <a:pos x="connsiteX6" y="connsiteY6"/>
+                  </a:cxn>
+                  <a:cxn ang="0">
+                    <a:pos x="connsiteX7" y="connsiteY7"/>
+                  </a:cxn>
+                  <a:cxn ang="0">
+                    <a:pos x="connsiteX8" y="connsiteY8"/>
+                  </a:cxn>
+                  <a:cxn ang="0">
+                    <a:pos x="connsiteX9" y="connsiteY9"/>
+                  </a:cxn>
+                  <a:cxn ang="0">
+                    <a:pos x="connsiteX10" y="connsiteY10"/>
+                  </a:cxn>
+                  <a:cxn ang="0">
+                    <a:pos x="connsiteX11" y="connsiteY11"/>
+                  </a:cxn>
+                  <a:cxn ang="0">
+                    <a:pos x="connsiteX12" y="connsiteY12"/>
+                  </a:cxn>
+                  <a:cxn ang="0">
+                    <a:pos x="connsiteX13" y="connsiteY13"/>
+                  </a:cxn>
+                  <a:cxn ang="0">
+                    <a:pos x="connsiteX14" y="connsiteY14"/>
+                  </a:cxn>
+                  <a:cxn ang="0">
+                    <a:pos x="connsiteX15" y="connsiteY15"/>
+                  </a:cxn>
+                  <a:cxn ang="0">
+                    <a:pos x="connsiteX16" y="connsiteY16"/>
+                  </a:cxn>
+                  <a:cxn ang="0">
+                    <a:pos x="connsiteX17" y="connsiteY17"/>
+                  </a:cxn>
+                  <a:cxn ang="0">
+                    <a:pos x="connsiteX18" y="connsiteY18"/>
+                  </a:cxn>
+                  <a:cxn ang="0">
+                    <a:pos x="connsiteX19" y="connsiteY19"/>
+                  </a:cxn>
+                  <a:cxn ang="0">
+                    <a:pos x="connsiteX20" y="connsiteY20"/>
+                  </a:cxn>
+                  <a:cxn ang="0">
+                    <a:pos x="connsiteX21" y="connsiteY21"/>
+                  </a:cxn>
+                  <a:cxn ang="0">
+                    <a:pos x="connsiteX22" y="connsiteY22"/>
+                  </a:cxn>
+                  <a:cxn ang="0">
+                    <a:pos x="connsiteX23" y="connsiteY23"/>
+                  </a:cxn>
+                  <a:cxn ang="0">
+                    <a:pos x="connsiteX24" y="connsiteY24"/>
+                  </a:cxn>
+                  <a:cxn ang="0">
+                    <a:pos x="connsiteX25" y="connsiteY25"/>
+                  </a:cxn>
+                  <a:cxn ang="0">
+                    <a:pos x="connsiteX26" y="connsiteY26"/>
+                  </a:cxn>
+                  <a:cxn ang="0">
+                    <a:pos x="connsiteX27" y="connsiteY27"/>
+                  </a:cxn>
+                  <a:cxn ang="0">
+                    <a:pos x="connsiteX28" y="connsiteY28"/>
+                  </a:cxn>
+                  <a:cxn ang="0">
+                    <a:pos x="connsiteX29" y="connsiteY29"/>
+                  </a:cxn>
+                  <a:cxn ang="0">
+                    <a:pos x="connsiteX30" y="connsiteY30"/>
+                  </a:cxn>
+                  <a:cxn ang="0">
+                    <a:pos x="connsiteX31" y="connsiteY31"/>
+                  </a:cxn>
+                  <a:cxn ang="0">
+                    <a:pos x="connsiteX32" y="connsiteY32"/>
+                  </a:cxn>
+                  <a:cxn ang="0">
+                    <a:pos x="connsiteX33" y="connsiteY33"/>
+                  </a:cxn>
+                  <a:cxn ang="0">
+                    <a:pos x="connsiteX34" y="connsiteY34"/>
+                  </a:cxn>
+                  <a:cxn ang="0">
+                    <a:pos x="connsiteX35" y="connsiteY35"/>
+                  </a:cxn>
+                  <a:cxn ang="0">
+                    <a:pos x="connsiteX36" y="connsiteY36"/>
+                  </a:cxn>
+                  <a:cxn ang="0">
+                    <a:pos x="connsiteX37" y="connsiteY37"/>
+                  </a:cxn>
+                  <a:cxn ang="0">
+                    <a:pos x="connsiteX38" y="connsiteY38"/>
+                  </a:cxn>
+                  <a:cxn ang="0">
+                    <a:pos x="connsiteX39" y="connsiteY39"/>
+                  </a:cxn>
+                  <a:cxn ang="0">
+                    <a:pos x="connsiteX40" y="connsiteY40"/>
+                  </a:cxn>
+                  <a:cxn ang="0">
+                    <a:pos x="connsiteX41" y="connsiteY41"/>
+                  </a:cxn>
+                  <a:cxn ang="0">
+                    <a:pos x="connsiteX42" y="connsiteY42"/>
+                  </a:cxn>
+                  <a:cxn ang="0">
+                    <a:pos x="connsiteX43" y="connsiteY43"/>
+                  </a:cxn>
+                  <a:cxn ang="0">
+                    <a:pos x="connsiteX44" y="connsiteY44"/>
+                  </a:cxn>
+                  <a:cxn ang="0">
+                    <a:pos x="connsiteX45" y="connsiteY45"/>
+                  </a:cxn>
+                  <a:cxn ang="0">
+                    <a:pos x="connsiteX46" y="connsiteY46"/>
+                  </a:cxn>
+                  <a:cxn ang="0">
+                    <a:pos x="connsiteX47" y="connsiteY47"/>
+                  </a:cxn>
+                  <a:cxn ang="0">
+                    <a:pos x="connsiteX48" y="connsiteY48"/>
+                  </a:cxn>
+                  <a:cxn ang="0">
+                    <a:pos x="connsiteX49" y="connsiteY49"/>
+                  </a:cxn>
+                  <a:cxn ang="0">
+                    <a:pos x="connsiteX50" y="connsiteY50"/>
+                  </a:cxn>
+                  <a:cxn ang="0">
+                    <a:pos x="connsiteX51" y="connsiteY51"/>
+                  </a:cxn>
+                  <a:cxn ang="0">
+                    <a:pos x="connsiteX52" y="connsiteY52"/>
+                  </a:cxn>
+                  <a:cxn ang="0">
+                    <a:pos x="connsiteX53" y="connsiteY53"/>
+                  </a:cxn>
+                  <a:cxn ang="0">
+                    <a:pos x="connsiteX54" y="connsiteY54"/>
+                  </a:cxn>
+                  <a:cxn ang="0">
+                    <a:pos x="connsiteX55" y="connsiteY55"/>
+                  </a:cxn>
+                  <a:cxn ang="0">
+                    <a:pos x="connsiteX56" y="connsiteY56"/>
+                  </a:cxn>
+                  <a:cxn ang="0">
+                    <a:pos x="connsiteX57" y="connsiteY57"/>
+                  </a:cxn>
+                  <a:cxn ang="0">
+                    <a:pos x="connsiteX58" y="connsiteY58"/>
+                  </a:cxn>
+                  <a:cxn ang="0">
+                    <a:pos x="connsiteX59" y="connsiteY59"/>
+                  </a:cxn>
+                  <a:cxn ang="0">
+                    <a:pos x="connsiteX60" y="connsiteY60"/>
+                  </a:cxn>
+                  <a:cxn ang="0">
+                    <a:pos x="connsiteX61" y="connsiteY61"/>
+                  </a:cxn>
+                  <a:cxn ang="0">
+                    <a:pos x="connsiteX62" y="connsiteY62"/>
+                  </a:cxn>
+                  <a:cxn ang="0">
+                    <a:pos x="connsiteX63" y="connsiteY63"/>
+                  </a:cxn>
+                  <a:cxn ang="0">
+                    <a:pos x="connsiteX64" y="connsiteY64"/>
+                  </a:cxn>
+                  <a:cxn ang="0">
+                    <a:pos x="connsiteX65" y="connsiteY65"/>
+                  </a:cxn>
+                  <a:cxn ang="0">
+                    <a:pos x="connsiteX66" y="connsiteY66"/>
+                  </a:cxn>
+                  <a:cxn ang="0">
+                    <a:pos x="connsiteX67" y="connsiteY67"/>
+                  </a:cxn>
+                  <a:cxn ang="0">
+                    <a:pos x="connsiteX68" y="connsiteY68"/>
+                  </a:cxn>
+                  <a:cxn ang="0">
+                    <a:pos x="connsiteX69" y="connsiteY69"/>
+                  </a:cxn>
+                  <a:cxn ang="0">
+                    <a:pos x="connsiteX70" y="connsiteY70"/>
+                  </a:cxn>
+                  <a:cxn ang="0">
+                    <a:pos x="connsiteX71" y="connsiteY71"/>
+                  </a:cxn>
+                  <a:cxn ang="0">
+                    <a:pos x="connsiteX72" y="connsiteY72"/>
+                  </a:cxn>
+                  <a:cxn ang="0">
+                    <a:pos x="connsiteX73" y="connsiteY73"/>
+                  </a:cxn>
+                  <a:cxn ang="0">
+                    <a:pos x="connsiteX74" y="connsiteY74"/>
+                  </a:cxn>
+                  <a:cxn ang="0">
+                    <a:pos x="connsiteX75" y="connsiteY75"/>
+                  </a:cxn>
+                  <a:cxn ang="0">
+                    <a:pos x="connsiteX76" y="connsiteY76"/>
+                  </a:cxn>
+                  <a:cxn ang="0">
+                    <a:pos x="connsiteX77" y="connsiteY77"/>
+                  </a:cxn>
+                  <a:cxn ang="0">
+                    <a:pos x="connsiteX78" y="connsiteY78"/>
+                  </a:cxn>
+                  <a:cxn ang="0">
+                    <a:pos x="connsiteX79" y="connsiteY79"/>
+                  </a:cxn>
+                  <a:cxn ang="0">
+                    <a:pos x="connsiteX80" y="connsiteY80"/>
+                  </a:cxn>
+                  <a:cxn ang="0">
+                    <a:pos x="connsiteX81" y="connsiteY81"/>
+                  </a:cxn>
+                  <a:cxn ang="0">
+                    <a:pos x="connsiteX82" y="connsiteY82"/>
+                  </a:cxn>
+                  <a:cxn ang="0">
+                    <a:pos x="connsiteX83" y="connsiteY83"/>
+                  </a:cxn>
+                  <a:cxn ang="0">
+                    <a:pos x="connsiteX84" y="connsiteY84"/>
+                  </a:cxn>
+                  <a:cxn ang="0">
+                    <a:pos x="connsiteX85" y="connsiteY85"/>
+                  </a:cxn>
+                  <a:cxn ang="0">
+                    <a:pos x="connsiteX86" y="connsiteY86"/>
+                  </a:cxn>
+                  <a:cxn ang="0">
+                    <a:pos x="connsiteX87" y="connsiteY87"/>
+                  </a:cxn>
+                  <a:cxn ang="0">
+                    <a:pos x="connsiteX88" y="connsiteY88"/>
+                  </a:cxn>
+                  <a:cxn ang="0">
+                    <a:pos x="connsiteX89" y="connsiteY89"/>
+                  </a:cxn>
+                  <a:cxn ang="0">
+                    <a:pos x="connsiteX90" y="connsiteY90"/>
+                  </a:cxn>
+                </a:cxnLst>
+                <a:rect l="l" t="t" r="r" b="b"/>
+                <a:pathLst>
+                  <a:path w="670153" h="691428">
+                    <a:moveTo>
+                      <a:pt x="26083" y="510593"/>
+                    </a:moveTo>
+                    <a:lnTo>
+                      <a:pt x="53187" y="510593"/>
+                    </a:lnTo>
+                    <a:lnTo>
+                      <a:pt x="53187" y="595692"/>
+                    </a:lnTo>
+                    <a:lnTo>
+                      <a:pt x="26083" y="595692"/>
+                    </a:lnTo>
+                    <a:cubicBezTo>
+                      <a:pt x="11685" y="595710"/>
+                      <a:pt x="18" y="607377"/>
+                      <a:pt x="0" y="621775"/>
+                    </a:cubicBezTo>
+                    <a:lnTo>
+                      <a:pt x="0" y="623998"/>
+                    </a:lnTo>
+                    <a:cubicBezTo>
+                      <a:pt x="12" y="637734"/>
+                      <a:pt x="11145" y="648867"/>
+                      <a:pt x="24881" y="648879"/>
+                    </a:cubicBezTo>
+                    <a:lnTo>
+                      <a:pt x="31912" y="648879"/>
+                    </a:lnTo>
+                    <a:cubicBezTo>
+                      <a:pt x="37787" y="648879"/>
+                      <a:pt x="42549" y="644116"/>
+                      <a:pt x="42549" y="638241"/>
+                    </a:cubicBezTo>
+                    <a:cubicBezTo>
+                      <a:pt x="42549" y="632366"/>
+                      <a:pt x="37787" y="627604"/>
+                      <a:pt x="31912" y="627604"/>
+                    </a:cubicBezTo>
+                    <a:lnTo>
+                      <a:pt x="24881" y="627604"/>
+                    </a:lnTo>
+                    <a:cubicBezTo>
+                      <a:pt x="22889" y="627604"/>
+                      <a:pt x="21275" y="625989"/>
+                      <a:pt x="21275" y="623998"/>
+                    </a:cubicBezTo>
+                    <a:lnTo>
+                      <a:pt x="21275" y="621775"/>
+                    </a:lnTo>
+                    <a:cubicBezTo>
+                      <a:pt x="21280" y="619122"/>
+                      <a:pt x="23430" y="616973"/>
+                      <a:pt x="26083" y="616967"/>
+                    </a:cubicBezTo>
+                    <a:lnTo>
+                      <a:pt x="53187" y="616967"/>
+                    </a:lnTo>
+                    <a:lnTo>
+                      <a:pt x="53187" y="680791"/>
+                    </a:lnTo>
+                    <a:cubicBezTo>
+                      <a:pt x="53187" y="686666"/>
+                      <a:pt x="57949" y="691428"/>
+                      <a:pt x="63824" y="691428"/>
+                    </a:cubicBezTo>
+                    <a:lnTo>
+                      <a:pt x="659516" y="691428"/>
+                    </a:lnTo>
+                    <a:cubicBezTo>
+                      <a:pt x="665391" y="691428"/>
+                      <a:pt x="670153" y="686666"/>
+                      <a:pt x="670153" y="680791"/>
+                    </a:cubicBezTo>
+                    <a:lnTo>
+                      <a:pt x="670153" y="10637"/>
+                    </a:lnTo>
+                    <a:cubicBezTo>
+                      <a:pt x="670153" y="4762"/>
+                      <a:pt x="665391" y="0"/>
+                      <a:pt x="659516" y="0"/>
+                    </a:cubicBezTo>
+                    <a:lnTo>
+                      <a:pt x="63824" y="0"/>
+                    </a:lnTo>
+                    <a:cubicBezTo>
+                      <a:pt x="57949" y="0"/>
+                      <a:pt x="53187" y="4762"/>
+                      <a:pt x="53187" y="10637"/>
+                    </a:cubicBezTo>
+                    <a:lnTo>
+                      <a:pt x="53187" y="63824"/>
+                    </a:lnTo>
+                    <a:lnTo>
+                      <a:pt x="26083" y="63824"/>
+                    </a:lnTo>
+                    <a:cubicBezTo>
+                      <a:pt x="11685" y="63842"/>
+                      <a:pt x="18" y="75509"/>
+                      <a:pt x="0" y="89907"/>
+                    </a:cubicBezTo>
+                    <a:lnTo>
+                      <a:pt x="0" y="92130"/>
+                    </a:lnTo>
+                    <a:cubicBezTo>
+                      <a:pt x="12" y="105866"/>
+                      <a:pt x="11145" y="116999"/>
+                      <a:pt x="24881" y="117011"/>
+                    </a:cubicBezTo>
+                    <a:lnTo>
+                      <a:pt x="31912" y="117011"/>
+                    </a:lnTo>
+                    <a:cubicBezTo>
+                      <a:pt x="37787" y="117011"/>
+                      <a:pt x="42549" y="112249"/>
+                      <a:pt x="42549" y="106374"/>
+                    </a:cubicBezTo>
+                    <a:cubicBezTo>
+                      <a:pt x="42549" y="100499"/>
+                      <a:pt x="37787" y="95736"/>
+                      <a:pt x="31912" y="95736"/>
+                    </a:cubicBezTo>
+                    <a:lnTo>
+                      <a:pt x="24881" y="95736"/>
+                    </a:lnTo>
+                    <a:cubicBezTo>
+                      <a:pt x="22889" y="95736"/>
+                      <a:pt x="21275" y="94121"/>
+                      <a:pt x="21275" y="92130"/>
+                    </a:cubicBezTo>
+                    <a:lnTo>
+                      <a:pt x="21275" y="89907"/>
+                    </a:lnTo>
+                    <a:cubicBezTo>
+                      <a:pt x="21280" y="87254"/>
+                      <a:pt x="23430" y="85104"/>
+                      <a:pt x="26083" y="85099"/>
+                    </a:cubicBezTo>
+                    <a:lnTo>
+                      <a:pt x="53187" y="85099"/>
+                    </a:lnTo>
+                    <a:lnTo>
+                      <a:pt x="53187" y="170198"/>
+                    </a:lnTo>
+                    <a:lnTo>
+                      <a:pt x="26083" y="170198"/>
+                    </a:lnTo>
+                    <a:cubicBezTo>
+                      <a:pt x="11685" y="170216"/>
+                      <a:pt x="18" y="181883"/>
+                      <a:pt x="0" y="196280"/>
+                    </a:cubicBezTo>
+                    <a:lnTo>
+                      <a:pt x="0" y="198504"/>
+                    </a:lnTo>
+                    <a:cubicBezTo>
+                      <a:pt x="12" y="212240"/>
+                      <a:pt x="11145" y="223373"/>
+                      <a:pt x="24881" y="223384"/>
+                    </a:cubicBezTo>
+                    <a:lnTo>
+                      <a:pt x="31912" y="223384"/>
+                    </a:lnTo>
+                    <a:cubicBezTo>
+                      <a:pt x="37787" y="223384"/>
+                      <a:pt x="42549" y="218622"/>
+                      <a:pt x="42549" y="212747"/>
+                    </a:cubicBezTo>
+                    <a:cubicBezTo>
+                      <a:pt x="42549" y="206872"/>
+                      <a:pt x="37787" y="202110"/>
+                      <a:pt x="31912" y="202110"/>
+                    </a:cubicBezTo>
+                    <a:lnTo>
+                      <a:pt x="24881" y="202110"/>
+                    </a:lnTo>
+                    <a:cubicBezTo>
+                      <a:pt x="22889" y="202110"/>
+                      <a:pt x="21275" y="200495"/>
+                      <a:pt x="21275" y="198504"/>
+                    </a:cubicBezTo>
+                    <a:lnTo>
+                      <a:pt x="21275" y="196280"/>
+                    </a:lnTo>
+                    <a:cubicBezTo>
+                      <a:pt x="21280" y="193627"/>
+                      <a:pt x="23430" y="191478"/>
+                      <a:pt x="26083" y="191472"/>
+                    </a:cubicBezTo>
+                    <a:lnTo>
+                      <a:pt x="53187" y="191472"/>
+                    </a:lnTo>
+                    <a:lnTo>
+                      <a:pt x="53187" y="276571"/>
+                    </a:lnTo>
+                    <a:lnTo>
+                      <a:pt x="26083" y="276571"/>
+                    </a:lnTo>
+                    <a:cubicBezTo>
+                      <a:pt x="11685" y="276589"/>
+                      <a:pt x="18" y="288256"/>
+                      <a:pt x="0" y="302654"/>
+                    </a:cubicBezTo>
+                    <a:lnTo>
+                      <a:pt x="0" y="304877"/>
+                    </a:lnTo>
+                    <a:cubicBezTo>
+                      <a:pt x="12" y="318613"/>
+                      <a:pt x="11145" y="329746"/>
+                      <a:pt x="24881" y="329758"/>
+                    </a:cubicBezTo>
+                    <a:lnTo>
+                      <a:pt x="31912" y="329758"/>
+                    </a:lnTo>
+                    <a:cubicBezTo>
+                      <a:pt x="37787" y="329758"/>
+                      <a:pt x="42549" y="324996"/>
+                      <a:pt x="42549" y="319121"/>
+                    </a:cubicBezTo>
+                    <a:cubicBezTo>
+                      <a:pt x="42549" y="313246"/>
+                      <a:pt x="37787" y="308483"/>
+                      <a:pt x="31912" y="308483"/>
+                    </a:cubicBezTo>
+                    <a:lnTo>
+                      <a:pt x="24881" y="308483"/>
+                    </a:lnTo>
+                    <a:cubicBezTo>
+                      <a:pt x="22889" y="308483"/>
+                      <a:pt x="21275" y="306869"/>
+                      <a:pt x="21275" y="304877"/>
+                    </a:cubicBezTo>
+                    <a:lnTo>
+                      <a:pt x="21275" y="302654"/>
+                    </a:lnTo>
+                    <a:cubicBezTo>
+                      <a:pt x="21280" y="300001"/>
+                      <a:pt x="23430" y="297851"/>
+                      <a:pt x="26083" y="297846"/>
+                    </a:cubicBezTo>
+                    <a:lnTo>
+                      <a:pt x="53187" y="297846"/>
+                    </a:lnTo>
+                    <a:lnTo>
+                      <a:pt x="53187" y="382945"/>
+                    </a:lnTo>
+                    <a:lnTo>
+                      <a:pt x="26083" y="382945"/>
+                    </a:lnTo>
+                    <a:cubicBezTo>
+                      <a:pt x="11685" y="382963"/>
+                      <a:pt x="18" y="394630"/>
+                      <a:pt x="0" y="409028"/>
+                    </a:cubicBezTo>
+                    <a:lnTo>
+                      <a:pt x="0" y="411251"/>
+                    </a:lnTo>
+                    <a:cubicBezTo>
+                      <a:pt x="12" y="424987"/>
+                      <a:pt x="11145" y="436120"/>
+                      <a:pt x="24881" y="436132"/>
+                    </a:cubicBezTo>
+                    <a:lnTo>
+                      <a:pt x="31912" y="436132"/>
+                    </a:lnTo>
+                    <a:cubicBezTo>
+                      <a:pt x="37787" y="436132"/>
+                      <a:pt x="42549" y="431369"/>
+                      <a:pt x="42549" y="425494"/>
+                    </a:cubicBezTo>
+                    <a:cubicBezTo>
+                      <a:pt x="42549" y="419619"/>
+                      <a:pt x="37787" y="414857"/>
+                      <a:pt x="31912" y="414857"/>
+                    </a:cubicBezTo>
+                    <a:lnTo>
+                      <a:pt x="24881" y="414857"/>
+                    </a:lnTo>
+                    <a:cubicBezTo>
+                      <a:pt x="22889" y="414857"/>
+                      <a:pt x="21275" y="413242"/>
+                      <a:pt x="21275" y="411251"/>
+                    </a:cubicBezTo>
+                    <a:lnTo>
+                      <a:pt x="21275" y="409028"/>
+                    </a:lnTo>
+                    <a:cubicBezTo>
+                      <a:pt x="21280" y="406375"/>
+                      <a:pt x="23430" y="404225"/>
+                      <a:pt x="26083" y="404219"/>
+                    </a:cubicBezTo>
+                    <a:lnTo>
+                      <a:pt x="53187" y="404219"/>
+                    </a:lnTo>
+                    <a:lnTo>
+                      <a:pt x="53187" y="489318"/>
+                    </a:lnTo>
+                    <a:lnTo>
+                      <a:pt x="26083" y="489318"/>
+                    </a:lnTo>
+                    <a:cubicBezTo>
+                      <a:pt x="11685" y="489336"/>
+                      <a:pt x="18" y="501003"/>
+                      <a:pt x="0" y="515401"/>
+                    </a:cubicBezTo>
+                    <a:lnTo>
+                      <a:pt x="0" y="517624"/>
+                    </a:lnTo>
+                    <a:cubicBezTo>
+                      <a:pt x="12" y="531360"/>
+                      <a:pt x="11145" y="542493"/>
+                      <a:pt x="24881" y="542505"/>
+                    </a:cubicBezTo>
+                    <a:lnTo>
+                      <a:pt x="31912" y="542505"/>
+                    </a:lnTo>
+                    <a:cubicBezTo>
+                      <a:pt x="37787" y="542505"/>
+                      <a:pt x="42549" y="537743"/>
+                      <a:pt x="42549" y="531868"/>
+                    </a:cubicBezTo>
+                    <a:cubicBezTo>
+                      <a:pt x="42549" y="525993"/>
+                      <a:pt x="37787" y="521230"/>
+                      <a:pt x="31912" y="521230"/>
+                    </a:cubicBezTo>
+                    <a:lnTo>
+                      <a:pt x="24881" y="521230"/>
+                    </a:lnTo>
+                    <a:cubicBezTo>
+                      <a:pt x="22889" y="521230"/>
+                      <a:pt x="21275" y="519616"/>
+                      <a:pt x="21275" y="517624"/>
+                    </a:cubicBezTo>
+                    <a:lnTo>
+                      <a:pt x="21275" y="515401"/>
+                    </a:lnTo>
+                    <a:cubicBezTo>
+                      <a:pt x="21280" y="512748"/>
+                      <a:pt x="23430" y="510599"/>
+                      <a:pt x="26083" y="510593"/>
+                    </a:cubicBezTo>
+                    <a:close/>
+                    <a:moveTo>
+                      <a:pt x="74461" y="21275"/>
+                    </a:moveTo>
+                    <a:lnTo>
+                      <a:pt x="648879" y="21275"/>
+                    </a:lnTo>
+                    <a:lnTo>
+                      <a:pt x="648879" y="670153"/>
+                    </a:lnTo>
+                    <a:lnTo>
+                      <a:pt x="74461" y="670153"/>
+                    </a:lnTo>
+                    <a:close/>
+                  </a:path>
+                </a:pathLst>
+              </a:custGeom>
+              <a:solidFill>
+                <a:srgbClr val="8E3B46"/>
+              </a:solidFill>
+              <a:ln w="12700" cap="flat">
+                <a:solidFill>
+                  <a:srgbClr val="8E3B46"/>
+                </a:solidFill>
+                <a:prstDash val="solid"/>
+                <a:miter/>
+              </a:ln>
+            </p:spPr>
+            <p:txBody>
+              <a:bodyPr rtlCol="0" anchor="ctr"/>
+              <a:lstStyle/>
+              <a:p>
+                <a:endParaRPr lang="en-AU"/>
+              </a:p>
+            </p:txBody>
+          </p:sp>
+        </p:grpSp>
+        <p:grpSp>
+          <p:nvGrpSpPr>
+            <p:cNvPr id="25" name="Graphic 17" descr="Thought outline">
+              <a:extLst>
+                <a:ext uri="{FF2B5EF4-FFF2-40B4-BE49-F238E27FC236}">
+                  <a16:creationId xmlns:a16="http://schemas.microsoft.com/office/drawing/2014/main" id="{03F1D3B4-2D26-32CC-B1E2-BEDA022E2359}"/>
+                </a:ext>
+              </a:extLst>
+            </p:cNvPr>
+            <p:cNvGrpSpPr/>
+            <p:nvPr/>
+          </p:nvGrpSpPr>
+          <p:grpSpPr>
+            <a:xfrm flipH="1">
+              <a:off x="4310804" y="1539347"/>
+              <a:ext cx="1112412" cy="985065"/>
+              <a:chOff x="883773" y="2546263"/>
+              <a:chExt cx="1112412" cy="985065"/>
+            </a:xfrm>
+            <a:solidFill>
+              <a:srgbClr val="000000"/>
+            </a:solidFill>
+          </p:grpSpPr>
+          <p:sp>
+            <p:nvSpPr>
+              <p:cNvPr id="27" name="Freeform: Shape 26">
+                <a:extLst>
+                  <a:ext uri="{FF2B5EF4-FFF2-40B4-BE49-F238E27FC236}">
+                    <a16:creationId xmlns:a16="http://schemas.microsoft.com/office/drawing/2014/main" id="{AE987BB5-3801-6156-A765-F30E058EBBDA}"/>
+                  </a:ext>
+                </a:extLst>
+              </p:cNvPr>
+              <p:cNvSpPr/>
+              <p:nvPr/>
+            </p:nvSpPr>
+            <p:spPr>
+              <a:xfrm>
+                <a:off x="1740660" y="3442159"/>
+                <a:ext cx="89160" cy="89169"/>
+              </a:xfrm>
+              <a:custGeom>
+                <a:avLst/>
+                <a:gdLst>
+                  <a:gd name="connsiteX0" fmla="*/ 44582 w 89160"/>
+                  <a:gd name="connsiteY0" fmla="*/ 32369 h 89169"/>
+                  <a:gd name="connsiteX1" fmla="*/ 56785 w 89160"/>
+                  <a:gd name="connsiteY1" fmla="*/ 44601 h 89169"/>
+                  <a:gd name="connsiteX2" fmla="*/ 44552 w 89160"/>
+                  <a:gd name="connsiteY2" fmla="*/ 56804 h 89169"/>
+                  <a:gd name="connsiteX3" fmla="*/ 42128 w 89160"/>
+                  <a:gd name="connsiteY3" fmla="*/ 56558 h 89169"/>
+                  <a:gd name="connsiteX4" fmla="*/ 32618 w 89160"/>
+                  <a:gd name="connsiteY4" fmla="*/ 47043 h 89169"/>
+                  <a:gd name="connsiteX5" fmla="*/ 42162 w 89160"/>
+                  <a:gd name="connsiteY5" fmla="*/ 32615 h 89169"/>
+                  <a:gd name="connsiteX6" fmla="*/ 44582 w 89160"/>
+                  <a:gd name="connsiteY6" fmla="*/ 32369 h 89169"/>
+                  <a:gd name="connsiteX7" fmla="*/ 44582 w 89160"/>
+                  <a:gd name="connsiteY7" fmla="*/ 0 h 89169"/>
+                  <a:gd name="connsiteX8" fmla="*/ 0 w 89160"/>
+                  <a:gd name="connsiteY8" fmla="*/ 44588 h 89169"/>
+                  <a:gd name="connsiteX9" fmla="*/ 44590 w 89160"/>
+                  <a:gd name="connsiteY9" fmla="*/ 89169 h 89169"/>
+                  <a:gd name="connsiteX10" fmla="*/ 47427 w 89160"/>
+                  <a:gd name="connsiteY10" fmla="*/ 89079 h 89169"/>
+                  <a:gd name="connsiteX11" fmla="*/ 89068 w 89160"/>
+                  <a:gd name="connsiteY11" fmla="*/ 47436 h 89169"/>
+                  <a:gd name="connsiteX12" fmla="*/ 47428 w 89160"/>
+                  <a:gd name="connsiteY12" fmla="*/ 91 h 89169"/>
+                  <a:gd name="connsiteX13" fmla="*/ 44582 w 89160"/>
+                  <a:gd name="connsiteY13" fmla="*/ 0 h 89169"/>
+                </a:gdLst>
+                <a:ahLst/>
+                <a:cxnLst>
+                  <a:cxn ang="0">
+                    <a:pos x="connsiteX0" y="connsiteY0"/>
+                  </a:cxn>
+                  <a:cxn ang="0">
+                    <a:pos x="connsiteX1" y="connsiteY1"/>
+                  </a:cxn>
+                  <a:cxn ang="0">
+                    <a:pos x="connsiteX2" y="connsiteY2"/>
+                  </a:cxn>
+                  <a:cxn ang="0">
+                    <a:pos x="connsiteX3" y="connsiteY3"/>
+                  </a:cxn>
+                  <a:cxn ang="0">
+                    <a:pos x="connsiteX4" y="connsiteY4"/>
+                  </a:cxn>
+                  <a:cxn ang="0">
+                    <a:pos x="connsiteX5" y="connsiteY5"/>
+                  </a:cxn>
+                  <a:cxn ang="0">
+                    <a:pos x="connsiteX6" y="connsiteY6"/>
+                  </a:cxn>
+                  <a:cxn ang="0">
+                    <a:pos x="connsiteX7" y="connsiteY7"/>
+                  </a:cxn>
+                  <a:cxn ang="0">
+                    <a:pos x="connsiteX8" y="connsiteY8"/>
+                  </a:cxn>
+                  <a:cxn ang="0">
+                    <a:pos x="connsiteX9" y="connsiteY9"/>
+                  </a:cxn>
+                  <a:cxn ang="0">
+                    <a:pos x="connsiteX10" y="connsiteY10"/>
+                  </a:cxn>
+                  <a:cxn ang="0">
+                    <a:pos x="connsiteX11" y="connsiteY11"/>
+                  </a:cxn>
+                  <a:cxn ang="0">
+                    <a:pos x="connsiteX12" y="connsiteY12"/>
+                  </a:cxn>
+                  <a:cxn ang="0">
+                    <a:pos x="connsiteX13" y="connsiteY13"/>
+                  </a:cxn>
+                </a:cxnLst>
+                <a:rect l="l" t="t" r="r" b="b"/>
+                <a:pathLst>
+                  <a:path w="89160" h="89169">
+                    <a:moveTo>
+                      <a:pt x="44582" y="32369"/>
+                    </a:moveTo>
+                    <a:cubicBezTo>
+                      <a:pt x="51329" y="32377"/>
+                      <a:pt x="56793" y="37854"/>
+                      <a:pt x="56785" y="44601"/>
+                    </a:cubicBezTo>
+                    <a:cubicBezTo>
+                      <a:pt x="56776" y="51348"/>
+                      <a:pt x="51301" y="56812"/>
+                      <a:pt x="44552" y="56804"/>
+                    </a:cubicBezTo>
+                    <a:cubicBezTo>
+                      <a:pt x="43738" y="56802"/>
+                      <a:pt x="42926" y="56720"/>
+                      <a:pt x="42128" y="56558"/>
+                    </a:cubicBezTo>
+                    <a:cubicBezTo>
+                      <a:pt x="37477" y="55330"/>
+                      <a:pt x="33843" y="51696"/>
+                      <a:pt x="32618" y="47043"/>
+                    </a:cubicBezTo>
+                    <a:cubicBezTo>
+                      <a:pt x="31270" y="40424"/>
+                      <a:pt x="35543" y="33965"/>
+                      <a:pt x="42162" y="32615"/>
+                    </a:cubicBezTo>
+                    <a:cubicBezTo>
+                      <a:pt x="42958" y="32453"/>
+                      <a:pt x="43769" y="32370"/>
+                      <a:pt x="44582" y="32369"/>
+                    </a:cubicBezTo>
+                    <a:moveTo>
+                      <a:pt x="44582" y="0"/>
+                    </a:moveTo>
+                    <a:cubicBezTo>
+                      <a:pt x="19959" y="2"/>
+                      <a:pt x="-2" y="19965"/>
+                      <a:pt x="0" y="44588"/>
+                    </a:cubicBezTo>
+                    <a:cubicBezTo>
+                      <a:pt x="3" y="69213"/>
+                      <a:pt x="19965" y="89171"/>
+                      <a:pt x="44590" y="89169"/>
+                    </a:cubicBezTo>
+                    <a:cubicBezTo>
+                      <a:pt x="45536" y="89169"/>
+                      <a:pt x="46482" y="89139"/>
+                      <a:pt x="47427" y="89079"/>
+                    </a:cubicBezTo>
+                    <a:cubicBezTo>
+                      <a:pt x="69444" y="86870"/>
+                      <a:pt x="86858" y="69454"/>
+                      <a:pt x="89068" y="47436"/>
+                    </a:cubicBezTo>
+                    <a:cubicBezTo>
+                      <a:pt x="90644" y="22864"/>
+                      <a:pt x="72001" y="1667"/>
+                      <a:pt x="47428" y="91"/>
+                    </a:cubicBezTo>
+                    <a:cubicBezTo>
+                      <a:pt x="46482" y="31"/>
+                      <a:pt x="45531" y="0"/>
+                      <a:pt x="44582" y="0"/>
+                    </a:cubicBezTo>
+                    <a:close/>
+                  </a:path>
+                </a:pathLst>
+              </a:custGeom>
+              <a:solidFill>
+                <a:srgbClr val="E6AA04"/>
+              </a:solidFill>
+              <a:ln w="16173" cap="flat">
+                <a:solidFill>
+                  <a:srgbClr val="E6AA04"/>
+                </a:solidFill>
+                <a:prstDash val="solid"/>
+                <a:miter/>
+              </a:ln>
+            </p:spPr>
+            <p:txBody>
+              <a:bodyPr rtlCol="0" anchor="ctr"/>
+              <a:lstStyle/>
+              <a:p>
+                <a:endParaRPr lang="en-AU" dirty="0"/>
+              </a:p>
+            </p:txBody>
+          </p:sp>
+          <p:sp>
+            <p:nvSpPr>
+              <p:cNvPr id="28" name="Freeform: Shape 27">
+                <a:extLst>
+                  <a:ext uri="{FF2B5EF4-FFF2-40B4-BE49-F238E27FC236}">
+                    <a16:creationId xmlns:a16="http://schemas.microsoft.com/office/drawing/2014/main" id="{3B2C6FEA-0C3B-9FC0-B4BC-B0570DAF3D90}"/>
+                  </a:ext>
+                </a:extLst>
+              </p:cNvPr>
+              <p:cNvSpPr/>
+              <p:nvPr/>
+            </p:nvSpPr>
+            <p:spPr>
+              <a:xfrm>
+                <a:off x="1567458" y="3321744"/>
+                <a:ext cx="155159" cy="155188"/>
+              </a:xfrm>
+              <a:custGeom>
+                <a:avLst/>
+                <a:gdLst>
+                  <a:gd name="connsiteX0" fmla="*/ 77588 w 155159"/>
+                  <a:gd name="connsiteY0" fmla="*/ 32370 h 155188"/>
+                  <a:gd name="connsiteX1" fmla="*/ 122788 w 155159"/>
+                  <a:gd name="connsiteY1" fmla="*/ 77622 h 155188"/>
+                  <a:gd name="connsiteX2" fmla="*/ 77536 w 155159"/>
+                  <a:gd name="connsiteY2" fmla="*/ 122822 h 155188"/>
+                  <a:gd name="connsiteX3" fmla="*/ 74675 w 155159"/>
+                  <a:gd name="connsiteY3" fmla="*/ 122729 h 155188"/>
+                  <a:gd name="connsiteX4" fmla="*/ 32467 w 155159"/>
+                  <a:gd name="connsiteY4" fmla="*/ 80522 h 155188"/>
+                  <a:gd name="connsiteX5" fmla="*/ 74756 w 155159"/>
+                  <a:gd name="connsiteY5" fmla="*/ 32463 h 155188"/>
+                  <a:gd name="connsiteX6" fmla="*/ 77581 w 155159"/>
+                  <a:gd name="connsiteY6" fmla="*/ 32370 h 155188"/>
+                  <a:gd name="connsiteX7" fmla="*/ 77109 w 155159"/>
+                  <a:gd name="connsiteY7" fmla="*/ 2 h 155188"/>
+                  <a:gd name="connsiteX8" fmla="*/ 2 w 155159"/>
+                  <a:gd name="connsiteY8" fmla="*/ 78080 h 155188"/>
+                  <a:gd name="connsiteX9" fmla="*/ 78080 w 155159"/>
+                  <a:gd name="connsiteY9" fmla="*/ 155187 h 155188"/>
+                  <a:gd name="connsiteX10" fmla="*/ 80603 w 155159"/>
+                  <a:gd name="connsiteY10" fmla="*/ 155131 h 155188"/>
+                  <a:gd name="connsiteX11" fmla="*/ 155098 w 155159"/>
+                  <a:gd name="connsiteY11" fmla="*/ 80634 h 155188"/>
+                  <a:gd name="connsiteX12" fmla="*/ 80619 w 155159"/>
+                  <a:gd name="connsiteY12" fmla="*/ 60 h 155188"/>
+                  <a:gd name="connsiteX13" fmla="*/ 77575 w 155159"/>
+                  <a:gd name="connsiteY13" fmla="*/ 0 h 155188"/>
+                </a:gdLst>
+                <a:ahLst/>
+                <a:cxnLst>
+                  <a:cxn ang="0">
+                    <a:pos x="connsiteX0" y="connsiteY0"/>
+                  </a:cxn>
+                  <a:cxn ang="0">
+                    <a:pos x="connsiteX1" y="connsiteY1"/>
+                  </a:cxn>
+                  <a:cxn ang="0">
+                    <a:pos x="connsiteX2" y="connsiteY2"/>
+                  </a:cxn>
+                  <a:cxn ang="0">
+                    <a:pos x="connsiteX3" y="connsiteY3"/>
+                  </a:cxn>
+                  <a:cxn ang="0">
+                    <a:pos x="connsiteX4" y="connsiteY4"/>
+                  </a:cxn>
+                  <a:cxn ang="0">
+                    <a:pos x="connsiteX5" y="connsiteY5"/>
+                  </a:cxn>
+                  <a:cxn ang="0">
+                    <a:pos x="connsiteX6" y="connsiteY6"/>
+                  </a:cxn>
+                  <a:cxn ang="0">
+                    <a:pos x="connsiteX7" y="connsiteY7"/>
+                  </a:cxn>
+                  <a:cxn ang="0">
+                    <a:pos x="connsiteX8" y="connsiteY8"/>
+                  </a:cxn>
+                  <a:cxn ang="0">
+                    <a:pos x="connsiteX9" y="connsiteY9"/>
+                  </a:cxn>
+                  <a:cxn ang="0">
+                    <a:pos x="connsiteX10" y="connsiteY10"/>
+                  </a:cxn>
+                  <a:cxn ang="0">
+                    <a:pos x="connsiteX11" y="connsiteY11"/>
+                  </a:cxn>
+                  <a:cxn ang="0">
+                    <a:pos x="connsiteX12" y="connsiteY12"/>
+                  </a:cxn>
+                  <a:cxn ang="0">
+                    <a:pos x="connsiteX13" y="connsiteY13"/>
+                  </a:cxn>
+                </a:cxnLst>
+                <a:rect l="l" t="t" r="r" b="b"/>
+                <a:pathLst>
+                  <a:path w="155159" h="155188">
+                    <a:moveTo>
+                      <a:pt x="77588" y="32370"/>
+                    </a:moveTo>
+                    <a:cubicBezTo>
+                      <a:pt x="102565" y="32385"/>
+                      <a:pt x="122802" y="52645"/>
+                      <a:pt x="122788" y="77622"/>
+                    </a:cubicBezTo>
+                    <a:cubicBezTo>
+                      <a:pt x="122773" y="102599"/>
+                      <a:pt x="102513" y="122836"/>
+                      <a:pt x="77536" y="122822"/>
+                    </a:cubicBezTo>
+                    <a:cubicBezTo>
+                      <a:pt x="76581" y="122822"/>
+                      <a:pt x="75626" y="122791"/>
+                      <a:pt x="74675" y="122729"/>
+                    </a:cubicBezTo>
+                    <a:cubicBezTo>
+                      <a:pt x="52369" y="120464"/>
+                      <a:pt x="34733" y="102828"/>
+                      <a:pt x="32467" y="80522"/>
+                    </a:cubicBezTo>
+                    <a:cubicBezTo>
+                      <a:pt x="30873" y="55574"/>
+                      <a:pt x="49807" y="34057"/>
+                      <a:pt x="74756" y="32463"/>
+                    </a:cubicBezTo>
+                    <a:cubicBezTo>
+                      <a:pt x="75696" y="32403"/>
+                      <a:pt x="76640" y="32372"/>
+                      <a:pt x="77581" y="32370"/>
+                    </a:cubicBezTo>
+                    <a:moveTo>
+                      <a:pt x="77109" y="2"/>
+                    </a:moveTo>
+                    <a:cubicBezTo>
+                      <a:pt x="34256" y="270"/>
+                      <a:pt x="-267" y="35227"/>
+                      <a:pt x="2" y="78080"/>
+                    </a:cubicBezTo>
+                    <a:cubicBezTo>
+                      <a:pt x="269" y="120933"/>
+                      <a:pt x="35225" y="155456"/>
+                      <a:pt x="78080" y="155187"/>
+                    </a:cubicBezTo>
+                    <a:cubicBezTo>
+                      <a:pt x="78921" y="155182"/>
+                      <a:pt x="79761" y="155163"/>
+                      <a:pt x="80603" y="155131"/>
+                    </a:cubicBezTo>
+                    <a:cubicBezTo>
+                      <a:pt x="120598" y="152483"/>
+                      <a:pt x="152452" y="120629"/>
+                      <a:pt x="155098" y="80634"/>
+                    </a:cubicBezTo>
+                    <a:cubicBezTo>
+                      <a:pt x="156781" y="37816"/>
+                      <a:pt x="123437" y="1743"/>
+                      <a:pt x="80619" y="60"/>
+                    </a:cubicBezTo>
+                    <a:cubicBezTo>
+                      <a:pt x="79604" y="19"/>
+                      <a:pt x="78590" y="0"/>
+                      <a:pt x="77575" y="0"/>
+                    </a:cubicBezTo>
+                    <a:close/>
+                  </a:path>
+                </a:pathLst>
+              </a:custGeom>
+              <a:solidFill>
+                <a:srgbClr val="00252A"/>
+              </a:solidFill>
+              <a:ln w="16173" cap="flat">
+                <a:solidFill>
+                  <a:srgbClr val="00252A"/>
+                </a:solidFill>
+                <a:prstDash val="solid"/>
+                <a:miter/>
+              </a:ln>
+            </p:spPr>
+            <p:txBody>
+              <a:bodyPr rtlCol="0" anchor="ctr"/>
+              <a:lstStyle/>
+              <a:p>
+                <a:endParaRPr lang="en-AU" dirty="0"/>
+              </a:p>
+            </p:txBody>
+          </p:sp>
+          <p:sp>
+            <p:nvSpPr>
+              <p:cNvPr id="31" name="Freeform: Shape 30">
+                <a:extLst>
+                  <a:ext uri="{FF2B5EF4-FFF2-40B4-BE49-F238E27FC236}">
+                    <a16:creationId xmlns:a16="http://schemas.microsoft.com/office/drawing/2014/main" id="{82DE90F2-DCEE-1F86-2279-2864868FD97A}"/>
+                  </a:ext>
+                </a:extLst>
+              </p:cNvPr>
+              <p:cNvSpPr/>
+              <p:nvPr/>
+            </p:nvSpPr>
+            <p:spPr>
+              <a:xfrm>
+                <a:off x="883773" y="2546263"/>
+                <a:ext cx="1112412" cy="776889"/>
+              </a:xfrm>
+              <a:custGeom>
+                <a:avLst/>
+                <a:gdLst>
+                  <a:gd name="connsiteX0" fmla="*/ 543352 w 1112412"/>
+                  <a:gd name="connsiteY0" fmla="*/ 32369 h 776889"/>
+                  <a:gd name="connsiteX1" fmla="*/ 546692 w 1112412"/>
+                  <a:gd name="connsiteY1" fmla="*/ 32422 h 776889"/>
+                  <a:gd name="connsiteX2" fmla="*/ 674374 w 1112412"/>
+                  <a:gd name="connsiteY2" fmla="*/ 132804 h 776889"/>
+                  <a:gd name="connsiteX3" fmla="*/ 674646 w 1112412"/>
+                  <a:gd name="connsiteY3" fmla="*/ 132846 h 776889"/>
+                  <a:gd name="connsiteX4" fmla="*/ 785928 w 1112412"/>
+                  <a:gd name="connsiteY4" fmla="*/ 72676 h 776889"/>
+                  <a:gd name="connsiteX5" fmla="*/ 920247 w 1112412"/>
+                  <a:gd name="connsiteY5" fmla="*/ 207006 h 776889"/>
+                  <a:gd name="connsiteX6" fmla="*/ 916279 w 1112412"/>
+                  <a:gd name="connsiteY6" fmla="*/ 237661 h 776889"/>
+                  <a:gd name="connsiteX7" fmla="*/ 916462 w 1112412"/>
+                  <a:gd name="connsiteY7" fmla="*/ 237846 h 776889"/>
+                  <a:gd name="connsiteX8" fmla="*/ 947110 w 1112412"/>
+                  <a:gd name="connsiteY8" fmla="*/ 233876 h 776889"/>
+                  <a:gd name="connsiteX9" fmla="*/ 1080013 w 1112412"/>
+                  <a:gd name="connsiteY9" fmla="*/ 369659 h 776889"/>
+                  <a:gd name="connsiteX10" fmla="*/ 951116 w 1112412"/>
+                  <a:gd name="connsiteY10" fmla="*/ 502460 h 776889"/>
+                  <a:gd name="connsiteX11" fmla="*/ 945891 w 1112412"/>
+                  <a:gd name="connsiteY11" fmla="*/ 502559 h 776889"/>
+                  <a:gd name="connsiteX12" fmla="*/ 945752 w 1112412"/>
+                  <a:gd name="connsiteY12" fmla="*/ 502698 h 776889"/>
+                  <a:gd name="connsiteX13" fmla="*/ 813079 w 1112412"/>
+                  <a:gd name="connsiteY13" fmla="*/ 623489 h 776889"/>
+                  <a:gd name="connsiteX14" fmla="*/ 800382 w 1112412"/>
+                  <a:gd name="connsiteY14" fmla="*/ 622888 h 776889"/>
+                  <a:gd name="connsiteX15" fmla="*/ 731163 w 1112412"/>
+                  <a:gd name="connsiteY15" fmla="*/ 595488 h 776889"/>
+                  <a:gd name="connsiteX16" fmla="*/ 730916 w 1112412"/>
+                  <a:gd name="connsiteY16" fmla="*/ 595624 h 776889"/>
+                  <a:gd name="connsiteX17" fmla="*/ 732211 w 1112412"/>
+                  <a:gd name="connsiteY17" fmla="*/ 610040 h 776889"/>
+                  <a:gd name="connsiteX18" fmla="*/ 597613 w 1112412"/>
+                  <a:gd name="connsiteY18" fmla="*/ 744482 h 776889"/>
+                  <a:gd name="connsiteX19" fmla="*/ 597416 w 1112412"/>
+                  <a:gd name="connsiteY19" fmla="*/ 744482 h 776889"/>
+                  <a:gd name="connsiteX20" fmla="*/ 463610 w 1112412"/>
+                  <a:gd name="connsiteY20" fmla="*/ 622536 h 776889"/>
+                  <a:gd name="connsiteX21" fmla="*/ 463338 w 1112412"/>
+                  <a:gd name="connsiteY21" fmla="*/ 622461 h 776889"/>
+                  <a:gd name="connsiteX22" fmla="*/ 356474 w 1112412"/>
+                  <a:gd name="connsiteY22" fmla="*/ 677221 h 776889"/>
+                  <a:gd name="connsiteX23" fmla="*/ 356132 w 1112412"/>
+                  <a:gd name="connsiteY23" fmla="*/ 677221 h 776889"/>
+                  <a:gd name="connsiteX24" fmla="*/ 221813 w 1112412"/>
+                  <a:gd name="connsiteY24" fmla="*/ 542871 h 776889"/>
+                  <a:gd name="connsiteX25" fmla="*/ 221813 w 1112412"/>
+                  <a:gd name="connsiteY25" fmla="*/ 531010 h 776889"/>
+                  <a:gd name="connsiteX26" fmla="*/ 221689 w 1112412"/>
+                  <a:gd name="connsiteY26" fmla="*/ 530851 h 776889"/>
+                  <a:gd name="connsiteX27" fmla="*/ 221598 w 1112412"/>
+                  <a:gd name="connsiteY27" fmla="*/ 530871 h 776889"/>
+                  <a:gd name="connsiteX28" fmla="*/ 168101 w 1112412"/>
+                  <a:gd name="connsiteY28" fmla="*/ 542865 h 776889"/>
+                  <a:gd name="connsiteX29" fmla="*/ 166662 w 1112412"/>
+                  <a:gd name="connsiteY29" fmla="*/ 542873 h 776889"/>
+                  <a:gd name="connsiteX30" fmla="*/ 32405 w 1112412"/>
+                  <a:gd name="connsiteY30" fmla="*/ 408431 h 776889"/>
+                  <a:gd name="connsiteX31" fmla="*/ 165283 w 1112412"/>
+                  <a:gd name="connsiteY31" fmla="*/ 274181 h 776889"/>
+                  <a:gd name="connsiteX32" fmla="*/ 168101 w 1112412"/>
+                  <a:gd name="connsiteY32" fmla="*/ 274181 h 776889"/>
+                  <a:gd name="connsiteX33" fmla="*/ 168115 w 1112412"/>
+                  <a:gd name="connsiteY33" fmla="*/ 274181 h 776889"/>
+                  <a:gd name="connsiteX34" fmla="*/ 198746 w 1112412"/>
+                  <a:gd name="connsiteY34" fmla="*/ 278150 h 776889"/>
+                  <a:gd name="connsiteX35" fmla="*/ 198930 w 1112412"/>
+                  <a:gd name="connsiteY35" fmla="*/ 277964 h 776889"/>
+                  <a:gd name="connsiteX36" fmla="*/ 194965 w 1112412"/>
+                  <a:gd name="connsiteY36" fmla="*/ 247310 h 776889"/>
+                  <a:gd name="connsiteX37" fmla="*/ 329328 w 1112412"/>
+                  <a:gd name="connsiteY37" fmla="*/ 112980 h 776889"/>
+                  <a:gd name="connsiteX38" fmla="*/ 412393 w 1112412"/>
+                  <a:gd name="connsiteY38" fmla="*/ 141047 h 776889"/>
+                  <a:gd name="connsiteX39" fmla="*/ 412590 w 1112412"/>
+                  <a:gd name="connsiteY39" fmla="*/ 141050 h 776889"/>
+                  <a:gd name="connsiteX40" fmla="*/ 412632 w 1112412"/>
+                  <a:gd name="connsiteY40" fmla="*/ 140955 h 776889"/>
+                  <a:gd name="connsiteX41" fmla="*/ 543352 w 1112412"/>
+                  <a:gd name="connsiteY41" fmla="*/ 32369 h 776889"/>
+                  <a:gd name="connsiteX42" fmla="*/ 543352 w 1112412"/>
+                  <a:gd name="connsiteY42" fmla="*/ 0 h 776889"/>
+                  <a:gd name="connsiteX43" fmla="*/ 394324 w 1112412"/>
+                  <a:gd name="connsiteY43" fmla="*/ 93708 h 776889"/>
+                  <a:gd name="connsiteX44" fmla="*/ 329245 w 1112412"/>
+                  <a:gd name="connsiteY44" fmla="*/ 80610 h 776889"/>
+                  <a:gd name="connsiteX45" fmla="*/ 162697 w 1112412"/>
+                  <a:gd name="connsiteY45" fmla="*/ 241855 h 776889"/>
+                  <a:gd name="connsiteX46" fmla="*/ 50 w 1112412"/>
+                  <a:gd name="connsiteY46" fmla="*/ 412548 h 776889"/>
+                  <a:gd name="connsiteX47" fmla="*/ 166665 w 1112412"/>
+                  <a:gd name="connsiteY47" fmla="*/ 575243 h 776889"/>
+                  <a:gd name="connsiteX48" fmla="*/ 168983 w 1112412"/>
+                  <a:gd name="connsiteY48" fmla="*/ 575224 h 776889"/>
+                  <a:gd name="connsiteX49" fmla="*/ 192264 w 1112412"/>
+                  <a:gd name="connsiteY49" fmla="*/ 573042 h 776889"/>
+                  <a:gd name="connsiteX50" fmla="*/ 356474 w 1112412"/>
+                  <a:gd name="connsiteY50" fmla="*/ 709588 h 776889"/>
+                  <a:gd name="connsiteX51" fmla="*/ 446992 w 1112412"/>
+                  <a:gd name="connsiteY51" fmla="*/ 682303 h 776889"/>
+                  <a:gd name="connsiteX52" fmla="*/ 670059 w 1112412"/>
+                  <a:gd name="connsiteY52" fmla="*/ 760281 h 776889"/>
+                  <a:gd name="connsiteX53" fmla="*/ 760334 w 1112412"/>
+                  <a:gd name="connsiteY53" fmla="*/ 647303 h 776889"/>
+                  <a:gd name="connsiteX54" fmla="*/ 797333 w 1112412"/>
+                  <a:gd name="connsiteY54" fmla="*/ 655120 h 776889"/>
+                  <a:gd name="connsiteX55" fmla="*/ 813073 w 1112412"/>
+                  <a:gd name="connsiteY55" fmla="*/ 655863 h 776889"/>
+                  <a:gd name="connsiteX56" fmla="*/ 973211 w 1112412"/>
+                  <a:gd name="connsiteY56" fmla="*/ 532628 h 776889"/>
+                  <a:gd name="connsiteX57" fmla="*/ 1110098 w 1112412"/>
+                  <a:gd name="connsiteY57" fmla="*/ 340693 h 776889"/>
+                  <a:gd name="connsiteX58" fmla="*/ 952511 w 1112412"/>
+                  <a:gd name="connsiteY58" fmla="*/ 201657 h 776889"/>
+                  <a:gd name="connsiteX59" fmla="*/ 785878 w 1112412"/>
+                  <a:gd name="connsiteY59" fmla="*/ 40307 h 776889"/>
+                  <a:gd name="connsiteX60" fmla="*/ 683521 w 1112412"/>
+                  <a:gd name="connsiteY60" fmla="*/ 75814 h 776889"/>
+                  <a:gd name="connsiteX61" fmla="*/ 544378 w 1112412"/>
+                  <a:gd name="connsiteY61" fmla="*/ 0 h 776889"/>
+                  <a:gd name="connsiteX62" fmla="*/ 543352 w 1112412"/>
+                  <a:gd name="connsiteY62" fmla="*/ 0 h 776889"/>
+                </a:gdLst>
+                <a:ahLst/>
+                <a:cxnLst>
+                  <a:cxn ang="0">
+                    <a:pos x="connsiteX0" y="connsiteY0"/>
+                  </a:cxn>
+                  <a:cxn ang="0">
+                    <a:pos x="connsiteX1" y="connsiteY1"/>
+                  </a:cxn>
+                  <a:cxn ang="0">
+                    <a:pos x="connsiteX2" y="connsiteY2"/>
+                  </a:cxn>
+                  <a:cxn ang="0">
+                    <a:pos x="connsiteX3" y="connsiteY3"/>
+                  </a:cxn>
+                  <a:cxn ang="0">
+                    <a:pos x="connsiteX4" y="connsiteY4"/>
+                  </a:cxn>
+                  <a:cxn ang="0">
+                    <a:pos x="connsiteX5" y="connsiteY5"/>
+                  </a:cxn>
+                  <a:cxn ang="0">
+                    <a:pos x="connsiteX6" y="connsiteY6"/>
+                  </a:cxn>
+                  <a:cxn ang="0">
+                    <a:pos x="connsiteX7" y="connsiteY7"/>
+                  </a:cxn>
+                  <a:cxn ang="0">
+                    <a:pos x="connsiteX8" y="connsiteY8"/>
+                  </a:cxn>
+                  <a:cxn ang="0">
+                    <a:pos x="connsiteX9" y="connsiteY9"/>
+                  </a:cxn>
+                  <a:cxn ang="0">
+                    <a:pos x="connsiteX10" y="connsiteY10"/>
+                  </a:cxn>
+                  <a:cxn ang="0">
+                    <a:pos x="connsiteX11" y="connsiteY11"/>
+                  </a:cxn>
+                  <a:cxn ang="0">
+                    <a:pos x="connsiteX12" y="connsiteY12"/>
+                  </a:cxn>
+                  <a:cxn ang="0">
+                    <a:pos x="connsiteX13" y="connsiteY13"/>
+                  </a:cxn>
+                  <a:cxn ang="0">
+                    <a:pos x="connsiteX14" y="connsiteY14"/>
+                  </a:cxn>
+                  <a:cxn ang="0">
+                    <a:pos x="connsiteX15" y="connsiteY15"/>
+                  </a:cxn>
+                  <a:cxn ang="0">
+                    <a:pos x="connsiteX16" y="connsiteY16"/>
+                  </a:cxn>
+                  <a:cxn ang="0">
+                    <a:pos x="connsiteX17" y="connsiteY17"/>
+                  </a:cxn>
+                  <a:cxn ang="0">
+                    <a:pos x="connsiteX18" y="connsiteY18"/>
+                  </a:cxn>
+                  <a:cxn ang="0">
+                    <a:pos x="connsiteX19" y="connsiteY19"/>
+                  </a:cxn>
+                  <a:cxn ang="0">
+                    <a:pos x="connsiteX20" y="connsiteY20"/>
+                  </a:cxn>
+                  <a:cxn ang="0">
+                    <a:pos x="connsiteX21" y="connsiteY21"/>
+                  </a:cxn>
+                  <a:cxn ang="0">
+                    <a:pos x="connsiteX22" y="connsiteY22"/>
+                  </a:cxn>
+                  <a:cxn ang="0">
+                    <a:pos x="connsiteX23" y="connsiteY23"/>
+                  </a:cxn>
+                  <a:cxn ang="0">
+                    <a:pos x="connsiteX24" y="connsiteY24"/>
+                  </a:cxn>
+                  <a:cxn ang="0">
+                    <a:pos x="connsiteX25" y="connsiteY25"/>
+                  </a:cxn>
+                  <a:cxn ang="0">
+                    <a:pos x="connsiteX26" y="connsiteY26"/>
+                  </a:cxn>
+                  <a:cxn ang="0">
+                    <a:pos x="connsiteX27" y="connsiteY27"/>
+                  </a:cxn>
+                  <a:cxn ang="0">
+                    <a:pos x="connsiteX28" y="connsiteY28"/>
+                  </a:cxn>
+                  <a:cxn ang="0">
+                    <a:pos x="connsiteX29" y="connsiteY29"/>
+                  </a:cxn>
+                  <a:cxn ang="0">
+                    <a:pos x="connsiteX30" y="connsiteY30"/>
+                  </a:cxn>
+                  <a:cxn ang="0">
+                    <a:pos x="connsiteX31" y="connsiteY31"/>
+                  </a:cxn>
+                  <a:cxn ang="0">
+                    <a:pos x="connsiteX32" y="connsiteY32"/>
+                  </a:cxn>
+                  <a:cxn ang="0">
+                    <a:pos x="connsiteX33" y="connsiteY33"/>
+                  </a:cxn>
+                  <a:cxn ang="0">
+                    <a:pos x="connsiteX34" y="connsiteY34"/>
+                  </a:cxn>
+                  <a:cxn ang="0">
+                    <a:pos x="connsiteX35" y="connsiteY35"/>
+                  </a:cxn>
+                  <a:cxn ang="0">
+                    <a:pos x="connsiteX36" y="connsiteY36"/>
+                  </a:cxn>
+                  <a:cxn ang="0">
+                    <a:pos x="connsiteX37" y="connsiteY37"/>
+                  </a:cxn>
+                  <a:cxn ang="0">
+                    <a:pos x="connsiteX38" y="connsiteY38"/>
+                  </a:cxn>
+                  <a:cxn ang="0">
+                    <a:pos x="connsiteX39" y="connsiteY39"/>
+                  </a:cxn>
+                  <a:cxn ang="0">
+                    <a:pos x="connsiteX40" y="connsiteY40"/>
+                  </a:cxn>
+                  <a:cxn ang="0">
+                    <a:pos x="connsiteX41" y="connsiteY41"/>
+                  </a:cxn>
+                  <a:cxn ang="0">
+                    <a:pos x="connsiteX42" y="connsiteY42"/>
+                  </a:cxn>
+                  <a:cxn ang="0">
+                    <a:pos x="connsiteX43" y="connsiteY43"/>
+                  </a:cxn>
+                  <a:cxn ang="0">
+                    <a:pos x="connsiteX44" y="connsiteY44"/>
+                  </a:cxn>
+                  <a:cxn ang="0">
+                    <a:pos x="connsiteX45" y="connsiteY45"/>
+                  </a:cxn>
+                  <a:cxn ang="0">
+                    <a:pos x="connsiteX46" y="connsiteY46"/>
+                  </a:cxn>
+                  <a:cxn ang="0">
+                    <a:pos x="connsiteX47" y="connsiteY47"/>
+                  </a:cxn>
+                  <a:cxn ang="0">
+                    <a:pos x="connsiteX48" y="connsiteY48"/>
+                  </a:cxn>
+                  <a:cxn ang="0">
+                    <a:pos x="connsiteX49" y="connsiteY49"/>
+                  </a:cxn>
+                  <a:cxn ang="0">
+                    <a:pos x="connsiteX50" y="connsiteY50"/>
+                  </a:cxn>
+                  <a:cxn ang="0">
+                    <a:pos x="connsiteX51" y="connsiteY51"/>
+                  </a:cxn>
+                  <a:cxn ang="0">
+                    <a:pos x="connsiteX52" y="connsiteY52"/>
+                  </a:cxn>
+                  <a:cxn ang="0">
+                    <a:pos x="connsiteX53" y="connsiteY53"/>
+                  </a:cxn>
+                  <a:cxn ang="0">
+                    <a:pos x="connsiteX54" y="connsiteY54"/>
+                  </a:cxn>
+                  <a:cxn ang="0">
+                    <a:pos x="connsiteX55" y="connsiteY55"/>
+                  </a:cxn>
+                  <a:cxn ang="0">
+                    <a:pos x="connsiteX56" y="connsiteY56"/>
+                  </a:cxn>
+                  <a:cxn ang="0">
+                    <a:pos x="connsiteX57" y="connsiteY57"/>
+                  </a:cxn>
+                  <a:cxn ang="0">
+                    <a:pos x="connsiteX58" y="connsiteY58"/>
+                  </a:cxn>
+                  <a:cxn ang="0">
+                    <a:pos x="connsiteX59" y="connsiteY59"/>
+                  </a:cxn>
+                  <a:cxn ang="0">
+                    <a:pos x="connsiteX60" y="connsiteY60"/>
+                  </a:cxn>
+                  <a:cxn ang="0">
+                    <a:pos x="connsiteX61" y="connsiteY61"/>
+                  </a:cxn>
+                  <a:cxn ang="0">
+                    <a:pos x="connsiteX62" y="connsiteY62"/>
+                  </a:cxn>
+                </a:cxnLst>
+                <a:rect l="l" t="t" r="r" b="b"/>
+                <a:pathLst>
+                  <a:path w="1112412" h="776889">
+                    <a:moveTo>
+                      <a:pt x="543352" y="32369"/>
+                    </a:moveTo>
+                    <a:cubicBezTo>
+                      <a:pt x="543630" y="32369"/>
+                      <a:pt x="545855" y="32398"/>
+                      <a:pt x="546692" y="32422"/>
+                    </a:cubicBezTo>
+                    <a:cubicBezTo>
+                      <a:pt x="606681" y="34205"/>
+                      <a:pt x="658483" y="74930"/>
+                      <a:pt x="674374" y="132804"/>
+                    </a:cubicBezTo>
+                    <a:cubicBezTo>
+                      <a:pt x="674423" y="132981"/>
+                      <a:pt x="674544" y="133000"/>
+                      <a:pt x="674646" y="132846"/>
+                    </a:cubicBezTo>
+                    <a:cubicBezTo>
+                      <a:pt x="699258" y="95347"/>
+                      <a:pt x="741075" y="72737"/>
+                      <a:pt x="785928" y="72676"/>
+                    </a:cubicBezTo>
+                    <a:cubicBezTo>
+                      <a:pt x="860024" y="72896"/>
+                      <a:pt x="920034" y="132911"/>
+                      <a:pt x="920247" y="207006"/>
+                    </a:cubicBezTo>
+                    <a:cubicBezTo>
+                      <a:pt x="920231" y="217351"/>
+                      <a:pt x="918897" y="227653"/>
+                      <a:pt x="916279" y="237661"/>
+                    </a:cubicBezTo>
+                    <a:cubicBezTo>
+                      <a:pt x="916242" y="237799"/>
+                      <a:pt x="916326" y="237881"/>
+                      <a:pt x="916462" y="237846"/>
+                    </a:cubicBezTo>
+                    <a:cubicBezTo>
+                      <a:pt x="926469" y="235227"/>
+                      <a:pt x="936767" y="233892"/>
+                      <a:pt x="947110" y="233876"/>
+                    </a:cubicBezTo>
+                    <a:cubicBezTo>
+                      <a:pt x="1021306" y="234672"/>
+                      <a:pt x="1080809" y="295464"/>
+                      <a:pt x="1080013" y="369659"/>
+                    </a:cubicBezTo>
+                    <a:cubicBezTo>
+                      <a:pt x="1079246" y="441180"/>
+                      <a:pt x="1022581" y="499562"/>
+                      <a:pt x="951116" y="502460"/>
+                    </a:cubicBezTo>
+                    <a:cubicBezTo>
+                      <a:pt x="949925" y="502507"/>
+                      <a:pt x="946584" y="502551"/>
+                      <a:pt x="945891" y="502559"/>
+                    </a:cubicBezTo>
+                    <a:cubicBezTo>
+                      <a:pt x="945817" y="502562"/>
+                      <a:pt x="945755" y="502624"/>
+                      <a:pt x="945752" y="502698"/>
+                    </a:cubicBezTo>
+                    <a:cubicBezTo>
+                      <a:pt x="939223" y="571116"/>
+                      <a:pt x="881808" y="623390"/>
+                      <a:pt x="813079" y="623489"/>
+                    </a:cubicBezTo>
+                    <a:cubicBezTo>
+                      <a:pt x="808878" y="623489"/>
+                      <a:pt x="804645" y="623288"/>
+                      <a:pt x="800382" y="622888"/>
+                    </a:cubicBezTo>
+                    <a:cubicBezTo>
+                      <a:pt x="775177" y="620506"/>
+                      <a:pt x="751171" y="611003"/>
+                      <a:pt x="731163" y="595488"/>
+                    </a:cubicBezTo>
+                    <a:cubicBezTo>
+                      <a:pt x="731002" y="595362"/>
+                      <a:pt x="730890" y="595422"/>
+                      <a:pt x="730916" y="595624"/>
+                    </a:cubicBezTo>
+                    <a:cubicBezTo>
+                      <a:pt x="731660" y="600395"/>
+                      <a:pt x="732092" y="605212"/>
+                      <a:pt x="732211" y="610040"/>
+                    </a:cubicBezTo>
+                    <a:cubicBezTo>
+                      <a:pt x="732114" y="684310"/>
+                      <a:pt x="671883" y="744470"/>
+                      <a:pt x="597613" y="744482"/>
+                    </a:cubicBezTo>
+                    <a:lnTo>
+                      <a:pt x="597416" y="744482"/>
+                    </a:lnTo>
+                    <a:cubicBezTo>
+                      <a:pt x="528058" y="744375"/>
+                      <a:pt x="470134" y="691586"/>
+                      <a:pt x="463610" y="622536"/>
+                    </a:cubicBezTo>
+                    <a:cubicBezTo>
+                      <a:pt x="463589" y="622316"/>
+                      <a:pt x="463466" y="622282"/>
+                      <a:pt x="463338" y="622461"/>
+                    </a:cubicBezTo>
+                    <a:cubicBezTo>
+                      <a:pt x="438598" y="656840"/>
+                      <a:pt x="398830" y="677218"/>
+                      <a:pt x="356474" y="677221"/>
+                    </a:cubicBezTo>
+                    <a:lnTo>
+                      <a:pt x="356132" y="677221"/>
+                    </a:lnTo>
+                    <a:cubicBezTo>
+                      <a:pt x="282032" y="676995"/>
+                      <a:pt x="222024" y="616971"/>
+                      <a:pt x="221813" y="542871"/>
+                    </a:cubicBezTo>
+                    <a:lnTo>
+                      <a:pt x="221813" y="531010"/>
+                    </a:lnTo>
+                    <a:cubicBezTo>
+                      <a:pt x="221823" y="530932"/>
+                      <a:pt x="221768" y="530861"/>
+                      <a:pt x="221689" y="530851"/>
+                    </a:cubicBezTo>
+                    <a:cubicBezTo>
+                      <a:pt x="221658" y="530846"/>
+                      <a:pt x="221626" y="530854"/>
+                      <a:pt x="221598" y="530871"/>
+                    </a:cubicBezTo>
+                    <a:cubicBezTo>
+                      <a:pt x="204710" y="538291"/>
+                      <a:pt x="186541" y="542365"/>
+                      <a:pt x="168101" y="542865"/>
+                    </a:cubicBezTo>
+                    <a:cubicBezTo>
+                      <a:pt x="167615" y="542865"/>
+                      <a:pt x="167141" y="542873"/>
+                      <a:pt x="166662" y="542873"/>
+                    </a:cubicBezTo>
+                    <a:cubicBezTo>
+                      <a:pt x="92463" y="542821"/>
+                      <a:pt x="32354" y="482630"/>
+                      <a:pt x="32405" y="408431"/>
+                    </a:cubicBezTo>
+                    <a:cubicBezTo>
+                      <a:pt x="32456" y="334840"/>
+                      <a:pt x="91697" y="274987"/>
+                      <a:pt x="165283" y="274181"/>
+                    </a:cubicBezTo>
+                    <a:cubicBezTo>
+                      <a:pt x="165752" y="274181"/>
+                      <a:pt x="167630" y="274181"/>
+                      <a:pt x="168101" y="274181"/>
+                    </a:cubicBezTo>
+                    <a:lnTo>
+                      <a:pt x="168115" y="274181"/>
+                    </a:lnTo>
+                    <a:cubicBezTo>
+                      <a:pt x="178452" y="274198"/>
+                      <a:pt x="188745" y="275531"/>
+                      <a:pt x="198746" y="278150"/>
+                    </a:cubicBezTo>
+                    <a:cubicBezTo>
+                      <a:pt x="198885" y="278185"/>
+                      <a:pt x="198967" y="278103"/>
+                      <a:pt x="198930" y="277964"/>
+                    </a:cubicBezTo>
+                    <a:cubicBezTo>
+                      <a:pt x="196227" y="267973"/>
+                      <a:pt x="194894" y="257660"/>
+                      <a:pt x="194965" y="247310"/>
+                    </a:cubicBezTo>
+                    <a:cubicBezTo>
+                      <a:pt x="195185" y="173200"/>
+                      <a:pt x="255218" y="113182"/>
+                      <a:pt x="329328" y="112980"/>
+                    </a:cubicBezTo>
+                    <a:cubicBezTo>
+                      <a:pt x="359329" y="113072"/>
+                      <a:pt x="388485" y="122924"/>
+                      <a:pt x="412393" y="141047"/>
+                    </a:cubicBezTo>
+                    <a:cubicBezTo>
+                      <a:pt x="412446" y="141102"/>
+                      <a:pt x="412533" y="141104"/>
+                      <a:pt x="412590" y="141050"/>
+                    </a:cubicBezTo>
+                    <a:cubicBezTo>
+                      <a:pt x="412616" y="141026"/>
+                      <a:pt x="412630" y="140992"/>
+                      <a:pt x="412632" y="140955"/>
+                    </a:cubicBezTo>
+                    <a:cubicBezTo>
+                      <a:pt x="424390" y="78014"/>
+                      <a:pt x="479323" y="32383"/>
+                      <a:pt x="543352" y="32369"/>
+                    </a:cubicBezTo>
+                    <a:moveTo>
+                      <a:pt x="543352" y="0"/>
+                    </a:moveTo>
+                    <a:cubicBezTo>
+                      <a:pt x="479799" y="14"/>
+                      <a:pt x="421875" y="36437"/>
+                      <a:pt x="394324" y="93708"/>
+                    </a:cubicBezTo>
+                    <a:cubicBezTo>
+                      <a:pt x="373689" y="85151"/>
+                      <a:pt x="351583" y="80702"/>
+                      <a:pt x="329245" y="80610"/>
+                    </a:cubicBezTo>
+                    <a:cubicBezTo>
+                      <a:pt x="239495" y="81054"/>
+                      <a:pt x="166045" y="152166"/>
+                      <a:pt x="162697" y="241855"/>
+                    </a:cubicBezTo>
+                    <a:cubicBezTo>
+                      <a:pt x="70647" y="244077"/>
+                      <a:pt x="-2172" y="320498"/>
+                      <a:pt x="50" y="412548"/>
+                    </a:cubicBezTo>
+                    <a:cubicBezTo>
+                      <a:pt x="2233" y="503009"/>
+                      <a:pt x="76177" y="575214"/>
+                      <a:pt x="166665" y="575243"/>
+                    </a:cubicBezTo>
+                    <a:lnTo>
+                      <a:pt x="168983" y="575224"/>
+                    </a:lnTo>
+                    <a:cubicBezTo>
+                      <a:pt x="176783" y="575015"/>
+                      <a:pt x="184560" y="574285"/>
+                      <a:pt x="192264" y="573042"/>
+                    </a:cubicBezTo>
+                    <a:cubicBezTo>
+                      <a:pt x="207225" y="652017"/>
+                      <a:pt x="276096" y="709284"/>
+                      <a:pt x="356474" y="709588"/>
+                    </a:cubicBezTo>
+                    <a:cubicBezTo>
+                      <a:pt x="388669" y="709562"/>
+                      <a:pt x="420146" y="700073"/>
+                      <a:pt x="446992" y="682303"/>
+                    </a:cubicBezTo>
+                    <a:cubicBezTo>
+                      <a:pt x="487058" y="765434"/>
+                      <a:pt x="586928" y="800347"/>
+                      <a:pt x="670059" y="760281"/>
+                    </a:cubicBezTo>
+                    <a:cubicBezTo>
+                      <a:pt x="715733" y="738269"/>
+                      <a:pt x="748942" y="696709"/>
+                      <a:pt x="760334" y="647303"/>
+                    </a:cubicBezTo>
+                    <a:cubicBezTo>
+                      <a:pt x="772328" y="651310"/>
+                      <a:pt x="784742" y="653933"/>
+                      <a:pt x="797333" y="655120"/>
+                    </a:cubicBezTo>
+                    <a:cubicBezTo>
+                      <a:pt x="802556" y="655605"/>
+                      <a:pt x="807853" y="655863"/>
+                      <a:pt x="813073" y="655863"/>
+                    </a:cubicBezTo>
+                    <a:cubicBezTo>
+                      <a:pt x="888315" y="656130"/>
+                      <a:pt x="954197" y="605430"/>
+                      <a:pt x="973211" y="532628"/>
+                    </a:cubicBezTo>
+                    <a:cubicBezTo>
+                      <a:pt x="1064013" y="517428"/>
+                      <a:pt x="1125299" y="431495"/>
+                      <a:pt x="1110098" y="340693"/>
+                    </a:cubicBezTo>
+                    <a:cubicBezTo>
+                      <a:pt x="1097076" y="262904"/>
+                      <a:pt x="1031318" y="204886"/>
+                      <a:pt x="952511" y="201657"/>
+                    </a:cubicBezTo>
+                    <a:cubicBezTo>
+                      <a:pt x="949196" y="111904"/>
+                      <a:pt x="875693" y="40730"/>
+                      <a:pt x="785878" y="40307"/>
+                    </a:cubicBezTo>
+                    <a:cubicBezTo>
+                      <a:pt x="748738" y="40302"/>
+                      <a:pt x="712679" y="52810"/>
+                      <a:pt x="683521" y="75814"/>
+                    </a:cubicBezTo>
+                    <a:cubicBezTo>
+                      <a:pt x="652490" y="29134"/>
+                      <a:pt x="600426" y="768"/>
+                      <a:pt x="544378" y="0"/>
+                    </a:cubicBezTo>
+                    <a:lnTo>
+                      <a:pt x="543352" y="0"/>
+                    </a:lnTo>
+                    <a:close/>
+                  </a:path>
+                </a:pathLst>
+              </a:custGeom>
+              <a:solidFill>
+                <a:srgbClr val="E6AA04"/>
+              </a:solidFill>
+              <a:ln w="16173" cap="flat">
+                <a:solidFill>
+                  <a:srgbClr val="E6AA04"/>
+                </a:solidFill>
+                <a:prstDash val="solid"/>
+                <a:miter/>
+              </a:ln>
+            </p:spPr>
+            <p:txBody>
+              <a:bodyPr rtlCol="0" anchor="ctr"/>
+              <a:lstStyle/>
+              <a:p>
+                <a:endParaRPr lang="en-AU"/>
+              </a:p>
+            </p:txBody>
+          </p:sp>
+        </p:grpSp>
+        <p:grpSp>
+          <p:nvGrpSpPr>
+            <p:cNvPr id="39" name="Graphic 23" descr="Thought outline">
+              <a:extLst>
+                <a:ext uri="{FF2B5EF4-FFF2-40B4-BE49-F238E27FC236}">
+                  <a16:creationId xmlns:a16="http://schemas.microsoft.com/office/drawing/2014/main" id="{0B0D2B2E-D015-D9E8-0624-2BC453DBF82E}"/>
+                </a:ext>
+              </a:extLst>
+            </p:cNvPr>
+            <p:cNvGrpSpPr/>
+            <p:nvPr/>
+          </p:nvGrpSpPr>
+          <p:grpSpPr>
+            <a:xfrm>
+              <a:off x="3228513" y="1940036"/>
+              <a:ext cx="1391547" cy="1427024"/>
+              <a:chOff x="3228513" y="1940036"/>
+              <a:chExt cx="1391547" cy="1427024"/>
+            </a:xfrm>
+            <a:solidFill>
+              <a:srgbClr val="000000"/>
+            </a:solidFill>
+          </p:grpSpPr>
+          <p:sp>
+            <p:nvSpPr>
+              <p:cNvPr id="40" name="Freeform: Shape 39">
+                <a:extLst>
+                  <a:ext uri="{FF2B5EF4-FFF2-40B4-BE49-F238E27FC236}">
+                    <a16:creationId xmlns:a16="http://schemas.microsoft.com/office/drawing/2014/main" id="{989F0B6F-C280-4872-3C95-078B9DA1EA0E}"/>
+                  </a:ext>
+                </a:extLst>
+              </p:cNvPr>
+              <p:cNvSpPr/>
+              <p:nvPr/>
+            </p:nvSpPr>
+            <p:spPr>
+              <a:xfrm>
+                <a:off x="4140555" y="2796386"/>
+                <a:ext cx="479505" cy="570674"/>
+              </a:xfrm>
+              <a:custGeom>
+                <a:avLst/>
+                <a:gdLst>
+                  <a:gd name="connsiteX0" fmla="*/ 267642 w 479505"/>
+                  <a:gd name="connsiteY0" fmla="*/ 32369 h 570674"/>
+                  <a:gd name="connsiteX1" fmla="*/ 446952 w 479505"/>
+                  <a:gd name="connsiteY1" fmla="*/ 203923 h 570674"/>
+                  <a:gd name="connsiteX2" fmla="*/ 446952 w 479505"/>
+                  <a:gd name="connsiteY2" fmla="*/ 220235 h 570674"/>
+                  <a:gd name="connsiteX3" fmla="*/ 446915 w 479505"/>
+                  <a:gd name="connsiteY3" fmla="*/ 221045 h 570674"/>
+                  <a:gd name="connsiteX4" fmla="*/ 446915 w 479505"/>
+                  <a:gd name="connsiteY4" fmla="*/ 221854 h 570674"/>
+                  <a:gd name="connsiteX5" fmla="*/ 376340 w 479505"/>
+                  <a:gd name="connsiteY5" fmla="*/ 366764 h 570674"/>
+                  <a:gd name="connsiteX6" fmla="*/ 363819 w 479505"/>
+                  <a:gd name="connsiteY6" fmla="*/ 376475 h 570674"/>
+                  <a:gd name="connsiteX7" fmla="*/ 363819 w 479505"/>
+                  <a:gd name="connsiteY7" fmla="*/ 538311 h 570674"/>
+                  <a:gd name="connsiteX8" fmla="*/ 205827 w 479505"/>
+                  <a:gd name="connsiteY8" fmla="*/ 538311 h 570674"/>
+                  <a:gd name="connsiteX9" fmla="*/ 205827 w 479505"/>
+                  <a:gd name="connsiteY9" fmla="*/ 453716 h 570674"/>
+                  <a:gd name="connsiteX10" fmla="*/ 140805 w 479505"/>
+                  <a:gd name="connsiteY10" fmla="*/ 453716 h 570674"/>
+                  <a:gd name="connsiteX11" fmla="*/ 110330 w 479505"/>
+                  <a:gd name="connsiteY11" fmla="*/ 444952 h 570674"/>
+                  <a:gd name="connsiteX12" fmla="*/ 88110 w 479505"/>
+                  <a:gd name="connsiteY12" fmla="*/ 402888 h 570674"/>
+                  <a:gd name="connsiteX13" fmla="*/ 88110 w 479505"/>
+                  <a:gd name="connsiteY13" fmla="*/ 402015 h 570674"/>
+                  <a:gd name="connsiteX14" fmla="*/ 88110 w 479505"/>
+                  <a:gd name="connsiteY14" fmla="*/ 359180 h 570674"/>
+                  <a:gd name="connsiteX15" fmla="*/ 88110 w 479505"/>
+                  <a:gd name="connsiteY15" fmla="*/ 326811 h 570674"/>
+                  <a:gd name="connsiteX16" fmla="*/ 34945 w 479505"/>
+                  <a:gd name="connsiteY16" fmla="*/ 326811 h 570674"/>
+                  <a:gd name="connsiteX17" fmla="*/ 34805 w 479505"/>
+                  <a:gd name="connsiteY17" fmla="*/ 326569 h 570674"/>
+                  <a:gd name="connsiteX18" fmla="*/ 83734 w 479505"/>
+                  <a:gd name="connsiteY18" fmla="*/ 241329 h 570674"/>
+                  <a:gd name="connsiteX19" fmla="*/ 88029 w 479505"/>
+                  <a:gd name="connsiteY19" fmla="*/ 233845 h 570674"/>
+                  <a:gd name="connsiteX20" fmla="*/ 88029 w 479505"/>
+                  <a:gd name="connsiteY20" fmla="*/ 220969 h 570674"/>
+                  <a:gd name="connsiteX21" fmla="*/ 88005 w 479505"/>
+                  <a:gd name="connsiteY21" fmla="*/ 220235 h 570674"/>
+                  <a:gd name="connsiteX22" fmla="*/ 259325 w 479505"/>
+                  <a:gd name="connsiteY22" fmla="*/ 32558 h 570674"/>
+                  <a:gd name="connsiteX23" fmla="*/ 267642 w 479505"/>
+                  <a:gd name="connsiteY23" fmla="*/ 32369 h 570674"/>
+                  <a:gd name="connsiteX24" fmla="*/ 257855 w 479505"/>
+                  <a:gd name="connsiteY24" fmla="*/ 222 h 570674"/>
+                  <a:gd name="connsiteX25" fmla="*/ 55672 w 479505"/>
+                  <a:gd name="connsiteY25" fmla="*/ 221703 h 570674"/>
+                  <a:gd name="connsiteX26" fmla="*/ 55672 w 479505"/>
+                  <a:gd name="connsiteY26" fmla="*/ 225217 h 570674"/>
+                  <a:gd name="connsiteX27" fmla="*/ 7119 w 479505"/>
+                  <a:gd name="connsiteY27" fmla="*/ 309819 h 570674"/>
+                  <a:gd name="connsiteX28" fmla="*/ 24744 w 479505"/>
+                  <a:gd name="connsiteY28" fmla="*/ 359182 h 570674"/>
+                  <a:gd name="connsiteX29" fmla="*/ 55754 w 479505"/>
+                  <a:gd name="connsiteY29" fmla="*/ 359182 h 570674"/>
+                  <a:gd name="connsiteX30" fmla="*/ 55754 w 479505"/>
+                  <a:gd name="connsiteY30" fmla="*/ 401548 h 570674"/>
+                  <a:gd name="connsiteX31" fmla="*/ 55743 w 479505"/>
+                  <a:gd name="connsiteY31" fmla="*/ 402886 h 570674"/>
+                  <a:gd name="connsiteX32" fmla="*/ 138915 w 479505"/>
+                  <a:gd name="connsiteY32" fmla="*/ 486087 h 570674"/>
+                  <a:gd name="connsiteX33" fmla="*/ 173459 w 479505"/>
+                  <a:gd name="connsiteY33" fmla="*/ 486087 h 570674"/>
+                  <a:gd name="connsiteX34" fmla="*/ 173459 w 479505"/>
+                  <a:gd name="connsiteY34" fmla="*/ 570674 h 570674"/>
+                  <a:gd name="connsiteX35" fmla="*/ 396192 w 479505"/>
+                  <a:gd name="connsiteY35" fmla="*/ 570674 h 570674"/>
+                  <a:gd name="connsiteX36" fmla="*/ 396192 w 479505"/>
+                  <a:gd name="connsiteY36" fmla="*/ 392322 h 570674"/>
+                  <a:gd name="connsiteX37" fmla="*/ 479287 w 479505"/>
+                  <a:gd name="connsiteY37" fmla="*/ 221708 h 570674"/>
+                  <a:gd name="connsiteX38" fmla="*/ 479287 w 479505"/>
+                  <a:gd name="connsiteY38" fmla="*/ 202459 h 570674"/>
+                  <a:gd name="connsiteX39" fmla="*/ 267642 w 479505"/>
+                  <a:gd name="connsiteY39" fmla="*/ 0 h 570674"/>
+                  <a:gd name="connsiteX40" fmla="*/ 257855 w 479505"/>
+                  <a:gd name="connsiteY40" fmla="*/ 222 h 570674"/>
+                </a:gdLst>
+                <a:ahLst/>
+                <a:cxnLst>
+                  <a:cxn ang="0">
+                    <a:pos x="connsiteX0" y="connsiteY0"/>
+                  </a:cxn>
+                  <a:cxn ang="0">
+                    <a:pos x="connsiteX1" y="connsiteY1"/>
+                  </a:cxn>
+                  <a:cxn ang="0">
+                    <a:pos x="connsiteX2" y="connsiteY2"/>
+                  </a:cxn>
+                  <a:cxn ang="0">
+                    <a:pos x="connsiteX3" y="connsiteY3"/>
+                  </a:cxn>
+                  <a:cxn ang="0">
+                    <a:pos x="connsiteX4" y="connsiteY4"/>
+                  </a:cxn>
+                  <a:cxn ang="0">
+                    <a:pos x="connsiteX5" y="connsiteY5"/>
+                  </a:cxn>
+                  <a:cxn ang="0">
+                    <a:pos x="connsiteX6" y="connsiteY6"/>
+                  </a:cxn>
+                  <a:cxn ang="0">
+                    <a:pos x="connsiteX7" y="connsiteY7"/>
+                  </a:cxn>
+                  <a:cxn ang="0">
+                    <a:pos x="connsiteX8" y="connsiteY8"/>
+                  </a:cxn>
+                  <a:cxn ang="0">
+                    <a:pos x="connsiteX9" y="connsiteY9"/>
+                  </a:cxn>
+                  <a:cxn ang="0">
+                    <a:pos x="connsiteX10" y="connsiteY10"/>
+                  </a:cxn>
+                  <a:cxn ang="0">
+                    <a:pos x="connsiteX11" y="connsiteY11"/>
+                  </a:cxn>
+                  <a:cxn ang="0">
+                    <a:pos x="connsiteX12" y="connsiteY12"/>
+                  </a:cxn>
+                  <a:cxn ang="0">
+                    <a:pos x="connsiteX13" y="connsiteY13"/>
+                  </a:cxn>
+                  <a:cxn ang="0">
+                    <a:pos x="connsiteX14" y="connsiteY14"/>
+                  </a:cxn>
+                  <a:cxn ang="0">
+                    <a:pos x="connsiteX15" y="connsiteY15"/>
+                  </a:cxn>
+                  <a:cxn ang="0">
+                    <a:pos x="connsiteX16" y="connsiteY16"/>
+                  </a:cxn>
+                  <a:cxn ang="0">
+                    <a:pos x="connsiteX17" y="connsiteY17"/>
+                  </a:cxn>
+                  <a:cxn ang="0">
+                    <a:pos x="connsiteX18" y="connsiteY18"/>
+                  </a:cxn>
+                  <a:cxn ang="0">
+                    <a:pos x="connsiteX19" y="connsiteY19"/>
+                  </a:cxn>
+                  <a:cxn ang="0">
+                    <a:pos x="connsiteX20" y="connsiteY20"/>
+                  </a:cxn>
+                  <a:cxn ang="0">
+                    <a:pos x="connsiteX21" y="connsiteY21"/>
+                  </a:cxn>
+                  <a:cxn ang="0">
+                    <a:pos x="connsiteX22" y="connsiteY22"/>
+                  </a:cxn>
+                  <a:cxn ang="0">
+                    <a:pos x="connsiteX23" y="connsiteY23"/>
+                  </a:cxn>
+                  <a:cxn ang="0">
+                    <a:pos x="connsiteX24" y="connsiteY24"/>
+                  </a:cxn>
+                  <a:cxn ang="0">
+                    <a:pos x="connsiteX25" y="connsiteY25"/>
+                  </a:cxn>
+                  <a:cxn ang="0">
+                    <a:pos x="connsiteX26" y="connsiteY26"/>
+                  </a:cxn>
+                  <a:cxn ang="0">
+                    <a:pos x="connsiteX27" y="connsiteY27"/>
+                  </a:cxn>
+                  <a:cxn ang="0">
+                    <a:pos x="connsiteX28" y="connsiteY28"/>
+                  </a:cxn>
+                  <a:cxn ang="0">
+                    <a:pos x="connsiteX29" y="connsiteY29"/>
+                  </a:cxn>
+                  <a:cxn ang="0">
+                    <a:pos x="connsiteX30" y="connsiteY30"/>
+                  </a:cxn>
+                  <a:cxn ang="0">
+                    <a:pos x="connsiteX31" y="connsiteY31"/>
+                  </a:cxn>
+                  <a:cxn ang="0">
+                    <a:pos x="connsiteX32" y="connsiteY32"/>
+                  </a:cxn>
+                  <a:cxn ang="0">
+                    <a:pos x="connsiteX33" y="connsiteY33"/>
+                  </a:cxn>
+                  <a:cxn ang="0">
+                    <a:pos x="connsiteX34" y="connsiteY34"/>
+                  </a:cxn>
+                  <a:cxn ang="0">
+                    <a:pos x="connsiteX35" y="connsiteY35"/>
+                  </a:cxn>
+                  <a:cxn ang="0">
+                    <a:pos x="connsiteX36" y="connsiteY36"/>
+                  </a:cxn>
+                  <a:cxn ang="0">
+                    <a:pos x="connsiteX37" y="connsiteY37"/>
+                  </a:cxn>
+                  <a:cxn ang="0">
+                    <a:pos x="connsiteX38" y="connsiteY38"/>
+                  </a:cxn>
+                  <a:cxn ang="0">
+                    <a:pos x="connsiteX39" y="connsiteY39"/>
+                  </a:cxn>
+                  <a:cxn ang="0">
+                    <a:pos x="connsiteX40" y="connsiteY40"/>
+                  </a:cxn>
+                </a:cxnLst>
+                <a:rect l="l" t="t" r="r" b="b"/>
+                <a:pathLst>
+                  <a:path w="479505" h="570674">
+                    <a:moveTo>
+                      <a:pt x="267642" y="32369"/>
+                    </a:moveTo>
+                    <a:cubicBezTo>
+                      <a:pt x="363722" y="32275"/>
+                      <a:pt x="442799" y="107932"/>
+                      <a:pt x="446952" y="203923"/>
+                    </a:cubicBezTo>
+                    <a:cubicBezTo>
+                      <a:pt x="447198" y="209334"/>
+                      <a:pt x="447198" y="214822"/>
+                      <a:pt x="446952" y="220235"/>
+                    </a:cubicBezTo>
+                    <a:lnTo>
+                      <a:pt x="446915" y="221045"/>
+                    </a:lnTo>
+                    <a:lnTo>
+                      <a:pt x="446915" y="221854"/>
+                    </a:lnTo>
+                    <a:cubicBezTo>
+                      <a:pt x="443981" y="277721"/>
+                      <a:pt x="418515" y="330009"/>
+                      <a:pt x="376340" y="366764"/>
+                    </a:cubicBezTo>
+                    <a:lnTo>
+                      <a:pt x="363819" y="376475"/>
+                    </a:lnTo>
+                    <a:lnTo>
+                      <a:pt x="363819" y="538311"/>
+                    </a:lnTo>
+                    <a:lnTo>
+                      <a:pt x="205827" y="538311"/>
+                    </a:lnTo>
+                    <a:lnTo>
+                      <a:pt x="205827" y="453716"/>
+                    </a:lnTo>
+                    <a:lnTo>
+                      <a:pt x="140805" y="453716"/>
+                    </a:lnTo>
+                    <a:cubicBezTo>
+                      <a:pt x="129992" y="453954"/>
+                      <a:pt x="119364" y="450897"/>
+                      <a:pt x="110330" y="444952"/>
+                    </a:cubicBezTo>
+                    <a:cubicBezTo>
+                      <a:pt x="96410" y="435480"/>
+                      <a:pt x="88089" y="419724"/>
+                      <a:pt x="88110" y="402888"/>
+                    </a:cubicBezTo>
+                    <a:lnTo>
+                      <a:pt x="88110" y="402015"/>
+                    </a:lnTo>
+                    <a:lnTo>
+                      <a:pt x="88110" y="359180"/>
+                    </a:lnTo>
+                    <a:lnTo>
+                      <a:pt x="88110" y="326811"/>
+                    </a:lnTo>
+                    <a:lnTo>
+                      <a:pt x="34945" y="326811"/>
+                    </a:lnTo>
+                    <a:cubicBezTo>
+                      <a:pt x="34783" y="326811"/>
+                      <a:pt x="34728" y="326703"/>
+                      <a:pt x="34805" y="326569"/>
+                    </a:cubicBezTo>
+                    <a:lnTo>
+                      <a:pt x="83734" y="241329"/>
+                    </a:lnTo>
+                    <a:lnTo>
+                      <a:pt x="88029" y="233845"/>
+                    </a:lnTo>
+                    <a:lnTo>
+                      <a:pt x="88029" y="220969"/>
+                    </a:lnTo>
+                    <a:lnTo>
+                      <a:pt x="88005" y="220235"/>
+                    </a:lnTo>
+                    <a:cubicBezTo>
+                      <a:pt x="83601" y="121142"/>
+                      <a:pt x="160243" y="37185"/>
+                      <a:pt x="259325" y="32558"/>
+                    </a:cubicBezTo>
+                    <a:cubicBezTo>
+                      <a:pt x="262104" y="32432"/>
+                      <a:pt x="264887" y="32369"/>
+                      <a:pt x="267642" y="32369"/>
+                    </a:cubicBezTo>
+                    <a:close/>
+                    <a:moveTo>
+                      <a:pt x="257855" y="222"/>
+                    </a:moveTo>
+                    <a:cubicBezTo>
+                      <a:pt x="140865" y="5553"/>
+                      <a:pt x="50346" y="104713"/>
+                      <a:pt x="55672" y="221703"/>
+                    </a:cubicBezTo>
+                    <a:lnTo>
+                      <a:pt x="55672" y="225217"/>
+                    </a:lnTo>
+                    <a:lnTo>
+                      <a:pt x="7119" y="309819"/>
+                    </a:lnTo>
+                    <a:cubicBezTo>
+                      <a:pt x="-9795" y="335917"/>
+                      <a:pt x="6407" y="357060"/>
+                      <a:pt x="24744" y="359182"/>
+                    </a:cubicBezTo>
+                    <a:lnTo>
+                      <a:pt x="55754" y="359182"/>
+                    </a:lnTo>
+                    <a:lnTo>
+                      <a:pt x="55754" y="401548"/>
+                    </a:lnTo>
+                    <a:lnTo>
+                      <a:pt x="55743" y="402886"/>
+                    </a:lnTo>
+                    <a:cubicBezTo>
+                      <a:pt x="55737" y="448829"/>
+                      <a:pt x="92972" y="486079"/>
+                      <a:pt x="138915" y="486087"/>
+                    </a:cubicBezTo>
+                    <a:lnTo>
+                      <a:pt x="173459" y="486087"/>
+                    </a:lnTo>
+                    <a:lnTo>
+                      <a:pt x="173459" y="570674"/>
+                    </a:lnTo>
+                    <a:lnTo>
+                      <a:pt x="396192" y="570674"/>
+                    </a:lnTo>
+                    <a:lnTo>
+                      <a:pt x="396192" y="392322"/>
+                    </a:lnTo>
+                    <a:cubicBezTo>
+                      <a:pt x="448870" y="351431"/>
+                      <a:pt x="479572" y="288394"/>
+                      <a:pt x="479287" y="221708"/>
+                    </a:cubicBezTo>
+                    <a:cubicBezTo>
+                      <a:pt x="479578" y="215294"/>
+                      <a:pt x="479578" y="208879"/>
+                      <a:pt x="479287" y="202459"/>
+                    </a:cubicBezTo>
+                    <a:cubicBezTo>
+                      <a:pt x="474165" y="89263"/>
+                      <a:pt x="380952" y="97"/>
+                      <a:pt x="267642" y="0"/>
+                    </a:cubicBezTo>
+                    <a:cubicBezTo>
+                      <a:pt x="267642" y="0"/>
+                      <a:pt x="261126" y="74"/>
+                      <a:pt x="257855" y="222"/>
+                    </a:cubicBezTo>
+                    <a:close/>
+                  </a:path>
+                </a:pathLst>
+              </a:custGeom>
+              <a:solidFill>
+                <a:srgbClr val="E6AA04"/>
+              </a:solidFill>
+              <a:ln w="16173" cap="flat">
+                <a:solidFill>
+                  <a:srgbClr val="E6AA04"/>
+                </a:solidFill>
+                <a:prstDash val="solid"/>
+                <a:miter/>
+              </a:ln>
+            </p:spPr>
+            <p:txBody>
+              <a:bodyPr rtlCol="0" anchor="ctr"/>
+              <a:lstStyle/>
+              <a:p>
+                <a:endParaRPr lang="en-AU" dirty="0"/>
+              </a:p>
+            </p:txBody>
+          </p:sp>
+          <p:sp>
+            <p:nvSpPr>
+              <p:cNvPr id="41" name="Freeform: Shape 40">
+                <a:extLst>
+                  <a:ext uri="{FF2B5EF4-FFF2-40B4-BE49-F238E27FC236}">
+                    <a16:creationId xmlns:a16="http://schemas.microsoft.com/office/drawing/2014/main" id="{478E15C8-CAC9-1F91-8B01-67EAEDEC0AB7}"/>
+                  </a:ext>
+                </a:extLst>
+              </p:cNvPr>
+              <p:cNvSpPr/>
+              <p:nvPr/>
+            </p:nvSpPr>
+            <p:spPr>
+              <a:xfrm>
+                <a:off x="4085400" y="2835932"/>
+                <a:ext cx="89160" cy="89169"/>
+              </a:xfrm>
+              <a:custGeom>
+                <a:avLst/>
+                <a:gdLst>
+                  <a:gd name="connsiteX0" fmla="*/ 44582 w 89160"/>
+                  <a:gd name="connsiteY0" fmla="*/ 32369 h 89169"/>
+                  <a:gd name="connsiteX1" fmla="*/ 56785 w 89160"/>
+                  <a:gd name="connsiteY1" fmla="*/ 44601 h 89169"/>
+                  <a:gd name="connsiteX2" fmla="*/ 44552 w 89160"/>
+                  <a:gd name="connsiteY2" fmla="*/ 56804 h 89169"/>
+                  <a:gd name="connsiteX3" fmla="*/ 42128 w 89160"/>
+                  <a:gd name="connsiteY3" fmla="*/ 56558 h 89169"/>
+                  <a:gd name="connsiteX4" fmla="*/ 32618 w 89160"/>
+                  <a:gd name="connsiteY4" fmla="*/ 47043 h 89169"/>
+                  <a:gd name="connsiteX5" fmla="*/ 42162 w 89160"/>
+                  <a:gd name="connsiteY5" fmla="*/ 32615 h 89169"/>
+                  <a:gd name="connsiteX6" fmla="*/ 44582 w 89160"/>
+                  <a:gd name="connsiteY6" fmla="*/ 32369 h 89169"/>
+                  <a:gd name="connsiteX7" fmla="*/ 44582 w 89160"/>
+                  <a:gd name="connsiteY7" fmla="*/ 0 h 89169"/>
+                  <a:gd name="connsiteX8" fmla="*/ 0 w 89160"/>
+                  <a:gd name="connsiteY8" fmla="*/ 44588 h 89169"/>
+                  <a:gd name="connsiteX9" fmla="*/ 44590 w 89160"/>
+                  <a:gd name="connsiteY9" fmla="*/ 89169 h 89169"/>
+                  <a:gd name="connsiteX10" fmla="*/ 47427 w 89160"/>
+                  <a:gd name="connsiteY10" fmla="*/ 89079 h 89169"/>
+                  <a:gd name="connsiteX11" fmla="*/ 89068 w 89160"/>
+                  <a:gd name="connsiteY11" fmla="*/ 47436 h 89169"/>
+                  <a:gd name="connsiteX12" fmla="*/ 47428 w 89160"/>
+                  <a:gd name="connsiteY12" fmla="*/ 91 h 89169"/>
+                  <a:gd name="connsiteX13" fmla="*/ 44582 w 89160"/>
+                  <a:gd name="connsiteY13" fmla="*/ 0 h 89169"/>
+                </a:gdLst>
+                <a:ahLst/>
+                <a:cxnLst>
+                  <a:cxn ang="0">
+                    <a:pos x="connsiteX0" y="connsiteY0"/>
+                  </a:cxn>
+                  <a:cxn ang="0">
+                    <a:pos x="connsiteX1" y="connsiteY1"/>
+                  </a:cxn>
+                  <a:cxn ang="0">
+                    <a:pos x="connsiteX2" y="connsiteY2"/>
+                  </a:cxn>
+                  <a:cxn ang="0">
+                    <a:pos x="connsiteX3" y="connsiteY3"/>
+                  </a:cxn>
+                  <a:cxn ang="0">
+                    <a:pos x="connsiteX4" y="connsiteY4"/>
+                  </a:cxn>
+                  <a:cxn ang="0">
+                    <a:pos x="connsiteX5" y="connsiteY5"/>
+                  </a:cxn>
+                  <a:cxn ang="0">
+                    <a:pos x="connsiteX6" y="connsiteY6"/>
+                  </a:cxn>
+                  <a:cxn ang="0">
+                    <a:pos x="connsiteX7" y="connsiteY7"/>
+                  </a:cxn>
+                  <a:cxn ang="0">
+                    <a:pos x="connsiteX8" y="connsiteY8"/>
+                  </a:cxn>
+                  <a:cxn ang="0">
+                    <a:pos x="connsiteX9" y="connsiteY9"/>
+                  </a:cxn>
+                  <a:cxn ang="0">
+                    <a:pos x="connsiteX10" y="connsiteY10"/>
+                  </a:cxn>
+                  <a:cxn ang="0">
+                    <a:pos x="connsiteX11" y="connsiteY11"/>
+                  </a:cxn>
+                  <a:cxn ang="0">
+                    <a:pos x="connsiteX12" y="connsiteY12"/>
+                  </a:cxn>
+                  <a:cxn ang="0">
+                    <a:pos x="connsiteX13" y="connsiteY13"/>
+                  </a:cxn>
+                </a:cxnLst>
+                <a:rect l="l" t="t" r="r" b="b"/>
+                <a:pathLst>
+                  <a:path w="89160" h="89169">
+                    <a:moveTo>
+                      <a:pt x="44582" y="32369"/>
+                    </a:moveTo>
+                    <a:cubicBezTo>
+                      <a:pt x="51329" y="32377"/>
+                      <a:pt x="56793" y="37854"/>
+                      <a:pt x="56785" y="44601"/>
+                    </a:cubicBezTo>
+                    <a:cubicBezTo>
+                      <a:pt x="56776" y="51348"/>
+                      <a:pt x="51301" y="56812"/>
+                      <a:pt x="44552" y="56804"/>
+                    </a:cubicBezTo>
+                    <a:cubicBezTo>
+                      <a:pt x="43738" y="56802"/>
+                      <a:pt x="42926" y="56720"/>
+                      <a:pt x="42128" y="56558"/>
+                    </a:cubicBezTo>
+                    <a:cubicBezTo>
+                      <a:pt x="37477" y="55330"/>
+                      <a:pt x="33843" y="51696"/>
+                      <a:pt x="32618" y="47043"/>
+                    </a:cubicBezTo>
+                    <a:cubicBezTo>
+                      <a:pt x="31270" y="40424"/>
+                      <a:pt x="35543" y="33965"/>
+                      <a:pt x="42162" y="32615"/>
+                    </a:cubicBezTo>
+                    <a:cubicBezTo>
+                      <a:pt x="42958" y="32453"/>
+                      <a:pt x="43769" y="32370"/>
+                      <a:pt x="44582" y="32369"/>
+                    </a:cubicBezTo>
+                    <a:moveTo>
+                      <a:pt x="44582" y="0"/>
+                    </a:moveTo>
+                    <a:cubicBezTo>
+                      <a:pt x="19959" y="2"/>
+                      <a:pt x="-2" y="19965"/>
+                      <a:pt x="0" y="44588"/>
+                    </a:cubicBezTo>
+                    <a:cubicBezTo>
+                      <a:pt x="3" y="69213"/>
+                      <a:pt x="19965" y="89171"/>
+                      <a:pt x="44590" y="89169"/>
+                    </a:cubicBezTo>
+                    <a:cubicBezTo>
+                      <a:pt x="45536" y="89169"/>
+                      <a:pt x="46482" y="89139"/>
+                      <a:pt x="47427" y="89079"/>
+                    </a:cubicBezTo>
+                    <a:cubicBezTo>
+                      <a:pt x="69444" y="86870"/>
+                      <a:pt x="86858" y="69454"/>
+                      <a:pt x="89068" y="47436"/>
+                    </a:cubicBezTo>
+                    <a:cubicBezTo>
+                      <a:pt x="90644" y="22864"/>
+                      <a:pt x="72001" y="1667"/>
+                      <a:pt x="47428" y="91"/>
+                    </a:cubicBezTo>
+                    <a:cubicBezTo>
+                      <a:pt x="46482" y="31"/>
+                      <a:pt x="45531" y="0"/>
+                      <a:pt x="44582" y="0"/>
+                    </a:cubicBezTo>
+                    <a:close/>
+                  </a:path>
+                </a:pathLst>
+              </a:custGeom>
+              <a:solidFill>
+                <a:srgbClr val="00252A"/>
+              </a:solidFill>
+              <a:ln w="16173" cap="flat">
+                <a:solidFill>
+                  <a:srgbClr val="00252A"/>
+                </a:solidFill>
+                <a:prstDash val="solid"/>
+                <a:miter/>
+              </a:ln>
+            </p:spPr>
+            <p:txBody>
+              <a:bodyPr rtlCol="0" anchor="ctr"/>
+              <a:lstStyle/>
+              <a:p>
+                <a:endParaRPr lang="en-AU" dirty="0"/>
+              </a:p>
+            </p:txBody>
+          </p:sp>
+          <p:sp>
+            <p:nvSpPr>
+              <p:cNvPr id="42" name="Freeform: Shape 41">
+                <a:extLst>
+                  <a:ext uri="{FF2B5EF4-FFF2-40B4-BE49-F238E27FC236}">
+                    <a16:creationId xmlns:a16="http://schemas.microsoft.com/office/drawing/2014/main" id="{54B5DB50-00E8-20FE-8AA1-49B66E1252C1}"/>
+                  </a:ext>
+                </a:extLst>
+              </p:cNvPr>
+              <p:cNvSpPr/>
+              <p:nvPr/>
+            </p:nvSpPr>
+            <p:spPr>
+              <a:xfrm>
+                <a:off x="3912198" y="2715517"/>
+                <a:ext cx="155159" cy="155188"/>
+              </a:xfrm>
+              <a:custGeom>
+                <a:avLst/>
+                <a:gdLst>
+                  <a:gd name="connsiteX0" fmla="*/ 77588 w 155159"/>
+                  <a:gd name="connsiteY0" fmla="*/ 32370 h 155188"/>
+                  <a:gd name="connsiteX1" fmla="*/ 122788 w 155159"/>
+                  <a:gd name="connsiteY1" fmla="*/ 77622 h 155188"/>
+                  <a:gd name="connsiteX2" fmla="*/ 77536 w 155159"/>
+                  <a:gd name="connsiteY2" fmla="*/ 122822 h 155188"/>
+                  <a:gd name="connsiteX3" fmla="*/ 74675 w 155159"/>
+                  <a:gd name="connsiteY3" fmla="*/ 122729 h 155188"/>
+                  <a:gd name="connsiteX4" fmla="*/ 32467 w 155159"/>
+                  <a:gd name="connsiteY4" fmla="*/ 80522 h 155188"/>
+                  <a:gd name="connsiteX5" fmla="*/ 74756 w 155159"/>
+                  <a:gd name="connsiteY5" fmla="*/ 32463 h 155188"/>
+                  <a:gd name="connsiteX6" fmla="*/ 77581 w 155159"/>
+                  <a:gd name="connsiteY6" fmla="*/ 32370 h 155188"/>
+                  <a:gd name="connsiteX7" fmla="*/ 77109 w 155159"/>
+                  <a:gd name="connsiteY7" fmla="*/ 2 h 155188"/>
+                  <a:gd name="connsiteX8" fmla="*/ 2 w 155159"/>
+                  <a:gd name="connsiteY8" fmla="*/ 78080 h 155188"/>
+                  <a:gd name="connsiteX9" fmla="*/ 78080 w 155159"/>
+                  <a:gd name="connsiteY9" fmla="*/ 155187 h 155188"/>
+                  <a:gd name="connsiteX10" fmla="*/ 80603 w 155159"/>
+                  <a:gd name="connsiteY10" fmla="*/ 155131 h 155188"/>
+                  <a:gd name="connsiteX11" fmla="*/ 155098 w 155159"/>
+                  <a:gd name="connsiteY11" fmla="*/ 80634 h 155188"/>
+                  <a:gd name="connsiteX12" fmla="*/ 80619 w 155159"/>
+                  <a:gd name="connsiteY12" fmla="*/ 60 h 155188"/>
+                  <a:gd name="connsiteX13" fmla="*/ 77575 w 155159"/>
+                  <a:gd name="connsiteY13" fmla="*/ 0 h 155188"/>
+                </a:gdLst>
+                <a:ahLst/>
+                <a:cxnLst>
+                  <a:cxn ang="0">
+                    <a:pos x="connsiteX0" y="connsiteY0"/>
+                  </a:cxn>
+                  <a:cxn ang="0">
+                    <a:pos x="connsiteX1" y="connsiteY1"/>
+                  </a:cxn>
+                  <a:cxn ang="0">
+                    <a:pos x="connsiteX2" y="connsiteY2"/>
+                  </a:cxn>
+                  <a:cxn ang="0">
+                    <a:pos x="connsiteX3" y="connsiteY3"/>
+                  </a:cxn>
+                  <a:cxn ang="0">
+                    <a:pos x="connsiteX4" y="connsiteY4"/>
+                  </a:cxn>
+                  <a:cxn ang="0">
+                    <a:pos x="connsiteX5" y="connsiteY5"/>
+                  </a:cxn>
+                  <a:cxn ang="0">
+                    <a:pos x="connsiteX6" y="connsiteY6"/>
+                  </a:cxn>
+                  <a:cxn ang="0">
+                    <a:pos x="connsiteX7" y="connsiteY7"/>
+                  </a:cxn>
+                  <a:cxn ang="0">
+                    <a:pos x="connsiteX8" y="connsiteY8"/>
+                  </a:cxn>
+                  <a:cxn ang="0">
+                    <a:pos x="connsiteX9" y="connsiteY9"/>
+                  </a:cxn>
+                  <a:cxn ang="0">
+                    <a:pos x="connsiteX10" y="connsiteY10"/>
+                  </a:cxn>
+                  <a:cxn ang="0">
+                    <a:pos x="connsiteX11" y="connsiteY11"/>
+                  </a:cxn>
+                  <a:cxn ang="0">
+                    <a:pos x="connsiteX12" y="connsiteY12"/>
+                  </a:cxn>
+                  <a:cxn ang="0">
+                    <a:pos x="connsiteX13" y="connsiteY13"/>
+                  </a:cxn>
+                </a:cxnLst>
+                <a:rect l="l" t="t" r="r" b="b"/>
+                <a:pathLst>
+                  <a:path w="155159" h="155188">
+                    <a:moveTo>
+                      <a:pt x="77588" y="32370"/>
+                    </a:moveTo>
+                    <a:cubicBezTo>
+                      <a:pt x="102565" y="32385"/>
+                      <a:pt x="122802" y="52645"/>
+                      <a:pt x="122788" y="77622"/>
+                    </a:cubicBezTo>
+                    <a:cubicBezTo>
+                      <a:pt x="122773" y="102599"/>
+                      <a:pt x="102513" y="122836"/>
+                      <a:pt x="77536" y="122822"/>
+                    </a:cubicBezTo>
+                    <a:cubicBezTo>
+                      <a:pt x="76581" y="122822"/>
+                      <a:pt x="75626" y="122791"/>
+                      <a:pt x="74675" y="122729"/>
+                    </a:cubicBezTo>
+                    <a:cubicBezTo>
+                      <a:pt x="52369" y="120464"/>
+                      <a:pt x="34733" y="102828"/>
+                      <a:pt x="32467" y="80522"/>
+                    </a:cubicBezTo>
+                    <a:cubicBezTo>
+                      <a:pt x="30873" y="55574"/>
+                      <a:pt x="49807" y="34057"/>
+                      <a:pt x="74756" y="32463"/>
+                    </a:cubicBezTo>
+                    <a:cubicBezTo>
+                      <a:pt x="75696" y="32403"/>
+                      <a:pt x="76640" y="32372"/>
+                      <a:pt x="77581" y="32370"/>
+                    </a:cubicBezTo>
+                    <a:moveTo>
+                      <a:pt x="77109" y="2"/>
+                    </a:moveTo>
+                    <a:cubicBezTo>
+                      <a:pt x="34256" y="270"/>
+                      <a:pt x="-267" y="35227"/>
+                      <a:pt x="2" y="78080"/>
+                    </a:cubicBezTo>
+                    <a:cubicBezTo>
+                      <a:pt x="269" y="120933"/>
+                      <a:pt x="35225" y="155456"/>
+                      <a:pt x="78080" y="155187"/>
+                    </a:cubicBezTo>
+                    <a:cubicBezTo>
+                      <a:pt x="78921" y="155182"/>
+                      <a:pt x="79761" y="155163"/>
+                      <a:pt x="80603" y="155131"/>
+                    </a:cubicBezTo>
+                    <a:cubicBezTo>
+                      <a:pt x="120598" y="152483"/>
+                      <a:pt x="152452" y="120629"/>
+                      <a:pt x="155098" y="80634"/>
+                    </a:cubicBezTo>
+                    <a:cubicBezTo>
+                      <a:pt x="156781" y="37816"/>
+                      <a:pt x="123437" y="1743"/>
+                      <a:pt x="80619" y="60"/>
+                    </a:cubicBezTo>
+                    <a:cubicBezTo>
+                      <a:pt x="79604" y="19"/>
+                      <a:pt x="78590" y="0"/>
+                      <a:pt x="77575" y="0"/>
+                    </a:cubicBezTo>
+                    <a:close/>
+                  </a:path>
+                </a:pathLst>
+              </a:custGeom>
+              <a:solidFill>
+                <a:srgbClr val="00252A"/>
+              </a:solidFill>
+              <a:ln w="16173" cap="flat">
+                <a:solidFill>
+                  <a:srgbClr val="00252A"/>
+                </a:solidFill>
+                <a:prstDash val="solid"/>
+                <a:miter/>
+              </a:ln>
+            </p:spPr>
+            <p:txBody>
+              <a:bodyPr rtlCol="0" anchor="ctr"/>
+              <a:lstStyle/>
+              <a:p>
+                <a:endParaRPr lang="en-AU" dirty="0"/>
+              </a:p>
+            </p:txBody>
+          </p:sp>
+          <p:sp>
+            <p:nvSpPr>
+              <p:cNvPr id="43" name="Freeform: Shape 42">
+                <a:extLst>
+                  <a:ext uri="{FF2B5EF4-FFF2-40B4-BE49-F238E27FC236}">
+                    <a16:creationId xmlns:a16="http://schemas.microsoft.com/office/drawing/2014/main" id="{A58D70B6-50FE-A09B-498B-D4F81DFCF4AB}"/>
+                  </a:ext>
+                </a:extLst>
+              </p:cNvPr>
+              <p:cNvSpPr/>
+              <p:nvPr/>
+            </p:nvSpPr>
+            <p:spPr>
+              <a:xfrm>
+                <a:off x="3228513" y="1940036"/>
+                <a:ext cx="1112412" cy="776889"/>
+              </a:xfrm>
+              <a:custGeom>
+                <a:avLst/>
+                <a:gdLst>
+                  <a:gd name="connsiteX0" fmla="*/ 543352 w 1112412"/>
+                  <a:gd name="connsiteY0" fmla="*/ 32369 h 776889"/>
+                  <a:gd name="connsiteX1" fmla="*/ 546692 w 1112412"/>
+                  <a:gd name="connsiteY1" fmla="*/ 32422 h 776889"/>
+                  <a:gd name="connsiteX2" fmla="*/ 674374 w 1112412"/>
+                  <a:gd name="connsiteY2" fmla="*/ 132804 h 776889"/>
+                  <a:gd name="connsiteX3" fmla="*/ 674646 w 1112412"/>
+                  <a:gd name="connsiteY3" fmla="*/ 132846 h 776889"/>
+                  <a:gd name="connsiteX4" fmla="*/ 785928 w 1112412"/>
+                  <a:gd name="connsiteY4" fmla="*/ 72676 h 776889"/>
+                  <a:gd name="connsiteX5" fmla="*/ 920247 w 1112412"/>
+                  <a:gd name="connsiteY5" fmla="*/ 207006 h 776889"/>
+                  <a:gd name="connsiteX6" fmla="*/ 916279 w 1112412"/>
+                  <a:gd name="connsiteY6" fmla="*/ 237661 h 776889"/>
+                  <a:gd name="connsiteX7" fmla="*/ 916462 w 1112412"/>
+                  <a:gd name="connsiteY7" fmla="*/ 237846 h 776889"/>
+                  <a:gd name="connsiteX8" fmla="*/ 947110 w 1112412"/>
+                  <a:gd name="connsiteY8" fmla="*/ 233876 h 776889"/>
+                  <a:gd name="connsiteX9" fmla="*/ 1080013 w 1112412"/>
+                  <a:gd name="connsiteY9" fmla="*/ 369659 h 776889"/>
+                  <a:gd name="connsiteX10" fmla="*/ 951116 w 1112412"/>
+                  <a:gd name="connsiteY10" fmla="*/ 502460 h 776889"/>
+                  <a:gd name="connsiteX11" fmla="*/ 945891 w 1112412"/>
+                  <a:gd name="connsiteY11" fmla="*/ 502559 h 776889"/>
+                  <a:gd name="connsiteX12" fmla="*/ 945752 w 1112412"/>
+                  <a:gd name="connsiteY12" fmla="*/ 502698 h 776889"/>
+                  <a:gd name="connsiteX13" fmla="*/ 813079 w 1112412"/>
+                  <a:gd name="connsiteY13" fmla="*/ 623489 h 776889"/>
+                  <a:gd name="connsiteX14" fmla="*/ 800382 w 1112412"/>
+                  <a:gd name="connsiteY14" fmla="*/ 622888 h 776889"/>
+                  <a:gd name="connsiteX15" fmla="*/ 731163 w 1112412"/>
+                  <a:gd name="connsiteY15" fmla="*/ 595488 h 776889"/>
+                  <a:gd name="connsiteX16" fmla="*/ 730916 w 1112412"/>
+                  <a:gd name="connsiteY16" fmla="*/ 595624 h 776889"/>
+                  <a:gd name="connsiteX17" fmla="*/ 732211 w 1112412"/>
+                  <a:gd name="connsiteY17" fmla="*/ 610040 h 776889"/>
+                  <a:gd name="connsiteX18" fmla="*/ 597613 w 1112412"/>
+                  <a:gd name="connsiteY18" fmla="*/ 744482 h 776889"/>
+                  <a:gd name="connsiteX19" fmla="*/ 597416 w 1112412"/>
+                  <a:gd name="connsiteY19" fmla="*/ 744482 h 776889"/>
+                  <a:gd name="connsiteX20" fmla="*/ 463610 w 1112412"/>
+                  <a:gd name="connsiteY20" fmla="*/ 622536 h 776889"/>
+                  <a:gd name="connsiteX21" fmla="*/ 463338 w 1112412"/>
+                  <a:gd name="connsiteY21" fmla="*/ 622461 h 776889"/>
+                  <a:gd name="connsiteX22" fmla="*/ 356474 w 1112412"/>
+                  <a:gd name="connsiteY22" fmla="*/ 677221 h 776889"/>
+                  <a:gd name="connsiteX23" fmla="*/ 356132 w 1112412"/>
+                  <a:gd name="connsiteY23" fmla="*/ 677221 h 776889"/>
+                  <a:gd name="connsiteX24" fmla="*/ 221813 w 1112412"/>
+                  <a:gd name="connsiteY24" fmla="*/ 542871 h 776889"/>
+                  <a:gd name="connsiteX25" fmla="*/ 221813 w 1112412"/>
+                  <a:gd name="connsiteY25" fmla="*/ 531010 h 776889"/>
+                  <a:gd name="connsiteX26" fmla="*/ 221689 w 1112412"/>
+                  <a:gd name="connsiteY26" fmla="*/ 530851 h 776889"/>
+                  <a:gd name="connsiteX27" fmla="*/ 221598 w 1112412"/>
+                  <a:gd name="connsiteY27" fmla="*/ 530871 h 776889"/>
+                  <a:gd name="connsiteX28" fmla="*/ 168101 w 1112412"/>
+                  <a:gd name="connsiteY28" fmla="*/ 542865 h 776889"/>
+                  <a:gd name="connsiteX29" fmla="*/ 166662 w 1112412"/>
+                  <a:gd name="connsiteY29" fmla="*/ 542873 h 776889"/>
+                  <a:gd name="connsiteX30" fmla="*/ 32405 w 1112412"/>
+                  <a:gd name="connsiteY30" fmla="*/ 408431 h 776889"/>
+                  <a:gd name="connsiteX31" fmla="*/ 165283 w 1112412"/>
+                  <a:gd name="connsiteY31" fmla="*/ 274181 h 776889"/>
+                  <a:gd name="connsiteX32" fmla="*/ 168101 w 1112412"/>
+                  <a:gd name="connsiteY32" fmla="*/ 274181 h 776889"/>
+                  <a:gd name="connsiteX33" fmla="*/ 168115 w 1112412"/>
+                  <a:gd name="connsiteY33" fmla="*/ 274181 h 776889"/>
+                  <a:gd name="connsiteX34" fmla="*/ 198746 w 1112412"/>
+                  <a:gd name="connsiteY34" fmla="*/ 278150 h 776889"/>
+                  <a:gd name="connsiteX35" fmla="*/ 198930 w 1112412"/>
+                  <a:gd name="connsiteY35" fmla="*/ 277964 h 776889"/>
+                  <a:gd name="connsiteX36" fmla="*/ 194965 w 1112412"/>
+                  <a:gd name="connsiteY36" fmla="*/ 247310 h 776889"/>
+                  <a:gd name="connsiteX37" fmla="*/ 329328 w 1112412"/>
+                  <a:gd name="connsiteY37" fmla="*/ 112980 h 776889"/>
+                  <a:gd name="connsiteX38" fmla="*/ 412393 w 1112412"/>
+                  <a:gd name="connsiteY38" fmla="*/ 141047 h 776889"/>
+                  <a:gd name="connsiteX39" fmla="*/ 412590 w 1112412"/>
+                  <a:gd name="connsiteY39" fmla="*/ 141050 h 776889"/>
+                  <a:gd name="connsiteX40" fmla="*/ 412632 w 1112412"/>
+                  <a:gd name="connsiteY40" fmla="*/ 140955 h 776889"/>
+                  <a:gd name="connsiteX41" fmla="*/ 543352 w 1112412"/>
+                  <a:gd name="connsiteY41" fmla="*/ 32369 h 776889"/>
+                  <a:gd name="connsiteX42" fmla="*/ 543352 w 1112412"/>
+                  <a:gd name="connsiteY42" fmla="*/ 0 h 776889"/>
+                  <a:gd name="connsiteX43" fmla="*/ 394324 w 1112412"/>
+                  <a:gd name="connsiteY43" fmla="*/ 93708 h 776889"/>
+                  <a:gd name="connsiteX44" fmla="*/ 329245 w 1112412"/>
+                  <a:gd name="connsiteY44" fmla="*/ 80610 h 776889"/>
+                  <a:gd name="connsiteX45" fmla="*/ 162697 w 1112412"/>
+                  <a:gd name="connsiteY45" fmla="*/ 241855 h 776889"/>
+                  <a:gd name="connsiteX46" fmla="*/ 50 w 1112412"/>
+                  <a:gd name="connsiteY46" fmla="*/ 412548 h 776889"/>
+                  <a:gd name="connsiteX47" fmla="*/ 166665 w 1112412"/>
+                  <a:gd name="connsiteY47" fmla="*/ 575243 h 776889"/>
+                  <a:gd name="connsiteX48" fmla="*/ 168983 w 1112412"/>
+                  <a:gd name="connsiteY48" fmla="*/ 575224 h 776889"/>
+                  <a:gd name="connsiteX49" fmla="*/ 192264 w 1112412"/>
+                  <a:gd name="connsiteY49" fmla="*/ 573042 h 776889"/>
+                  <a:gd name="connsiteX50" fmla="*/ 356474 w 1112412"/>
+                  <a:gd name="connsiteY50" fmla="*/ 709588 h 776889"/>
+                  <a:gd name="connsiteX51" fmla="*/ 446992 w 1112412"/>
+                  <a:gd name="connsiteY51" fmla="*/ 682303 h 776889"/>
+                  <a:gd name="connsiteX52" fmla="*/ 670059 w 1112412"/>
+                  <a:gd name="connsiteY52" fmla="*/ 760281 h 776889"/>
+                  <a:gd name="connsiteX53" fmla="*/ 760334 w 1112412"/>
+                  <a:gd name="connsiteY53" fmla="*/ 647303 h 776889"/>
+                  <a:gd name="connsiteX54" fmla="*/ 797333 w 1112412"/>
+                  <a:gd name="connsiteY54" fmla="*/ 655120 h 776889"/>
+                  <a:gd name="connsiteX55" fmla="*/ 813073 w 1112412"/>
+                  <a:gd name="connsiteY55" fmla="*/ 655863 h 776889"/>
+                  <a:gd name="connsiteX56" fmla="*/ 973211 w 1112412"/>
+                  <a:gd name="connsiteY56" fmla="*/ 532628 h 776889"/>
+                  <a:gd name="connsiteX57" fmla="*/ 1110098 w 1112412"/>
+                  <a:gd name="connsiteY57" fmla="*/ 340693 h 776889"/>
+                  <a:gd name="connsiteX58" fmla="*/ 952511 w 1112412"/>
+                  <a:gd name="connsiteY58" fmla="*/ 201657 h 776889"/>
+                  <a:gd name="connsiteX59" fmla="*/ 785878 w 1112412"/>
+                  <a:gd name="connsiteY59" fmla="*/ 40307 h 776889"/>
+                  <a:gd name="connsiteX60" fmla="*/ 683521 w 1112412"/>
+                  <a:gd name="connsiteY60" fmla="*/ 75814 h 776889"/>
+                  <a:gd name="connsiteX61" fmla="*/ 544378 w 1112412"/>
+                  <a:gd name="connsiteY61" fmla="*/ 0 h 776889"/>
+                  <a:gd name="connsiteX62" fmla="*/ 543352 w 1112412"/>
+                  <a:gd name="connsiteY62" fmla="*/ 0 h 776889"/>
+                </a:gdLst>
+                <a:ahLst/>
+                <a:cxnLst>
+                  <a:cxn ang="0">
+                    <a:pos x="connsiteX0" y="connsiteY0"/>
+                  </a:cxn>
+                  <a:cxn ang="0">
+                    <a:pos x="connsiteX1" y="connsiteY1"/>
+                  </a:cxn>
+                  <a:cxn ang="0">
+                    <a:pos x="connsiteX2" y="connsiteY2"/>
+                  </a:cxn>
+                  <a:cxn ang="0">
+                    <a:pos x="connsiteX3" y="connsiteY3"/>
+                  </a:cxn>
+                  <a:cxn ang="0">
+                    <a:pos x="connsiteX4" y="connsiteY4"/>
+                  </a:cxn>
+                  <a:cxn ang="0">
+                    <a:pos x="connsiteX5" y="connsiteY5"/>
+                  </a:cxn>
+                  <a:cxn ang="0">
+                    <a:pos x="connsiteX6" y="connsiteY6"/>
+                  </a:cxn>
+                  <a:cxn ang="0">
+                    <a:pos x="connsiteX7" y="connsiteY7"/>
+                  </a:cxn>
+                  <a:cxn ang="0">
+                    <a:pos x="connsiteX8" y="connsiteY8"/>
+                  </a:cxn>
+                  <a:cxn ang="0">
+                    <a:pos x="connsiteX9" y="connsiteY9"/>
+                  </a:cxn>
+                  <a:cxn ang="0">
+                    <a:pos x="connsiteX10" y="connsiteY10"/>
+                  </a:cxn>
+                  <a:cxn ang="0">
+                    <a:pos x="connsiteX11" y="connsiteY11"/>
+                  </a:cxn>
+                  <a:cxn ang="0">
+                    <a:pos x="connsiteX12" y="connsiteY12"/>
+                  </a:cxn>
+                  <a:cxn ang="0">
+                    <a:pos x="connsiteX13" y="connsiteY13"/>
+                  </a:cxn>
+                  <a:cxn ang="0">
+                    <a:pos x="connsiteX14" y="connsiteY14"/>
+                  </a:cxn>
+                  <a:cxn ang="0">
+                    <a:pos x="connsiteX15" y="connsiteY15"/>
+                  </a:cxn>
+                  <a:cxn ang="0">
+                    <a:pos x="connsiteX16" y="connsiteY16"/>
+                  </a:cxn>
+                  <a:cxn ang="0">
+                    <a:pos x="connsiteX17" y="connsiteY17"/>
+                  </a:cxn>
+                  <a:cxn ang="0">
+                    <a:pos x="connsiteX18" y="connsiteY18"/>
+                  </a:cxn>
+                  <a:cxn ang="0">
+                    <a:pos x="connsiteX19" y="connsiteY19"/>
+                  </a:cxn>
+                  <a:cxn ang="0">
+                    <a:pos x="connsiteX20" y="connsiteY20"/>
+                  </a:cxn>
+                  <a:cxn ang="0">
+                    <a:pos x="connsiteX21" y="connsiteY21"/>
+                  </a:cxn>
+                  <a:cxn ang="0">
+                    <a:pos x="connsiteX22" y="connsiteY22"/>
+                  </a:cxn>
+                  <a:cxn ang="0">
+                    <a:pos x="connsiteX23" y="connsiteY23"/>
+                  </a:cxn>
+                  <a:cxn ang="0">
+                    <a:pos x="connsiteX24" y="connsiteY24"/>
+                  </a:cxn>
+                  <a:cxn ang="0">
+                    <a:pos x="connsiteX25" y="connsiteY25"/>
+                  </a:cxn>
+                  <a:cxn ang="0">
+                    <a:pos x="connsiteX26" y="connsiteY26"/>
+                  </a:cxn>
+                  <a:cxn ang="0">
+                    <a:pos x="connsiteX27" y="connsiteY27"/>
+                  </a:cxn>
+                  <a:cxn ang="0">
+                    <a:pos x="connsiteX28" y="connsiteY28"/>
+                  </a:cxn>
+                  <a:cxn ang="0">
+                    <a:pos x="connsiteX29" y="connsiteY29"/>
+                  </a:cxn>
+                  <a:cxn ang="0">
+                    <a:pos x="connsiteX30" y="connsiteY30"/>
+                  </a:cxn>
+                  <a:cxn ang="0">
+                    <a:pos x="connsiteX31" y="connsiteY31"/>
+                  </a:cxn>
+                  <a:cxn ang="0">
+                    <a:pos x="connsiteX32" y="connsiteY32"/>
+                  </a:cxn>
+                  <a:cxn ang="0">
+                    <a:pos x="connsiteX33" y="connsiteY33"/>
+                  </a:cxn>
+                  <a:cxn ang="0">
+                    <a:pos x="connsiteX34" y="connsiteY34"/>
+                  </a:cxn>
+                  <a:cxn ang="0">
+                    <a:pos x="connsiteX35" y="connsiteY35"/>
+                  </a:cxn>
+                  <a:cxn ang="0">
+                    <a:pos x="connsiteX36" y="connsiteY36"/>
+                  </a:cxn>
+                  <a:cxn ang="0">
+                    <a:pos x="connsiteX37" y="connsiteY37"/>
+                  </a:cxn>
+                  <a:cxn ang="0">
+                    <a:pos x="connsiteX38" y="connsiteY38"/>
+                  </a:cxn>
+                  <a:cxn ang="0">
+                    <a:pos x="connsiteX39" y="connsiteY39"/>
+                  </a:cxn>
+                  <a:cxn ang="0">
+                    <a:pos x="connsiteX40" y="connsiteY40"/>
+                  </a:cxn>
+                  <a:cxn ang="0">
+                    <a:pos x="connsiteX41" y="connsiteY41"/>
+                  </a:cxn>
+                  <a:cxn ang="0">
+                    <a:pos x="connsiteX42" y="connsiteY42"/>
+                  </a:cxn>
+                  <a:cxn ang="0">
+                    <a:pos x="connsiteX43" y="connsiteY43"/>
+                  </a:cxn>
+                  <a:cxn ang="0">
+                    <a:pos x="connsiteX44" y="connsiteY44"/>
+                  </a:cxn>
+                  <a:cxn ang="0">
+                    <a:pos x="connsiteX45" y="connsiteY45"/>
+                  </a:cxn>
+                  <a:cxn ang="0">
+                    <a:pos x="connsiteX46" y="connsiteY46"/>
+                  </a:cxn>
+                  <a:cxn ang="0">
+                    <a:pos x="connsiteX47" y="connsiteY47"/>
+                  </a:cxn>
+                  <a:cxn ang="0">
+                    <a:pos x="connsiteX48" y="connsiteY48"/>
+                  </a:cxn>
+                  <a:cxn ang="0">
+                    <a:pos x="connsiteX49" y="connsiteY49"/>
+                  </a:cxn>
+                  <a:cxn ang="0">
+                    <a:pos x="connsiteX50" y="connsiteY50"/>
+                  </a:cxn>
+                  <a:cxn ang="0">
+                    <a:pos x="connsiteX51" y="connsiteY51"/>
+                  </a:cxn>
+                  <a:cxn ang="0">
+                    <a:pos x="connsiteX52" y="connsiteY52"/>
+                  </a:cxn>
+                  <a:cxn ang="0">
+                    <a:pos x="connsiteX53" y="connsiteY53"/>
+                  </a:cxn>
+                  <a:cxn ang="0">
+                    <a:pos x="connsiteX54" y="connsiteY54"/>
+                  </a:cxn>
+                  <a:cxn ang="0">
+                    <a:pos x="connsiteX55" y="connsiteY55"/>
+                  </a:cxn>
+                  <a:cxn ang="0">
+                    <a:pos x="connsiteX56" y="connsiteY56"/>
+                  </a:cxn>
+                  <a:cxn ang="0">
+                    <a:pos x="connsiteX57" y="connsiteY57"/>
+                  </a:cxn>
+                  <a:cxn ang="0">
+                    <a:pos x="connsiteX58" y="connsiteY58"/>
+                  </a:cxn>
+                  <a:cxn ang="0">
+                    <a:pos x="connsiteX59" y="connsiteY59"/>
+                  </a:cxn>
+                  <a:cxn ang="0">
+                    <a:pos x="connsiteX60" y="connsiteY60"/>
+                  </a:cxn>
+                  <a:cxn ang="0">
+                    <a:pos x="connsiteX61" y="connsiteY61"/>
+                  </a:cxn>
+                  <a:cxn ang="0">
+                    <a:pos x="connsiteX62" y="connsiteY62"/>
+                  </a:cxn>
+                </a:cxnLst>
+                <a:rect l="l" t="t" r="r" b="b"/>
+                <a:pathLst>
+                  <a:path w="1112412" h="776889">
+                    <a:moveTo>
+                      <a:pt x="543352" y="32369"/>
+                    </a:moveTo>
+                    <a:cubicBezTo>
+                      <a:pt x="543630" y="32369"/>
+                      <a:pt x="545855" y="32398"/>
+                      <a:pt x="546692" y="32422"/>
+                    </a:cubicBezTo>
+                    <a:cubicBezTo>
+                      <a:pt x="606681" y="34205"/>
+                      <a:pt x="658483" y="74930"/>
+                      <a:pt x="674374" y="132804"/>
+                    </a:cubicBezTo>
+                    <a:cubicBezTo>
+                      <a:pt x="674423" y="132981"/>
+                      <a:pt x="674544" y="133000"/>
+                      <a:pt x="674646" y="132846"/>
+                    </a:cubicBezTo>
+                    <a:cubicBezTo>
+                      <a:pt x="699258" y="95347"/>
+                      <a:pt x="741075" y="72737"/>
+                      <a:pt x="785928" y="72676"/>
+                    </a:cubicBezTo>
+                    <a:cubicBezTo>
+                      <a:pt x="860024" y="72896"/>
+                      <a:pt x="920034" y="132911"/>
+                      <a:pt x="920247" y="207006"/>
+                    </a:cubicBezTo>
+                    <a:cubicBezTo>
+                      <a:pt x="920231" y="217351"/>
+                      <a:pt x="918897" y="227653"/>
+                      <a:pt x="916279" y="237661"/>
+                    </a:cubicBezTo>
+                    <a:cubicBezTo>
+                      <a:pt x="916242" y="237799"/>
+                      <a:pt x="916326" y="237881"/>
+                      <a:pt x="916462" y="237846"/>
+                    </a:cubicBezTo>
+                    <a:cubicBezTo>
+                      <a:pt x="926469" y="235227"/>
+                      <a:pt x="936767" y="233892"/>
+                      <a:pt x="947110" y="233876"/>
+                    </a:cubicBezTo>
+                    <a:cubicBezTo>
+                      <a:pt x="1021306" y="234672"/>
+                      <a:pt x="1080809" y="295464"/>
+                      <a:pt x="1080013" y="369659"/>
+                    </a:cubicBezTo>
+                    <a:cubicBezTo>
+                      <a:pt x="1079246" y="441180"/>
+                      <a:pt x="1022581" y="499562"/>
+                      <a:pt x="951116" y="502460"/>
+                    </a:cubicBezTo>
+                    <a:cubicBezTo>
+                      <a:pt x="949925" y="502507"/>
+                      <a:pt x="946584" y="502551"/>
+                      <a:pt x="945891" y="502559"/>
+                    </a:cubicBezTo>
+                    <a:cubicBezTo>
+                      <a:pt x="945817" y="502562"/>
+                      <a:pt x="945755" y="502624"/>
+                      <a:pt x="945752" y="502698"/>
+                    </a:cubicBezTo>
+                    <a:cubicBezTo>
+                      <a:pt x="939223" y="571116"/>
+                      <a:pt x="881808" y="623390"/>
+                      <a:pt x="813079" y="623489"/>
+                    </a:cubicBezTo>
+                    <a:cubicBezTo>
+                      <a:pt x="808878" y="623489"/>
+                      <a:pt x="804645" y="623288"/>
+                      <a:pt x="800382" y="622888"/>
+                    </a:cubicBezTo>
+                    <a:cubicBezTo>
+                      <a:pt x="775177" y="620506"/>
+                      <a:pt x="751171" y="611003"/>
+                      <a:pt x="731163" y="595488"/>
+                    </a:cubicBezTo>
+                    <a:cubicBezTo>
+                      <a:pt x="731002" y="595362"/>
+                      <a:pt x="730890" y="595422"/>
+                      <a:pt x="730916" y="595624"/>
+                    </a:cubicBezTo>
+                    <a:cubicBezTo>
+                      <a:pt x="731660" y="600395"/>
+                      <a:pt x="732092" y="605212"/>
+                      <a:pt x="732211" y="610040"/>
+                    </a:cubicBezTo>
+                    <a:cubicBezTo>
+                      <a:pt x="732114" y="684310"/>
+                      <a:pt x="671883" y="744470"/>
+                      <a:pt x="597613" y="744482"/>
+                    </a:cubicBezTo>
+                    <a:lnTo>
+                      <a:pt x="597416" y="744482"/>
+                    </a:lnTo>
+                    <a:cubicBezTo>
+                      <a:pt x="528058" y="744375"/>
+                      <a:pt x="470134" y="691586"/>
+                      <a:pt x="463610" y="622536"/>
+                    </a:cubicBezTo>
+                    <a:cubicBezTo>
+                      <a:pt x="463589" y="622316"/>
+                      <a:pt x="463466" y="622282"/>
+                      <a:pt x="463338" y="622461"/>
+                    </a:cubicBezTo>
+                    <a:cubicBezTo>
+                      <a:pt x="438598" y="656840"/>
+                      <a:pt x="398830" y="677218"/>
+                      <a:pt x="356474" y="677221"/>
+                    </a:cubicBezTo>
+                    <a:lnTo>
+                      <a:pt x="356132" y="677221"/>
+                    </a:lnTo>
+                    <a:cubicBezTo>
+                      <a:pt x="282032" y="676995"/>
+                      <a:pt x="222024" y="616971"/>
+                      <a:pt x="221813" y="542871"/>
+                    </a:cubicBezTo>
+                    <a:lnTo>
+                      <a:pt x="221813" y="531010"/>
+                    </a:lnTo>
+                    <a:cubicBezTo>
+                      <a:pt x="221823" y="530932"/>
+                      <a:pt x="221768" y="530861"/>
+                      <a:pt x="221689" y="530851"/>
+                    </a:cubicBezTo>
+                    <a:cubicBezTo>
+                      <a:pt x="221658" y="530846"/>
+                      <a:pt x="221626" y="530854"/>
+                      <a:pt x="221598" y="530871"/>
+                    </a:cubicBezTo>
+                    <a:cubicBezTo>
+                      <a:pt x="204710" y="538291"/>
+                      <a:pt x="186541" y="542365"/>
+                      <a:pt x="168101" y="542865"/>
+                    </a:cubicBezTo>
+                    <a:cubicBezTo>
+                      <a:pt x="167615" y="542865"/>
+                      <a:pt x="167141" y="542873"/>
+                      <a:pt x="166662" y="542873"/>
+                    </a:cubicBezTo>
+                    <a:cubicBezTo>
+                      <a:pt x="92463" y="542821"/>
+                      <a:pt x="32354" y="482630"/>
+                      <a:pt x="32405" y="408431"/>
+                    </a:cubicBezTo>
+                    <a:cubicBezTo>
+                      <a:pt x="32456" y="334840"/>
+                      <a:pt x="91697" y="274987"/>
+                      <a:pt x="165283" y="274181"/>
+                    </a:cubicBezTo>
+                    <a:cubicBezTo>
+                      <a:pt x="165752" y="274181"/>
+                      <a:pt x="167630" y="274181"/>
+                      <a:pt x="168101" y="274181"/>
+                    </a:cubicBezTo>
+                    <a:lnTo>
+                      <a:pt x="168115" y="274181"/>
+                    </a:lnTo>
+                    <a:cubicBezTo>
+                      <a:pt x="178452" y="274198"/>
+                      <a:pt x="188745" y="275531"/>
+                      <a:pt x="198746" y="278150"/>
+                    </a:cubicBezTo>
+                    <a:cubicBezTo>
+                      <a:pt x="198885" y="278185"/>
+                      <a:pt x="198967" y="278103"/>
+                      <a:pt x="198930" y="277964"/>
+                    </a:cubicBezTo>
+                    <a:cubicBezTo>
+                      <a:pt x="196227" y="267973"/>
+                      <a:pt x="194894" y="257660"/>
+                      <a:pt x="194965" y="247310"/>
+                    </a:cubicBezTo>
+                    <a:cubicBezTo>
+                      <a:pt x="195185" y="173200"/>
+                      <a:pt x="255218" y="113182"/>
+                      <a:pt x="329328" y="112980"/>
+                    </a:cubicBezTo>
+                    <a:cubicBezTo>
+                      <a:pt x="359329" y="113072"/>
+                      <a:pt x="388485" y="122924"/>
+                      <a:pt x="412393" y="141047"/>
+                    </a:cubicBezTo>
+                    <a:cubicBezTo>
+                      <a:pt x="412446" y="141102"/>
+                      <a:pt x="412533" y="141104"/>
+                      <a:pt x="412590" y="141050"/>
+                    </a:cubicBezTo>
+                    <a:cubicBezTo>
+                      <a:pt x="412616" y="141026"/>
+                      <a:pt x="412630" y="140992"/>
+                      <a:pt x="412632" y="140955"/>
+                    </a:cubicBezTo>
+                    <a:cubicBezTo>
+                      <a:pt x="424390" y="78014"/>
+                      <a:pt x="479323" y="32383"/>
+                      <a:pt x="543352" y="32369"/>
+                    </a:cubicBezTo>
+                    <a:moveTo>
+                      <a:pt x="543352" y="0"/>
+                    </a:moveTo>
+                    <a:cubicBezTo>
+                      <a:pt x="479799" y="14"/>
+                      <a:pt x="421875" y="36437"/>
+                      <a:pt x="394324" y="93708"/>
+                    </a:cubicBezTo>
+                    <a:cubicBezTo>
+                      <a:pt x="373689" y="85151"/>
+                      <a:pt x="351583" y="80702"/>
+                      <a:pt x="329245" y="80610"/>
+                    </a:cubicBezTo>
+                    <a:cubicBezTo>
+                      <a:pt x="239495" y="81054"/>
+                      <a:pt x="166045" y="152166"/>
+                      <a:pt x="162697" y="241855"/>
+                    </a:cubicBezTo>
+                    <a:cubicBezTo>
+                      <a:pt x="70647" y="244077"/>
+                      <a:pt x="-2172" y="320498"/>
+                      <a:pt x="50" y="412548"/>
+                    </a:cubicBezTo>
+                    <a:cubicBezTo>
+                      <a:pt x="2233" y="503009"/>
+                      <a:pt x="76177" y="575214"/>
+                      <a:pt x="166665" y="575243"/>
+                    </a:cubicBezTo>
+                    <a:lnTo>
+                      <a:pt x="168983" y="575224"/>
+                    </a:lnTo>
+                    <a:cubicBezTo>
+                      <a:pt x="176783" y="575015"/>
+                      <a:pt x="184560" y="574285"/>
+                      <a:pt x="192264" y="573042"/>
+                    </a:cubicBezTo>
+                    <a:cubicBezTo>
+                      <a:pt x="207225" y="652017"/>
+                      <a:pt x="276096" y="709284"/>
+                      <a:pt x="356474" y="709588"/>
+                    </a:cubicBezTo>
+                    <a:cubicBezTo>
+                      <a:pt x="388669" y="709562"/>
+                      <a:pt x="420146" y="700073"/>
+                      <a:pt x="446992" y="682303"/>
+                    </a:cubicBezTo>
+                    <a:cubicBezTo>
+                      <a:pt x="487058" y="765434"/>
+                      <a:pt x="586928" y="800347"/>
+                      <a:pt x="670059" y="760281"/>
+                    </a:cubicBezTo>
+                    <a:cubicBezTo>
+                      <a:pt x="715733" y="738269"/>
+                      <a:pt x="748942" y="696709"/>
+                      <a:pt x="760334" y="647303"/>
+                    </a:cubicBezTo>
+                    <a:cubicBezTo>
+                      <a:pt x="772328" y="651310"/>
+                      <a:pt x="784742" y="653933"/>
+                      <a:pt x="797333" y="655120"/>
+                    </a:cubicBezTo>
+                    <a:cubicBezTo>
+                      <a:pt x="802556" y="655605"/>
+                      <a:pt x="807853" y="655863"/>
+                      <a:pt x="813073" y="655863"/>
+                    </a:cubicBezTo>
+                    <a:cubicBezTo>
+                      <a:pt x="888315" y="656130"/>
+                      <a:pt x="954197" y="605430"/>
+                      <a:pt x="973211" y="532628"/>
+                    </a:cubicBezTo>
+                    <a:cubicBezTo>
+                      <a:pt x="1064013" y="517428"/>
+                      <a:pt x="1125299" y="431495"/>
+                      <a:pt x="1110098" y="340693"/>
+                    </a:cubicBezTo>
+                    <a:cubicBezTo>
+                      <a:pt x="1097076" y="262904"/>
+                      <a:pt x="1031318" y="204886"/>
+                      <a:pt x="952511" y="201657"/>
+                    </a:cubicBezTo>
+                    <a:cubicBezTo>
+                      <a:pt x="949196" y="111904"/>
+                      <a:pt x="875693" y="40730"/>
+                      <a:pt x="785878" y="40307"/>
+                    </a:cubicBezTo>
+                    <a:cubicBezTo>
+                      <a:pt x="748738" y="40302"/>
+                      <a:pt x="712679" y="52810"/>
+                      <a:pt x="683521" y="75814"/>
+                    </a:cubicBezTo>
+                    <a:cubicBezTo>
+                      <a:pt x="652490" y="29134"/>
+                      <a:pt x="600426" y="768"/>
+                      <a:pt x="544378" y="0"/>
+                    </a:cubicBezTo>
+                    <a:lnTo>
+                      <a:pt x="543352" y="0"/>
+                    </a:lnTo>
+                    <a:close/>
+                  </a:path>
+                </a:pathLst>
+              </a:custGeom>
+              <a:solidFill>
+                <a:srgbClr val="8E3B46"/>
+              </a:solidFill>
+              <a:ln w="16173" cap="flat">
+                <a:solidFill>
+                  <a:srgbClr val="8E3B46"/>
+                </a:solidFill>
+                <a:prstDash val="solid"/>
+                <a:miter/>
+              </a:ln>
+            </p:spPr>
+            <p:txBody>
+              <a:bodyPr rtlCol="0" anchor="ctr"/>
+              <a:lstStyle/>
+              <a:p>
+                <a:endParaRPr lang="en-AU"/>
+              </a:p>
+            </p:txBody>
+          </p:sp>
+        </p:grpSp>
+        <p:grpSp>
+          <p:nvGrpSpPr>
+            <p:cNvPr id="44" name="Graphic 34" descr="Network diagram outline">
+              <a:extLst>
+                <a:ext uri="{FF2B5EF4-FFF2-40B4-BE49-F238E27FC236}">
+                  <a16:creationId xmlns:a16="http://schemas.microsoft.com/office/drawing/2014/main" id="{C473802F-8488-C3CB-83A6-CF2F16848EFF}"/>
+                </a:ext>
+              </a:extLst>
+            </p:cNvPr>
+            <p:cNvGrpSpPr/>
+            <p:nvPr/>
+          </p:nvGrpSpPr>
+          <p:grpSpPr>
+            <a:xfrm>
+              <a:off x="7480645" y="1992898"/>
+              <a:ext cx="1154490" cy="1154490"/>
+              <a:chOff x="7480645" y="1992898"/>
+              <a:chExt cx="1154490" cy="1154490"/>
+            </a:xfrm>
+            <a:solidFill>
+              <a:srgbClr val="8E3B46"/>
+            </a:solidFill>
+          </p:grpSpPr>
+          <p:sp>
+            <p:nvSpPr>
+              <p:cNvPr id="45" name="Freeform: Shape 44">
+                <a:extLst>
+                  <a:ext uri="{FF2B5EF4-FFF2-40B4-BE49-F238E27FC236}">
+                    <a16:creationId xmlns:a16="http://schemas.microsoft.com/office/drawing/2014/main" id="{BC554EDC-58D6-8C9B-A3E1-46775FE0287E}"/>
+                  </a:ext>
+                </a:extLst>
+              </p:cNvPr>
+              <p:cNvSpPr/>
+              <p:nvPr/>
+            </p:nvSpPr>
+            <p:spPr>
+              <a:xfrm>
+                <a:off x="7769267" y="2094765"/>
+                <a:ext cx="577245" cy="950756"/>
+              </a:xfrm>
+              <a:custGeom>
+                <a:avLst/>
+                <a:gdLst>
+                  <a:gd name="connsiteX0" fmla="*/ 577245 w 577245"/>
+                  <a:gd name="connsiteY0" fmla="*/ 458401 h 950756"/>
+                  <a:gd name="connsiteX1" fmla="*/ 305600 w 577245"/>
+                  <a:gd name="connsiteY1" fmla="*/ 458401 h 950756"/>
+                  <a:gd name="connsiteX2" fmla="*/ 305600 w 577245"/>
+                  <a:gd name="connsiteY2" fmla="*/ 0 h 950756"/>
+                  <a:gd name="connsiteX3" fmla="*/ 0 w 577245"/>
+                  <a:gd name="connsiteY3" fmla="*/ 0 h 950756"/>
+                  <a:gd name="connsiteX4" fmla="*/ 0 w 577245"/>
+                  <a:gd name="connsiteY4" fmla="*/ 33956 h 950756"/>
+                  <a:gd name="connsiteX5" fmla="*/ 271645 w 577245"/>
+                  <a:gd name="connsiteY5" fmla="*/ 33956 h 950756"/>
+                  <a:gd name="connsiteX6" fmla="*/ 271645 w 577245"/>
+                  <a:gd name="connsiteY6" fmla="*/ 458401 h 950756"/>
+                  <a:gd name="connsiteX7" fmla="*/ 0 w 577245"/>
+                  <a:gd name="connsiteY7" fmla="*/ 458401 h 950756"/>
+                  <a:gd name="connsiteX8" fmla="*/ 0 w 577245"/>
+                  <a:gd name="connsiteY8" fmla="*/ 492356 h 950756"/>
+                  <a:gd name="connsiteX9" fmla="*/ 271645 w 577245"/>
+                  <a:gd name="connsiteY9" fmla="*/ 492356 h 950756"/>
+                  <a:gd name="connsiteX10" fmla="*/ 271645 w 577245"/>
+                  <a:gd name="connsiteY10" fmla="*/ 916801 h 950756"/>
+                  <a:gd name="connsiteX11" fmla="*/ 0 w 577245"/>
+                  <a:gd name="connsiteY11" fmla="*/ 916801 h 950756"/>
+                  <a:gd name="connsiteX12" fmla="*/ 0 w 577245"/>
+                  <a:gd name="connsiteY12" fmla="*/ 950757 h 950756"/>
+                  <a:gd name="connsiteX13" fmla="*/ 305600 w 577245"/>
+                  <a:gd name="connsiteY13" fmla="*/ 950757 h 950756"/>
+                  <a:gd name="connsiteX14" fmla="*/ 305600 w 577245"/>
+                  <a:gd name="connsiteY14" fmla="*/ 492356 h 950756"/>
+                  <a:gd name="connsiteX15" fmla="*/ 577245 w 577245"/>
+                  <a:gd name="connsiteY15" fmla="*/ 492356 h 950756"/>
+                  <a:gd name="connsiteX16" fmla="*/ 577245 w 577245"/>
+                  <a:gd name="connsiteY16" fmla="*/ 458401 h 950756"/>
+                </a:gdLst>
+                <a:ahLst/>
+                <a:cxnLst>
+                  <a:cxn ang="0">
+                    <a:pos x="connsiteX0" y="connsiteY0"/>
+                  </a:cxn>
+                  <a:cxn ang="0">
+                    <a:pos x="connsiteX1" y="connsiteY1"/>
+                  </a:cxn>
+                  <a:cxn ang="0">
+                    <a:pos x="connsiteX2" y="connsiteY2"/>
+                  </a:cxn>
+                  <a:cxn ang="0">
+                    <a:pos x="connsiteX3" y="connsiteY3"/>
+                  </a:cxn>
+                  <a:cxn ang="0">
+                    <a:pos x="connsiteX4" y="connsiteY4"/>
+                  </a:cxn>
+                  <a:cxn ang="0">
+                    <a:pos x="connsiteX5" y="connsiteY5"/>
+                  </a:cxn>
+                  <a:cxn ang="0">
+                    <a:pos x="connsiteX6" y="connsiteY6"/>
+                  </a:cxn>
+                  <a:cxn ang="0">
+                    <a:pos x="connsiteX7" y="connsiteY7"/>
+                  </a:cxn>
+                  <a:cxn ang="0">
+                    <a:pos x="connsiteX8" y="connsiteY8"/>
+                  </a:cxn>
+                  <a:cxn ang="0">
+                    <a:pos x="connsiteX9" y="connsiteY9"/>
+                  </a:cxn>
+                  <a:cxn ang="0">
+                    <a:pos x="connsiteX10" y="connsiteY10"/>
+                  </a:cxn>
+                  <a:cxn ang="0">
+                    <a:pos x="connsiteX11" y="connsiteY11"/>
+                  </a:cxn>
+                  <a:cxn ang="0">
+                    <a:pos x="connsiteX12" y="connsiteY12"/>
+                  </a:cxn>
+                  <a:cxn ang="0">
+                    <a:pos x="connsiteX13" y="connsiteY13"/>
+                  </a:cxn>
+                  <a:cxn ang="0">
+                    <a:pos x="connsiteX14" y="connsiteY14"/>
+                  </a:cxn>
+                  <a:cxn ang="0">
+                    <a:pos x="connsiteX15" y="connsiteY15"/>
+                  </a:cxn>
+                  <a:cxn ang="0">
+                    <a:pos x="connsiteX16" y="connsiteY16"/>
+                  </a:cxn>
+                </a:cxnLst>
+                <a:rect l="l" t="t" r="r" b="b"/>
+                <a:pathLst>
+                  <a:path w="577245" h="950756">
+                    <a:moveTo>
+                      <a:pt x="577245" y="458401"/>
+                    </a:moveTo>
+                    <a:lnTo>
+                      <a:pt x="305600" y="458401"/>
+                    </a:lnTo>
+                    <a:lnTo>
+                      <a:pt x="305600" y="0"/>
+                    </a:lnTo>
+                    <a:lnTo>
+                      <a:pt x="0" y="0"/>
+                    </a:lnTo>
+                    <a:lnTo>
+                      <a:pt x="0" y="33956"/>
+                    </a:lnTo>
+                    <a:lnTo>
+                      <a:pt x="271645" y="33956"/>
+                    </a:lnTo>
+                    <a:lnTo>
+                      <a:pt x="271645" y="458401"/>
+                    </a:lnTo>
+                    <a:lnTo>
+                      <a:pt x="0" y="458401"/>
+                    </a:lnTo>
+                    <a:lnTo>
+                      <a:pt x="0" y="492356"/>
+                    </a:lnTo>
+                    <a:lnTo>
+                      <a:pt x="271645" y="492356"/>
+                    </a:lnTo>
+                    <a:lnTo>
+                      <a:pt x="271645" y="916801"/>
+                    </a:lnTo>
+                    <a:lnTo>
+                      <a:pt x="0" y="916801"/>
+                    </a:lnTo>
+                    <a:lnTo>
+                      <a:pt x="0" y="950757"/>
+                    </a:lnTo>
+                    <a:lnTo>
+                      <a:pt x="305600" y="950757"/>
+                    </a:lnTo>
+                    <a:lnTo>
+                      <a:pt x="305600" y="492356"/>
+                    </a:lnTo>
+                    <a:lnTo>
+                      <a:pt x="577245" y="492356"/>
+                    </a:lnTo>
+                    <a:lnTo>
+                      <a:pt x="577245" y="458401"/>
+                    </a:lnTo>
+                    <a:close/>
+                  </a:path>
+                </a:pathLst>
+              </a:custGeom>
+              <a:solidFill>
+                <a:srgbClr val="00252A"/>
+              </a:solidFill>
+              <a:ln w="16966" cap="flat">
+                <a:solidFill>
+                  <a:srgbClr val="00252A"/>
+                </a:solidFill>
+                <a:prstDash val="solid"/>
+                <a:miter/>
+              </a:ln>
+            </p:spPr>
+            <p:txBody>
+              <a:bodyPr rtlCol="0" anchor="ctr"/>
+              <a:lstStyle/>
+              <a:p>
+                <a:endParaRPr lang="en-AU"/>
+              </a:p>
+            </p:txBody>
+          </p:sp>
+          <p:sp>
+            <p:nvSpPr>
+              <p:cNvPr id="46" name="Freeform: Shape 45">
+                <a:extLst>
+                  <a:ext uri="{FF2B5EF4-FFF2-40B4-BE49-F238E27FC236}">
+                    <a16:creationId xmlns:a16="http://schemas.microsoft.com/office/drawing/2014/main" id="{47726363-DDEE-15B7-0BE8-A0A9C5B77DD4}"/>
+                  </a:ext>
+                </a:extLst>
+              </p:cNvPr>
+              <p:cNvSpPr/>
+              <p:nvPr/>
+            </p:nvSpPr>
+            <p:spPr>
+              <a:xfrm>
+                <a:off x="7480645" y="1992898"/>
+                <a:ext cx="237689" cy="237689"/>
+              </a:xfrm>
+              <a:custGeom>
+                <a:avLst/>
+                <a:gdLst>
+                  <a:gd name="connsiteX0" fmla="*/ 203734 w 237689"/>
+                  <a:gd name="connsiteY0" fmla="*/ 203734 h 237689"/>
+                  <a:gd name="connsiteX1" fmla="*/ 33956 w 237689"/>
+                  <a:gd name="connsiteY1" fmla="*/ 203734 h 237689"/>
+                  <a:gd name="connsiteX2" fmla="*/ 33956 w 237689"/>
+                  <a:gd name="connsiteY2" fmla="*/ 33956 h 237689"/>
+                  <a:gd name="connsiteX3" fmla="*/ 203734 w 237689"/>
+                  <a:gd name="connsiteY3" fmla="*/ 33956 h 237689"/>
+                  <a:gd name="connsiteX4" fmla="*/ 0 w 237689"/>
+                  <a:gd name="connsiteY4" fmla="*/ 0 h 237689"/>
+                  <a:gd name="connsiteX5" fmla="*/ 0 w 237689"/>
+                  <a:gd name="connsiteY5" fmla="*/ 237689 h 237689"/>
+                  <a:gd name="connsiteX6" fmla="*/ 237689 w 237689"/>
+                  <a:gd name="connsiteY6" fmla="*/ 237689 h 237689"/>
+                  <a:gd name="connsiteX7" fmla="*/ 237689 w 237689"/>
+                  <a:gd name="connsiteY7" fmla="*/ 0 h 237689"/>
+                </a:gdLst>
+                <a:ahLst/>
+                <a:cxnLst>
+                  <a:cxn ang="0">
+                    <a:pos x="connsiteX0" y="connsiteY0"/>
+                  </a:cxn>
+                  <a:cxn ang="0">
+                    <a:pos x="connsiteX1" y="connsiteY1"/>
+                  </a:cxn>
+                  <a:cxn ang="0">
+                    <a:pos x="connsiteX2" y="connsiteY2"/>
+                  </a:cxn>
+                  <a:cxn ang="0">
+                    <a:pos x="connsiteX3" y="connsiteY3"/>
+                  </a:cxn>
+                  <a:cxn ang="0">
+                    <a:pos x="connsiteX4" y="connsiteY4"/>
+                  </a:cxn>
+                  <a:cxn ang="0">
+                    <a:pos x="connsiteX5" y="connsiteY5"/>
+                  </a:cxn>
+                  <a:cxn ang="0">
+                    <a:pos x="connsiteX6" y="connsiteY6"/>
+                  </a:cxn>
+                  <a:cxn ang="0">
+                    <a:pos x="connsiteX7" y="connsiteY7"/>
+                  </a:cxn>
+                </a:cxnLst>
+                <a:rect l="l" t="t" r="r" b="b"/>
+                <a:pathLst>
+                  <a:path w="237689" h="237689">
+                    <a:moveTo>
+                      <a:pt x="203734" y="203734"/>
+                    </a:moveTo>
+                    <a:lnTo>
+                      <a:pt x="33956" y="203734"/>
+                    </a:lnTo>
+                    <a:lnTo>
+                      <a:pt x="33956" y="33956"/>
+                    </a:lnTo>
+                    <a:lnTo>
+                      <a:pt x="203734" y="33956"/>
+                    </a:lnTo>
+                    <a:close/>
+                    <a:moveTo>
+                      <a:pt x="0" y="0"/>
+                    </a:moveTo>
+                    <a:lnTo>
+                      <a:pt x="0" y="237689"/>
+                    </a:lnTo>
+                    <a:lnTo>
+                      <a:pt x="237689" y="237689"/>
+                    </a:lnTo>
+                    <a:lnTo>
+                      <a:pt x="237689" y="0"/>
+                    </a:lnTo>
+                    <a:close/>
+                  </a:path>
+                </a:pathLst>
+              </a:custGeom>
+              <a:solidFill>
+                <a:srgbClr val="E6AA04"/>
+              </a:solidFill>
+              <a:ln w="16966" cap="flat">
+                <a:solidFill>
+                  <a:srgbClr val="E6AA04"/>
+                </a:solidFill>
+                <a:prstDash val="solid"/>
+                <a:miter/>
+              </a:ln>
+            </p:spPr>
+            <p:txBody>
+              <a:bodyPr rtlCol="0" anchor="ctr"/>
+              <a:lstStyle/>
+              <a:p>
+                <a:endParaRPr lang="en-AU" dirty="0"/>
+              </a:p>
+            </p:txBody>
+          </p:sp>
+          <p:sp>
+            <p:nvSpPr>
+              <p:cNvPr id="47" name="Freeform: Shape 46">
+                <a:extLst>
+                  <a:ext uri="{FF2B5EF4-FFF2-40B4-BE49-F238E27FC236}">
+                    <a16:creationId xmlns:a16="http://schemas.microsoft.com/office/drawing/2014/main" id="{0FF4D26D-8B41-F432-2920-B9C084125C5E}"/>
+                  </a:ext>
+                </a:extLst>
+              </p:cNvPr>
+              <p:cNvSpPr/>
+              <p:nvPr/>
+            </p:nvSpPr>
+            <p:spPr>
+              <a:xfrm>
+                <a:off x="7480645" y="2451299"/>
+                <a:ext cx="237689" cy="237689"/>
+              </a:xfrm>
+              <a:custGeom>
+                <a:avLst/>
+                <a:gdLst>
+                  <a:gd name="connsiteX0" fmla="*/ 203734 w 237689"/>
+                  <a:gd name="connsiteY0" fmla="*/ 203734 h 237689"/>
+                  <a:gd name="connsiteX1" fmla="*/ 33956 w 237689"/>
+                  <a:gd name="connsiteY1" fmla="*/ 203734 h 237689"/>
+                  <a:gd name="connsiteX2" fmla="*/ 33956 w 237689"/>
+                  <a:gd name="connsiteY2" fmla="*/ 33956 h 237689"/>
+                  <a:gd name="connsiteX3" fmla="*/ 203734 w 237689"/>
+                  <a:gd name="connsiteY3" fmla="*/ 33956 h 237689"/>
+                  <a:gd name="connsiteX4" fmla="*/ 0 w 237689"/>
+                  <a:gd name="connsiteY4" fmla="*/ 0 h 237689"/>
+                  <a:gd name="connsiteX5" fmla="*/ 0 w 237689"/>
+                  <a:gd name="connsiteY5" fmla="*/ 237689 h 237689"/>
+                  <a:gd name="connsiteX6" fmla="*/ 237689 w 237689"/>
+                  <a:gd name="connsiteY6" fmla="*/ 237689 h 237689"/>
+                  <a:gd name="connsiteX7" fmla="*/ 237689 w 237689"/>
+                  <a:gd name="connsiteY7" fmla="*/ 0 h 237689"/>
+                </a:gdLst>
+                <a:ahLst/>
+                <a:cxnLst>
+                  <a:cxn ang="0">
+                    <a:pos x="connsiteX0" y="connsiteY0"/>
+                  </a:cxn>
+                  <a:cxn ang="0">
+                    <a:pos x="connsiteX1" y="connsiteY1"/>
+                  </a:cxn>
+                  <a:cxn ang="0">
+                    <a:pos x="connsiteX2" y="connsiteY2"/>
+                  </a:cxn>
+                  <a:cxn ang="0">
+                    <a:pos x="connsiteX3" y="connsiteY3"/>
+                  </a:cxn>
+                  <a:cxn ang="0">
+                    <a:pos x="connsiteX4" y="connsiteY4"/>
+                  </a:cxn>
+                  <a:cxn ang="0">
+                    <a:pos x="connsiteX5" y="connsiteY5"/>
+                  </a:cxn>
+                  <a:cxn ang="0">
+                    <a:pos x="connsiteX6" y="connsiteY6"/>
+                  </a:cxn>
+                  <a:cxn ang="0">
+                    <a:pos x="connsiteX7" y="connsiteY7"/>
+                  </a:cxn>
+                </a:cxnLst>
+                <a:rect l="l" t="t" r="r" b="b"/>
+                <a:pathLst>
+                  <a:path w="237689" h="237689">
+                    <a:moveTo>
+                      <a:pt x="203734" y="203734"/>
+                    </a:moveTo>
+                    <a:lnTo>
+                      <a:pt x="33956" y="203734"/>
+                    </a:lnTo>
+                    <a:lnTo>
+                      <a:pt x="33956" y="33956"/>
+                    </a:lnTo>
+                    <a:lnTo>
+                      <a:pt x="203734" y="33956"/>
+                    </a:lnTo>
+                    <a:close/>
+                    <a:moveTo>
+                      <a:pt x="0" y="0"/>
+                    </a:moveTo>
+                    <a:lnTo>
+                      <a:pt x="0" y="237689"/>
+                    </a:lnTo>
+                    <a:lnTo>
+                      <a:pt x="237689" y="237689"/>
+                    </a:lnTo>
+                    <a:lnTo>
+                      <a:pt x="237689" y="0"/>
+                    </a:lnTo>
+                    <a:close/>
+                  </a:path>
+                </a:pathLst>
+              </a:custGeom>
+              <a:solidFill>
+                <a:srgbClr val="8E3B46"/>
+              </a:solidFill>
+              <a:ln w="16966" cap="flat">
+                <a:solidFill>
+                  <a:srgbClr val="8E3B46"/>
+                </a:solidFill>
+                <a:prstDash val="solid"/>
+                <a:miter/>
+              </a:ln>
+            </p:spPr>
+            <p:txBody>
+              <a:bodyPr rtlCol="0" anchor="ctr"/>
+              <a:lstStyle/>
+              <a:p>
+                <a:endParaRPr lang="en-AU"/>
+              </a:p>
+            </p:txBody>
+          </p:sp>
+          <p:sp>
+            <p:nvSpPr>
+              <p:cNvPr id="48" name="Freeform: Shape 47">
+                <a:extLst>
+                  <a:ext uri="{FF2B5EF4-FFF2-40B4-BE49-F238E27FC236}">
+                    <a16:creationId xmlns:a16="http://schemas.microsoft.com/office/drawing/2014/main" id="{CB8E2728-50F5-E515-FDA0-D1AB49A13595}"/>
+                  </a:ext>
+                </a:extLst>
+              </p:cNvPr>
+              <p:cNvSpPr/>
+              <p:nvPr/>
+            </p:nvSpPr>
+            <p:spPr>
+              <a:xfrm>
+                <a:off x="7480645" y="2909699"/>
+                <a:ext cx="237689" cy="237689"/>
+              </a:xfrm>
+              <a:custGeom>
+                <a:avLst/>
+                <a:gdLst>
+                  <a:gd name="connsiteX0" fmla="*/ 203734 w 237689"/>
+                  <a:gd name="connsiteY0" fmla="*/ 203734 h 237689"/>
+                  <a:gd name="connsiteX1" fmla="*/ 33956 w 237689"/>
+                  <a:gd name="connsiteY1" fmla="*/ 203734 h 237689"/>
+                  <a:gd name="connsiteX2" fmla="*/ 33956 w 237689"/>
+                  <a:gd name="connsiteY2" fmla="*/ 33956 h 237689"/>
+                  <a:gd name="connsiteX3" fmla="*/ 203734 w 237689"/>
+                  <a:gd name="connsiteY3" fmla="*/ 33956 h 237689"/>
+                  <a:gd name="connsiteX4" fmla="*/ 0 w 237689"/>
+                  <a:gd name="connsiteY4" fmla="*/ 0 h 237689"/>
+                  <a:gd name="connsiteX5" fmla="*/ 0 w 237689"/>
+                  <a:gd name="connsiteY5" fmla="*/ 237689 h 237689"/>
+                  <a:gd name="connsiteX6" fmla="*/ 237689 w 237689"/>
+                  <a:gd name="connsiteY6" fmla="*/ 237689 h 237689"/>
+                  <a:gd name="connsiteX7" fmla="*/ 237689 w 237689"/>
+                  <a:gd name="connsiteY7" fmla="*/ 0 h 237689"/>
+                </a:gdLst>
+                <a:ahLst/>
+                <a:cxnLst>
+                  <a:cxn ang="0">
+                    <a:pos x="connsiteX0" y="connsiteY0"/>
+                  </a:cxn>
+                  <a:cxn ang="0">
+                    <a:pos x="connsiteX1" y="connsiteY1"/>
+                  </a:cxn>
+                  <a:cxn ang="0">
+                    <a:pos x="connsiteX2" y="connsiteY2"/>
+                  </a:cxn>
+                  <a:cxn ang="0">
+                    <a:pos x="connsiteX3" y="connsiteY3"/>
+                  </a:cxn>
+                  <a:cxn ang="0">
+                    <a:pos x="connsiteX4" y="connsiteY4"/>
+                  </a:cxn>
+                  <a:cxn ang="0">
+                    <a:pos x="connsiteX5" y="connsiteY5"/>
+                  </a:cxn>
+                  <a:cxn ang="0">
+                    <a:pos x="connsiteX6" y="connsiteY6"/>
+                  </a:cxn>
+                  <a:cxn ang="0">
+                    <a:pos x="connsiteX7" y="connsiteY7"/>
+                  </a:cxn>
+                </a:cxnLst>
+                <a:rect l="l" t="t" r="r" b="b"/>
+                <a:pathLst>
+                  <a:path w="237689" h="237689">
+                    <a:moveTo>
+                      <a:pt x="203734" y="203734"/>
+                    </a:moveTo>
+                    <a:lnTo>
+                      <a:pt x="33956" y="203734"/>
+                    </a:lnTo>
+                    <a:lnTo>
+                      <a:pt x="33956" y="33956"/>
+                    </a:lnTo>
+                    <a:lnTo>
+                      <a:pt x="203734" y="33956"/>
+                    </a:lnTo>
+                    <a:close/>
+                    <a:moveTo>
+                      <a:pt x="0" y="0"/>
+                    </a:moveTo>
+                    <a:lnTo>
+                      <a:pt x="0" y="237689"/>
+                    </a:lnTo>
+                    <a:lnTo>
+                      <a:pt x="237689" y="237689"/>
+                    </a:lnTo>
+                    <a:lnTo>
+                      <a:pt x="237689" y="0"/>
+                    </a:lnTo>
+                    <a:close/>
+                  </a:path>
+                </a:pathLst>
+              </a:custGeom>
+              <a:solidFill>
+                <a:srgbClr val="8E3B46"/>
+              </a:solidFill>
+              <a:ln w="16966" cap="flat">
+                <a:solidFill>
+                  <a:srgbClr val="8E3B46"/>
+                </a:solidFill>
+                <a:prstDash val="solid"/>
+                <a:miter/>
+              </a:ln>
+            </p:spPr>
+            <p:txBody>
+              <a:bodyPr rtlCol="0" anchor="ctr"/>
+              <a:lstStyle/>
+              <a:p>
+                <a:endParaRPr lang="en-AU"/>
+              </a:p>
+            </p:txBody>
+          </p:sp>
+          <p:sp>
+            <p:nvSpPr>
+              <p:cNvPr id="49" name="Freeform: Shape 48">
+                <a:extLst>
+                  <a:ext uri="{FF2B5EF4-FFF2-40B4-BE49-F238E27FC236}">
+                    <a16:creationId xmlns:a16="http://schemas.microsoft.com/office/drawing/2014/main" id="{AFDD6720-949D-133F-C5FE-B36941090FD7}"/>
+                  </a:ext>
+                </a:extLst>
+              </p:cNvPr>
+              <p:cNvSpPr/>
+              <p:nvPr/>
+            </p:nvSpPr>
+            <p:spPr>
+              <a:xfrm>
+                <a:off x="8397446" y="2451299"/>
+                <a:ext cx="237689" cy="237689"/>
+              </a:xfrm>
+              <a:custGeom>
+                <a:avLst/>
+                <a:gdLst>
+                  <a:gd name="connsiteX0" fmla="*/ 203734 w 237689"/>
+                  <a:gd name="connsiteY0" fmla="*/ 203734 h 237689"/>
+                  <a:gd name="connsiteX1" fmla="*/ 33956 w 237689"/>
+                  <a:gd name="connsiteY1" fmla="*/ 203734 h 237689"/>
+                  <a:gd name="connsiteX2" fmla="*/ 33956 w 237689"/>
+                  <a:gd name="connsiteY2" fmla="*/ 33956 h 237689"/>
+                  <a:gd name="connsiteX3" fmla="*/ 203734 w 237689"/>
+                  <a:gd name="connsiteY3" fmla="*/ 33956 h 237689"/>
+                  <a:gd name="connsiteX4" fmla="*/ 0 w 237689"/>
+                  <a:gd name="connsiteY4" fmla="*/ 0 h 237689"/>
+                  <a:gd name="connsiteX5" fmla="*/ 0 w 237689"/>
+                  <a:gd name="connsiteY5" fmla="*/ 237689 h 237689"/>
+                  <a:gd name="connsiteX6" fmla="*/ 237689 w 237689"/>
+                  <a:gd name="connsiteY6" fmla="*/ 237689 h 237689"/>
+                  <a:gd name="connsiteX7" fmla="*/ 237689 w 237689"/>
+                  <a:gd name="connsiteY7" fmla="*/ 0 h 237689"/>
+                </a:gdLst>
+                <a:ahLst/>
+                <a:cxnLst>
+                  <a:cxn ang="0">
+                    <a:pos x="connsiteX0" y="connsiteY0"/>
+                  </a:cxn>
+                  <a:cxn ang="0">
+                    <a:pos x="connsiteX1" y="connsiteY1"/>
+                  </a:cxn>
+                  <a:cxn ang="0">
+                    <a:pos x="connsiteX2" y="connsiteY2"/>
+                  </a:cxn>
+                  <a:cxn ang="0">
+                    <a:pos x="connsiteX3" y="connsiteY3"/>
+                  </a:cxn>
+                  <a:cxn ang="0">
+                    <a:pos x="connsiteX4" y="connsiteY4"/>
+                  </a:cxn>
+                  <a:cxn ang="0">
+                    <a:pos x="connsiteX5" y="connsiteY5"/>
+                  </a:cxn>
+                  <a:cxn ang="0">
+                    <a:pos x="connsiteX6" y="connsiteY6"/>
+                  </a:cxn>
+                  <a:cxn ang="0">
+                    <a:pos x="connsiteX7" y="connsiteY7"/>
+                  </a:cxn>
+                </a:cxnLst>
+                <a:rect l="l" t="t" r="r" b="b"/>
+                <a:pathLst>
+                  <a:path w="237689" h="237689">
+                    <a:moveTo>
+                      <a:pt x="203734" y="203734"/>
+                    </a:moveTo>
+                    <a:lnTo>
+                      <a:pt x="33956" y="203734"/>
+                    </a:lnTo>
+                    <a:lnTo>
+                      <a:pt x="33956" y="33956"/>
+                    </a:lnTo>
+                    <a:lnTo>
+                      <a:pt x="203734" y="33956"/>
+                    </a:lnTo>
+                    <a:close/>
+                    <a:moveTo>
+                      <a:pt x="0" y="0"/>
+                    </a:moveTo>
+                    <a:lnTo>
+                      <a:pt x="0" y="237689"/>
+                    </a:lnTo>
+                    <a:lnTo>
+                      <a:pt x="237689" y="237689"/>
+                    </a:lnTo>
+                    <a:lnTo>
+                      <a:pt x="237689" y="0"/>
+                    </a:lnTo>
+                    <a:close/>
+                  </a:path>
+                </a:pathLst>
+              </a:custGeom>
+              <a:solidFill>
+                <a:srgbClr val="E6AA04"/>
+              </a:solidFill>
+              <a:ln w="16966" cap="flat">
+                <a:solidFill>
+                  <a:srgbClr val="E6AA04"/>
+                </a:solidFill>
+                <a:prstDash val="solid"/>
+                <a:miter/>
+              </a:ln>
+            </p:spPr>
+            <p:txBody>
+              <a:bodyPr rtlCol="0" anchor="ctr"/>
+              <a:lstStyle/>
+              <a:p>
+                <a:endParaRPr lang="en-AU" dirty="0"/>
+              </a:p>
+            </p:txBody>
+          </p:sp>
+        </p:grpSp>
+      </p:grpSp>
+    </p:spTree>
+    <p:extLst>
+      <p:ext uri="{BB962C8B-B14F-4D97-AF65-F5344CB8AC3E}">
+        <p14:creationId xmlns:p14="http://schemas.microsoft.com/office/powerpoint/2010/main" val="3796559695"/>
+      </p:ext>
+    </p:extLst>
+  </p:cSld>
+  <p:clrMapOvr>
+    <a:masterClrMapping/>
+  </p:clrMapOvr>
+</p:sld>
+</file>
+
+<file path=ppt/slides/slide7.xml><?xml version="1.0" encoding="utf-8"?>
+<p:sld xmlns:a="http://schemas.openxmlformats.org/drawingml/2006/main" xmlns:r="http://schemas.openxmlformats.org/officeDocument/2006/relationships" xmlns:p="http://schemas.openxmlformats.org/presentationml/2006/main">
+  <p:cSld>
+    <p:spTree>
+      <p:nvGrpSpPr>
+        <p:cNvPr id="1" name="">
+          <a:extLst>
+            <a:ext uri="{FF2B5EF4-FFF2-40B4-BE49-F238E27FC236}">
+              <a16:creationId xmlns:a16="http://schemas.microsoft.com/office/drawing/2014/main" id="{6882376E-9CAD-30B9-2B06-438532D5F3F0}"/>
+            </a:ext>
+          </a:extLst>
+        </p:cNvPr>
+        <p:cNvGrpSpPr/>
+        <p:nvPr/>
+      </p:nvGrpSpPr>
+      <p:grpSpPr>
+        <a:xfrm>
+          <a:off x="0" y="0"/>
+          <a:ext cx="0" cy="0"/>
+          <a:chOff x="0" y="0"/>
+          <a:chExt cx="0" cy="0"/>
+        </a:xfrm>
+      </p:grpSpPr>
+      <p:sp>
+        <p:nvSpPr>
+          <p:cNvPr id="16" name="Rectangle 15">
+            <a:extLst>
+              <a:ext uri="{FF2B5EF4-FFF2-40B4-BE49-F238E27FC236}">
+                <a16:creationId xmlns:a16="http://schemas.microsoft.com/office/drawing/2014/main" id="{955B6583-0D1E-10EC-4BBC-7243EE49D2F6}"/>
+              </a:ext>
+            </a:extLst>
+          </p:cNvPr>
+          <p:cNvSpPr/>
+          <p:nvPr/>
+        </p:nvSpPr>
+        <p:spPr>
+          <a:xfrm>
+            <a:off x="3326450" y="4396721"/>
+            <a:ext cx="5475600" cy="1800000"/>
+          </a:xfrm>
+          <a:prstGeom prst="rect">
+            <a:avLst/>
+          </a:prstGeom>
+          <a:solidFill>
+            <a:srgbClr val="00252A"/>
+          </a:solidFill>
+        </p:spPr>
+        <p:style>
+          <a:lnRef idx="2">
+            <a:schemeClr val="accent1">
+              <a:shade val="15000"/>
+            </a:schemeClr>
+          </a:lnRef>
+          <a:fillRef idx="1">
+            <a:schemeClr val="accent1"/>
+          </a:fillRef>
+          <a:effectRef idx="0">
+            <a:schemeClr val="accent1"/>
+          </a:effectRef>
+          <a:fontRef idx="minor">
+            <a:schemeClr val="lt1"/>
+          </a:fontRef>
+        </p:style>
+        <p:txBody>
+          <a:bodyPr rtlCol="0" anchor="ctr"/>
+          <a:lstStyle/>
+          <a:p>
+            <a:pPr algn="ctr"/>
+            <a:r>
+              <a:rPr lang="en-AU" sz="1400" dirty="0"/>
+              <a:t>5cmx15.21cm Placeholder Image</a:t>
+            </a:r>
+          </a:p>
+        </p:txBody>
+      </p:sp>
+      <p:grpSp>
+        <p:nvGrpSpPr>
+          <p:cNvPr id="46" name="Group 45">
+            <a:extLst>
+              <a:ext uri="{FF2B5EF4-FFF2-40B4-BE49-F238E27FC236}">
+                <a16:creationId xmlns:a16="http://schemas.microsoft.com/office/drawing/2014/main" id="{2A95CB7A-D3F6-A856-FA1B-0F4F21F2AFBF}"/>
+              </a:ext>
+            </a:extLst>
+          </p:cNvPr>
+          <p:cNvGrpSpPr/>
+          <p:nvPr/>
+        </p:nvGrpSpPr>
+        <p:grpSpPr>
+          <a:xfrm>
+            <a:off x="3251428" y="1331633"/>
+            <a:ext cx="5869559" cy="1999717"/>
+            <a:chOff x="3251428" y="1331633"/>
+            <a:chExt cx="5869559" cy="1999717"/>
+          </a:xfrm>
+        </p:grpSpPr>
+        <p:sp>
+          <p:nvSpPr>
+            <p:cNvPr id="42" name="Rectangle 41">
+              <a:extLst>
+                <a:ext uri="{FF2B5EF4-FFF2-40B4-BE49-F238E27FC236}">
+                  <a16:creationId xmlns:a16="http://schemas.microsoft.com/office/drawing/2014/main" id="{198D1457-AC5A-75E9-EC88-E089931F2886}"/>
+                </a:ext>
+              </a:extLst>
+            </p:cNvPr>
+            <p:cNvSpPr/>
+            <p:nvPr/>
+          </p:nvSpPr>
+          <p:spPr>
+            <a:xfrm>
+              <a:off x="7443387" y="1387741"/>
+              <a:ext cx="1677600" cy="1676877"/>
+            </a:xfrm>
+            <a:prstGeom prst="rect">
+              <a:avLst/>
+            </a:prstGeom>
+            <a:solidFill>
+              <a:srgbClr val="00252A"/>
+            </a:solidFill>
+            <a:ln>
+              <a:solidFill>
+                <a:srgbClr val="00252A"/>
+              </a:solidFill>
+            </a:ln>
+          </p:spPr>
+          <p:style>
+            <a:lnRef idx="2">
+              <a:schemeClr val="accent1">
+                <a:shade val="15000"/>
+              </a:schemeClr>
+            </a:lnRef>
+            <a:fillRef idx="1">
+              <a:schemeClr val="accent1"/>
+            </a:fillRef>
+            <a:effectRef idx="0">
+              <a:schemeClr val="accent1"/>
+            </a:effectRef>
+            <a:fontRef idx="minor">
+              <a:schemeClr val="lt1"/>
+            </a:fontRef>
+          </p:style>
+          <p:txBody>
+            <a:bodyPr rtlCol="0" anchor="ctr"/>
+            <a:lstStyle/>
+            <a:p>
+              <a:pPr algn="ctr"/>
+              <a:endParaRPr lang="en-AU"/>
+            </a:p>
+          </p:txBody>
+        </p:sp>
+        <p:sp>
+          <p:nvSpPr>
+            <p:cNvPr id="44" name="Flowchart: Data 34">
+              <a:extLst>
+                <a:ext uri="{FF2B5EF4-FFF2-40B4-BE49-F238E27FC236}">
+                  <a16:creationId xmlns:a16="http://schemas.microsoft.com/office/drawing/2014/main" id="{98CDE8D0-FE94-D2BE-227F-516C28735A0B}"/>
+                </a:ext>
+              </a:extLst>
+            </p:cNvPr>
+            <p:cNvSpPr/>
+            <p:nvPr/>
+          </p:nvSpPr>
+          <p:spPr>
+            <a:xfrm rot="16200000" flipV="1">
+              <a:off x="7542918" y="1627101"/>
+              <a:ext cx="1478537" cy="1250060"/>
+            </a:xfrm>
+            <a:custGeom>
+              <a:avLst/>
+              <a:gdLst>
+                <a:gd name="connsiteX0" fmla="*/ 0 w 10000"/>
+                <a:gd name="connsiteY0" fmla="*/ 10000 h 10000"/>
+                <a:gd name="connsiteX1" fmla="*/ 2000 w 10000"/>
+                <a:gd name="connsiteY1" fmla="*/ 0 h 10000"/>
+                <a:gd name="connsiteX2" fmla="*/ 10000 w 10000"/>
+                <a:gd name="connsiteY2" fmla="*/ 0 h 10000"/>
+                <a:gd name="connsiteX3" fmla="*/ 8000 w 10000"/>
+                <a:gd name="connsiteY3" fmla="*/ 10000 h 10000"/>
+                <a:gd name="connsiteX4" fmla="*/ 0 w 10000"/>
+                <a:gd name="connsiteY4" fmla="*/ 10000 h 10000"/>
+                <a:gd name="connsiteX0" fmla="*/ 0 w 10000"/>
+                <a:gd name="connsiteY0" fmla="*/ 10000 h 10000"/>
+                <a:gd name="connsiteX1" fmla="*/ 2000 w 10000"/>
+                <a:gd name="connsiteY1" fmla="*/ 0 h 10000"/>
+                <a:gd name="connsiteX2" fmla="*/ 10000 w 10000"/>
+                <a:gd name="connsiteY2" fmla="*/ 0 h 10000"/>
+                <a:gd name="connsiteX3" fmla="*/ 6846 w 10000"/>
+                <a:gd name="connsiteY3" fmla="*/ 8477 h 10000"/>
+                <a:gd name="connsiteX4" fmla="*/ 0 w 10000"/>
+                <a:gd name="connsiteY4" fmla="*/ 10000 h 10000"/>
+                <a:gd name="connsiteX0" fmla="*/ 0 w 10000"/>
+                <a:gd name="connsiteY0" fmla="*/ 10000 h 10000"/>
+                <a:gd name="connsiteX1" fmla="*/ 2000 w 10000"/>
+                <a:gd name="connsiteY1" fmla="*/ 0 h 10000"/>
+                <a:gd name="connsiteX2" fmla="*/ 10000 w 10000"/>
+                <a:gd name="connsiteY2" fmla="*/ 0 h 10000"/>
+                <a:gd name="connsiteX3" fmla="*/ 6846 w 10000"/>
+                <a:gd name="connsiteY3" fmla="*/ 8477 h 10000"/>
+                <a:gd name="connsiteX4" fmla="*/ 0 w 10000"/>
+                <a:gd name="connsiteY4" fmla="*/ 10000 h 10000"/>
+                <a:gd name="connsiteX0" fmla="*/ 0 w 9402"/>
+                <a:gd name="connsiteY0" fmla="*/ 10000 h 10000"/>
+                <a:gd name="connsiteX1" fmla="*/ 2000 w 9402"/>
+                <a:gd name="connsiteY1" fmla="*/ 0 h 10000"/>
+                <a:gd name="connsiteX2" fmla="*/ 9402 w 9402"/>
+                <a:gd name="connsiteY2" fmla="*/ 3576 h 10000"/>
+                <a:gd name="connsiteX3" fmla="*/ 6846 w 9402"/>
+                <a:gd name="connsiteY3" fmla="*/ 8477 h 10000"/>
+                <a:gd name="connsiteX4" fmla="*/ 0 w 9402"/>
+                <a:gd name="connsiteY4" fmla="*/ 10000 h 10000"/>
+                <a:gd name="connsiteX0" fmla="*/ 0 w 10000"/>
+                <a:gd name="connsiteY0" fmla="*/ 10000 h 10000"/>
+                <a:gd name="connsiteX1" fmla="*/ 2127 w 10000"/>
+                <a:gd name="connsiteY1" fmla="*/ 0 h 10000"/>
+                <a:gd name="connsiteX2" fmla="*/ 9424 w 10000"/>
+                <a:gd name="connsiteY2" fmla="*/ 1093 h 10000"/>
+                <a:gd name="connsiteX3" fmla="*/ 10000 w 10000"/>
+                <a:gd name="connsiteY3" fmla="*/ 3576 h 10000"/>
+                <a:gd name="connsiteX4" fmla="*/ 7281 w 10000"/>
+                <a:gd name="connsiteY4" fmla="*/ 8477 h 10000"/>
+                <a:gd name="connsiteX5" fmla="*/ 0 w 10000"/>
+                <a:gd name="connsiteY5" fmla="*/ 10000 h 10000"/>
+                <a:gd name="connsiteX0" fmla="*/ 0 w 10000"/>
+                <a:gd name="connsiteY0" fmla="*/ 10965 h 10965"/>
+                <a:gd name="connsiteX1" fmla="*/ 2127 w 10000"/>
+                <a:gd name="connsiteY1" fmla="*/ 965 h 10965"/>
+                <a:gd name="connsiteX2" fmla="*/ 6379 w 10000"/>
+                <a:gd name="connsiteY2" fmla="*/ 336 h 10965"/>
+                <a:gd name="connsiteX3" fmla="*/ 9424 w 10000"/>
+                <a:gd name="connsiteY3" fmla="*/ 2058 h 10965"/>
+                <a:gd name="connsiteX4" fmla="*/ 10000 w 10000"/>
+                <a:gd name="connsiteY4" fmla="*/ 4541 h 10965"/>
+                <a:gd name="connsiteX5" fmla="*/ 7281 w 10000"/>
+                <a:gd name="connsiteY5" fmla="*/ 9442 h 10965"/>
+                <a:gd name="connsiteX6" fmla="*/ 0 w 10000"/>
+                <a:gd name="connsiteY6" fmla="*/ 10965 h 10965"/>
+                <a:gd name="connsiteX0" fmla="*/ 0 w 10000"/>
+                <a:gd name="connsiteY0" fmla="*/ 10696 h 10696"/>
+                <a:gd name="connsiteX1" fmla="*/ 2127 w 10000"/>
+                <a:gd name="connsiteY1" fmla="*/ 696 h 10696"/>
+                <a:gd name="connsiteX2" fmla="*/ 4197 w 10000"/>
+                <a:gd name="connsiteY2" fmla="*/ 1126 h 10696"/>
+                <a:gd name="connsiteX3" fmla="*/ 6379 w 10000"/>
+                <a:gd name="connsiteY3" fmla="*/ 67 h 10696"/>
+                <a:gd name="connsiteX4" fmla="*/ 9424 w 10000"/>
+                <a:gd name="connsiteY4" fmla="*/ 1789 h 10696"/>
+                <a:gd name="connsiteX5" fmla="*/ 10000 w 10000"/>
+                <a:gd name="connsiteY5" fmla="*/ 4272 h 10696"/>
+                <a:gd name="connsiteX6" fmla="*/ 7281 w 10000"/>
+                <a:gd name="connsiteY6" fmla="*/ 9173 h 10696"/>
+                <a:gd name="connsiteX7" fmla="*/ 0 w 10000"/>
+                <a:gd name="connsiteY7" fmla="*/ 10696 h 10696"/>
+                <a:gd name="connsiteX0" fmla="*/ 0 w 10000"/>
+                <a:gd name="connsiteY0" fmla="*/ 10687 h 10687"/>
+                <a:gd name="connsiteX1" fmla="*/ 3445 w 10000"/>
+                <a:gd name="connsiteY1" fmla="*/ 3932 h 10687"/>
+                <a:gd name="connsiteX2" fmla="*/ 4197 w 10000"/>
+                <a:gd name="connsiteY2" fmla="*/ 1117 h 10687"/>
+                <a:gd name="connsiteX3" fmla="*/ 6379 w 10000"/>
+                <a:gd name="connsiteY3" fmla="*/ 58 h 10687"/>
+                <a:gd name="connsiteX4" fmla="*/ 9424 w 10000"/>
+                <a:gd name="connsiteY4" fmla="*/ 1780 h 10687"/>
+                <a:gd name="connsiteX5" fmla="*/ 10000 w 10000"/>
+                <a:gd name="connsiteY5" fmla="*/ 4263 h 10687"/>
+                <a:gd name="connsiteX6" fmla="*/ 7281 w 10000"/>
+                <a:gd name="connsiteY6" fmla="*/ 9164 h 10687"/>
+                <a:gd name="connsiteX7" fmla="*/ 0 w 10000"/>
+                <a:gd name="connsiteY7" fmla="*/ 10687 h 10687"/>
+                <a:gd name="connsiteX0" fmla="*/ 0 w 7864"/>
+                <a:gd name="connsiteY0" fmla="*/ 7641 h 9164"/>
+                <a:gd name="connsiteX1" fmla="*/ 1309 w 7864"/>
+                <a:gd name="connsiteY1" fmla="*/ 3932 h 9164"/>
+                <a:gd name="connsiteX2" fmla="*/ 2061 w 7864"/>
+                <a:gd name="connsiteY2" fmla="*/ 1117 h 9164"/>
+                <a:gd name="connsiteX3" fmla="*/ 4243 w 7864"/>
+                <a:gd name="connsiteY3" fmla="*/ 58 h 9164"/>
+                <a:gd name="connsiteX4" fmla="*/ 7288 w 7864"/>
+                <a:gd name="connsiteY4" fmla="*/ 1780 h 9164"/>
+                <a:gd name="connsiteX5" fmla="*/ 7864 w 7864"/>
+                <a:gd name="connsiteY5" fmla="*/ 4263 h 9164"/>
+                <a:gd name="connsiteX6" fmla="*/ 5145 w 7864"/>
+                <a:gd name="connsiteY6" fmla="*/ 9164 h 9164"/>
+                <a:gd name="connsiteX7" fmla="*/ 0 w 7864"/>
+                <a:gd name="connsiteY7" fmla="*/ 7641 h 9164"/>
+                <a:gd name="connsiteX0" fmla="*/ 0 w 10000"/>
+                <a:gd name="connsiteY0" fmla="*/ 8338 h 10571"/>
+                <a:gd name="connsiteX1" fmla="*/ 1665 w 10000"/>
+                <a:gd name="connsiteY1" fmla="*/ 4291 h 10571"/>
+                <a:gd name="connsiteX2" fmla="*/ 2621 w 10000"/>
+                <a:gd name="connsiteY2" fmla="*/ 1219 h 10571"/>
+                <a:gd name="connsiteX3" fmla="*/ 5395 w 10000"/>
+                <a:gd name="connsiteY3" fmla="*/ 63 h 10571"/>
+                <a:gd name="connsiteX4" fmla="*/ 9268 w 10000"/>
+                <a:gd name="connsiteY4" fmla="*/ 1942 h 10571"/>
+                <a:gd name="connsiteX5" fmla="*/ 10000 w 10000"/>
+                <a:gd name="connsiteY5" fmla="*/ 4652 h 10571"/>
+                <a:gd name="connsiteX6" fmla="*/ 6542 w 10000"/>
+                <a:gd name="connsiteY6" fmla="*/ 10000 h 10571"/>
+                <a:gd name="connsiteX7" fmla="*/ 3950 w 10000"/>
+                <a:gd name="connsiteY7" fmla="*/ 10542 h 10571"/>
+                <a:gd name="connsiteX8" fmla="*/ 0 w 10000"/>
+                <a:gd name="connsiteY8" fmla="*/ 8338 h 10571"/>
+              </a:gdLst>
+              <a:ahLst/>
+              <a:cxnLst>
+                <a:cxn ang="0">
+                  <a:pos x="connsiteX0" y="connsiteY0"/>
+                </a:cxn>
+                <a:cxn ang="0">
+                  <a:pos x="connsiteX1" y="connsiteY1"/>
+                </a:cxn>
+                <a:cxn ang="0">
+                  <a:pos x="connsiteX2" y="connsiteY2"/>
+                </a:cxn>
+                <a:cxn ang="0">
+                  <a:pos x="connsiteX3" y="connsiteY3"/>
+                </a:cxn>
+                <a:cxn ang="0">
+                  <a:pos x="connsiteX4" y="connsiteY4"/>
+                </a:cxn>
+                <a:cxn ang="0">
+                  <a:pos x="connsiteX5" y="connsiteY5"/>
+                </a:cxn>
+                <a:cxn ang="0">
+                  <a:pos x="connsiteX6" y="connsiteY6"/>
+                </a:cxn>
+                <a:cxn ang="0">
+                  <a:pos x="connsiteX7" y="connsiteY7"/>
+                </a:cxn>
+                <a:cxn ang="0">
+                  <a:pos x="connsiteX8" y="connsiteY8"/>
+                </a:cxn>
+              </a:cxnLst>
+              <a:rect l="l" t="t" r="r" b="b"/>
+              <a:pathLst>
+                <a:path w="10000" h="10571">
+                  <a:moveTo>
+                    <a:pt x="0" y="8338"/>
+                  </a:moveTo>
+                  <a:lnTo>
+                    <a:pt x="1665" y="4291"/>
+                  </a:lnTo>
+                  <a:cubicBezTo>
+                    <a:pt x="2467" y="2297"/>
+                    <a:pt x="1719" y="1333"/>
+                    <a:pt x="2621" y="1219"/>
+                  </a:cubicBezTo>
+                  <a:cubicBezTo>
+                    <a:pt x="3522" y="1104"/>
+                    <a:pt x="4201" y="-310"/>
+                    <a:pt x="5395" y="63"/>
+                  </a:cubicBezTo>
+                  <a:cubicBezTo>
+                    <a:pt x="6590" y="436"/>
+                    <a:pt x="8520" y="1419"/>
+                    <a:pt x="9268" y="1942"/>
+                  </a:cubicBezTo>
+                  <a:lnTo>
+                    <a:pt x="10000" y="4652"/>
+                  </a:lnTo>
+                  <a:cubicBezTo>
+                    <a:pt x="8578" y="7736"/>
+                    <a:pt x="8717" y="8217"/>
+                    <a:pt x="6542" y="10000"/>
+                  </a:cubicBezTo>
+                  <a:cubicBezTo>
+                    <a:pt x="5562" y="9795"/>
+                    <a:pt x="4930" y="10747"/>
+                    <a:pt x="3950" y="10542"/>
+                  </a:cubicBezTo>
+                  <a:lnTo>
+                    <a:pt x="0" y="8338"/>
+                  </a:lnTo>
+                  <a:close/>
+                </a:path>
+              </a:pathLst>
+            </a:custGeom>
+            <a:solidFill>
+              <a:srgbClr val="8E3B46"/>
+            </a:solidFill>
+            <a:ln>
+              <a:noFill/>
+            </a:ln>
+          </p:spPr>
+          <p:style>
+            <a:lnRef idx="2">
+              <a:schemeClr val="accent1">
+                <a:shade val="15000"/>
+              </a:schemeClr>
+            </a:lnRef>
+            <a:fillRef idx="1">
+              <a:schemeClr val="accent1"/>
+            </a:fillRef>
+            <a:effectRef idx="0">
+              <a:schemeClr val="accent1"/>
+            </a:effectRef>
+            <a:fontRef idx="minor">
+              <a:schemeClr val="lt1"/>
+            </a:fontRef>
+          </p:style>
+          <p:txBody>
+            <a:bodyPr rtlCol="0" anchor="ctr"/>
+            <a:lstStyle/>
+            <a:p>
+              <a:pPr algn="ctr"/>
+              <a:endParaRPr lang="en-AU"/>
+            </a:p>
+          </p:txBody>
+        </p:sp>
+        <p:sp>
+          <p:nvSpPr>
+            <p:cNvPr id="4" name="Flowchart: Data 3">
+              <a:extLst>
+                <a:ext uri="{FF2B5EF4-FFF2-40B4-BE49-F238E27FC236}">
+                  <a16:creationId xmlns:a16="http://schemas.microsoft.com/office/drawing/2014/main" id="{5C3C28AE-4ABF-93FD-D253-910331081163}"/>
+                </a:ext>
+              </a:extLst>
+            </p:cNvPr>
+            <p:cNvSpPr/>
+            <p:nvPr/>
+          </p:nvSpPr>
+          <p:spPr>
+            <a:xfrm rot="16200000" flipV="1">
+              <a:off x="2896778" y="1686283"/>
+              <a:ext cx="1999716" cy="1290415"/>
+            </a:xfrm>
+            <a:prstGeom prst="flowChartInputOutput">
+              <a:avLst/>
+            </a:prstGeom>
+            <a:solidFill>
+              <a:srgbClr val="00252A">
+                <a:alpha val="20000"/>
+              </a:srgbClr>
+            </a:solidFill>
+            <a:ln>
+              <a:solidFill>
+                <a:srgbClr val="00252A"/>
+              </a:solidFill>
+            </a:ln>
+          </p:spPr>
+          <p:style>
+            <a:lnRef idx="2">
+              <a:schemeClr val="accent1">
+                <a:shade val="15000"/>
+              </a:schemeClr>
+            </a:lnRef>
+            <a:fillRef idx="1">
+              <a:schemeClr val="accent1"/>
+            </a:fillRef>
+            <a:effectRef idx="0">
+              <a:schemeClr val="accent1"/>
+            </a:effectRef>
+            <a:fontRef idx="minor">
+              <a:schemeClr val="lt1"/>
+            </a:fontRef>
+          </p:style>
+          <p:txBody>
+            <a:bodyPr rtlCol="0" anchor="ctr"/>
+            <a:lstStyle/>
+            <a:p>
+              <a:pPr algn="ctr"/>
+              <a:endParaRPr lang="en-AU"/>
+            </a:p>
+          </p:txBody>
+        </p:sp>
+        <p:sp>
+          <p:nvSpPr>
+            <p:cNvPr id="8" name="Flowchart: Data 7">
+              <a:extLst>
+                <a:ext uri="{FF2B5EF4-FFF2-40B4-BE49-F238E27FC236}">
+                  <a16:creationId xmlns:a16="http://schemas.microsoft.com/office/drawing/2014/main" id="{72FD6358-5EEE-2C65-96ED-511FE5D4BA5F}"/>
+                </a:ext>
+              </a:extLst>
+            </p:cNvPr>
+            <p:cNvSpPr/>
+            <p:nvPr/>
+          </p:nvSpPr>
+          <p:spPr>
+            <a:xfrm rot="16200000" flipV="1">
+              <a:off x="3352554" y="1686283"/>
+              <a:ext cx="1999716" cy="1290415"/>
+            </a:xfrm>
+            <a:prstGeom prst="flowChartInputOutput">
+              <a:avLst/>
+            </a:prstGeom>
+            <a:solidFill>
+              <a:srgbClr val="00252A">
+                <a:alpha val="20000"/>
+              </a:srgbClr>
+            </a:solidFill>
+            <a:ln>
+              <a:solidFill>
+                <a:srgbClr val="00252A"/>
+              </a:solidFill>
+            </a:ln>
+          </p:spPr>
+          <p:style>
+            <a:lnRef idx="2">
+              <a:schemeClr val="accent1">
+                <a:shade val="15000"/>
+              </a:schemeClr>
+            </a:lnRef>
+            <a:fillRef idx="1">
+              <a:schemeClr val="accent1"/>
+            </a:fillRef>
+            <a:effectRef idx="0">
+              <a:schemeClr val="accent1"/>
+            </a:effectRef>
+            <a:fontRef idx="minor">
+              <a:schemeClr val="lt1"/>
+            </a:fontRef>
+          </p:style>
+          <p:txBody>
+            <a:bodyPr rtlCol="0" anchor="ctr"/>
+            <a:lstStyle/>
+            <a:p>
+              <a:pPr algn="ctr"/>
+              <a:endParaRPr lang="en-AU"/>
+            </a:p>
+          </p:txBody>
+        </p:sp>
+        <p:sp>
+          <p:nvSpPr>
+            <p:cNvPr id="13" name="Flowchart: Data 12">
+              <a:extLst>
+                <a:ext uri="{FF2B5EF4-FFF2-40B4-BE49-F238E27FC236}">
+                  <a16:creationId xmlns:a16="http://schemas.microsoft.com/office/drawing/2014/main" id="{3CAEAEE7-FFB2-00F0-FB97-54D0D6EDC7CA}"/>
+                </a:ext>
+              </a:extLst>
+            </p:cNvPr>
+            <p:cNvSpPr/>
+            <p:nvPr/>
+          </p:nvSpPr>
+          <p:spPr>
+            <a:xfrm rot="16200000" flipV="1">
+              <a:off x="3769874" y="1686284"/>
+              <a:ext cx="1999716" cy="1290415"/>
+            </a:xfrm>
+            <a:prstGeom prst="flowChartInputOutput">
+              <a:avLst/>
+            </a:prstGeom>
+            <a:solidFill>
+              <a:srgbClr val="8E3B46">
+                <a:alpha val="20000"/>
+              </a:srgbClr>
+            </a:solidFill>
+            <a:ln>
+              <a:solidFill>
+                <a:srgbClr val="8E3B46"/>
+              </a:solidFill>
+            </a:ln>
+          </p:spPr>
+          <p:style>
+            <a:lnRef idx="2">
+              <a:schemeClr val="accent1">
+                <a:shade val="15000"/>
+              </a:schemeClr>
+            </a:lnRef>
+            <a:fillRef idx="1">
+              <a:schemeClr val="accent1"/>
+            </a:fillRef>
+            <a:effectRef idx="0">
+              <a:schemeClr val="accent1"/>
+            </a:effectRef>
+            <a:fontRef idx="minor">
+              <a:schemeClr val="lt1"/>
+            </a:fontRef>
+          </p:style>
+          <p:txBody>
+            <a:bodyPr rtlCol="0" anchor="ctr"/>
+            <a:lstStyle/>
+            <a:p>
+              <a:pPr algn="ctr"/>
+              <a:endParaRPr lang="en-AU"/>
+            </a:p>
+          </p:txBody>
+        </p:sp>
+        <p:sp>
+          <p:nvSpPr>
+            <p:cNvPr id="14" name="Flowchart: Data 13">
+              <a:extLst>
+                <a:ext uri="{FF2B5EF4-FFF2-40B4-BE49-F238E27FC236}">
+                  <a16:creationId xmlns:a16="http://schemas.microsoft.com/office/drawing/2014/main" id="{5D23859F-3A06-DD8B-D22E-D5F2280759D5}"/>
+                </a:ext>
+              </a:extLst>
+            </p:cNvPr>
+            <p:cNvSpPr/>
+            <p:nvPr/>
+          </p:nvSpPr>
+          <p:spPr>
+            <a:xfrm rot="16200000" flipV="1">
+              <a:off x="4187194" y="1686283"/>
+              <a:ext cx="1999716" cy="1290415"/>
+            </a:xfrm>
+            <a:prstGeom prst="flowChartInputOutput">
+              <a:avLst/>
+            </a:prstGeom>
+            <a:solidFill>
+              <a:srgbClr val="8E3B46">
+                <a:alpha val="20000"/>
+              </a:srgbClr>
+            </a:solidFill>
+            <a:ln>
+              <a:solidFill>
+                <a:srgbClr val="8E3B46"/>
+              </a:solidFill>
+            </a:ln>
+          </p:spPr>
+          <p:style>
+            <a:lnRef idx="2">
+              <a:schemeClr val="accent1">
+                <a:shade val="15000"/>
+              </a:schemeClr>
+            </a:lnRef>
+            <a:fillRef idx="1">
+              <a:schemeClr val="accent1"/>
+            </a:fillRef>
+            <a:effectRef idx="0">
+              <a:schemeClr val="accent1"/>
+            </a:effectRef>
+            <a:fontRef idx="minor">
+              <a:schemeClr val="lt1"/>
+            </a:fontRef>
+          </p:style>
+          <p:txBody>
+            <a:bodyPr rtlCol="0" anchor="ctr"/>
+            <a:lstStyle/>
+            <a:p>
+              <a:pPr algn="ctr"/>
+              <a:endParaRPr lang="en-AU"/>
+            </a:p>
+          </p:txBody>
+        </p:sp>
+        <p:sp>
+          <p:nvSpPr>
+            <p:cNvPr id="24" name="Flowchart: Data 23">
+              <a:extLst>
+                <a:ext uri="{FF2B5EF4-FFF2-40B4-BE49-F238E27FC236}">
+                  <a16:creationId xmlns:a16="http://schemas.microsoft.com/office/drawing/2014/main" id="{DAEBAD0C-41FC-7879-B456-77A7BEF734B3}"/>
+                </a:ext>
+              </a:extLst>
+            </p:cNvPr>
+            <p:cNvSpPr/>
+            <p:nvPr/>
+          </p:nvSpPr>
+          <p:spPr>
+            <a:xfrm rot="16200000" flipV="1">
+              <a:off x="4642970" y="1686283"/>
+              <a:ext cx="1999716" cy="1290415"/>
+            </a:xfrm>
+            <a:prstGeom prst="flowChartInputOutput">
+              <a:avLst/>
+            </a:prstGeom>
+            <a:solidFill>
+              <a:srgbClr val="E6AA04">
+                <a:alpha val="20000"/>
+              </a:srgbClr>
+            </a:solidFill>
+            <a:ln>
+              <a:solidFill>
+                <a:srgbClr val="E6AA04"/>
+              </a:solidFill>
+            </a:ln>
+          </p:spPr>
+          <p:style>
+            <a:lnRef idx="2">
+              <a:schemeClr val="accent1">
+                <a:shade val="15000"/>
+              </a:schemeClr>
+            </a:lnRef>
+            <a:fillRef idx="1">
+              <a:schemeClr val="accent1"/>
+            </a:fillRef>
+            <a:effectRef idx="0">
+              <a:schemeClr val="accent1"/>
+            </a:effectRef>
+            <a:fontRef idx="minor">
+              <a:schemeClr val="lt1"/>
+            </a:fontRef>
+          </p:style>
+          <p:txBody>
+            <a:bodyPr rtlCol="0" anchor="ctr"/>
+            <a:lstStyle/>
+            <a:p>
+              <a:pPr algn="ctr"/>
+              <a:endParaRPr lang="en-AU"/>
+            </a:p>
+          </p:txBody>
+        </p:sp>
+        <p:sp>
+          <p:nvSpPr>
+            <p:cNvPr id="28" name="Flowchart: Data 27">
+              <a:extLst>
+                <a:ext uri="{FF2B5EF4-FFF2-40B4-BE49-F238E27FC236}">
+                  <a16:creationId xmlns:a16="http://schemas.microsoft.com/office/drawing/2014/main" id="{B670FD25-BF2D-3D54-D57E-8022740E68EA}"/>
+                </a:ext>
+              </a:extLst>
+            </p:cNvPr>
+            <p:cNvSpPr/>
+            <p:nvPr/>
+          </p:nvSpPr>
+          <p:spPr>
+            <a:xfrm rot="16200000" flipV="1">
+              <a:off x="2896780" y="1686284"/>
+              <a:ext cx="1999716" cy="1290415"/>
+            </a:xfrm>
+            <a:prstGeom prst="flowChartInputOutput">
+              <a:avLst/>
+            </a:prstGeom>
+            <a:solidFill>
+              <a:srgbClr val="00252A">
+                <a:alpha val="20000"/>
+              </a:srgbClr>
+            </a:solidFill>
+            <a:ln>
+              <a:noFill/>
+            </a:ln>
+          </p:spPr>
+          <p:style>
+            <a:lnRef idx="2">
+              <a:schemeClr val="accent1">
+                <a:shade val="15000"/>
+              </a:schemeClr>
+            </a:lnRef>
+            <a:fillRef idx="1">
+              <a:schemeClr val="accent1"/>
+            </a:fillRef>
+            <a:effectRef idx="0">
+              <a:schemeClr val="accent1"/>
+            </a:effectRef>
+            <a:fontRef idx="minor">
+              <a:schemeClr val="lt1"/>
+            </a:fontRef>
+          </p:style>
+          <p:txBody>
+            <a:bodyPr rtlCol="0" anchor="ctr"/>
+            <a:lstStyle/>
+            <a:p>
+              <a:pPr algn="ctr"/>
+              <a:endParaRPr lang="en-AU"/>
+            </a:p>
+          </p:txBody>
+        </p:sp>
+        <p:sp>
+          <p:nvSpPr>
+            <p:cNvPr id="31" name="Flowchart: Data 30">
+              <a:extLst>
+                <a:ext uri="{FF2B5EF4-FFF2-40B4-BE49-F238E27FC236}">
+                  <a16:creationId xmlns:a16="http://schemas.microsoft.com/office/drawing/2014/main" id="{575E8516-25FB-DD6B-0BAC-5428BE55FCEB}"/>
+                </a:ext>
+              </a:extLst>
+            </p:cNvPr>
+            <p:cNvSpPr/>
+            <p:nvPr/>
+          </p:nvSpPr>
+          <p:spPr>
+            <a:xfrm rot="16200000" flipV="1">
+              <a:off x="3459419" y="1801709"/>
+              <a:ext cx="1768852" cy="1119459"/>
+            </a:xfrm>
+            <a:custGeom>
+              <a:avLst/>
+              <a:gdLst>
+                <a:gd name="connsiteX0" fmla="*/ 0 w 10000"/>
+                <a:gd name="connsiteY0" fmla="*/ 10000 h 10000"/>
+                <a:gd name="connsiteX1" fmla="*/ 2000 w 10000"/>
+                <a:gd name="connsiteY1" fmla="*/ 0 h 10000"/>
+                <a:gd name="connsiteX2" fmla="*/ 10000 w 10000"/>
+                <a:gd name="connsiteY2" fmla="*/ 0 h 10000"/>
+                <a:gd name="connsiteX3" fmla="*/ 8000 w 10000"/>
+                <a:gd name="connsiteY3" fmla="*/ 10000 h 10000"/>
+                <a:gd name="connsiteX4" fmla="*/ 0 w 10000"/>
+                <a:gd name="connsiteY4" fmla="*/ 10000 h 10000"/>
+                <a:gd name="connsiteX0" fmla="*/ 0 w 9273"/>
+                <a:gd name="connsiteY0" fmla="*/ 10000 h 10000"/>
+                <a:gd name="connsiteX1" fmla="*/ 2000 w 9273"/>
+                <a:gd name="connsiteY1" fmla="*/ 0 h 10000"/>
+                <a:gd name="connsiteX2" fmla="*/ 9273 w 9273"/>
+                <a:gd name="connsiteY2" fmla="*/ 795 h 10000"/>
+                <a:gd name="connsiteX3" fmla="*/ 8000 w 9273"/>
+                <a:gd name="connsiteY3" fmla="*/ 10000 h 10000"/>
+                <a:gd name="connsiteX4" fmla="*/ 0 w 9273"/>
+                <a:gd name="connsiteY4" fmla="*/ 10000 h 10000"/>
+                <a:gd name="connsiteX0" fmla="*/ 0 w 10000"/>
+                <a:gd name="connsiteY0" fmla="*/ 10000 h 10000"/>
+                <a:gd name="connsiteX1" fmla="*/ 2157 w 10000"/>
+                <a:gd name="connsiteY1" fmla="*/ 0 h 10000"/>
+                <a:gd name="connsiteX2" fmla="*/ 10000 w 10000"/>
+                <a:gd name="connsiteY2" fmla="*/ 795 h 10000"/>
+                <a:gd name="connsiteX3" fmla="*/ 8258 w 10000"/>
+                <a:gd name="connsiteY3" fmla="*/ 9205 h 10000"/>
+                <a:gd name="connsiteX4" fmla="*/ 0 w 10000"/>
+                <a:gd name="connsiteY4" fmla="*/ 10000 h 10000"/>
+                <a:gd name="connsiteX0" fmla="*/ 0 w 9539"/>
+                <a:gd name="connsiteY0" fmla="*/ 9404 h 9404"/>
+                <a:gd name="connsiteX1" fmla="*/ 1696 w 9539"/>
+                <a:gd name="connsiteY1" fmla="*/ 0 h 9404"/>
+                <a:gd name="connsiteX2" fmla="*/ 9539 w 9539"/>
+                <a:gd name="connsiteY2" fmla="*/ 795 h 9404"/>
+                <a:gd name="connsiteX3" fmla="*/ 7797 w 9539"/>
+                <a:gd name="connsiteY3" fmla="*/ 9205 h 9404"/>
+                <a:gd name="connsiteX4" fmla="*/ 0 w 9539"/>
+                <a:gd name="connsiteY4" fmla="*/ 9404 h 9404"/>
+                <a:gd name="connsiteX0" fmla="*/ 0 w 10000"/>
+                <a:gd name="connsiteY0" fmla="*/ 9225 h 9225"/>
+                <a:gd name="connsiteX1" fmla="*/ 1971 w 10000"/>
+                <a:gd name="connsiteY1" fmla="*/ 0 h 9225"/>
+                <a:gd name="connsiteX2" fmla="*/ 10000 w 10000"/>
+                <a:gd name="connsiteY2" fmla="*/ 70 h 9225"/>
+                <a:gd name="connsiteX3" fmla="*/ 8174 w 10000"/>
+                <a:gd name="connsiteY3" fmla="*/ 9013 h 9225"/>
+                <a:gd name="connsiteX4" fmla="*/ 0 w 10000"/>
+                <a:gd name="connsiteY4" fmla="*/ 9225 h 9225"/>
+              </a:gdLst>
+              <a:ahLst/>
+              <a:cxnLst>
+                <a:cxn ang="0">
+                  <a:pos x="connsiteX0" y="connsiteY0"/>
+                </a:cxn>
+                <a:cxn ang="0">
+                  <a:pos x="connsiteX1" y="connsiteY1"/>
+                </a:cxn>
+                <a:cxn ang="0">
+                  <a:pos x="connsiteX2" y="connsiteY2"/>
+                </a:cxn>
+                <a:cxn ang="0">
+                  <a:pos x="connsiteX3" y="connsiteY3"/>
+                </a:cxn>
+                <a:cxn ang="0">
+                  <a:pos x="connsiteX4" y="connsiteY4"/>
+                </a:cxn>
+              </a:cxnLst>
+              <a:rect l="l" t="t" r="r" b="b"/>
+              <a:pathLst>
+                <a:path w="10000" h="9225">
+                  <a:moveTo>
+                    <a:pt x="0" y="9225"/>
+                  </a:moveTo>
+                  <a:lnTo>
+                    <a:pt x="1971" y="0"/>
+                  </a:lnTo>
+                  <a:lnTo>
+                    <a:pt x="10000" y="70"/>
+                  </a:lnTo>
+                  <a:lnTo>
+                    <a:pt x="8174" y="9013"/>
+                  </a:lnTo>
+                  <a:lnTo>
+                    <a:pt x="0" y="9225"/>
+                  </a:lnTo>
+                  <a:close/>
+                </a:path>
+              </a:pathLst>
+            </a:custGeom>
+            <a:solidFill>
+              <a:srgbClr val="00252A">
+                <a:alpha val="20000"/>
+              </a:srgbClr>
+            </a:solidFill>
+            <a:ln>
+              <a:noFill/>
+            </a:ln>
+          </p:spPr>
+          <p:style>
+            <a:lnRef idx="2">
+              <a:schemeClr val="accent1">
+                <a:shade val="15000"/>
+              </a:schemeClr>
+            </a:lnRef>
+            <a:fillRef idx="1">
+              <a:schemeClr val="accent1"/>
+            </a:fillRef>
+            <a:effectRef idx="0">
+              <a:schemeClr val="accent1"/>
+            </a:effectRef>
+            <a:fontRef idx="minor">
+              <a:schemeClr val="lt1"/>
+            </a:fontRef>
+          </p:style>
+          <p:txBody>
+            <a:bodyPr rtlCol="0" anchor="ctr"/>
+            <a:lstStyle/>
+            <a:p>
+              <a:pPr algn="ctr"/>
+              <a:endParaRPr lang="en-AU"/>
+            </a:p>
+          </p:txBody>
+        </p:sp>
+        <p:sp>
+          <p:nvSpPr>
+            <p:cNvPr id="33" name="Flowchart: Data 32">
+              <a:extLst>
+                <a:ext uri="{FF2B5EF4-FFF2-40B4-BE49-F238E27FC236}">
+                  <a16:creationId xmlns:a16="http://schemas.microsoft.com/office/drawing/2014/main" id="{ADBB214A-B730-4D52-B02A-EBF86A7AAB62}"/>
+                </a:ext>
+              </a:extLst>
+            </p:cNvPr>
+            <p:cNvSpPr/>
+            <p:nvPr/>
+          </p:nvSpPr>
+          <p:spPr>
+            <a:xfrm rot="16200000" flipV="1">
+              <a:off x="3938237" y="1725655"/>
+              <a:ext cx="1692171" cy="1211685"/>
+            </a:xfrm>
+            <a:custGeom>
+              <a:avLst/>
+              <a:gdLst>
+                <a:gd name="connsiteX0" fmla="*/ 0 w 10000"/>
+                <a:gd name="connsiteY0" fmla="*/ 10000 h 10000"/>
+                <a:gd name="connsiteX1" fmla="*/ 2000 w 10000"/>
+                <a:gd name="connsiteY1" fmla="*/ 0 h 10000"/>
+                <a:gd name="connsiteX2" fmla="*/ 10000 w 10000"/>
+                <a:gd name="connsiteY2" fmla="*/ 0 h 10000"/>
+                <a:gd name="connsiteX3" fmla="*/ 8000 w 10000"/>
+                <a:gd name="connsiteY3" fmla="*/ 10000 h 10000"/>
+                <a:gd name="connsiteX4" fmla="*/ 0 w 10000"/>
+                <a:gd name="connsiteY4" fmla="*/ 10000 h 10000"/>
+                <a:gd name="connsiteX0" fmla="*/ 0 w 10000"/>
+                <a:gd name="connsiteY0" fmla="*/ 10000 h 10000"/>
+                <a:gd name="connsiteX1" fmla="*/ 2000 w 10000"/>
+                <a:gd name="connsiteY1" fmla="*/ 0 h 10000"/>
+                <a:gd name="connsiteX2" fmla="*/ 10000 w 10000"/>
+                <a:gd name="connsiteY2" fmla="*/ 0 h 10000"/>
+                <a:gd name="connsiteX3" fmla="*/ 7402 w 10000"/>
+                <a:gd name="connsiteY3" fmla="*/ 9272 h 10000"/>
+                <a:gd name="connsiteX4" fmla="*/ 0 w 10000"/>
+                <a:gd name="connsiteY4" fmla="*/ 10000 h 10000"/>
+                <a:gd name="connsiteX0" fmla="*/ 0 w 10000"/>
+                <a:gd name="connsiteY0" fmla="*/ 10000 h 10000"/>
+                <a:gd name="connsiteX1" fmla="*/ 2000 w 10000"/>
+                <a:gd name="connsiteY1" fmla="*/ 0 h 10000"/>
+                <a:gd name="connsiteX2" fmla="*/ 10000 w 10000"/>
+                <a:gd name="connsiteY2" fmla="*/ 0 h 10000"/>
+                <a:gd name="connsiteX3" fmla="*/ 8818 w 10000"/>
+                <a:gd name="connsiteY3" fmla="*/ 6004 h 10000"/>
+                <a:gd name="connsiteX4" fmla="*/ 7402 w 10000"/>
+                <a:gd name="connsiteY4" fmla="*/ 9272 h 10000"/>
+                <a:gd name="connsiteX5" fmla="*/ 0 w 10000"/>
+                <a:gd name="connsiteY5" fmla="*/ 10000 h 10000"/>
+                <a:gd name="connsiteX0" fmla="*/ 0 w 9231"/>
+                <a:gd name="connsiteY0" fmla="*/ 10000 h 10000"/>
+                <a:gd name="connsiteX1" fmla="*/ 2000 w 9231"/>
+                <a:gd name="connsiteY1" fmla="*/ 0 h 10000"/>
+                <a:gd name="connsiteX2" fmla="*/ 9231 w 9231"/>
+                <a:gd name="connsiteY2" fmla="*/ 2119 h 10000"/>
+                <a:gd name="connsiteX3" fmla="*/ 8818 w 9231"/>
+                <a:gd name="connsiteY3" fmla="*/ 6004 h 10000"/>
+                <a:gd name="connsiteX4" fmla="*/ 7402 w 9231"/>
+                <a:gd name="connsiteY4" fmla="*/ 9272 h 10000"/>
+                <a:gd name="connsiteX5" fmla="*/ 0 w 9231"/>
+                <a:gd name="connsiteY5" fmla="*/ 10000 h 10000"/>
+                <a:gd name="connsiteX0" fmla="*/ 0 w 10000"/>
+                <a:gd name="connsiteY0" fmla="*/ 10000 h 10000"/>
+                <a:gd name="connsiteX1" fmla="*/ 2167 w 10000"/>
+                <a:gd name="connsiteY1" fmla="*/ 0 h 10000"/>
+                <a:gd name="connsiteX2" fmla="*/ 7747 w 10000"/>
+                <a:gd name="connsiteY2" fmla="*/ 243 h 10000"/>
+                <a:gd name="connsiteX3" fmla="*/ 10000 w 10000"/>
+                <a:gd name="connsiteY3" fmla="*/ 2119 h 10000"/>
+                <a:gd name="connsiteX4" fmla="*/ 9553 w 10000"/>
+                <a:gd name="connsiteY4" fmla="*/ 6004 h 10000"/>
+                <a:gd name="connsiteX5" fmla="*/ 8019 w 10000"/>
+                <a:gd name="connsiteY5" fmla="*/ 9272 h 10000"/>
+                <a:gd name="connsiteX6" fmla="*/ 0 w 10000"/>
+                <a:gd name="connsiteY6" fmla="*/ 10000 h 10000"/>
+                <a:gd name="connsiteX0" fmla="*/ 0 w 10000"/>
+                <a:gd name="connsiteY0" fmla="*/ 9808 h 9808"/>
+                <a:gd name="connsiteX1" fmla="*/ 2723 w 10000"/>
+                <a:gd name="connsiteY1" fmla="*/ 1265 h 9808"/>
+                <a:gd name="connsiteX2" fmla="*/ 7747 w 10000"/>
+                <a:gd name="connsiteY2" fmla="*/ 51 h 9808"/>
+                <a:gd name="connsiteX3" fmla="*/ 10000 w 10000"/>
+                <a:gd name="connsiteY3" fmla="*/ 1927 h 9808"/>
+                <a:gd name="connsiteX4" fmla="*/ 9553 w 10000"/>
+                <a:gd name="connsiteY4" fmla="*/ 5812 h 9808"/>
+                <a:gd name="connsiteX5" fmla="*/ 8019 w 10000"/>
+                <a:gd name="connsiteY5" fmla="*/ 9080 h 9808"/>
+                <a:gd name="connsiteX6" fmla="*/ 0 w 10000"/>
+                <a:gd name="connsiteY6" fmla="*/ 9808 h 9808"/>
+                <a:gd name="connsiteX0" fmla="*/ 0 w 9167"/>
+                <a:gd name="connsiteY0" fmla="*/ 9122 h 9258"/>
+                <a:gd name="connsiteX1" fmla="*/ 1890 w 9167"/>
+                <a:gd name="connsiteY1" fmla="*/ 1290 h 9258"/>
+                <a:gd name="connsiteX2" fmla="*/ 6914 w 9167"/>
+                <a:gd name="connsiteY2" fmla="*/ 52 h 9258"/>
+                <a:gd name="connsiteX3" fmla="*/ 9167 w 9167"/>
+                <a:gd name="connsiteY3" fmla="*/ 1965 h 9258"/>
+                <a:gd name="connsiteX4" fmla="*/ 8720 w 9167"/>
+                <a:gd name="connsiteY4" fmla="*/ 5926 h 9258"/>
+                <a:gd name="connsiteX5" fmla="*/ 7186 w 9167"/>
+                <a:gd name="connsiteY5" fmla="*/ 9258 h 9258"/>
+                <a:gd name="connsiteX6" fmla="*/ 0 w 9167"/>
+                <a:gd name="connsiteY6" fmla="*/ 9122 h 9258"/>
+                <a:gd name="connsiteX0" fmla="*/ 0 w 10000"/>
+                <a:gd name="connsiteY0" fmla="*/ 9853 h 10341"/>
+                <a:gd name="connsiteX1" fmla="*/ 2062 w 10000"/>
+                <a:gd name="connsiteY1" fmla="*/ 1393 h 10341"/>
+                <a:gd name="connsiteX2" fmla="*/ 7542 w 10000"/>
+                <a:gd name="connsiteY2" fmla="*/ 56 h 10341"/>
+                <a:gd name="connsiteX3" fmla="*/ 10000 w 10000"/>
+                <a:gd name="connsiteY3" fmla="*/ 2122 h 10341"/>
+                <a:gd name="connsiteX4" fmla="*/ 9512 w 10000"/>
+                <a:gd name="connsiteY4" fmla="*/ 6401 h 10341"/>
+                <a:gd name="connsiteX5" fmla="*/ 7839 w 10000"/>
+                <a:gd name="connsiteY5" fmla="*/ 10000 h 10341"/>
+                <a:gd name="connsiteX6" fmla="*/ 5118 w 10000"/>
+                <a:gd name="connsiteY6" fmla="*/ 10340 h 10341"/>
+                <a:gd name="connsiteX7" fmla="*/ 0 w 10000"/>
+                <a:gd name="connsiteY7" fmla="*/ 9853 h 10341"/>
+              </a:gdLst>
+              <a:ahLst/>
+              <a:cxnLst>
+                <a:cxn ang="0">
+                  <a:pos x="connsiteX0" y="connsiteY0"/>
+                </a:cxn>
+                <a:cxn ang="0">
+                  <a:pos x="connsiteX1" y="connsiteY1"/>
+                </a:cxn>
+                <a:cxn ang="0">
+                  <a:pos x="connsiteX2" y="connsiteY2"/>
+                </a:cxn>
+                <a:cxn ang="0">
+                  <a:pos x="connsiteX3" y="connsiteY3"/>
+                </a:cxn>
+                <a:cxn ang="0">
+                  <a:pos x="connsiteX4" y="connsiteY4"/>
+                </a:cxn>
+                <a:cxn ang="0">
+                  <a:pos x="connsiteX5" y="connsiteY5"/>
+                </a:cxn>
+                <a:cxn ang="0">
+                  <a:pos x="connsiteX6" y="connsiteY6"/>
+                </a:cxn>
+                <a:cxn ang="0">
+                  <a:pos x="connsiteX7" y="connsiteY7"/>
+                </a:cxn>
+              </a:cxnLst>
+              <a:rect l="l" t="t" r="r" b="b"/>
+              <a:pathLst>
+                <a:path w="10000" h="10341">
+                  <a:moveTo>
+                    <a:pt x="0" y="9853"/>
+                  </a:moveTo>
+                  <a:lnTo>
+                    <a:pt x="2062" y="1393"/>
+                  </a:lnTo>
+                  <a:cubicBezTo>
+                    <a:pt x="3737" y="1822"/>
+                    <a:pt x="5867" y="-374"/>
+                    <a:pt x="7542" y="56"/>
+                  </a:cubicBezTo>
+                  <a:lnTo>
+                    <a:pt x="10000" y="2122"/>
+                  </a:lnTo>
+                  <a:cubicBezTo>
+                    <a:pt x="9518" y="3791"/>
+                    <a:pt x="9995" y="4731"/>
+                    <a:pt x="9512" y="6401"/>
+                  </a:cubicBezTo>
+                  <a:lnTo>
+                    <a:pt x="7839" y="10000"/>
+                  </a:lnTo>
+                  <a:cubicBezTo>
+                    <a:pt x="6831" y="9967"/>
+                    <a:pt x="6126" y="10373"/>
+                    <a:pt x="5118" y="10340"/>
+                  </a:cubicBezTo>
+                  <a:lnTo>
+                    <a:pt x="0" y="9853"/>
+                  </a:lnTo>
+                  <a:close/>
+                </a:path>
+              </a:pathLst>
+            </a:custGeom>
+            <a:solidFill>
+              <a:srgbClr val="8E3B46">
+                <a:alpha val="20000"/>
+              </a:srgbClr>
+            </a:solidFill>
+            <a:ln>
+              <a:noFill/>
+            </a:ln>
+          </p:spPr>
+          <p:style>
+            <a:lnRef idx="2">
+              <a:schemeClr val="accent1">
+                <a:shade val="15000"/>
+              </a:schemeClr>
+            </a:lnRef>
+            <a:fillRef idx="1">
+              <a:schemeClr val="accent1"/>
+            </a:fillRef>
+            <a:effectRef idx="0">
+              <a:schemeClr val="accent1"/>
+            </a:effectRef>
+            <a:fontRef idx="minor">
+              <a:schemeClr val="lt1"/>
+            </a:fontRef>
+          </p:style>
+          <p:txBody>
+            <a:bodyPr rtlCol="0" anchor="ctr"/>
+            <a:lstStyle/>
+            <a:p>
+              <a:pPr algn="ctr"/>
+              <a:endParaRPr lang="en-AU"/>
+            </a:p>
+          </p:txBody>
+        </p:sp>
+        <p:sp>
+          <p:nvSpPr>
+            <p:cNvPr id="35" name="Flowchart: Data 34">
+              <a:extLst>
+                <a:ext uri="{FF2B5EF4-FFF2-40B4-BE49-F238E27FC236}">
+                  <a16:creationId xmlns:a16="http://schemas.microsoft.com/office/drawing/2014/main" id="{9B8733E3-96CD-44D0-237B-C275E15158C5}"/>
+                </a:ext>
+              </a:extLst>
+            </p:cNvPr>
+            <p:cNvSpPr/>
+            <p:nvPr/>
+          </p:nvSpPr>
+          <p:spPr>
+            <a:xfrm rot="16200000" flipV="1">
+              <a:off x="4556614" y="1565456"/>
+              <a:ext cx="1478537" cy="1250060"/>
+            </a:xfrm>
+            <a:custGeom>
+              <a:avLst/>
+              <a:gdLst>
+                <a:gd name="connsiteX0" fmla="*/ 0 w 10000"/>
+                <a:gd name="connsiteY0" fmla="*/ 10000 h 10000"/>
+                <a:gd name="connsiteX1" fmla="*/ 2000 w 10000"/>
+                <a:gd name="connsiteY1" fmla="*/ 0 h 10000"/>
+                <a:gd name="connsiteX2" fmla="*/ 10000 w 10000"/>
+                <a:gd name="connsiteY2" fmla="*/ 0 h 10000"/>
+                <a:gd name="connsiteX3" fmla="*/ 8000 w 10000"/>
+                <a:gd name="connsiteY3" fmla="*/ 10000 h 10000"/>
+                <a:gd name="connsiteX4" fmla="*/ 0 w 10000"/>
+                <a:gd name="connsiteY4" fmla="*/ 10000 h 10000"/>
+                <a:gd name="connsiteX0" fmla="*/ 0 w 10000"/>
+                <a:gd name="connsiteY0" fmla="*/ 10000 h 10000"/>
+                <a:gd name="connsiteX1" fmla="*/ 2000 w 10000"/>
+                <a:gd name="connsiteY1" fmla="*/ 0 h 10000"/>
+                <a:gd name="connsiteX2" fmla="*/ 10000 w 10000"/>
+                <a:gd name="connsiteY2" fmla="*/ 0 h 10000"/>
+                <a:gd name="connsiteX3" fmla="*/ 6846 w 10000"/>
+                <a:gd name="connsiteY3" fmla="*/ 8477 h 10000"/>
+                <a:gd name="connsiteX4" fmla="*/ 0 w 10000"/>
+                <a:gd name="connsiteY4" fmla="*/ 10000 h 10000"/>
+                <a:gd name="connsiteX0" fmla="*/ 0 w 10000"/>
+                <a:gd name="connsiteY0" fmla="*/ 10000 h 10000"/>
+                <a:gd name="connsiteX1" fmla="*/ 2000 w 10000"/>
+                <a:gd name="connsiteY1" fmla="*/ 0 h 10000"/>
+                <a:gd name="connsiteX2" fmla="*/ 10000 w 10000"/>
+                <a:gd name="connsiteY2" fmla="*/ 0 h 10000"/>
+                <a:gd name="connsiteX3" fmla="*/ 6846 w 10000"/>
+                <a:gd name="connsiteY3" fmla="*/ 8477 h 10000"/>
+                <a:gd name="connsiteX4" fmla="*/ 0 w 10000"/>
+                <a:gd name="connsiteY4" fmla="*/ 10000 h 10000"/>
+                <a:gd name="connsiteX0" fmla="*/ 0 w 9402"/>
+                <a:gd name="connsiteY0" fmla="*/ 10000 h 10000"/>
+                <a:gd name="connsiteX1" fmla="*/ 2000 w 9402"/>
+                <a:gd name="connsiteY1" fmla="*/ 0 h 10000"/>
+                <a:gd name="connsiteX2" fmla="*/ 9402 w 9402"/>
+                <a:gd name="connsiteY2" fmla="*/ 3576 h 10000"/>
+                <a:gd name="connsiteX3" fmla="*/ 6846 w 9402"/>
+                <a:gd name="connsiteY3" fmla="*/ 8477 h 10000"/>
+                <a:gd name="connsiteX4" fmla="*/ 0 w 9402"/>
+                <a:gd name="connsiteY4" fmla="*/ 10000 h 10000"/>
+                <a:gd name="connsiteX0" fmla="*/ 0 w 10000"/>
+                <a:gd name="connsiteY0" fmla="*/ 10000 h 10000"/>
+                <a:gd name="connsiteX1" fmla="*/ 2127 w 10000"/>
+                <a:gd name="connsiteY1" fmla="*/ 0 h 10000"/>
+                <a:gd name="connsiteX2" fmla="*/ 9424 w 10000"/>
+                <a:gd name="connsiteY2" fmla="*/ 1093 h 10000"/>
+                <a:gd name="connsiteX3" fmla="*/ 10000 w 10000"/>
+                <a:gd name="connsiteY3" fmla="*/ 3576 h 10000"/>
+                <a:gd name="connsiteX4" fmla="*/ 7281 w 10000"/>
+                <a:gd name="connsiteY4" fmla="*/ 8477 h 10000"/>
+                <a:gd name="connsiteX5" fmla="*/ 0 w 10000"/>
+                <a:gd name="connsiteY5" fmla="*/ 10000 h 10000"/>
+                <a:gd name="connsiteX0" fmla="*/ 0 w 10000"/>
+                <a:gd name="connsiteY0" fmla="*/ 10965 h 10965"/>
+                <a:gd name="connsiteX1" fmla="*/ 2127 w 10000"/>
+                <a:gd name="connsiteY1" fmla="*/ 965 h 10965"/>
+                <a:gd name="connsiteX2" fmla="*/ 6379 w 10000"/>
+                <a:gd name="connsiteY2" fmla="*/ 336 h 10965"/>
+                <a:gd name="connsiteX3" fmla="*/ 9424 w 10000"/>
+                <a:gd name="connsiteY3" fmla="*/ 2058 h 10965"/>
+                <a:gd name="connsiteX4" fmla="*/ 10000 w 10000"/>
+                <a:gd name="connsiteY4" fmla="*/ 4541 h 10965"/>
+                <a:gd name="connsiteX5" fmla="*/ 7281 w 10000"/>
+                <a:gd name="connsiteY5" fmla="*/ 9442 h 10965"/>
+                <a:gd name="connsiteX6" fmla="*/ 0 w 10000"/>
+                <a:gd name="connsiteY6" fmla="*/ 10965 h 10965"/>
+                <a:gd name="connsiteX0" fmla="*/ 0 w 10000"/>
+                <a:gd name="connsiteY0" fmla="*/ 10696 h 10696"/>
+                <a:gd name="connsiteX1" fmla="*/ 2127 w 10000"/>
+                <a:gd name="connsiteY1" fmla="*/ 696 h 10696"/>
+                <a:gd name="connsiteX2" fmla="*/ 4197 w 10000"/>
+                <a:gd name="connsiteY2" fmla="*/ 1126 h 10696"/>
+                <a:gd name="connsiteX3" fmla="*/ 6379 w 10000"/>
+                <a:gd name="connsiteY3" fmla="*/ 67 h 10696"/>
+                <a:gd name="connsiteX4" fmla="*/ 9424 w 10000"/>
+                <a:gd name="connsiteY4" fmla="*/ 1789 h 10696"/>
+                <a:gd name="connsiteX5" fmla="*/ 10000 w 10000"/>
+                <a:gd name="connsiteY5" fmla="*/ 4272 h 10696"/>
+                <a:gd name="connsiteX6" fmla="*/ 7281 w 10000"/>
+                <a:gd name="connsiteY6" fmla="*/ 9173 h 10696"/>
+                <a:gd name="connsiteX7" fmla="*/ 0 w 10000"/>
+                <a:gd name="connsiteY7" fmla="*/ 10696 h 10696"/>
+                <a:gd name="connsiteX0" fmla="*/ 0 w 10000"/>
+                <a:gd name="connsiteY0" fmla="*/ 10687 h 10687"/>
+                <a:gd name="connsiteX1" fmla="*/ 3445 w 10000"/>
+                <a:gd name="connsiteY1" fmla="*/ 3932 h 10687"/>
+                <a:gd name="connsiteX2" fmla="*/ 4197 w 10000"/>
+                <a:gd name="connsiteY2" fmla="*/ 1117 h 10687"/>
+                <a:gd name="connsiteX3" fmla="*/ 6379 w 10000"/>
+                <a:gd name="connsiteY3" fmla="*/ 58 h 10687"/>
+                <a:gd name="connsiteX4" fmla="*/ 9424 w 10000"/>
+                <a:gd name="connsiteY4" fmla="*/ 1780 h 10687"/>
+                <a:gd name="connsiteX5" fmla="*/ 10000 w 10000"/>
+                <a:gd name="connsiteY5" fmla="*/ 4263 h 10687"/>
+                <a:gd name="connsiteX6" fmla="*/ 7281 w 10000"/>
+                <a:gd name="connsiteY6" fmla="*/ 9164 h 10687"/>
+                <a:gd name="connsiteX7" fmla="*/ 0 w 10000"/>
+                <a:gd name="connsiteY7" fmla="*/ 10687 h 10687"/>
+                <a:gd name="connsiteX0" fmla="*/ 0 w 7864"/>
+                <a:gd name="connsiteY0" fmla="*/ 7641 h 9164"/>
+                <a:gd name="connsiteX1" fmla="*/ 1309 w 7864"/>
+                <a:gd name="connsiteY1" fmla="*/ 3932 h 9164"/>
+                <a:gd name="connsiteX2" fmla="*/ 2061 w 7864"/>
+                <a:gd name="connsiteY2" fmla="*/ 1117 h 9164"/>
+                <a:gd name="connsiteX3" fmla="*/ 4243 w 7864"/>
+                <a:gd name="connsiteY3" fmla="*/ 58 h 9164"/>
+                <a:gd name="connsiteX4" fmla="*/ 7288 w 7864"/>
+                <a:gd name="connsiteY4" fmla="*/ 1780 h 9164"/>
+                <a:gd name="connsiteX5" fmla="*/ 7864 w 7864"/>
+                <a:gd name="connsiteY5" fmla="*/ 4263 h 9164"/>
+                <a:gd name="connsiteX6" fmla="*/ 5145 w 7864"/>
+                <a:gd name="connsiteY6" fmla="*/ 9164 h 9164"/>
+                <a:gd name="connsiteX7" fmla="*/ 0 w 7864"/>
+                <a:gd name="connsiteY7" fmla="*/ 7641 h 9164"/>
+                <a:gd name="connsiteX0" fmla="*/ 0 w 10000"/>
+                <a:gd name="connsiteY0" fmla="*/ 8338 h 10571"/>
+                <a:gd name="connsiteX1" fmla="*/ 1665 w 10000"/>
+                <a:gd name="connsiteY1" fmla="*/ 4291 h 10571"/>
+                <a:gd name="connsiteX2" fmla="*/ 2621 w 10000"/>
+                <a:gd name="connsiteY2" fmla="*/ 1219 h 10571"/>
+                <a:gd name="connsiteX3" fmla="*/ 5395 w 10000"/>
+                <a:gd name="connsiteY3" fmla="*/ 63 h 10571"/>
+                <a:gd name="connsiteX4" fmla="*/ 9268 w 10000"/>
+                <a:gd name="connsiteY4" fmla="*/ 1942 h 10571"/>
+                <a:gd name="connsiteX5" fmla="*/ 10000 w 10000"/>
+                <a:gd name="connsiteY5" fmla="*/ 4652 h 10571"/>
+                <a:gd name="connsiteX6" fmla="*/ 6542 w 10000"/>
+                <a:gd name="connsiteY6" fmla="*/ 10000 h 10571"/>
+                <a:gd name="connsiteX7" fmla="*/ 3950 w 10000"/>
+                <a:gd name="connsiteY7" fmla="*/ 10542 h 10571"/>
+                <a:gd name="connsiteX8" fmla="*/ 0 w 10000"/>
+                <a:gd name="connsiteY8" fmla="*/ 8338 h 10571"/>
+              </a:gdLst>
+              <a:ahLst/>
+              <a:cxnLst>
+                <a:cxn ang="0">
+                  <a:pos x="connsiteX0" y="connsiteY0"/>
+                </a:cxn>
+                <a:cxn ang="0">
+                  <a:pos x="connsiteX1" y="connsiteY1"/>
+                </a:cxn>
+                <a:cxn ang="0">
+                  <a:pos x="connsiteX2" y="connsiteY2"/>
+                </a:cxn>
+                <a:cxn ang="0">
+                  <a:pos x="connsiteX3" y="connsiteY3"/>
+                </a:cxn>
+                <a:cxn ang="0">
+                  <a:pos x="connsiteX4" y="connsiteY4"/>
+                </a:cxn>
+                <a:cxn ang="0">
+                  <a:pos x="connsiteX5" y="connsiteY5"/>
+                </a:cxn>
+                <a:cxn ang="0">
+                  <a:pos x="connsiteX6" y="connsiteY6"/>
+                </a:cxn>
+                <a:cxn ang="0">
+                  <a:pos x="connsiteX7" y="connsiteY7"/>
+                </a:cxn>
+                <a:cxn ang="0">
+                  <a:pos x="connsiteX8" y="connsiteY8"/>
+                </a:cxn>
+              </a:cxnLst>
+              <a:rect l="l" t="t" r="r" b="b"/>
+              <a:pathLst>
+                <a:path w="10000" h="10571">
+                  <a:moveTo>
+                    <a:pt x="0" y="8338"/>
+                  </a:moveTo>
+                  <a:lnTo>
+                    <a:pt x="1665" y="4291"/>
+                  </a:lnTo>
+                  <a:cubicBezTo>
+                    <a:pt x="2467" y="2297"/>
+                    <a:pt x="1719" y="1333"/>
+                    <a:pt x="2621" y="1219"/>
+                  </a:cubicBezTo>
+                  <a:cubicBezTo>
+                    <a:pt x="3522" y="1104"/>
+                    <a:pt x="4201" y="-310"/>
+                    <a:pt x="5395" y="63"/>
+                  </a:cubicBezTo>
+                  <a:cubicBezTo>
+                    <a:pt x="6590" y="436"/>
+                    <a:pt x="8520" y="1419"/>
+                    <a:pt x="9268" y="1942"/>
+                  </a:cubicBezTo>
+                  <a:lnTo>
+                    <a:pt x="10000" y="4652"/>
+                  </a:lnTo>
+                  <a:cubicBezTo>
+                    <a:pt x="8578" y="7736"/>
+                    <a:pt x="8717" y="8217"/>
+                    <a:pt x="6542" y="10000"/>
+                  </a:cubicBezTo>
+                  <a:cubicBezTo>
+                    <a:pt x="5562" y="9795"/>
+                    <a:pt x="4930" y="10747"/>
+                    <a:pt x="3950" y="10542"/>
+                  </a:cubicBezTo>
+                  <a:lnTo>
+                    <a:pt x="0" y="8338"/>
+                  </a:lnTo>
+                  <a:close/>
+                </a:path>
+              </a:pathLst>
+            </a:custGeom>
+            <a:solidFill>
+              <a:srgbClr val="8E3B46">
+                <a:alpha val="20000"/>
+              </a:srgbClr>
+            </a:solidFill>
+            <a:ln>
+              <a:noFill/>
+            </a:ln>
+          </p:spPr>
+          <p:style>
+            <a:lnRef idx="2">
+              <a:schemeClr val="accent1">
+                <a:shade val="15000"/>
+              </a:schemeClr>
+            </a:lnRef>
+            <a:fillRef idx="1">
+              <a:schemeClr val="accent1"/>
+            </a:fillRef>
+            <a:effectRef idx="0">
+              <a:schemeClr val="accent1"/>
+            </a:effectRef>
+            <a:fontRef idx="minor">
+              <a:schemeClr val="lt1"/>
+            </a:fontRef>
+          </p:style>
+          <p:txBody>
+            <a:bodyPr rtlCol="0" anchor="ctr"/>
+            <a:lstStyle/>
+            <a:p>
+              <a:pPr algn="ctr"/>
+              <a:endParaRPr lang="en-AU"/>
+            </a:p>
+          </p:txBody>
+        </p:sp>
+        <p:sp>
+          <p:nvSpPr>
+            <p:cNvPr id="39" name="Flowchart: Data 38">
+              <a:extLst>
+                <a:ext uri="{FF2B5EF4-FFF2-40B4-BE49-F238E27FC236}">
+                  <a16:creationId xmlns:a16="http://schemas.microsoft.com/office/drawing/2014/main" id="{A82C275D-B4D5-144F-1427-8DB42B9F9A3A}"/>
+                </a:ext>
+              </a:extLst>
+            </p:cNvPr>
+            <p:cNvSpPr/>
+            <p:nvPr/>
+          </p:nvSpPr>
+          <p:spPr>
+            <a:xfrm rot="16200000" flipV="1">
+              <a:off x="5008296" y="1691041"/>
+              <a:ext cx="1198339" cy="1125203"/>
+            </a:xfrm>
+            <a:custGeom>
+              <a:avLst/>
+              <a:gdLst>
+                <a:gd name="connsiteX0" fmla="*/ 0 w 10000"/>
+                <a:gd name="connsiteY0" fmla="*/ 10000 h 10000"/>
+                <a:gd name="connsiteX1" fmla="*/ 2000 w 10000"/>
+                <a:gd name="connsiteY1" fmla="*/ 0 h 10000"/>
+                <a:gd name="connsiteX2" fmla="*/ 10000 w 10000"/>
+                <a:gd name="connsiteY2" fmla="*/ 0 h 10000"/>
+                <a:gd name="connsiteX3" fmla="*/ 8000 w 10000"/>
+                <a:gd name="connsiteY3" fmla="*/ 10000 h 10000"/>
+                <a:gd name="connsiteX4" fmla="*/ 0 w 10000"/>
+                <a:gd name="connsiteY4" fmla="*/ 10000 h 10000"/>
+                <a:gd name="connsiteX0" fmla="*/ 0 w 10000"/>
+                <a:gd name="connsiteY0" fmla="*/ 10000 h 10000"/>
+                <a:gd name="connsiteX1" fmla="*/ 2000 w 10000"/>
+                <a:gd name="connsiteY1" fmla="*/ 0 h 10000"/>
+                <a:gd name="connsiteX2" fmla="*/ 10000 w 10000"/>
+                <a:gd name="connsiteY2" fmla="*/ 0 h 10000"/>
+                <a:gd name="connsiteX3" fmla="*/ 7017 w 10000"/>
+                <a:gd name="connsiteY3" fmla="*/ 7219 h 10000"/>
+                <a:gd name="connsiteX4" fmla="*/ 0 w 10000"/>
+                <a:gd name="connsiteY4" fmla="*/ 10000 h 10000"/>
+                <a:gd name="connsiteX0" fmla="*/ 0 w 8376"/>
+                <a:gd name="connsiteY0" fmla="*/ 10000 h 10000"/>
+                <a:gd name="connsiteX1" fmla="*/ 2000 w 8376"/>
+                <a:gd name="connsiteY1" fmla="*/ 0 h 10000"/>
+                <a:gd name="connsiteX2" fmla="*/ 8376 w 8376"/>
+                <a:gd name="connsiteY2" fmla="*/ 3046 h 10000"/>
+                <a:gd name="connsiteX3" fmla="*/ 7017 w 8376"/>
+                <a:gd name="connsiteY3" fmla="*/ 7219 h 10000"/>
+                <a:gd name="connsiteX4" fmla="*/ 0 w 8376"/>
+                <a:gd name="connsiteY4" fmla="*/ 10000 h 10000"/>
+                <a:gd name="connsiteX0" fmla="*/ 0 w 10000"/>
+                <a:gd name="connsiteY0" fmla="*/ 10000 h 10000"/>
+                <a:gd name="connsiteX1" fmla="*/ 2388 w 10000"/>
+                <a:gd name="connsiteY1" fmla="*/ 0 h 10000"/>
+                <a:gd name="connsiteX2" fmla="*/ 8129 w 10000"/>
+                <a:gd name="connsiteY2" fmla="*/ 916 h 10000"/>
+                <a:gd name="connsiteX3" fmla="*/ 10000 w 10000"/>
+                <a:gd name="connsiteY3" fmla="*/ 3046 h 10000"/>
+                <a:gd name="connsiteX4" fmla="*/ 8378 w 10000"/>
+                <a:gd name="connsiteY4" fmla="*/ 7219 h 10000"/>
+                <a:gd name="connsiteX5" fmla="*/ 0 w 10000"/>
+                <a:gd name="connsiteY5" fmla="*/ 10000 h 10000"/>
+                <a:gd name="connsiteX0" fmla="*/ 0 w 10000"/>
+                <a:gd name="connsiteY0" fmla="*/ 9136 h 9136"/>
+                <a:gd name="connsiteX1" fmla="*/ 4327 w 10000"/>
+                <a:gd name="connsiteY1" fmla="*/ 1917 h 9136"/>
+                <a:gd name="connsiteX2" fmla="*/ 8129 w 10000"/>
+                <a:gd name="connsiteY2" fmla="*/ 52 h 9136"/>
+                <a:gd name="connsiteX3" fmla="*/ 10000 w 10000"/>
+                <a:gd name="connsiteY3" fmla="*/ 2182 h 9136"/>
+                <a:gd name="connsiteX4" fmla="*/ 8378 w 10000"/>
+                <a:gd name="connsiteY4" fmla="*/ 6355 h 9136"/>
+                <a:gd name="connsiteX5" fmla="*/ 0 w 10000"/>
+                <a:gd name="connsiteY5" fmla="*/ 9136 h 9136"/>
+                <a:gd name="connsiteX0" fmla="*/ 0 w 7143"/>
+                <a:gd name="connsiteY0" fmla="*/ 6158 h 6956"/>
+                <a:gd name="connsiteX1" fmla="*/ 1470 w 7143"/>
+                <a:gd name="connsiteY1" fmla="*/ 2098 h 6956"/>
+                <a:gd name="connsiteX2" fmla="*/ 5272 w 7143"/>
+                <a:gd name="connsiteY2" fmla="*/ 57 h 6956"/>
+                <a:gd name="connsiteX3" fmla="*/ 7143 w 7143"/>
+                <a:gd name="connsiteY3" fmla="*/ 2388 h 6956"/>
+                <a:gd name="connsiteX4" fmla="*/ 5521 w 7143"/>
+                <a:gd name="connsiteY4" fmla="*/ 6956 h 6956"/>
+                <a:gd name="connsiteX5" fmla="*/ 0 w 7143"/>
+                <a:gd name="connsiteY5" fmla="*/ 6158 h 6956"/>
+                <a:gd name="connsiteX0" fmla="*/ 0 w 10000"/>
+                <a:gd name="connsiteY0" fmla="*/ 8853 h 13738"/>
+                <a:gd name="connsiteX1" fmla="*/ 2058 w 10000"/>
+                <a:gd name="connsiteY1" fmla="*/ 3016 h 13738"/>
+                <a:gd name="connsiteX2" fmla="*/ 7381 w 10000"/>
+                <a:gd name="connsiteY2" fmla="*/ 82 h 13738"/>
+                <a:gd name="connsiteX3" fmla="*/ 10000 w 10000"/>
+                <a:gd name="connsiteY3" fmla="*/ 3433 h 13738"/>
+                <a:gd name="connsiteX4" fmla="*/ 7729 w 10000"/>
+                <a:gd name="connsiteY4" fmla="*/ 10000 h 13738"/>
+                <a:gd name="connsiteX5" fmla="*/ 2595 w 10000"/>
+                <a:gd name="connsiteY5" fmla="*/ 13733 h 13738"/>
+                <a:gd name="connsiteX6" fmla="*/ 0 w 10000"/>
+                <a:gd name="connsiteY6" fmla="*/ 8853 h 13738"/>
+                <a:gd name="connsiteX0" fmla="*/ 0 w 10000"/>
+                <a:gd name="connsiteY0" fmla="*/ 8853 h 13800"/>
+                <a:gd name="connsiteX1" fmla="*/ 2058 w 10000"/>
+                <a:gd name="connsiteY1" fmla="*/ 3016 h 13800"/>
+                <a:gd name="connsiteX2" fmla="*/ 7381 w 10000"/>
+                <a:gd name="connsiteY2" fmla="*/ 82 h 13800"/>
+                <a:gd name="connsiteX3" fmla="*/ 10000 w 10000"/>
+                <a:gd name="connsiteY3" fmla="*/ 3433 h 13800"/>
+                <a:gd name="connsiteX4" fmla="*/ 7729 w 10000"/>
+                <a:gd name="connsiteY4" fmla="*/ 10000 h 13800"/>
+                <a:gd name="connsiteX5" fmla="*/ 7381 w 10000"/>
+                <a:gd name="connsiteY5" fmla="*/ 12170 h 13800"/>
+                <a:gd name="connsiteX6" fmla="*/ 2595 w 10000"/>
+                <a:gd name="connsiteY6" fmla="*/ 13733 h 13800"/>
+                <a:gd name="connsiteX7" fmla="*/ 0 w 10000"/>
+                <a:gd name="connsiteY7" fmla="*/ 8853 h 13800"/>
+                <a:gd name="connsiteX0" fmla="*/ 0 w 10000"/>
+                <a:gd name="connsiteY0" fmla="*/ 8853 h 13800"/>
+                <a:gd name="connsiteX1" fmla="*/ 2058 w 10000"/>
+                <a:gd name="connsiteY1" fmla="*/ 3016 h 13800"/>
+                <a:gd name="connsiteX2" fmla="*/ 7381 w 10000"/>
+                <a:gd name="connsiteY2" fmla="*/ 82 h 13800"/>
+                <a:gd name="connsiteX3" fmla="*/ 10000 w 10000"/>
+                <a:gd name="connsiteY3" fmla="*/ 3433 h 13800"/>
+                <a:gd name="connsiteX4" fmla="*/ 5238 w 10000"/>
+                <a:gd name="connsiteY4" fmla="*/ 6647 h 13800"/>
+                <a:gd name="connsiteX5" fmla="*/ 7729 w 10000"/>
+                <a:gd name="connsiteY5" fmla="*/ 10000 h 13800"/>
+                <a:gd name="connsiteX6" fmla="*/ 7381 w 10000"/>
+                <a:gd name="connsiteY6" fmla="*/ 12170 h 13800"/>
+                <a:gd name="connsiteX7" fmla="*/ 2595 w 10000"/>
+                <a:gd name="connsiteY7" fmla="*/ 13733 h 13800"/>
+                <a:gd name="connsiteX8" fmla="*/ 0 w 10000"/>
+                <a:gd name="connsiteY8" fmla="*/ 8853 h 13800"/>
+                <a:gd name="connsiteX0" fmla="*/ 0 w 10016"/>
+                <a:gd name="connsiteY0" fmla="*/ 8853 h 13800"/>
+                <a:gd name="connsiteX1" fmla="*/ 2058 w 10016"/>
+                <a:gd name="connsiteY1" fmla="*/ 3016 h 13800"/>
+                <a:gd name="connsiteX2" fmla="*/ 7381 w 10016"/>
+                <a:gd name="connsiteY2" fmla="*/ 82 h 13800"/>
+                <a:gd name="connsiteX3" fmla="*/ 10000 w 10016"/>
+                <a:gd name="connsiteY3" fmla="*/ 3433 h 13800"/>
+                <a:gd name="connsiteX4" fmla="*/ 8881 w 10016"/>
+                <a:gd name="connsiteY4" fmla="*/ 6543 h 13800"/>
+                <a:gd name="connsiteX5" fmla="*/ 5238 w 10016"/>
+                <a:gd name="connsiteY5" fmla="*/ 6647 h 13800"/>
+                <a:gd name="connsiteX6" fmla="*/ 7729 w 10016"/>
+                <a:gd name="connsiteY6" fmla="*/ 10000 h 13800"/>
+                <a:gd name="connsiteX7" fmla="*/ 7381 w 10016"/>
+                <a:gd name="connsiteY7" fmla="*/ 12170 h 13800"/>
+                <a:gd name="connsiteX8" fmla="*/ 2595 w 10016"/>
+                <a:gd name="connsiteY8" fmla="*/ 13733 h 13800"/>
+                <a:gd name="connsiteX9" fmla="*/ 0 w 10016"/>
+                <a:gd name="connsiteY9" fmla="*/ 8853 h 13800"/>
+                <a:gd name="connsiteX0" fmla="*/ 0 w 10016"/>
+                <a:gd name="connsiteY0" fmla="*/ 8853 h 13800"/>
+                <a:gd name="connsiteX1" fmla="*/ 2058 w 10016"/>
+                <a:gd name="connsiteY1" fmla="*/ 3016 h 13800"/>
+                <a:gd name="connsiteX2" fmla="*/ 7381 w 10016"/>
+                <a:gd name="connsiteY2" fmla="*/ 82 h 13800"/>
+                <a:gd name="connsiteX3" fmla="*/ 8524 w 10016"/>
+                <a:gd name="connsiteY3" fmla="*/ 2375 h 13800"/>
+                <a:gd name="connsiteX4" fmla="*/ 10000 w 10016"/>
+                <a:gd name="connsiteY4" fmla="*/ 3433 h 13800"/>
+                <a:gd name="connsiteX5" fmla="*/ 8881 w 10016"/>
+                <a:gd name="connsiteY5" fmla="*/ 6543 h 13800"/>
+                <a:gd name="connsiteX6" fmla="*/ 5238 w 10016"/>
+                <a:gd name="connsiteY6" fmla="*/ 6647 h 13800"/>
+                <a:gd name="connsiteX7" fmla="*/ 7729 w 10016"/>
+                <a:gd name="connsiteY7" fmla="*/ 10000 h 13800"/>
+                <a:gd name="connsiteX8" fmla="*/ 7381 w 10016"/>
+                <a:gd name="connsiteY8" fmla="*/ 12170 h 13800"/>
+                <a:gd name="connsiteX9" fmla="*/ 2595 w 10016"/>
+                <a:gd name="connsiteY9" fmla="*/ 13733 h 13800"/>
+                <a:gd name="connsiteX10" fmla="*/ 0 w 10016"/>
+                <a:gd name="connsiteY10" fmla="*/ 8853 h 13800"/>
+                <a:gd name="connsiteX0" fmla="*/ 0 w 10016"/>
+                <a:gd name="connsiteY0" fmla="*/ 8774 h 13721"/>
+                <a:gd name="connsiteX1" fmla="*/ 2058 w 10016"/>
+                <a:gd name="connsiteY1" fmla="*/ 2937 h 13721"/>
+                <a:gd name="connsiteX2" fmla="*/ 4953 w 10016"/>
+                <a:gd name="connsiteY2" fmla="*/ 3442 h 13721"/>
+                <a:gd name="connsiteX3" fmla="*/ 7381 w 10016"/>
+                <a:gd name="connsiteY3" fmla="*/ 3 h 13721"/>
+                <a:gd name="connsiteX4" fmla="*/ 8524 w 10016"/>
+                <a:gd name="connsiteY4" fmla="*/ 2296 h 13721"/>
+                <a:gd name="connsiteX5" fmla="*/ 10000 w 10016"/>
+                <a:gd name="connsiteY5" fmla="*/ 3354 h 13721"/>
+                <a:gd name="connsiteX6" fmla="*/ 8881 w 10016"/>
+                <a:gd name="connsiteY6" fmla="*/ 6464 h 13721"/>
+                <a:gd name="connsiteX7" fmla="*/ 5238 w 10016"/>
+                <a:gd name="connsiteY7" fmla="*/ 6568 h 13721"/>
+                <a:gd name="connsiteX8" fmla="*/ 7729 w 10016"/>
+                <a:gd name="connsiteY8" fmla="*/ 9921 h 13721"/>
+                <a:gd name="connsiteX9" fmla="*/ 7381 w 10016"/>
+                <a:gd name="connsiteY9" fmla="*/ 12091 h 13721"/>
+                <a:gd name="connsiteX10" fmla="*/ 2595 w 10016"/>
+                <a:gd name="connsiteY10" fmla="*/ 13654 h 13721"/>
+                <a:gd name="connsiteX11" fmla="*/ 0 w 10016"/>
+                <a:gd name="connsiteY11" fmla="*/ 8774 h 13721"/>
+              </a:gdLst>
+              <a:ahLst/>
+              <a:cxnLst>
+                <a:cxn ang="0">
+                  <a:pos x="connsiteX0" y="connsiteY0"/>
+                </a:cxn>
+                <a:cxn ang="0">
+                  <a:pos x="connsiteX1" y="connsiteY1"/>
+                </a:cxn>
+                <a:cxn ang="0">
+                  <a:pos x="connsiteX2" y="connsiteY2"/>
+                </a:cxn>
+                <a:cxn ang="0">
+                  <a:pos x="connsiteX3" y="connsiteY3"/>
+                </a:cxn>
+                <a:cxn ang="0">
+                  <a:pos x="connsiteX4" y="connsiteY4"/>
+                </a:cxn>
+                <a:cxn ang="0">
+                  <a:pos x="connsiteX5" y="connsiteY5"/>
+                </a:cxn>
+                <a:cxn ang="0">
+                  <a:pos x="connsiteX6" y="connsiteY6"/>
+                </a:cxn>
+                <a:cxn ang="0">
+                  <a:pos x="connsiteX7" y="connsiteY7"/>
+                </a:cxn>
+                <a:cxn ang="0">
+                  <a:pos x="connsiteX8" y="connsiteY8"/>
+                </a:cxn>
+                <a:cxn ang="0">
+                  <a:pos x="connsiteX9" y="connsiteY9"/>
+                </a:cxn>
+                <a:cxn ang="0">
+                  <a:pos x="connsiteX10" y="connsiteY10"/>
+                </a:cxn>
+                <a:cxn ang="0">
+                  <a:pos x="connsiteX11" y="connsiteY11"/>
+                </a:cxn>
+              </a:cxnLst>
+              <a:rect l="l" t="t" r="r" b="b"/>
+              <a:pathLst>
+                <a:path w="10016" h="13721">
+                  <a:moveTo>
+                    <a:pt x="0" y="8774"/>
+                  </a:moveTo>
+                  <a:lnTo>
+                    <a:pt x="2058" y="2937"/>
+                  </a:lnTo>
+                  <a:cubicBezTo>
+                    <a:pt x="2824" y="1753"/>
+                    <a:pt x="4066" y="3931"/>
+                    <a:pt x="4953" y="3442"/>
+                  </a:cubicBezTo>
+                  <a:cubicBezTo>
+                    <a:pt x="5840" y="2953"/>
+                    <a:pt x="6726" y="-101"/>
+                    <a:pt x="7381" y="3"/>
+                  </a:cubicBezTo>
+                  <a:cubicBezTo>
+                    <a:pt x="7929" y="663"/>
+                    <a:pt x="7976" y="1636"/>
+                    <a:pt x="8524" y="2296"/>
+                  </a:cubicBezTo>
+                  <a:lnTo>
+                    <a:pt x="10000" y="3354"/>
+                  </a:lnTo>
+                  <a:cubicBezTo>
+                    <a:pt x="10107" y="4153"/>
+                    <a:pt x="9675" y="5928"/>
+                    <a:pt x="8881" y="6464"/>
+                  </a:cubicBezTo>
+                  <a:cubicBezTo>
+                    <a:pt x="8087" y="7000"/>
+                    <a:pt x="5287" y="5714"/>
+                    <a:pt x="5238" y="6568"/>
+                  </a:cubicBezTo>
+                  <a:lnTo>
+                    <a:pt x="7729" y="9921"/>
+                  </a:lnTo>
+                  <a:cubicBezTo>
+                    <a:pt x="7066" y="11203"/>
+                    <a:pt x="8237" y="11469"/>
+                    <a:pt x="7381" y="12091"/>
+                  </a:cubicBezTo>
+                  <a:cubicBezTo>
+                    <a:pt x="6525" y="12713"/>
+                    <a:pt x="3599" y="14033"/>
+                    <a:pt x="2595" y="13654"/>
+                  </a:cubicBezTo>
+                  <a:lnTo>
+                    <a:pt x="0" y="8774"/>
+                  </a:lnTo>
+                  <a:close/>
+                </a:path>
+              </a:pathLst>
+            </a:custGeom>
+            <a:solidFill>
+              <a:srgbClr val="E6AA04">
+                <a:alpha val="20000"/>
+              </a:srgbClr>
+            </a:solidFill>
+            <a:ln>
+              <a:noFill/>
+            </a:ln>
+          </p:spPr>
+          <p:style>
+            <a:lnRef idx="2">
+              <a:schemeClr val="accent1">
+                <a:shade val="15000"/>
+              </a:schemeClr>
+            </a:lnRef>
+            <a:fillRef idx="1">
+              <a:schemeClr val="accent1"/>
+            </a:fillRef>
+            <a:effectRef idx="0">
+              <a:schemeClr val="accent1"/>
+            </a:effectRef>
+            <a:fontRef idx="minor">
+              <a:schemeClr val="lt1"/>
+            </a:fontRef>
+          </p:style>
+          <p:txBody>
+            <a:bodyPr rtlCol="0" anchor="ctr"/>
+            <a:lstStyle/>
+            <a:p>
+              <a:pPr algn="ctr"/>
+              <a:endParaRPr lang="en-AU"/>
+            </a:p>
+          </p:txBody>
+        </p:sp>
+        <p:sp>
+          <p:nvSpPr>
+            <p:cNvPr id="43" name="Flowchart: Data 38">
+              <a:extLst>
+                <a:ext uri="{FF2B5EF4-FFF2-40B4-BE49-F238E27FC236}">
+                  <a16:creationId xmlns:a16="http://schemas.microsoft.com/office/drawing/2014/main" id="{113F8C27-A734-E264-30D4-734BF13DC5DD}"/>
+                </a:ext>
+              </a:extLst>
+            </p:cNvPr>
+            <p:cNvSpPr/>
+            <p:nvPr/>
+          </p:nvSpPr>
+          <p:spPr>
+            <a:xfrm rot="16200000" flipV="1">
+              <a:off x="7683017" y="1693526"/>
+              <a:ext cx="1198339" cy="1125203"/>
+            </a:xfrm>
+            <a:custGeom>
+              <a:avLst/>
+              <a:gdLst>
+                <a:gd name="connsiteX0" fmla="*/ 0 w 10000"/>
+                <a:gd name="connsiteY0" fmla="*/ 10000 h 10000"/>
+                <a:gd name="connsiteX1" fmla="*/ 2000 w 10000"/>
+                <a:gd name="connsiteY1" fmla="*/ 0 h 10000"/>
+                <a:gd name="connsiteX2" fmla="*/ 10000 w 10000"/>
+                <a:gd name="connsiteY2" fmla="*/ 0 h 10000"/>
+                <a:gd name="connsiteX3" fmla="*/ 8000 w 10000"/>
+                <a:gd name="connsiteY3" fmla="*/ 10000 h 10000"/>
+                <a:gd name="connsiteX4" fmla="*/ 0 w 10000"/>
+                <a:gd name="connsiteY4" fmla="*/ 10000 h 10000"/>
+                <a:gd name="connsiteX0" fmla="*/ 0 w 10000"/>
+                <a:gd name="connsiteY0" fmla="*/ 10000 h 10000"/>
+                <a:gd name="connsiteX1" fmla="*/ 2000 w 10000"/>
+                <a:gd name="connsiteY1" fmla="*/ 0 h 10000"/>
+                <a:gd name="connsiteX2" fmla="*/ 10000 w 10000"/>
+                <a:gd name="connsiteY2" fmla="*/ 0 h 10000"/>
+                <a:gd name="connsiteX3" fmla="*/ 7017 w 10000"/>
+                <a:gd name="connsiteY3" fmla="*/ 7219 h 10000"/>
+                <a:gd name="connsiteX4" fmla="*/ 0 w 10000"/>
+                <a:gd name="connsiteY4" fmla="*/ 10000 h 10000"/>
+                <a:gd name="connsiteX0" fmla="*/ 0 w 8376"/>
+                <a:gd name="connsiteY0" fmla="*/ 10000 h 10000"/>
+                <a:gd name="connsiteX1" fmla="*/ 2000 w 8376"/>
+                <a:gd name="connsiteY1" fmla="*/ 0 h 10000"/>
+                <a:gd name="connsiteX2" fmla="*/ 8376 w 8376"/>
+                <a:gd name="connsiteY2" fmla="*/ 3046 h 10000"/>
+                <a:gd name="connsiteX3" fmla="*/ 7017 w 8376"/>
+                <a:gd name="connsiteY3" fmla="*/ 7219 h 10000"/>
+                <a:gd name="connsiteX4" fmla="*/ 0 w 8376"/>
+                <a:gd name="connsiteY4" fmla="*/ 10000 h 10000"/>
+                <a:gd name="connsiteX0" fmla="*/ 0 w 10000"/>
+                <a:gd name="connsiteY0" fmla="*/ 10000 h 10000"/>
+                <a:gd name="connsiteX1" fmla="*/ 2388 w 10000"/>
+                <a:gd name="connsiteY1" fmla="*/ 0 h 10000"/>
+                <a:gd name="connsiteX2" fmla="*/ 8129 w 10000"/>
+                <a:gd name="connsiteY2" fmla="*/ 916 h 10000"/>
+                <a:gd name="connsiteX3" fmla="*/ 10000 w 10000"/>
+                <a:gd name="connsiteY3" fmla="*/ 3046 h 10000"/>
+                <a:gd name="connsiteX4" fmla="*/ 8378 w 10000"/>
+                <a:gd name="connsiteY4" fmla="*/ 7219 h 10000"/>
+                <a:gd name="connsiteX5" fmla="*/ 0 w 10000"/>
+                <a:gd name="connsiteY5" fmla="*/ 10000 h 10000"/>
+                <a:gd name="connsiteX0" fmla="*/ 0 w 10000"/>
+                <a:gd name="connsiteY0" fmla="*/ 9136 h 9136"/>
+                <a:gd name="connsiteX1" fmla="*/ 4327 w 10000"/>
+                <a:gd name="connsiteY1" fmla="*/ 1917 h 9136"/>
+                <a:gd name="connsiteX2" fmla="*/ 8129 w 10000"/>
+                <a:gd name="connsiteY2" fmla="*/ 52 h 9136"/>
+                <a:gd name="connsiteX3" fmla="*/ 10000 w 10000"/>
+                <a:gd name="connsiteY3" fmla="*/ 2182 h 9136"/>
+                <a:gd name="connsiteX4" fmla="*/ 8378 w 10000"/>
+                <a:gd name="connsiteY4" fmla="*/ 6355 h 9136"/>
+                <a:gd name="connsiteX5" fmla="*/ 0 w 10000"/>
+                <a:gd name="connsiteY5" fmla="*/ 9136 h 9136"/>
+                <a:gd name="connsiteX0" fmla="*/ 0 w 7143"/>
+                <a:gd name="connsiteY0" fmla="*/ 6158 h 6956"/>
+                <a:gd name="connsiteX1" fmla="*/ 1470 w 7143"/>
+                <a:gd name="connsiteY1" fmla="*/ 2098 h 6956"/>
+                <a:gd name="connsiteX2" fmla="*/ 5272 w 7143"/>
+                <a:gd name="connsiteY2" fmla="*/ 57 h 6956"/>
+                <a:gd name="connsiteX3" fmla="*/ 7143 w 7143"/>
+                <a:gd name="connsiteY3" fmla="*/ 2388 h 6956"/>
+                <a:gd name="connsiteX4" fmla="*/ 5521 w 7143"/>
+                <a:gd name="connsiteY4" fmla="*/ 6956 h 6956"/>
+                <a:gd name="connsiteX5" fmla="*/ 0 w 7143"/>
+                <a:gd name="connsiteY5" fmla="*/ 6158 h 6956"/>
+                <a:gd name="connsiteX0" fmla="*/ 0 w 10000"/>
+                <a:gd name="connsiteY0" fmla="*/ 8853 h 13738"/>
+                <a:gd name="connsiteX1" fmla="*/ 2058 w 10000"/>
+                <a:gd name="connsiteY1" fmla="*/ 3016 h 13738"/>
+                <a:gd name="connsiteX2" fmla="*/ 7381 w 10000"/>
+                <a:gd name="connsiteY2" fmla="*/ 82 h 13738"/>
+                <a:gd name="connsiteX3" fmla="*/ 10000 w 10000"/>
+                <a:gd name="connsiteY3" fmla="*/ 3433 h 13738"/>
+                <a:gd name="connsiteX4" fmla="*/ 7729 w 10000"/>
+                <a:gd name="connsiteY4" fmla="*/ 10000 h 13738"/>
+                <a:gd name="connsiteX5" fmla="*/ 2595 w 10000"/>
+                <a:gd name="connsiteY5" fmla="*/ 13733 h 13738"/>
+                <a:gd name="connsiteX6" fmla="*/ 0 w 10000"/>
+                <a:gd name="connsiteY6" fmla="*/ 8853 h 13738"/>
+                <a:gd name="connsiteX0" fmla="*/ 0 w 10000"/>
+                <a:gd name="connsiteY0" fmla="*/ 8853 h 13800"/>
+                <a:gd name="connsiteX1" fmla="*/ 2058 w 10000"/>
+                <a:gd name="connsiteY1" fmla="*/ 3016 h 13800"/>
+                <a:gd name="connsiteX2" fmla="*/ 7381 w 10000"/>
+                <a:gd name="connsiteY2" fmla="*/ 82 h 13800"/>
+                <a:gd name="connsiteX3" fmla="*/ 10000 w 10000"/>
+                <a:gd name="connsiteY3" fmla="*/ 3433 h 13800"/>
+                <a:gd name="connsiteX4" fmla="*/ 7729 w 10000"/>
+                <a:gd name="connsiteY4" fmla="*/ 10000 h 13800"/>
+                <a:gd name="connsiteX5" fmla="*/ 7381 w 10000"/>
+                <a:gd name="connsiteY5" fmla="*/ 12170 h 13800"/>
+                <a:gd name="connsiteX6" fmla="*/ 2595 w 10000"/>
+                <a:gd name="connsiteY6" fmla="*/ 13733 h 13800"/>
+                <a:gd name="connsiteX7" fmla="*/ 0 w 10000"/>
+                <a:gd name="connsiteY7" fmla="*/ 8853 h 13800"/>
+                <a:gd name="connsiteX0" fmla="*/ 0 w 10000"/>
+                <a:gd name="connsiteY0" fmla="*/ 8853 h 13800"/>
+                <a:gd name="connsiteX1" fmla="*/ 2058 w 10000"/>
+                <a:gd name="connsiteY1" fmla="*/ 3016 h 13800"/>
+                <a:gd name="connsiteX2" fmla="*/ 7381 w 10000"/>
+                <a:gd name="connsiteY2" fmla="*/ 82 h 13800"/>
+                <a:gd name="connsiteX3" fmla="*/ 10000 w 10000"/>
+                <a:gd name="connsiteY3" fmla="*/ 3433 h 13800"/>
+                <a:gd name="connsiteX4" fmla="*/ 5238 w 10000"/>
+                <a:gd name="connsiteY4" fmla="*/ 6647 h 13800"/>
+                <a:gd name="connsiteX5" fmla="*/ 7729 w 10000"/>
+                <a:gd name="connsiteY5" fmla="*/ 10000 h 13800"/>
+                <a:gd name="connsiteX6" fmla="*/ 7381 w 10000"/>
+                <a:gd name="connsiteY6" fmla="*/ 12170 h 13800"/>
+                <a:gd name="connsiteX7" fmla="*/ 2595 w 10000"/>
+                <a:gd name="connsiteY7" fmla="*/ 13733 h 13800"/>
+                <a:gd name="connsiteX8" fmla="*/ 0 w 10000"/>
+                <a:gd name="connsiteY8" fmla="*/ 8853 h 13800"/>
+                <a:gd name="connsiteX0" fmla="*/ 0 w 10016"/>
+                <a:gd name="connsiteY0" fmla="*/ 8853 h 13800"/>
+                <a:gd name="connsiteX1" fmla="*/ 2058 w 10016"/>
+                <a:gd name="connsiteY1" fmla="*/ 3016 h 13800"/>
+                <a:gd name="connsiteX2" fmla="*/ 7381 w 10016"/>
+                <a:gd name="connsiteY2" fmla="*/ 82 h 13800"/>
+                <a:gd name="connsiteX3" fmla="*/ 10000 w 10016"/>
+                <a:gd name="connsiteY3" fmla="*/ 3433 h 13800"/>
+                <a:gd name="connsiteX4" fmla="*/ 8881 w 10016"/>
+                <a:gd name="connsiteY4" fmla="*/ 6543 h 13800"/>
+                <a:gd name="connsiteX5" fmla="*/ 5238 w 10016"/>
+                <a:gd name="connsiteY5" fmla="*/ 6647 h 13800"/>
+                <a:gd name="connsiteX6" fmla="*/ 7729 w 10016"/>
+                <a:gd name="connsiteY6" fmla="*/ 10000 h 13800"/>
+                <a:gd name="connsiteX7" fmla="*/ 7381 w 10016"/>
+                <a:gd name="connsiteY7" fmla="*/ 12170 h 13800"/>
+                <a:gd name="connsiteX8" fmla="*/ 2595 w 10016"/>
+                <a:gd name="connsiteY8" fmla="*/ 13733 h 13800"/>
+                <a:gd name="connsiteX9" fmla="*/ 0 w 10016"/>
+                <a:gd name="connsiteY9" fmla="*/ 8853 h 13800"/>
+                <a:gd name="connsiteX0" fmla="*/ 0 w 10016"/>
+                <a:gd name="connsiteY0" fmla="*/ 8853 h 13800"/>
+                <a:gd name="connsiteX1" fmla="*/ 2058 w 10016"/>
+                <a:gd name="connsiteY1" fmla="*/ 3016 h 13800"/>
+                <a:gd name="connsiteX2" fmla="*/ 7381 w 10016"/>
+                <a:gd name="connsiteY2" fmla="*/ 82 h 13800"/>
+                <a:gd name="connsiteX3" fmla="*/ 8524 w 10016"/>
+                <a:gd name="connsiteY3" fmla="*/ 2375 h 13800"/>
+                <a:gd name="connsiteX4" fmla="*/ 10000 w 10016"/>
+                <a:gd name="connsiteY4" fmla="*/ 3433 h 13800"/>
+                <a:gd name="connsiteX5" fmla="*/ 8881 w 10016"/>
+                <a:gd name="connsiteY5" fmla="*/ 6543 h 13800"/>
+                <a:gd name="connsiteX6" fmla="*/ 5238 w 10016"/>
+                <a:gd name="connsiteY6" fmla="*/ 6647 h 13800"/>
+                <a:gd name="connsiteX7" fmla="*/ 7729 w 10016"/>
+                <a:gd name="connsiteY7" fmla="*/ 10000 h 13800"/>
+                <a:gd name="connsiteX8" fmla="*/ 7381 w 10016"/>
+                <a:gd name="connsiteY8" fmla="*/ 12170 h 13800"/>
+                <a:gd name="connsiteX9" fmla="*/ 2595 w 10016"/>
+                <a:gd name="connsiteY9" fmla="*/ 13733 h 13800"/>
+                <a:gd name="connsiteX10" fmla="*/ 0 w 10016"/>
+                <a:gd name="connsiteY10" fmla="*/ 8853 h 13800"/>
+                <a:gd name="connsiteX0" fmla="*/ 0 w 10016"/>
+                <a:gd name="connsiteY0" fmla="*/ 8774 h 13721"/>
+                <a:gd name="connsiteX1" fmla="*/ 2058 w 10016"/>
+                <a:gd name="connsiteY1" fmla="*/ 2937 h 13721"/>
+                <a:gd name="connsiteX2" fmla="*/ 4953 w 10016"/>
+                <a:gd name="connsiteY2" fmla="*/ 3442 h 13721"/>
+                <a:gd name="connsiteX3" fmla="*/ 7381 w 10016"/>
+                <a:gd name="connsiteY3" fmla="*/ 3 h 13721"/>
+                <a:gd name="connsiteX4" fmla="*/ 8524 w 10016"/>
+                <a:gd name="connsiteY4" fmla="*/ 2296 h 13721"/>
+                <a:gd name="connsiteX5" fmla="*/ 10000 w 10016"/>
+                <a:gd name="connsiteY5" fmla="*/ 3354 h 13721"/>
+                <a:gd name="connsiteX6" fmla="*/ 8881 w 10016"/>
+                <a:gd name="connsiteY6" fmla="*/ 6464 h 13721"/>
+                <a:gd name="connsiteX7" fmla="*/ 5238 w 10016"/>
+                <a:gd name="connsiteY7" fmla="*/ 6568 h 13721"/>
+                <a:gd name="connsiteX8" fmla="*/ 7729 w 10016"/>
+                <a:gd name="connsiteY8" fmla="*/ 9921 h 13721"/>
+                <a:gd name="connsiteX9" fmla="*/ 7381 w 10016"/>
+                <a:gd name="connsiteY9" fmla="*/ 12091 h 13721"/>
+                <a:gd name="connsiteX10" fmla="*/ 2595 w 10016"/>
+                <a:gd name="connsiteY10" fmla="*/ 13654 h 13721"/>
+                <a:gd name="connsiteX11" fmla="*/ 0 w 10016"/>
+                <a:gd name="connsiteY11" fmla="*/ 8774 h 13721"/>
+              </a:gdLst>
+              <a:ahLst/>
+              <a:cxnLst>
+                <a:cxn ang="0">
+                  <a:pos x="connsiteX0" y="connsiteY0"/>
+                </a:cxn>
+                <a:cxn ang="0">
+                  <a:pos x="connsiteX1" y="connsiteY1"/>
+                </a:cxn>
+                <a:cxn ang="0">
+                  <a:pos x="connsiteX2" y="connsiteY2"/>
+                </a:cxn>
+                <a:cxn ang="0">
+                  <a:pos x="connsiteX3" y="connsiteY3"/>
+                </a:cxn>
+                <a:cxn ang="0">
+                  <a:pos x="connsiteX4" y="connsiteY4"/>
+                </a:cxn>
+                <a:cxn ang="0">
+                  <a:pos x="connsiteX5" y="connsiteY5"/>
+                </a:cxn>
+                <a:cxn ang="0">
+                  <a:pos x="connsiteX6" y="connsiteY6"/>
+                </a:cxn>
+                <a:cxn ang="0">
+                  <a:pos x="connsiteX7" y="connsiteY7"/>
+                </a:cxn>
+                <a:cxn ang="0">
+                  <a:pos x="connsiteX8" y="connsiteY8"/>
+                </a:cxn>
+                <a:cxn ang="0">
+                  <a:pos x="connsiteX9" y="connsiteY9"/>
+                </a:cxn>
+                <a:cxn ang="0">
+                  <a:pos x="connsiteX10" y="connsiteY10"/>
+                </a:cxn>
+                <a:cxn ang="0">
+                  <a:pos x="connsiteX11" y="connsiteY11"/>
+                </a:cxn>
+              </a:cxnLst>
+              <a:rect l="l" t="t" r="r" b="b"/>
+              <a:pathLst>
+                <a:path w="10016" h="13721">
+                  <a:moveTo>
+                    <a:pt x="0" y="8774"/>
+                  </a:moveTo>
+                  <a:lnTo>
+                    <a:pt x="2058" y="2937"/>
+                  </a:lnTo>
+                  <a:cubicBezTo>
+                    <a:pt x="2824" y="1753"/>
+                    <a:pt x="4066" y="3931"/>
+                    <a:pt x="4953" y="3442"/>
+                  </a:cubicBezTo>
+                  <a:cubicBezTo>
+                    <a:pt x="5840" y="2953"/>
+                    <a:pt x="6726" y="-101"/>
+                    <a:pt x="7381" y="3"/>
+                  </a:cubicBezTo>
+                  <a:cubicBezTo>
+                    <a:pt x="7929" y="663"/>
+                    <a:pt x="7976" y="1636"/>
+                    <a:pt x="8524" y="2296"/>
+                  </a:cubicBezTo>
+                  <a:lnTo>
+                    <a:pt x="10000" y="3354"/>
+                  </a:lnTo>
+                  <a:cubicBezTo>
+                    <a:pt x="10107" y="4153"/>
+                    <a:pt x="9675" y="5928"/>
+                    <a:pt x="8881" y="6464"/>
+                  </a:cubicBezTo>
+                  <a:cubicBezTo>
+                    <a:pt x="8087" y="7000"/>
+                    <a:pt x="5287" y="5714"/>
+                    <a:pt x="5238" y="6568"/>
+                  </a:cubicBezTo>
+                  <a:lnTo>
+                    <a:pt x="7729" y="9921"/>
+                  </a:lnTo>
+                  <a:cubicBezTo>
+                    <a:pt x="7066" y="11203"/>
+                    <a:pt x="8237" y="11469"/>
+                    <a:pt x="7381" y="12091"/>
+                  </a:cubicBezTo>
+                  <a:cubicBezTo>
+                    <a:pt x="6525" y="12713"/>
+                    <a:pt x="3599" y="14033"/>
+                    <a:pt x="2595" y="13654"/>
+                  </a:cubicBezTo>
+                  <a:lnTo>
+                    <a:pt x="0" y="8774"/>
+                  </a:lnTo>
+                  <a:close/>
+                </a:path>
+              </a:pathLst>
+            </a:custGeom>
+            <a:solidFill>
+              <a:srgbClr val="E6AA04"/>
+            </a:solidFill>
+            <a:ln>
+              <a:noFill/>
+            </a:ln>
+          </p:spPr>
+          <p:style>
+            <a:lnRef idx="2">
+              <a:schemeClr val="accent1">
+                <a:shade val="15000"/>
+              </a:schemeClr>
+            </a:lnRef>
+            <a:fillRef idx="1">
+              <a:schemeClr val="accent1"/>
+            </a:fillRef>
+            <a:effectRef idx="0">
+              <a:schemeClr val="accent1"/>
+            </a:effectRef>
+            <a:fontRef idx="minor">
+              <a:schemeClr val="lt1"/>
+            </a:fontRef>
+          </p:style>
+          <p:txBody>
+            <a:bodyPr rtlCol="0" anchor="ctr"/>
+            <a:lstStyle/>
+            <a:p>
+              <a:pPr algn="ctr"/>
+              <a:endParaRPr lang="en-AU"/>
+            </a:p>
+          </p:txBody>
+        </p:sp>
+        <p:cxnSp>
+          <p:nvCxnSpPr>
+            <p:cNvPr id="45" name="Straight Arrow Connector 44">
+              <a:extLst>
+                <a:ext uri="{FF2B5EF4-FFF2-40B4-BE49-F238E27FC236}">
+                  <a16:creationId xmlns:a16="http://schemas.microsoft.com/office/drawing/2014/main" id="{251F1128-87B9-80E9-F795-06438FAEFB18}"/>
+                </a:ext>
+              </a:extLst>
+            </p:cNvPr>
+            <p:cNvCxnSpPr/>
+            <p:nvPr/>
+          </p:nvCxnSpPr>
+          <p:spPr>
+            <a:xfrm>
+              <a:off x="6423144" y="2253643"/>
+              <a:ext cx="901048" cy="0"/>
+            </a:xfrm>
+            <a:prstGeom prst="straightConnector1">
+              <a:avLst/>
+            </a:prstGeom>
+            <a:ln w="63500">
+              <a:solidFill>
+                <a:srgbClr val="00252A"/>
+              </a:solidFill>
+              <a:tailEnd type="triangle"/>
+            </a:ln>
+          </p:spPr>
+          <p:style>
+            <a:lnRef idx="1">
+              <a:schemeClr val="accent1"/>
+            </a:lnRef>
+            <a:fillRef idx="0">
+              <a:schemeClr val="accent1"/>
+            </a:fillRef>
+            <a:effectRef idx="0">
+              <a:schemeClr val="accent1"/>
+            </a:effectRef>
+            <a:fontRef idx="minor">
+              <a:schemeClr val="tx1"/>
+            </a:fontRef>
+          </p:style>
+        </p:cxnSp>
+      </p:grpSp>
+    </p:spTree>
+    <p:extLst>
+      <p:ext uri="{BB962C8B-B14F-4D97-AF65-F5344CB8AC3E}">
+        <p14:creationId xmlns:p14="http://schemas.microsoft.com/office/powerpoint/2010/main" val="2966608276"/>
+      </p:ext>
+    </p:extLst>
+  </p:cSld>
+  <p:clrMapOvr>
+    <a:masterClrMapping/>
+  </p:clrMapOvr>
+</p:sld>
+</file>
+
 <file path=ppt/theme/theme1.xml><?xml version="1.0" encoding="utf-8"?>
 <a:theme xmlns:a="http://schemas.openxmlformats.org/drawingml/2006/main" name="Office Theme">
   <a:themeElements>

--- a/docs/images/listing_images.pptx
+++ b/docs/images/listing_images.pptx
@@ -12,6 +12,7 @@
     <p:sldId id="262" r:id="rId6"/>
     <p:sldId id="264" r:id="rId7"/>
     <p:sldId id="263" r:id="rId8"/>
+    <p:sldId id="265" r:id="rId9"/>
   </p:sldIdLst>
   <p:sldSz cx="12192000" cy="6858000"/>
   <p:notesSz cx="6858000" cy="9144000"/>
@@ -267,7 +268,7 @@
           <a:p>
             <a:fld id="{D66A3454-FE8B-43FF-A5CF-11748C0C9FCF}" type="datetimeFigureOut">
               <a:rPr lang="en-AU" smtClean="0"/>
-              <a:t>3/05/2025</a:t>
+              <a:t>9/05/2025</a:t>
             </a:fld>
             <a:endParaRPr lang="en-AU"/>
           </a:p>
@@ -467,7 +468,7 @@
           <a:p>
             <a:fld id="{D66A3454-FE8B-43FF-A5CF-11748C0C9FCF}" type="datetimeFigureOut">
               <a:rPr lang="en-AU" smtClean="0"/>
-              <a:t>3/05/2025</a:t>
+              <a:t>9/05/2025</a:t>
             </a:fld>
             <a:endParaRPr lang="en-AU"/>
           </a:p>
@@ -677,7 +678,7 @@
           <a:p>
             <a:fld id="{D66A3454-FE8B-43FF-A5CF-11748C0C9FCF}" type="datetimeFigureOut">
               <a:rPr lang="en-AU" smtClean="0"/>
-              <a:t>3/05/2025</a:t>
+              <a:t>9/05/2025</a:t>
             </a:fld>
             <a:endParaRPr lang="en-AU"/>
           </a:p>
@@ -877,7 +878,7 @@
           <a:p>
             <a:fld id="{D66A3454-FE8B-43FF-A5CF-11748C0C9FCF}" type="datetimeFigureOut">
               <a:rPr lang="en-AU" smtClean="0"/>
-              <a:t>3/05/2025</a:t>
+              <a:t>9/05/2025</a:t>
             </a:fld>
             <a:endParaRPr lang="en-AU"/>
           </a:p>
@@ -1153,7 +1154,7 @@
           <a:p>
             <a:fld id="{D66A3454-FE8B-43FF-A5CF-11748C0C9FCF}" type="datetimeFigureOut">
               <a:rPr lang="en-AU" smtClean="0"/>
-              <a:t>3/05/2025</a:t>
+              <a:t>9/05/2025</a:t>
             </a:fld>
             <a:endParaRPr lang="en-AU"/>
           </a:p>
@@ -1421,7 +1422,7 @@
           <a:p>
             <a:fld id="{D66A3454-FE8B-43FF-A5CF-11748C0C9FCF}" type="datetimeFigureOut">
               <a:rPr lang="en-AU" smtClean="0"/>
-              <a:t>3/05/2025</a:t>
+              <a:t>9/05/2025</a:t>
             </a:fld>
             <a:endParaRPr lang="en-AU"/>
           </a:p>
@@ -1836,7 +1837,7 @@
           <a:p>
             <a:fld id="{D66A3454-FE8B-43FF-A5CF-11748C0C9FCF}" type="datetimeFigureOut">
               <a:rPr lang="en-AU" smtClean="0"/>
-              <a:t>3/05/2025</a:t>
+              <a:t>9/05/2025</a:t>
             </a:fld>
             <a:endParaRPr lang="en-AU"/>
           </a:p>
@@ -1978,7 +1979,7 @@
           <a:p>
             <a:fld id="{D66A3454-FE8B-43FF-A5CF-11748C0C9FCF}" type="datetimeFigureOut">
               <a:rPr lang="en-AU" smtClean="0"/>
-              <a:t>3/05/2025</a:t>
+              <a:t>9/05/2025</a:t>
             </a:fld>
             <a:endParaRPr lang="en-AU"/>
           </a:p>
@@ -2091,7 +2092,7 @@
           <a:p>
             <a:fld id="{D66A3454-FE8B-43FF-A5CF-11748C0C9FCF}" type="datetimeFigureOut">
               <a:rPr lang="en-AU" smtClean="0"/>
-              <a:t>3/05/2025</a:t>
+              <a:t>9/05/2025</a:t>
             </a:fld>
             <a:endParaRPr lang="en-AU"/>
           </a:p>
@@ -2404,7 +2405,7 @@
           <a:p>
             <a:fld id="{D66A3454-FE8B-43FF-A5CF-11748C0C9FCF}" type="datetimeFigureOut">
               <a:rPr lang="en-AU" smtClean="0"/>
-              <a:t>3/05/2025</a:t>
+              <a:t>9/05/2025</a:t>
             </a:fld>
             <a:endParaRPr lang="en-AU"/>
           </a:p>
@@ -2693,7 +2694,7 @@
           <a:p>
             <a:fld id="{D66A3454-FE8B-43FF-A5CF-11748C0C9FCF}" type="datetimeFigureOut">
               <a:rPr lang="en-AU" smtClean="0"/>
-              <a:t>3/05/2025</a:t>
+              <a:t>9/05/2025</a:t>
             </a:fld>
             <a:endParaRPr lang="en-AU"/>
           </a:p>
@@ -2936,7 +2937,7 @@
           <a:p>
             <a:fld id="{D66A3454-FE8B-43FF-A5CF-11748C0C9FCF}" type="datetimeFigureOut">
               <a:rPr lang="en-AU" smtClean="0"/>
-              <a:t>3/05/2025</a:t>
+              <a:t>9/05/2025</a:t>
             </a:fld>
             <a:endParaRPr lang="en-AU"/>
           </a:p>
@@ -12341,6 +12342,1207 @@
 </p:sld>
 </file>
 
+<file path=ppt/slides/slide8.xml><?xml version="1.0" encoding="utf-8"?>
+<p:sld xmlns:a="http://schemas.openxmlformats.org/drawingml/2006/main" xmlns:r="http://schemas.openxmlformats.org/officeDocument/2006/relationships" xmlns:p="http://schemas.openxmlformats.org/presentationml/2006/main">
+  <p:cSld>
+    <p:spTree>
+      <p:nvGrpSpPr>
+        <p:cNvPr id="1" name="">
+          <a:extLst>
+            <a:ext uri="{FF2B5EF4-FFF2-40B4-BE49-F238E27FC236}">
+              <a16:creationId xmlns:a16="http://schemas.microsoft.com/office/drawing/2014/main" id="{C310F163-554A-F5EB-9A57-1D5206E4BEA6}"/>
+            </a:ext>
+          </a:extLst>
+        </p:cNvPr>
+        <p:cNvGrpSpPr/>
+        <p:nvPr/>
+      </p:nvGrpSpPr>
+      <p:grpSpPr>
+        <a:xfrm>
+          <a:off x="0" y="0"/>
+          <a:ext cx="0" cy="0"/>
+          <a:chOff x="0" y="0"/>
+          <a:chExt cx="0" cy="0"/>
+        </a:xfrm>
+      </p:grpSpPr>
+      <p:sp>
+        <p:nvSpPr>
+          <p:cNvPr id="16" name="Rectangle 15">
+            <a:extLst>
+              <a:ext uri="{FF2B5EF4-FFF2-40B4-BE49-F238E27FC236}">
+                <a16:creationId xmlns:a16="http://schemas.microsoft.com/office/drawing/2014/main" id="{01DF7E2C-FF1A-F463-2D1D-A9F044E4C470}"/>
+              </a:ext>
+            </a:extLst>
+          </p:cNvPr>
+          <p:cNvSpPr/>
+          <p:nvPr/>
+        </p:nvSpPr>
+        <p:spPr>
+          <a:xfrm>
+            <a:off x="3326450" y="4396721"/>
+            <a:ext cx="5475600" cy="1800000"/>
+          </a:xfrm>
+          <a:prstGeom prst="rect">
+            <a:avLst/>
+          </a:prstGeom>
+          <a:solidFill>
+            <a:srgbClr val="00252A"/>
+          </a:solidFill>
+        </p:spPr>
+        <p:style>
+          <a:lnRef idx="2">
+            <a:schemeClr val="accent1">
+              <a:shade val="15000"/>
+            </a:schemeClr>
+          </a:lnRef>
+          <a:fillRef idx="1">
+            <a:schemeClr val="accent1"/>
+          </a:fillRef>
+          <a:effectRef idx="0">
+            <a:schemeClr val="accent1"/>
+          </a:effectRef>
+          <a:fontRef idx="minor">
+            <a:schemeClr val="lt1"/>
+          </a:fontRef>
+        </p:style>
+        <p:txBody>
+          <a:bodyPr rtlCol="0" anchor="ctr"/>
+          <a:lstStyle/>
+          <a:p>
+            <a:pPr algn="ctr"/>
+            <a:r>
+              <a:rPr lang="en-AU" sz="1400" dirty="0"/>
+              <a:t>5cmx15.21cm Placeholder Image</a:t>
+            </a:r>
+          </a:p>
+        </p:txBody>
+      </p:sp>
+      <p:grpSp>
+        <p:nvGrpSpPr>
+          <p:cNvPr id="91" name="Group 90">
+            <a:extLst>
+              <a:ext uri="{FF2B5EF4-FFF2-40B4-BE49-F238E27FC236}">
+                <a16:creationId xmlns:a16="http://schemas.microsoft.com/office/drawing/2014/main" id="{3F9F8834-E535-9488-A643-1CCC25196A94}"/>
+              </a:ext>
+            </a:extLst>
+          </p:cNvPr>
+          <p:cNvGrpSpPr>
+            <a:grpSpLocks noChangeAspect="1"/>
+          </p:cNvGrpSpPr>
+          <p:nvPr/>
+        </p:nvGrpSpPr>
+        <p:grpSpPr>
+          <a:xfrm>
+            <a:off x="2211970" y="742271"/>
+            <a:ext cx="7704560" cy="2485282"/>
+            <a:chOff x="1621364" y="722100"/>
+            <a:chExt cx="7704560" cy="2485282"/>
+          </a:xfrm>
+        </p:grpSpPr>
+        <p:sp>
+          <p:nvSpPr>
+            <p:cNvPr id="2" name="TextBox 1">
+              <a:extLst>
+                <a:ext uri="{FF2B5EF4-FFF2-40B4-BE49-F238E27FC236}">
+                  <a16:creationId xmlns:a16="http://schemas.microsoft.com/office/drawing/2014/main" id="{D7248423-0A1C-486A-AEDE-04A7A7F1C7F4}"/>
+                </a:ext>
+              </a:extLst>
+            </p:cNvPr>
+            <p:cNvSpPr txBox="1"/>
+            <p:nvPr/>
+          </p:nvSpPr>
+          <p:spPr>
+            <a:xfrm>
+              <a:off x="1621364" y="1415514"/>
+              <a:ext cx="4019076" cy="369332"/>
+            </a:xfrm>
+            <a:prstGeom prst="rect">
+              <a:avLst/>
+            </a:prstGeom>
+            <a:noFill/>
+          </p:spPr>
+          <p:txBody>
+            <a:bodyPr wrap="square" rtlCol="0">
+              <a:spAutoFit/>
+            </a:bodyPr>
+            <a:lstStyle/>
+            <a:p>
+              <a:pPr algn="ctr"/>
+              <a:r>
+                <a:rPr lang="en-AU" dirty="0">
+                  <a:solidFill>
+                    <a:srgbClr val="E6AA04"/>
+                  </a:solidFill>
+                </a:rPr>
+                <a:t>function_name &lt;- function(inputs){code} </a:t>
+              </a:r>
+            </a:p>
+          </p:txBody>
+        </p:sp>
+        <p:sp>
+          <p:nvSpPr>
+            <p:cNvPr id="3" name="TextBox 2">
+              <a:extLst>
+                <a:ext uri="{FF2B5EF4-FFF2-40B4-BE49-F238E27FC236}">
+                  <a16:creationId xmlns:a16="http://schemas.microsoft.com/office/drawing/2014/main" id="{9F5568A5-BF2B-5D9E-37FC-30BB2252ED58}"/>
+                </a:ext>
+              </a:extLst>
+            </p:cNvPr>
+            <p:cNvSpPr txBox="1"/>
+            <p:nvPr/>
+          </p:nvSpPr>
+          <p:spPr>
+            <a:xfrm>
+              <a:off x="6863599" y="1239396"/>
+              <a:ext cx="1742275" cy="369332"/>
+            </a:xfrm>
+            <a:prstGeom prst="rect">
+              <a:avLst/>
+            </a:prstGeom>
+            <a:noFill/>
+          </p:spPr>
+          <p:txBody>
+            <a:bodyPr wrap="square" rtlCol="0">
+              <a:spAutoFit/>
+            </a:bodyPr>
+            <a:lstStyle/>
+            <a:p>
+              <a:r>
+                <a:rPr lang="en-AU" dirty="0">
+                  <a:solidFill>
+                    <a:srgbClr val="8E3B46"/>
+                  </a:solidFill>
+                </a:rPr>
+                <a:t>map(                )</a:t>
+              </a:r>
+            </a:p>
+          </p:txBody>
+        </p:sp>
+        <p:sp>
+          <p:nvSpPr>
+            <p:cNvPr id="5" name="TextBox 4">
+              <a:extLst>
+                <a:ext uri="{FF2B5EF4-FFF2-40B4-BE49-F238E27FC236}">
+                  <a16:creationId xmlns:a16="http://schemas.microsoft.com/office/drawing/2014/main" id="{EFE5E349-0CBE-E45F-F559-9A4ADE69BF46}"/>
+                </a:ext>
+              </a:extLst>
+            </p:cNvPr>
+            <p:cNvSpPr txBox="1"/>
+            <p:nvPr/>
+          </p:nvSpPr>
+          <p:spPr>
+            <a:xfrm>
+              <a:off x="6863598" y="2663448"/>
+              <a:ext cx="2359349" cy="369332"/>
+            </a:xfrm>
+            <a:prstGeom prst="rect">
+              <a:avLst/>
+            </a:prstGeom>
+            <a:noFill/>
+          </p:spPr>
+          <p:txBody>
+            <a:bodyPr wrap="square" rtlCol="0">
+              <a:spAutoFit/>
+            </a:bodyPr>
+            <a:lstStyle/>
+            <a:p>
+              <a:r>
+                <a:rPr lang="en-AU" dirty="0">
+                  <a:solidFill>
+                    <a:srgbClr val="8E3B46"/>
+                  </a:solidFill>
+                </a:rPr>
+                <a:t>for (i in 1:10)</a:t>
+              </a:r>
+              <a:r>
+                <a:rPr lang="en-AU" dirty="0">
+                  <a:solidFill>
+                    <a:srgbClr val="E6AA04"/>
+                  </a:solidFill>
+                </a:rPr>
+                <a:t>{“func”}</a:t>
+              </a:r>
+            </a:p>
+          </p:txBody>
+        </p:sp>
+        <p:sp>
+          <p:nvSpPr>
+            <p:cNvPr id="6" name="TextBox 5">
+              <a:extLst>
+                <a:ext uri="{FF2B5EF4-FFF2-40B4-BE49-F238E27FC236}">
+                  <a16:creationId xmlns:a16="http://schemas.microsoft.com/office/drawing/2014/main" id="{21A4518D-99DD-3EA4-5EBF-CB31FF2FF0E8}"/>
+                </a:ext>
+              </a:extLst>
+            </p:cNvPr>
+            <p:cNvSpPr txBox="1"/>
+            <p:nvPr/>
+          </p:nvSpPr>
+          <p:spPr>
+            <a:xfrm>
+              <a:off x="4004304" y="1928844"/>
+              <a:ext cx="1847002" cy="369332"/>
+            </a:xfrm>
+            <a:prstGeom prst="rect">
+              <a:avLst/>
+            </a:prstGeom>
+            <a:noFill/>
+          </p:spPr>
+          <p:txBody>
+            <a:bodyPr wrap="square" rtlCol="0">
+              <a:spAutoFit/>
+            </a:bodyPr>
+            <a:lstStyle/>
+            <a:p>
+              <a:pPr algn="ctr"/>
+              <a:r>
+                <a:rPr lang="en-AU" dirty="0">
+                  <a:solidFill>
+                    <a:srgbClr val="E6AA04"/>
+                  </a:solidFill>
+                </a:rPr>
+                <a:t>“func” (for short)</a:t>
+              </a:r>
+            </a:p>
+          </p:txBody>
+        </p:sp>
+        <p:sp>
+          <p:nvSpPr>
+            <p:cNvPr id="17" name="TextBox 16">
+              <a:extLst>
+                <a:ext uri="{FF2B5EF4-FFF2-40B4-BE49-F238E27FC236}">
+                  <a16:creationId xmlns:a16="http://schemas.microsoft.com/office/drawing/2014/main" id="{685BF3A8-C112-C7C4-5A25-D1BEEBEF8B51}"/>
+                </a:ext>
+              </a:extLst>
+            </p:cNvPr>
+            <p:cNvSpPr txBox="1"/>
+            <p:nvPr/>
+          </p:nvSpPr>
+          <p:spPr>
+            <a:xfrm>
+              <a:off x="7443450" y="722100"/>
+              <a:ext cx="800474" cy="369332"/>
+            </a:xfrm>
+            <a:prstGeom prst="rect">
+              <a:avLst/>
+            </a:prstGeom>
+            <a:noFill/>
+          </p:spPr>
+          <p:txBody>
+            <a:bodyPr wrap="square" rtlCol="0">
+              <a:spAutoFit/>
+            </a:bodyPr>
+            <a:lstStyle/>
+            <a:p>
+              <a:pPr algn="ctr"/>
+              <a:r>
+                <a:rPr lang="en-AU" dirty="0">
+                  <a:solidFill>
+                    <a:srgbClr val="E6AA04"/>
+                  </a:solidFill>
+                </a:rPr>
+                <a:t>“func”</a:t>
+              </a:r>
+            </a:p>
+          </p:txBody>
+        </p:sp>
+        <p:sp>
+          <p:nvSpPr>
+            <p:cNvPr id="18" name="TextBox 17">
+              <a:extLst>
+                <a:ext uri="{FF2B5EF4-FFF2-40B4-BE49-F238E27FC236}">
+                  <a16:creationId xmlns:a16="http://schemas.microsoft.com/office/drawing/2014/main" id="{FB04040B-E605-5C03-B276-CF5AECBC15A5}"/>
+                </a:ext>
+              </a:extLst>
+            </p:cNvPr>
+            <p:cNvSpPr txBox="1"/>
+            <p:nvPr/>
+          </p:nvSpPr>
+          <p:spPr>
+            <a:xfrm>
+              <a:off x="7443450" y="926540"/>
+              <a:ext cx="800474" cy="369332"/>
+            </a:xfrm>
+            <a:prstGeom prst="rect">
+              <a:avLst/>
+            </a:prstGeom>
+            <a:noFill/>
+          </p:spPr>
+          <p:txBody>
+            <a:bodyPr wrap="square" rtlCol="0">
+              <a:spAutoFit/>
+            </a:bodyPr>
+            <a:lstStyle/>
+            <a:p>
+              <a:pPr algn="ctr"/>
+              <a:r>
+                <a:rPr lang="en-AU" dirty="0">
+                  <a:solidFill>
+                    <a:srgbClr val="E6AA04"/>
+                  </a:solidFill>
+                </a:rPr>
+                <a:t>“func”</a:t>
+              </a:r>
+            </a:p>
+          </p:txBody>
+        </p:sp>
+        <p:sp>
+          <p:nvSpPr>
+            <p:cNvPr id="19" name="TextBox 18">
+              <a:extLst>
+                <a:ext uri="{FF2B5EF4-FFF2-40B4-BE49-F238E27FC236}">
+                  <a16:creationId xmlns:a16="http://schemas.microsoft.com/office/drawing/2014/main" id="{CF976D97-8A4E-2D8C-41E7-4F5942410DDE}"/>
+                </a:ext>
+              </a:extLst>
+            </p:cNvPr>
+            <p:cNvSpPr txBox="1"/>
+            <p:nvPr/>
+          </p:nvSpPr>
+          <p:spPr>
+            <a:xfrm>
+              <a:off x="7443450" y="1135279"/>
+              <a:ext cx="800474" cy="369332"/>
+            </a:xfrm>
+            <a:prstGeom prst="rect">
+              <a:avLst/>
+            </a:prstGeom>
+            <a:noFill/>
+          </p:spPr>
+          <p:txBody>
+            <a:bodyPr wrap="square" rtlCol="0">
+              <a:spAutoFit/>
+            </a:bodyPr>
+            <a:lstStyle/>
+            <a:p>
+              <a:pPr algn="ctr"/>
+              <a:r>
+                <a:rPr lang="en-AU" dirty="0">
+                  <a:solidFill>
+                    <a:srgbClr val="E6AA04"/>
+                  </a:solidFill>
+                </a:rPr>
+                <a:t>“func”</a:t>
+              </a:r>
+            </a:p>
+          </p:txBody>
+        </p:sp>
+        <p:sp>
+          <p:nvSpPr>
+            <p:cNvPr id="20" name="TextBox 19">
+              <a:extLst>
+                <a:ext uri="{FF2B5EF4-FFF2-40B4-BE49-F238E27FC236}">
+                  <a16:creationId xmlns:a16="http://schemas.microsoft.com/office/drawing/2014/main" id="{A8C4ED06-3C6C-0CF8-34FE-9ACB3713F0E2}"/>
+                </a:ext>
+              </a:extLst>
+            </p:cNvPr>
+            <p:cNvSpPr txBox="1"/>
+            <p:nvPr/>
+          </p:nvSpPr>
+          <p:spPr>
+            <a:xfrm>
+              <a:off x="7443450" y="1340529"/>
+              <a:ext cx="800474" cy="369332"/>
+            </a:xfrm>
+            <a:prstGeom prst="rect">
+              <a:avLst/>
+            </a:prstGeom>
+            <a:noFill/>
+          </p:spPr>
+          <p:txBody>
+            <a:bodyPr wrap="square" rtlCol="0">
+              <a:spAutoFit/>
+            </a:bodyPr>
+            <a:lstStyle/>
+            <a:p>
+              <a:pPr algn="ctr"/>
+              <a:r>
+                <a:rPr lang="en-AU" dirty="0">
+                  <a:solidFill>
+                    <a:srgbClr val="E6AA04"/>
+                  </a:solidFill>
+                </a:rPr>
+                <a:t>“func”</a:t>
+              </a:r>
+            </a:p>
+          </p:txBody>
+        </p:sp>
+        <p:sp>
+          <p:nvSpPr>
+            <p:cNvPr id="21" name="TextBox 20">
+              <a:extLst>
+                <a:ext uri="{FF2B5EF4-FFF2-40B4-BE49-F238E27FC236}">
+                  <a16:creationId xmlns:a16="http://schemas.microsoft.com/office/drawing/2014/main" id="{907D51EA-D0F3-AD4C-CA11-F48032FB8D2C}"/>
+                </a:ext>
+              </a:extLst>
+            </p:cNvPr>
+            <p:cNvSpPr txBox="1"/>
+            <p:nvPr/>
+          </p:nvSpPr>
+          <p:spPr>
+            <a:xfrm>
+              <a:off x="7443450" y="1550079"/>
+              <a:ext cx="800474" cy="369332"/>
+            </a:xfrm>
+            <a:prstGeom prst="rect">
+              <a:avLst/>
+            </a:prstGeom>
+            <a:noFill/>
+          </p:spPr>
+          <p:txBody>
+            <a:bodyPr wrap="square" rtlCol="0">
+              <a:spAutoFit/>
+            </a:bodyPr>
+            <a:lstStyle/>
+            <a:p>
+              <a:pPr algn="ctr"/>
+              <a:r>
+                <a:rPr lang="en-AU" dirty="0">
+                  <a:solidFill>
+                    <a:srgbClr val="E6AA04"/>
+                  </a:solidFill>
+                </a:rPr>
+                <a:t>“func”</a:t>
+              </a:r>
+            </a:p>
+          </p:txBody>
+        </p:sp>
+        <p:sp>
+          <p:nvSpPr>
+            <p:cNvPr id="22" name="TextBox 21">
+              <a:extLst>
+                <a:ext uri="{FF2B5EF4-FFF2-40B4-BE49-F238E27FC236}">
+                  <a16:creationId xmlns:a16="http://schemas.microsoft.com/office/drawing/2014/main" id="{BAD7B2A2-F6F4-8A81-50DB-A61DCD59E7FD}"/>
+                </a:ext>
+              </a:extLst>
+            </p:cNvPr>
+            <p:cNvSpPr txBox="1"/>
+            <p:nvPr/>
+          </p:nvSpPr>
+          <p:spPr>
+            <a:xfrm>
+              <a:off x="7443450" y="1752932"/>
+              <a:ext cx="800474" cy="369332"/>
+            </a:xfrm>
+            <a:prstGeom prst="rect">
+              <a:avLst/>
+            </a:prstGeom>
+            <a:noFill/>
+          </p:spPr>
+          <p:txBody>
+            <a:bodyPr wrap="square" rtlCol="0">
+              <a:spAutoFit/>
+            </a:bodyPr>
+            <a:lstStyle/>
+            <a:p>
+              <a:pPr algn="ctr"/>
+              <a:r>
+                <a:rPr lang="en-AU" dirty="0">
+                  <a:solidFill>
+                    <a:srgbClr val="E6AA04"/>
+                  </a:solidFill>
+                </a:rPr>
+                <a:t>“func”</a:t>
+              </a:r>
+            </a:p>
+          </p:txBody>
+        </p:sp>
+        <p:cxnSp>
+          <p:nvCxnSpPr>
+            <p:cNvPr id="26" name="Straight Arrow Connector 25">
+              <a:extLst>
+                <a:ext uri="{FF2B5EF4-FFF2-40B4-BE49-F238E27FC236}">
+                  <a16:creationId xmlns:a16="http://schemas.microsoft.com/office/drawing/2014/main" id="{80EC0D0D-534D-AC2E-C0AB-0D4E24AA16CC}"/>
+                </a:ext>
+              </a:extLst>
+            </p:cNvPr>
+            <p:cNvCxnSpPr>
+              <a:cxnSpLocks/>
+            </p:cNvCxnSpPr>
+            <p:nvPr/>
+          </p:nvCxnSpPr>
+          <p:spPr>
+            <a:xfrm>
+              <a:off x="8497923" y="902237"/>
+              <a:ext cx="828000" cy="0"/>
+            </a:xfrm>
+            <a:prstGeom prst="straightConnector1">
+              <a:avLst/>
+            </a:prstGeom>
+            <a:ln w="38100">
+              <a:solidFill>
+                <a:srgbClr val="00252A"/>
+              </a:solidFill>
+              <a:tailEnd type="triangle"/>
+            </a:ln>
+          </p:spPr>
+          <p:style>
+            <a:lnRef idx="1">
+              <a:schemeClr val="accent1"/>
+            </a:lnRef>
+            <a:fillRef idx="0">
+              <a:schemeClr val="accent1"/>
+            </a:fillRef>
+            <a:effectRef idx="0">
+              <a:schemeClr val="accent1"/>
+            </a:effectRef>
+            <a:fontRef idx="minor">
+              <a:schemeClr val="tx1"/>
+            </a:fontRef>
+          </p:style>
+        </p:cxnSp>
+        <p:cxnSp>
+          <p:nvCxnSpPr>
+            <p:cNvPr id="27" name="Straight Arrow Connector 26">
+              <a:extLst>
+                <a:ext uri="{FF2B5EF4-FFF2-40B4-BE49-F238E27FC236}">
+                  <a16:creationId xmlns:a16="http://schemas.microsoft.com/office/drawing/2014/main" id="{B44D1C56-EB0A-455A-F1FF-507FBD1C3BD1}"/>
+                </a:ext>
+              </a:extLst>
+            </p:cNvPr>
+            <p:cNvCxnSpPr>
+              <a:cxnSpLocks/>
+            </p:cNvCxnSpPr>
+            <p:nvPr/>
+          </p:nvCxnSpPr>
+          <p:spPr>
+            <a:xfrm>
+              <a:off x="8497924" y="1106677"/>
+              <a:ext cx="828000" cy="0"/>
+            </a:xfrm>
+            <a:prstGeom prst="straightConnector1">
+              <a:avLst/>
+            </a:prstGeom>
+            <a:ln w="38100">
+              <a:solidFill>
+                <a:srgbClr val="00252A"/>
+              </a:solidFill>
+              <a:tailEnd type="triangle"/>
+            </a:ln>
+          </p:spPr>
+          <p:style>
+            <a:lnRef idx="1">
+              <a:schemeClr val="accent1"/>
+            </a:lnRef>
+            <a:fillRef idx="0">
+              <a:schemeClr val="accent1"/>
+            </a:fillRef>
+            <a:effectRef idx="0">
+              <a:schemeClr val="accent1"/>
+            </a:effectRef>
+            <a:fontRef idx="minor">
+              <a:schemeClr val="tx1"/>
+            </a:fontRef>
+          </p:style>
+        </p:cxnSp>
+        <p:cxnSp>
+          <p:nvCxnSpPr>
+            <p:cNvPr id="29" name="Straight Arrow Connector 28">
+              <a:extLst>
+                <a:ext uri="{FF2B5EF4-FFF2-40B4-BE49-F238E27FC236}">
+                  <a16:creationId xmlns:a16="http://schemas.microsoft.com/office/drawing/2014/main" id="{C598AC3A-A9E6-0C1F-8352-22887D61DB72}"/>
+                </a:ext>
+              </a:extLst>
+            </p:cNvPr>
+            <p:cNvCxnSpPr>
+              <a:cxnSpLocks/>
+            </p:cNvCxnSpPr>
+            <p:nvPr/>
+          </p:nvCxnSpPr>
+          <p:spPr>
+            <a:xfrm>
+              <a:off x="8497924" y="1315416"/>
+              <a:ext cx="828000" cy="0"/>
+            </a:xfrm>
+            <a:prstGeom prst="straightConnector1">
+              <a:avLst/>
+            </a:prstGeom>
+            <a:ln w="38100">
+              <a:solidFill>
+                <a:srgbClr val="00252A"/>
+              </a:solidFill>
+              <a:tailEnd type="triangle"/>
+            </a:ln>
+          </p:spPr>
+          <p:style>
+            <a:lnRef idx="1">
+              <a:schemeClr val="accent1"/>
+            </a:lnRef>
+            <a:fillRef idx="0">
+              <a:schemeClr val="accent1"/>
+            </a:fillRef>
+            <a:effectRef idx="0">
+              <a:schemeClr val="accent1"/>
+            </a:effectRef>
+            <a:fontRef idx="minor">
+              <a:schemeClr val="tx1"/>
+            </a:fontRef>
+          </p:style>
+        </p:cxnSp>
+        <p:cxnSp>
+          <p:nvCxnSpPr>
+            <p:cNvPr id="41" name="Straight Arrow Connector 40">
+              <a:extLst>
+                <a:ext uri="{FF2B5EF4-FFF2-40B4-BE49-F238E27FC236}">
+                  <a16:creationId xmlns:a16="http://schemas.microsoft.com/office/drawing/2014/main" id="{5F67BFD1-7CDA-B734-14C4-862274276F59}"/>
+                </a:ext>
+              </a:extLst>
+            </p:cNvPr>
+            <p:cNvCxnSpPr>
+              <a:cxnSpLocks/>
+            </p:cNvCxnSpPr>
+            <p:nvPr/>
+          </p:nvCxnSpPr>
+          <p:spPr>
+            <a:xfrm>
+              <a:off x="8497924" y="1520666"/>
+              <a:ext cx="828000" cy="0"/>
+            </a:xfrm>
+            <a:prstGeom prst="straightConnector1">
+              <a:avLst/>
+            </a:prstGeom>
+            <a:ln w="38100">
+              <a:solidFill>
+                <a:srgbClr val="00252A"/>
+              </a:solidFill>
+              <a:tailEnd type="triangle"/>
+            </a:ln>
+          </p:spPr>
+          <p:style>
+            <a:lnRef idx="1">
+              <a:schemeClr val="accent1"/>
+            </a:lnRef>
+            <a:fillRef idx="0">
+              <a:schemeClr val="accent1"/>
+            </a:fillRef>
+            <a:effectRef idx="0">
+              <a:schemeClr val="accent1"/>
+            </a:effectRef>
+            <a:fontRef idx="minor">
+              <a:schemeClr val="tx1"/>
+            </a:fontRef>
+          </p:style>
+        </p:cxnSp>
+        <p:cxnSp>
+          <p:nvCxnSpPr>
+            <p:cNvPr id="48" name="Straight Arrow Connector 47">
+              <a:extLst>
+                <a:ext uri="{FF2B5EF4-FFF2-40B4-BE49-F238E27FC236}">
+                  <a16:creationId xmlns:a16="http://schemas.microsoft.com/office/drawing/2014/main" id="{FBA5C092-BA8F-7910-3AFC-DDF48589BA42}"/>
+                </a:ext>
+              </a:extLst>
+            </p:cNvPr>
+            <p:cNvCxnSpPr>
+              <a:cxnSpLocks/>
+            </p:cNvCxnSpPr>
+            <p:nvPr/>
+          </p:nvCxnSpPr>
+          <p:spPr>
+            <a:xfrm>
+              <a:off x="8497924" y="1730216"/>
+              <a:ext cx="828000" cy="516"/>
+            </a:xfrm>
+            <a:prstGeom prst="straightConnector1">
+              <a:avLst/>
+            </a:prstGeom>
+            <a:ln w="38100">
+              <a:solidFill>
+                <a:srgbClr val="00252A"/>
+              </a:solidFill>
+              <a:tailEnd type="triangle"/>
+            </a:ln>
+          </p:spPr>
+          <p:style>
+            <a:lnRef idx="1">
+              <a:schemeClr val="accent1"/>
+            </a:lnRef>
+            <a:fillRef idx="0">
+              <a:schemeClr val="accent1"/>
+            </a:fillRef>
+            <a:effectRef idx="0">
+              <a:schemeClr val="accent1"/>
+            </a:effectRef>
+            <a:fontRef idx="minor">
+              <a:schemeClr val="tx1"/>
+            </a:fontRef>
+          </p:style>
+        </p:cxnSp>
+        <p:cxnSp>
+          <p:nvCxnSpPr>
+            <p:cNvPr id="50" name="Straight Arrow Connector 49">
+              <a:extLst>
+                <a:ext uri="{FF2B5EF4-FFF2-40B4-BE49-F238E27FC236}">
+                  <a16:creationId xmlns:a16="http://schemas.microsoft.com/office/drawing/2014/main" id="{6F614C44-0F76-DFB9-782F-91BA0E632F6A}"/>
+                </a:ext>
+              </a:extLst>
+            </p:cNvPr>
+            <p:cNvCxnSpPr>
+              <a:cxnSpLocks/>
+            </p:cNvCxnSpPr>
+            <p:nvPr/>
+          </p:nvCxnSpPr>
+          <p:spPr>
+            <a:xfrm>
+              <a:off x="8497924" y="1933069"/>
+              <a:ext cx="828000" cy="0"/>
+            </a:xfrm>
+            <a:prstGeom prst="straightConnector1">
+              <a:avLst/>
+            </a:prstGeom>
+            <a:ln w="38100">
+              <a:solidFill>
+                <a:srgbClr val="00252A"/>
+              </a:solidFill>
+              <a:tailEnd type="triangle"/>
+            </a:ln>
+          </p:spPr>
+          <p:style>
+            <a:lnRef idx="1">
+              <a:schemeClr val="accent1"/>
+            </a:lnRef>
+            <a:fillRef idx="0">
+              <a:schemeClr val="accent1"/>
+            </a:fillRef>
+            <a:effectRef idx="0">
+              <a:schemeClr val="accent1"/>
+            </a:effectRef>
+            <a:fontRef idx="minor">
+              <a:schemeClr val="tx1"/>
+            </a:fontRef>
+          </p:style>
+        </p:cxnSp>
+        <p:sp>
+          <p:nvSpPr>
+            <p:cNvPr id="64" name="Graphic 62" descr="Line arrow: Rotate right with solid fill">
+              <a:extLst>
+                <a:ext uri="{FF2B5EF4-FFF2-40B4-BE49-F238E27FC236}">
+                  <a16:creationId xmlns:a16="http://schemas.microsoft.com/office/drawing/2014/main" id="{2A9DDBBE-09FA-D15E-A679-D1E4F0E953C4}"/>
+                </a:ext>
+              </a:extLst>
+            </p:cNvPr>
+            <p:cNvSpPr/>
+            <p:nvPr/>
+          </p:nvSpPr>
+          <p:spPr>
+            <a:xfrm rot="15188249" flipV="1">
+              <a:off x="8560824" y="2470709"/>
+              <a:ext cx="846586" cy="626759"/>
+            </a:xfrm>
+            <a:custGeom>
+              <a:avLst/>
+              <a:gdLst>
+                <a:gd name="connsiteX0" fmla="*/ 838014 w 846586"/>
+                <a:gd name="connsiteY0" fmla="*/ 257175 h 626759"/>
+                <a:gd name="connsiteX1" fmla="*/ 798009 w 846586"/>
+                <a:gd name="connsiteY1" fmla="*/ 256223 h 626759"/>
+                <a:gd name="connsiteX2" fmla="*/ 713236 w 846586"/>
+                <a:gd name="connsiteY2" fmla="*/ 340995 h 626759"/>
+                <a:gd name="connsiteX3" fmla="*/ 357001 w 846586"/>
+                <a:gd name="connsiteY3" fmla="*/ 0 h 626759"/>
+                <a:gd name="connsiteX4" fmla="*/ 24579 w 846586"/>
+                <a:gd name="connsiteY4" fmla="*/ 226695 h 626759"/>
+                <a:gd name="connsiteX5" fmla="*/ 113161 w 846586"/>
+                <a:gd name="connsiteY5" fmla="*/ 619125 h 626759"/>
+                <a:gd name="connsiteX6" fmla="*/ 153166 w 846586"/>
+                <a:gd name="connsiteY6" fmla="*/ 617220 h 626759"/>
+                <a:gd name="connsiteX7" fmla="*/ 152214 w 846586"/>
+                <a:gd name="connsiteY7" fmla="*/ 577215 h 626759"/>
+                <a:gd name="connsiteX8" fmla="*/ 91254 w 846586"/>
+                <a:gd name="connsiteY8" fmla="*/ 218123 h 626759"/>
+                <a:gd name="connsiteX9" fmla="*/ 421771 w 846586"/>
+                <a:gd name="connsiteY9" fmla="*/ 64770 h 626759"/>
+                <a:gd name="connsiteX10" fmla="*/ 656086 w 846586"/>
+                <a:gd name="connsiteY10" fmla="*/ 343853 h 626759"/>
+                <a:gd name="connsiteX11" fmla="*/ 569409 w 846586"/>
+                <a:gd name="connsiteY11" fmla="*/ 256223 h 626759"/>
+                <a:gd name="connsiteX12" fmla="*/ 529404 w 846586"/>
+                <a:gd name="connsiteY12" fmla="*/ 256223 h 626759"/>
+                <a:gd name="connsiteX13" fmla="*/ 529404 w 846586"/>
+                <a:gd name="connsiteY13" fmla="*/ 296228 h 626759"/>
+                <a:gd name="connsiteX14" fmla="*/ 663706 w 846586"/>
+                <a:gd name="connsiteY14" fmla="*/ 430530 h 626759"/>
+                <a:gd name="connsiteX15" fmla="*/ 681804 w 846586"/>
+                <a:gd name="connsiteY15" fmla="*/ 439103 h 626759"/>
+                <a:gd name="connsiteX16" fmla="*/ 683709 w 846586"/>
+                <a:gd name="connsiteY16" fmla="*/ 439103 h 626759"/>
+                <a:gd name="connsiteX17" fmla="*/ 686566 w 846586"/>
+                <a:gd name="connsiteY17" fmla="*/ 439103 h 626759"/>
+                <a:gd name="connsiteX18" fmla="*/ 689424 w 846586"/>
+                <a:gd name="connsiteY18" fmla="*/ 439103 h 626759"/>
+                <a:gd name="connsiteX19" fmla="*/ 691329 w 846586"/>
+                <a:gd name="connsiteY19" fmla="*/ 438150 h 626759"/>
+                <a:gd name="connsiteX20" fmla="*/ 694186 w 846586"/>
+                <a:gd name="connsiteY20" fmla="*/ 437198 h 626759"/>
+                <a:gd name="connsiteX21" fmla="*/ 694186 w 846586"/>
+                <a:gd name="connsiteY21" fmla="*/ 437198 h 626759"/>
+                <a:gd name="connsiteX22" fmla="*/ 703711 w 846586"/>
+                <a:gd name="connsiteY22" fmla="*/ 430530 h 626759"/>
+                <a:gd name="connsiteX23" fmla="*/ 838014 w 846586"/>
+                <a:gd name="connsiteY23" fmla="*/ 296228 h 626759"/>
+                <a:gd name="connsiteX24" fmla="*/ 838014 w 846586"/>
+                <a:gd name="connsiteY24" fmla="*/ 257175 h 626759"/>
+              </a:gdLst>
+              <a:ahLst/>
+              <a:cxnLst>
+                <a:cxn ang="0">
+                  <a:pos x="connsiteX0" y="connsiteY0"/>
+                </a:cxn>
+                <a:cxn ang="0">
+                  <a:pos x="connsiteX1" y="connsiteY1"/>
+                </a:cxn>
+                <a:cxn ang="0">
+                  <a:pos x="connsiteX2" y="connsiteY2"/>
+                </a:cxn>
+                <a:cxn ang="0">
+                  <a:pos x="connsiteX3" y="connsiteY3"/>
+                </a:cxn>
+                <a:cxn ang="0">
+                  <a:pos x="connsiteX4" y="connsiteY4"/>
+                </a:cxn>
+                <a:cxn ang="0">
+                  <a:pos x="connsiteX5" y="connsiteY5"/>
+                </a:cxn>
+                <a:cxn ang="0">
+                  <a:pos x="connsiteX6" y="connsiteY6"/>
+                </a:cxn>
+                <a:cxn ang="0">
+                  <a:pos x="connsiteX7" y="connsiteY7"/>
+                </a:cxn>
+                <a:cxn ang="0">
+                  <a:pos x="connsiteX8" y="connsiteY8"/>
+                </a:cxn>
+                <a:cxn ang="0">
+                  <a:pos x="connsiteX9" y="connsiteY9"/>
+                </a:cxn>
+                <a:cxn ang="0">
+                  <a:pos x="connsiteX10" y="connsiteY10"/>
+                </a:cxn>
+                <a:cxn ang="0">
+                  <a:pos x="connsiteX11" y="connsiteY11"/>
+                </a:cxn>
+                <a:cxn ang="0">
+                  <a:pos x="connsiteX12" y="connsiteY12"/>
+                </a:cxn>
+                <a:cxn ang="0">
+                  <a:pos x="connsiteX13" y="connsiteY13"/>
+                </a:cxn>
+                <a:cxn ang="0">
+                  <a:pos x="connsiteX14" y="connsiteY14"/>
+                </a:cxn>
+                <a:cxn ang="0">
+                  <a:pos x="connsiteX15" y="connsiteY15"/>
+                </a:cxn>
+                <a:cxn ang="0">
+                  <a:pos x="connsiteX16" y="connsiteY16"/>
+                </a:cxn>
+                <a:cxn ang="0">
+                  <a:pos x="connsiteX17" y="connsiteY17"/>
+                </a:cxn>
+                <a:cxn ang="0">
+                  <a:pos x="connsiteX18" y="connsiteY18"/>
+                </a:cxn>
+                <a:cxn ang="0">
+                  <a:pos x="connsiteX19" y="connsiteY19"/>
+                </a:cxn>
+                <a:cxn ang="0">
+                  <a:pos x="connsiteX20" y="connsiteY20"/>
+                </a:cxn>
+                <a:cxn ang="0">
+                  <a:pos x="connsiteX21" y="connsiteY21"/>
+                </a:cxn>
+                <a:cxn ang="0">
+                  <a:pos x="connsiteX22" y="connsiteY22"/>
+                </a:cxn>
+                <a:cxn ang="0">
+                  <a:pos x="connsiteX23" y="connsiteY23"/>
+                </a:cxn>
+                <a:cxn ang="0">
+                  <a:pos x="connsiteX24" y="connsiteY24"/>
+                </a:cxn>
+              </a:cxnLst>
+              <a:rect l="l" t="t" r="r" b="b"/>
+              <a:pathLst>
+                <a:path w="846586" h="626759">
+                  <a:moveTo>
+                    <a:pt x="838014" y="257175"/>
+                  </a:moveTo>
+                  <a:cubicBezTo>
+                    <a:pt x="827536" y="246698"/>
+                    <a:pt x="809439" y="245745"/>
+                    <a:pt x="798009" y="256223"/>
+                  </a:cubicBezTo>
+                  <a:lnTo>
+                    <a:pt x="713236" y="340995"/>
+                  </a:lnTo>
+                  <a:cubicBezTo>
+                    <a:pt x="704664" y="150495"/>
+                    <a:pt x="547501" y="0"/>
+                    <a:pt x="357001" y="0"/>
+                  </a:cubicBezTo>
+                  <a:cubicBezTo>
+                    <a:pt x="210316" y="0"/>
+                    <a:pt x="77919" y="89535"/>
+                    <a:pt x="24579" y="226695"/>
+                  </a:cubicBezTo>
+                  <a:cubicBezTo>
+                    <a:pt x="-28761" y="362903"/>
+                    <a:pt x="6481" y="519112"/>
+                    <a:pt x="113161" y="619125"/>
+                  </a:cubicBezTo>
+                  <a:cubicBezTo>
+                    <a:pt x="124591" y="629602"/>
+                    <a:pt x="142689" y="629602"/>
+                    <a:pt x="153166" y="617220"/>
+                  </a:cubicBezTo>
+                  <a:cubicBezTo>
+                    <a:pt x="163644" y="605790"/>
+                    <a:pt x="163644" y="587693"/>
+                    <a:pt x="152214" y="577215"/>
+                  </a:cubicBezTo>
+                  <a:cubicBezTo>
+                    <a:pt x="53154" y="484823"/>
+                    <a:pt x="28389" y="337185"/>
+                    <a:pt x="91254" y="218123"/>
+                  </a:cubicBezTo>
+                  <a:cubicBezTo>
+                    <a:pt x="154119" y="98107"/>
+                    <a:pt x="290326" y="35242"/>
+                    <a:pt x="421771" y="64770"/>
+                  </a:cubicBezTo>
+                  <a:cubicBezTo>
+                    <a:pt x="554169" y="94298"/>
+                    <a:pt x="650371" y="208598"/>
+                    <a:pt x="656086" y="343853"/>
+                  </a:cubicBezTo>
+                  <a:lnTo>
+                    <a:pt x="569409" y="256223"/>
+                  </a:lnTo>
+                  <a:cubicBezTo>
+                    <a:pt x="557979" y="244792"/>
+                    <a:pt x="539881" y="244792"/>
+                    <a:pt x="529404" y="256223"/>
+                  </a:cubicBezTo>
+                  <a:cubicBezTo>
+                    <a:pt x="518926" y="267653"/>
+                    <a:pt x="517974" y="285750"/>
+                    <a:pt x="529404" y="296228"/>
+                  </a:cubicBezTo>
+                  <a:lnTo>
+                    <a:pt x="663706" y="430530"/>
+                  </a:lnTo>
+                  <a:cubicBezTo>
+                    <a:pt x="668469" y="435293"/>
+                    <a:pt x="675136" y="438150"/>
+                    <a:pt x="681804" y="439103"/>
+                  </a:cubicBezTo>
+                  <a:lnTo>
+                    <a:pt x="683709" y="439103"/>
+                  </a:lnTo>
+                  <a:lnTo>
+                    <a:pt x="686566" y="439103"/>
+                  </a:lnTo>
+                  <a:lnTo>
+                    <a:pt x="689424" y="439103"/>
+                  </a:lnTo>
+                  <a:lnTo>
+                    <a:pt x="691329" y="438150"/>
+                  </a:lnTo>
+                  <a:cubicBezTo>
+                    <a:pt x="692281" y="438150"/>
+                    <a:pt x="693234" y="437198"/>
+                    <a:pt x="694186" y="437198"/>
+                  </a:cubicBezTo>
+                  <a:lnTo>
+                    <a:pt x="694186" y="437198"/>
+                  </a:lnTo>
+                  <a:cubicBezTo>
+                    <a:pt x="697996" y="436245"/>
+                    <a:pt x="700854" y="433387"/>
+                    <a:pt x="703711" y="430530"/>
+                  </a:cubicBezTo>
+                  <a:lnTo>
+                    <a:pt x="838014" y="296228"/>
+                  </a:lnTo>
+                  <a:cubicBezTo>
+                    <a:pt x="849444" y="285750"/>
+                    <a:pt x="849444" y="267653"/>
+                    <a:pt x="838014" y="257175"/>
+                  </a:cubicBezTo>
+                  <a:close/>
+                </a:path>
+              </a:pathLst>
+            </a:custGeom>
+            <a:solidFill>
+              <a:srgbClr val="00252A"/>
+            </a:solidFill>
+            <a:ln w="9525" cap="flat">
+              <a:noFill/>
+              <a:prstDash val="solid"/>
+              <a:miter/>
+            </a:ln>
+          </p:spPr>
+          <p:txBody>
+            <a:bodyPr rtlCol="0" anchor="ctr"/>
+            <a:lstStyle/>
+            <a:p>
+              <a:endParaRPr lang="en-AU" dirty="0"/>
+            </a:p>
+          </p:txBody>
+        </p:sp>
+        <p:cxnSp>
+          <p:nvCxnSpPr>
+            <p:cNvPr id="79" name="Connector: Elbow 78">
+              <a:extLst>
+                <a:ext uri="{FF2B5EF4-FFF2-40B4-BE49-F238E27FC236}">
+                  <a16:creationId xmlns:a16="http://schemas.microsoft.com/office/drawing/2014/main" id="{74F4726D-6277-0F2C-4AA8-C58D354ED3A5}"/>
+                </a:ext>
+              </a:extLst>
+            </p:cNvPr>
+            <p:cNvCxnSpPr>
+              <a:cxnSpLocks/>
+              <a:stCxn id="2" idx="2"/>
+              <a:endCxn id="6" idx="1"/>
+            </p:cNvCxnSpPr>
+            <p:nvPr/>
+          </p:nvCxnSpPr>
+          <p:spPr>
+            <a:xfrm rot="16200000" flipH="1">
+              <a:off x="3653271" y="1762477"/>
+              <a:ext cx="328664" cy="373402"/>
+            </a:xfrm>
+            <a:prstGeom prst="bentConnector2">
+              <a:avLst/>
+            </a:prstGeom>
+            <a:ln w="38100">
+              <a:solidFill>
+                <a:srgbClr val="00252A"/>
+              </a:solidFill>
+              <a:tailEnd type="triangle"/>
+            </a:ln>
+          </p:spPr>
+          <p:style>
+            <a:lnRef idx="1">
+              <a:schemeClr val="accent1"/>
+            </a:lnRef>
+            <a:fillRef idx="0">
+              <a:schemeClr val="accent1"/>
+            </a:fillRef>
+            <a:effectRef idx="0">
+              <a:schemeClr val="accent1"/>
+            </a:effectRef>
+            <a:fontRef idx="minor">
+              <a:schemeClr val="tx1"/>
+            </a:fontRef>
+          </p:style>
+        </p:cxnSp>
+        <p:cxnSp>
+          <p:nvCxnSpPr>
+            <p:cNvPr id="85" name="Connector: Elbow 84">
+              <a:extLst>
+                <a:ext uri="{FF2B5EF4-FFF2-40B4-BE49-F238E27FC236}">
+                  <a16:creationId xmlns:a16="http://schemas.microsoft.com/office/drawing/2014/main" id="{B529D85B-5E1D-DDD2-9B7F-B739DA221C82}"/>
+                </a:ext>
+              </a:extLst>
+            </p:cNvPr>
+            <p:cNvCxnSpPr>
+              <a:cxnSpLocks/>
+              <a:stCxn id="6" idx="3"/>
+              <a:endCxn id="3" idx="1"/>
+            </p:cNvCxnSpPr>
+            <p:nvPr/>
+          </p:nvCxnSpPr>
+          <p:spPr>
+            <a:xfrm flipV="1">
+              <a:off x="5851306" y="1424062"/>
+              <a:ext cx="1012293" cy="689448"/>
+            </a:xfrm>
+            <a:prstGeom prst="bentConnector3">
+              <a:avLst>
+                <a:gd name="adj1" fmla="val 50000"/>
+              </a:avLst>
+            </a:prstGeom>
+            <a:ln w="38100">
+              <a:solidFill>
+                <a:srgbClr val="00252A"/>
+              </a:solidFill>
+              <a:tailEnd type="triangle"/>
+            </a:ln>
+          </p:spPr>
+          <p:style>
+            <a:lnRef idx="1">
+              <a:schemeClr val="accent1"/>
+            </a:lnRef>
+            <a:fillRef idx="0">
+              <a:schemeClr val="accent1"/>
+            </a:fillRef>
+            <a:effectRef idx="0">
+              <a:schemeClr val="accent1"/>
+            </a:effectRef>
+            <a:fontRef idx="minor">
+              <a:schemeClr val="tx1"/>
+            </a:fontRef>
+          </p:style>
+        </p:cxnSp>
+        <p:cxnSp>
+          <p:nvCxnSpPr>
+            <p:cNvPr id="88" name="Connector: Elbow 87">
+              <a:extLst>
+                <a:ext uri="{FF2B5EF4-FFF2-40B4-BE49-F238E27FC236}">
+                  <a16:creationId xmlns:a16="http://schemas.microsoft.com/office/drawing/2014/main" id="{50319F2D-EDC3-EFAB-493C-A590A8CDDD33}"/>
+                </a:ext>
+              </a:extLst>
+            </p:cNvPr>
+            <p:cNvCxnSpPr>
+              <a:cxnSpLocks/>
+              <a:stCxn id="6" idx="3"/>
+              <a:endCxn id="5" idx="1"/>
+            </p:cNvCxnSpPr>
+            <p:nvPr/>
+          </p:nvCxnSpPr>
+          <p:spPr>
+            <a:xfrm>
+              <a:off x="5851306" y="2113510"/>
+              <a:ext cx="1012292" cy="734604"/>
+            </a:xfrm>
+            <a:prstGeom prst="bentConnector3">
+              <a:avLst>
+                <a:gd name="adj1" fmla="val 50000"/>
+              </a:avLst>
+            </a:prstGeom>
+            <a:ln w="38100">
+              <a:solidFill>
+                <a:srgbClr val="00252A"/>
+              </a:solidFill>
+              <a:tailEnd type="triangle"/>
+            </a:ln>
+          </p:spPr>
+          <p:style>
+            <a:lnRef idx="1">
+              <a:schemeClr val="accent1"/>
+            </a:lnRef>
+            <a:fillRef idx="0">
+              <a:schemeClr val="accent1"/>
+            </a:fillRef>
+            <a:effectRef idx="0">
+              <a:schemeClr val="accent1"/>
+            </a:effectRef>
+            <a:fontRef idx="minor">
+              <a:schemeClr val="tx1"/>
+            </a:fontRef>
+          </p:style>
+        </p:cxnSp>
+      </p:grpSp>
+    </p:spTree>
+    <p:extLst>
+      <p:ext uri="{BB962C8B-B14F-4D97-AF65-F5344CB8AC3E}">
+        <p14:creationId xmlns:p14="http://schemas.microsoft.com/office/powerpoint/2010/main" val="758282253"/>
+      </p:ext>
+    </p:extLst>
+  </p:cSld>
+  <p:clrMapOvr>
+    <a:masterClrMapping/>
+  </p:clrMapOvr>
+</p:sld>
+</file>
+
 <file path=ppt/theme/theme1.xml><?xml version="1.0" encoding="utf-8"?>
 <a:theme xmlns:a="http://schemas.openxmlformats.org/drawingml/2006/main" name="Office Theme">
   <a:themeElements>
